--- a/notes/day_2.pptx
+++ b/notes/day_2.pptx
@@ -5,12 +5,17 @@
     <p:sldMasterId id="2147483648" r:id="rId1"/>
   </p:sldMasterIdLst>
   <p:notesMasterIdLst>
-    <p:notesMasterId r:id="rId5"/>
+    <p:notesMasterId r:id="rId10"/>
   </p:notesMasterIdLst>
   <p:sldIdLst>
     <p:sldId id="256" r:id="rId2"/>
     <p:sldId id="257" r:id="rId3"/>
     <p:sldId id="258" r:id="rId4"/>
+    <p:sldId id="259" r:id="rId5"/>
+    <p:sldId id="278" r:id="rId6"/>
+    <p:sldId id="280" r:id="rId7"/>
+    <p:sldId id="281" r:id="rId8"/>
+    <p:sldId id="282" r:id="rId9"/>
   </p:sldIdLst>
   <p:sldSz cx="12192000" cy="6858000"/>
   <p:notesSz cx="6858000" cy="9144000"/>
@@ -4660,7 +4665,7 @@
               </a:tabLst>
             </a:pPr>
             <a:r>
-              <a:rPr lang="en-GB" sz="4000" dirty="0">
+              <a:rPr lang="en-GB" sz="3200" dirty="0">
                 <a:solidFill>
                   <a:srgbClr val="000000"/>
                 </a:solidFill>
@@ -4876,8 +4881,8 @@
         </p:nvSpPr>
         <p:spPr bwMode="auto">
           <a:xfrm>
-            <a:off x="1752600" y="1739209"/>
-            <a:ext cx="8686800" cy="3688347"/>
+            <a:off x="1676401" y="1572091"/>
+            <a:ext cx="8686800" cy="3881652"/>
           </a:xfrm>
           <a:prstGeom prst="rect">
             <a:avLst/>
@@ -4943,13 +4948,13 @@
               </a:tabLst>
             </a:pPr>
             <a:r>
-              <a:rPr lang="en-GB" sz="3200" dirty="0">
+              <a:rPr lang="en-GB" sz="2400" dirty="0">
                 <a:solidFill>
                   <a:srgbClr val="000000"/>
                 </a:solidFill>
                 <a:latin typeface="Times New Roman" pitchFamily="18" charset="0"/>
               </a:rPr>
-              <a:t>What is a good “summary” value which well describes the sample?</a:t>
+              <a:t>What is a good “summary” value which well describes the sample and uncertainty?</a:t>
             </a:r>
           </a:p>
           <a:p>
@@ -4975,7 +4980,7 @@
               </a:tabLst>
             </a:pPr>
             <a:r>
-              <a:rPr lang="en-GB" sz="3200" dirty="0">
+              <a:rPr lang="en-GB" sz="2400" dirty="0">
                 <a:solidFill>
                   <a:srgbClr val="000000"/>
                 </a:solidFill>
@@ -5007,7 +5012,7 @@
               </a:tabLst>
             </a:pPr>
             <a:r>
-              <a:rPr lang="en-GB" sz="3200" b="1" dirty="0">
+              <a:rPr lang="en-GB" sz="2400" b="1" dirty="0">
                 <a:solidFill>
                   <a:srgbClr val="000000"/>
                 </a:solidFill>
@@ -5039,7 +5044,7 @@
               </a:tabLst>
             </a:pPr>
             <a:r>
-              <a:rPr lang="en-GB" sz="3200" b="1" dirty="0">
+              <a:rPr lang="en-GB" sz="2400" b="1" dirty="0">
                 <a:solidFill>
                   <a:srgbClr val="000000"/>
                 </a:solidFill>
@@ -5071,13 +5076,77 @@
               </a:tabLst>
             </a:pPr>
             <a:r>
-              <a:rPr lang="en-GB" sz="3200" b="1" dirty="0">
+              <a:rPr lang="en-GB" sz="2400" b="1" dirty="0">
                 <a:solidFill>
                   <a:srgbClr val="000000"/>
                 </a:solidFill>
                 <a:latin typeface="Times New Roman" pitchFamily="18" charset="0"/>
               </a:rPr>
               <a:t>Mode</a:t>
+            </a:r>
+          </a:p>
+          <a:p>
+            <a:pPr marL="1801813" lvl="3" indent="-323850">
+              <a:spcBef>
+                <a:spcPts val="800"/>
+              </a:spcBef>
+              <a:buFont typeface="Times New Roman" pitchFamily="18" charset="0"/>
+              <a:buChar char="•"/>
+              <a:tabLst>
+                <a:tab pos="430213" algn="l"/>
+                <a:tab pos="1344613" algn="l"/>
+                <a:tab pos="2259013" algn="l"/>
+                <a:tab pos="3173413" algn="l"/>
+                <a:tab pos="4087813" algn="l"/>
+                <a:tab pos="5002213" algn="l"/>
+                <a:tab pos="5916613" algn="l"/>
+                <a:tab pos="6831013" algn="l"/>
+                <a:tab pos="7745413" algn="l"/>
+                <a:tab pos="8659813" algn="l"/>
+                <a:tab pos="9574213" algn="l"/>
+                <a:tab pos="10488613" algn="l"/>
+              </a:tabLst>
+            </a:pPr>
+            <a:r>
+              <a:rPr lang="en-GB" sz="2400" b="1" dirty="0">
+                <a:solidFill>
+                  <a:srgbClr val="000000"/>
+                </a:solidFill>
+                <a:latin typeface="Times New Roman" pitchFamily="18" charset="0"/>
+              </a:rPr>
+              <a:t>Standard deviation</a:t>
+            </a:r>
+          </a:p>
+          <a:p>
+            <a:pPr marL="1801813" lvl="3" indent="-323850">
+              <a:spcBef>
+                <a:spcPts val="800"/>
+              </a:spcBef>
+              <a:buFont typeface="Times New Roman" pitchFamily="18" charset="0"/>
+              <a:buChar char="•"/>
+              <a:tabLst>
+                <a:tab pos="430213" algn="l"/>
+                <a:tab pos="1344613" algn="l"/>
+                <a:tab pos="2259013" algn="l"/>
+                <a:tab pos="3173413" algn="l"/>
+                <a:tab pos="4087813" algn="l"/>
+                <a:tab pos="5002213" algn="l"/>
+                <a:tab pos="5916613" algn="l"/>
+                <a:tab pos="6831013" algn="l"/>
+                <a:tab pos="7745413" algn="l"/>
+                <a:tab pos="8659813" algn="l"/>
+                <a:tab pos="9574213" algn="l"/>
+                <a:tab pos="10488613" algn="l"/>
+              </a:tabLst>
+            </a:pPr>
+            <a:r>
+              <a:rPr lang="en-GB" sz="2400" b="1" dirty="0">
+                <a:solidFill>
+                  <a:srgbClr val="000000"/>
+                </a:solidFill>
+                <a:latin typeface="Times New Roman" pitchFamily="18" charset="0"/>
+              </a:rPr>
+              <a:t>Standard error of the mean</a:t>
             </a:r>
           </a:p>
         </p:txBody>
@@ -5091,13 +5160,15 @@
               </a:ext>
             </a:extLst>
           </p:cNvPr>
-          <p:cNvCxnSpPr/>
+          <p:cNvCxnSpPr>
+            <a:cxnSpLocks/>
+          </p:cNvCxnSpPr>
           <p:nvPr/>
         </p:nvCxnSpPr>
         <p:spPr>
           <a:xfrm>
-            <a:off x="3099652" y="5155096"/>
-            <a:ext cx="1664425" cy="0"/>
+            <a:off x="3037114" y="4295126"/>
+            <a:ext cx="1338943" cy="0"/>
           </a:xfrm>
           <a:prstGeom prst="line">
             <a:avLst/>
@@ -5254,6 +5325,2958 @@
       </p:par>
     </p:tnLst>
   </p:timing>
+</p:sld>
+</file>
+
+<file path=ppt/slides/slide4.xml><?xml version="1.0" encoding="utf-8"?>
+<p:sld xmlns:a="http://schemas.openxmlformats.org/drawingml/2006/main" xmlns:r="http://schemas.openxmlformats.org/officeDocument/2006/relationships" xmlns:p="http://schemas.openxmlformats.org/presentationml/2006/main">
+  <p:cSld>
+    <p:spTree>
+      <p:nvGrpSpPr>
+        <p:cNvPr id="1" name=""/>
+        <p:cNvGrpSpPr/>
+        <p:nvPr/>
+      </p:nvGrpSpPr>
+      <p:grpSpPr>
+        <a:xfrm>
+          <a:off x="0" y="0"/>
+          <a:ext cx="0" cy="0"/>
+          <a:chOff x="0" y="0"/>
+          <a:chExt cx="0" cy="0"/>
+        </a:xfrm>
+      </p:grpSpPr>
+      <p:sp>
+        <p:nvSpPr>
+          <p:cNvPr id="2" name="Rectangle 4">
+            <a:extLst>
+              <a:ext uri="{FF2B5EF4-FFF2-40B4-BE49-F238E27FC236}">
+                <a16:creationId xmlns:a16="http://schemas.microsoft.com/office/drawing/2014/main" id="{A5F1685E-DCBE-7B4B-9F56-28D3CFC63334}"/>
+              </a:ext>
+            </a:extLst>
+          </p:cNvPr>
+          <p:cNvSpPr>
+            <a:spLocks noChangeArrowheads="1"/>
+          </p:cNvSpPr>
+          <p:nvPr/>
+        </p:nvSpPr>
+        <p:spPr bwMode="auto">
+          <a:xfrm>
+            <a:off x="1701348" y="332601"/>
+            <a:ext cx="8607425" cy="1127125"/>
+          </a:xfrm>
+          <a:prstGeom prst="rect">
+            <a:avLst/>
+          </a:prstGeom>
+          <a:noFill/>
+          <a:ln w="9525">
+            <a:noFill/>
+            <a:round/>
+            <a:headEnd/>
+            <a:tailEnd/>
+          </a:ln>
+        </p:spPr>
+        <p:txBody>
+          <a:bodyPr lIns="0" tIns="0" rIns="0" bIns="0" anchor="ctr"/>
+          <a:lstStyle/>
+          <a:p>
+            <a:pPr algn="ctr">
+              <a:buClr>
+                <a:srgbClr val="000000"/>
+              </a:buClr>
+              <a:buSzPct val="100000"/>
+              <a:buFont typeface="Times New Roman" pitchFamily="18" charset="0"/>
+              <a:buNone/>
+              <a:tabLst>
+                <a:tab pos="0" algn="l"/>
+                <a:tab pos="914400" algn="l"/>
+                <a:tab pos="1828800" algn="l"/>
+                <a:tab pos="2743200" algn="l"/>
+                <a:tab pos="3657600" algn="l"/>
+                <a:tab pos="4572000" algn="l"/>
+                <a:tab pos="5486400" algn="l"/>
+                <a:tab pos="6400800" algn="l"/>
+                <a:tab pos="7315200" algn="l"/>
+                <a:tab pos="8229600" algn="l"/>
+                <a:tab pos="9144000" algn="l"/>
+                <a:tab pos="10058400" algn="l"/>
+              </a:tabLst>
+            </a:pPr>
+            <a:r>
+              <a:rPr lang="en-GB" sz="4000" dirty="0">
+                <a:solidFill>
+                  <a:srgbClr val="000000"/>
+                </a:solidFill>
+                <a:latin typeface="Times New Roman" pitchFamily="18" charset="0"/>
+              </a:rPr>
+              <a:t>Basic Statistical Commands:</a:t>
+            </a:r>
+          </a:p>
+        </p:txBody>
+      </p:sp>
+      <p:pic>
+        <p:nvPicPr>
+          <p:cNvPr id="3" name="Picture 2">
+            <a:extLst>
+              <a:ext uri="{FF2B5EF4-FFF2-40B4-BE49-F238E27FC236}">
+                <a16:creationId xmlns:a16="http://schemas.microsoft.com/office/drawing/2014/main" id="{B5F638C7-0158-A449-A47C-CB28278B117B}"/>
+              </a:ext>
+            </a:extLst>
+          </p:cNvPr>
+          <p:cNvPicPr>
+            <a:picLocks noChangeAspect="1" noChangeArrowheads="1"/>
+          </p:cNvPicPr>
+          <p:nvPr/>
+        </p:nvPicPr>
+        <p:blipFill>
+          <a:blip r:embed="rId2" cstate="print"/>
+          <a:srcRect/>
+          <a:stretch>
+            <a:fillRect/>
+          </a:stretch>
+        </p:blipFill>
+        <p:spPr bwMode="auto">
+          <a:xfrm>
+            <a:off x="1953761" y="76200"/>
+            <a:ext cx="8202612" cy="239712"/>
+          </a:xfrm>
+          <a:prstGeom prst="rect">
+            <a:avLst/>
+          </a:prstGeom>
+          <a:noFill/>
+          <a:ln w="9525">
+            <a:noFill/>
+            <a:round/>
+            <a:headEnd/>
+            <a:tailEnd/>
+          </a:ln>
+        </p:spPr>
+      </p:pic>
+      <p:sp>
+        <p:nvSpPr>
+          <p:cNvPr id="4" name="Rectangle 3">
+            <a:extLst>
+              <a:ext uri="{FF2B5EF4-FFF2-40B4-BE49-F238E27FC236}">
+                <a16:creationId xmlns:a16="http://schemas.microsoft.com/office/drawing/2014/main" id="{531BCB03-31D2-4949-9BE2-4192A902EF8E}"/>
+              </a:ext>
+            </a:extLst>
+          </p:cNvPr>
+          <p:cNvSpPr/>
+          <p:nvPr/>
+        </p:nvSpPr>
+        <p:spPr>
+          <a:xfrm>
+            <a:off x="65314" y="1440889"/>
+            <a:ext cx="12083142" cy="5047536"/>
+          </a:xfrm>
+          <a:prstGeom prst="rect">
+            <a:avLst/>
+          </a:prstGeom>
+          <a:solidFill>
+            <a:srgbClr val="000C78"/>
+          </a:solidFill>
+        </p:spPr>
+        <p:txBody>
+          <a:bodyPr wrap="square">
+            <a:spAutoFit/>
+          </a:bodyPr>
+          <a:lstStyle/>
+          <a:p>
+            <a:r>
+              <a:rPr lang="en-US" sz="1400" dirty="0">
+                <a:solidFill>
+                  <a:srgbClr val="FFFF00"/>
+                </a:solidFill>
+                <a:latin typeface="Courier"/>
+                <a:cs typeface="Courier"/>
+              </a:rPr>
+              <a:t># Load data:</a:t>
+            </a:r>
+          </a:p>
+          <a:p>
+            <a:r>
+              <a:rPr lang="en-US" sz="1400" dirty="0" err="1">
+                <a:solidFill>
+                  <a:schemeClr val="bg1"/>
+                </a:solidFill>
+                <a:latin typeface="Courier"/>
+                <a:cs typeface="Courier"/>
+              </a:rPr>
+              <a:t>dat</a:t>
+            </a:r>
+            <a:r>
+              <a:rPr lang="en-US" sz="1400" dirty="0">
+                <a:solidFill>
+                  <a:schemeClr val="bg1"/>
+                </a:solidFill>
+                <a:latin typeface="Courier"/>
+                <a:cs typeface="Courier"/>
+              </a:rPr>
+              <a:t> &lt;- </a:t>
+            </a:r>
+            <a:r>
+              <a:rPr lang="en-US" sz="1400" dirty="0" err="1">
+                <a:solidFill>
+                  <a:schemeClr val="bg1"/>
+                </a:solidFill>
+                <a:latin typeface="Courier"/>
+                <a:cs typeface="Courier"/>
+              </a:rPr>
+              <a:t>read.csv</a:t>
+            </a:r>
+            <a:r>
+              <a:rPr lang="en-US" sz="1400" dirty="0">
+                <a:solidFill>
+                  <a:schemeClr val="bg1"/>
+                </a:solidFill>
+                <a:latin typeface="Courier"/>
+                <a:cs typeface="Courier"/>
+              </a:rPr>
+              <a:t>(</a:t>
+            </a:r>
+            <a:r>
+              <a:rPr lang="en-US" sz="1400" dirty="0">
+                <a:solidFill>
+                  <a:srgbClr val="00B050"/>
+                </a:solidFill>
+                <a:latin typeface="Courier"/>
+                <a:cs typeface="Courier"/>
+              </a:rPr>
+              <a:t>"https://</a:t>
+            </a:r>
+            <a:r>
+              <a:rPr lang="en-US" sz="1400" dirty="0" err="1">
+                <a:solidFill>
+                  <a:srgbClr val="00B050"/>
+                </a:solidFill>
+                <a:latin typeface="Courier"/>
+                <a:cs typeface="Courier"/>
+              </a:rPr>
+              <a:t>raw.githubusercontent.com</a:t>
+            </a:r>
+            <a:r>
+              <a:rPr lang="en-US" sz="1400" dirty="0">
+                <a:solidFill>
+                  <a:srgbClr val="00B050"/>
+                </a:solidFill>
+                <a:latin typeface="Courier"/>
+                <a:cs typeface="Courier"/>
+              </a:rPr>
+              <a:t>/</a:t>
+            </a:r>
+            <a:r>
+              <a:rPr lang="en-US" sz="1400" dirty="0" err="1">
+                <a:solidFill>
+                  <a:srgbClr val="00B050"/>
+                </a:solidFill>
+                <a:latin typeface="Courier"/>
+                <a:cs typeface="Courier"/>
+              </a:rPr>
+              <a:t>npetraco</a:t>
+            </a:r>
+            <a:r>
+              <a:rPr lang="en-US" sz="1400" dirty="0">
+                <a:solidFill>
+                  <a:srgbClr val="00B050"/>
+                </a:solidFill>
+                <a:latin typeface="Courier"/>
+                <a:cs typeface="Courier"/>
+              </a:rPr>
+              <a:t>/workshop21/master/data/</a:t>
+            </a:r>
+            <a:r>
+              <a:rPr lang="en-US" sz="1400" dirty="0" err="1">
+                <a:solidFill>
+                  <a:srgbClr val="00B050"/>
+                </a:solidFill>
+                <a:latin typeface="Courier"/>
+                <a:cs typeface="Courier"/>
+              </a:rPr>
+              <a:t>lamwrite.csv</a:t>
+            </a:r>
+            <a:r>
+              <a:rPr lang="en-US" sz="1400" dirty="0">
+                <a:solidFill>
+                  <a:srgbClr val="00B050"/>
+                </a:solidFill>
+                <a:latin typeface="Courier"/>
+                <a:cs typeface="Courier"/>
+              </a:rPr>
+              <a:t>"</a:t>
+            </a:r>
+            <a:r>
+              <a:rPr lang="en-US" sz="1400" dirty="0">
+                <a:solidFill>
+                  <a:schemeClr val="bg1"/>
+                </a:solidFill>
+                <a:latin typeface="Courier"/>
+                <a:cs typeface="Courier"/>
+              </a:rPr>
+              <a:t>, header=T)</a:t>
+            </a:r>
+          </a:p>
+          <a:p>
+            <a:r>
+              <a:rPr lang="en-US" sz="1400" dirty="0">
+                <a:solidFill>
+                  <a:schemeClr val="bg1"/>
+                </a:solidFill>
+                <a:latin typeface="Courier"/>
+                <a:cs typeface="Courier"/>
+              </a:rPr>
+              <a:t>head(</a:t>
+            </a:r>
+            <a:r>
+              <a:rPr lang="en-US" sz="1400" dirty="0" err="1">
+                <a:solidFill>
+                  <a:schemeClr val="bg1"/>
+                </a:solidFill>
+                <a:latin typeface="Courier"/>
+                <a:cs typeface="Courier"/>
+              </a:rPr>
+              <a:t>dat</a:t>
+            </a:r>
+            <a:r>
+              <a:rPr lang="en-US" sz="1400" dirty="0">
+                <a:solidFill>
+                  <a:schemeClr val="bg1"/>
+                </a:solidFill>
+                <a:latin typeface="Courier"/>
+                <a:cs typeface="Courier"/>
+              </a:rPr>
+              <a:t>)</a:t>
+            </a:r>
+          </a:p>
+          <a:p>
+            <a:r>
+              <a:rPr lang="en-US" sz="1400" dirty="0">
+                <a:solidFill>
+                  <a:schemeClr val="bg1"/>
+                </a:solidFill>
+                <a:latin typeface="Courier"/>
+                <a:cs typeface="Courier"/>
+              </a:rPr>
+              <a:t>dim(</a:t>
+            </a:r>
+            <a:r>
+              <a:rPr lang="en-US" sz="1400" dirty="0" err="1">
+                <a:solidFill>
+                  <a:schemeClr val="bg1"/>
+                </a:solidFill>
+                <a:latin typeface="Courier"/>
+                <a:cs typeface="Courier"/>
+              </a:rPr>
+              <a:t>dat</a:t>
+            </a:r>
+            <a:r>
+              <a:rPr lang="en-US" sz="1400" dirty="0">
+                <a:solidFill>
+                  <a:schemeClr val="bg1"/>
+                </a:solidFill>
+                <a:latin typeface="Courier"/>
+                <a:cs typeface="Courier"/>
+              </a:rPr>
+              <a:t>)</a:t>
+            </a:r>
+          </a:p>
+          <a:p>
+            <a:endParaRPr lang="en-US" sz="1400" dirty="0">
+              <a:solidFill>
+                <a:schemeClr val="bg1"/>
+              </a:solidFill>
+              <a:latin typeface="Courier"/>
+              <a:cs typeface="Courier"/>
+            </a:endParaRPr>
+          </a:p>
+          <a:p>
+            <a:r>
+              <a:rPr lang="en-US" sz="1400" dirty="0">
+                <a:solidFill>
+                  <a:srgbClr val="FFFF00"/>
+                </a:solidFill>
+                <a:latin typeface="Courier"/>
+                <a:cs typeface="Courier"/>
+              </a:rPr>
+              <a:t># Dump column 2 to a variable:</a:t>
+            </a:r>
+          </a:p>
+          <a:p>
+            <a:r>
+              <a:rPr lang="en-US" sz="1400" dirty="0" err="1">
+                <a:solidFill>
+                  <a:schemeClr val="bg1"/>
+                </a:solidFill>
+                <a:latin typeface="Courier"/>
+                <a:cs typeface="Courier"/>
+              </a:rPr>
+              <a:t>aav</a:t>
+            </a:r>
+            <a:r>
+              <a:rPr lang="en-US" sz="1400" dirty="0">
+                <a:solidFill>
+                  <a:schemeClr val="bg1"/>
+                </a:solidFill>
+                <a:latin typeface="Courier"/>
+                <a:cs typeface="Courier"/>
+              </a:rPr>
+              <a:t> &lt;- </a:t>
+            </a:r>
+            <a:r>
+              <a:rPr lang="en-US" sz="1400" dirty="0" err="1">
+                <a:solidFill>
+                  <a:schemeClr val="bg1"/>
+                </a:solidFill>
+                <a:latin typeface="Courier"/>
+                <a:cs typeface="Courier"/>
+              </a:rPr>
+              <a:t>dat</a:t>
+            </a:r>
+            <a:r>
+              <a:rPr lang="en-US" sz="1400" dirty="0">
+                <a:solidFill>
+                  <a:schemeClr val="bg1"/>
+                </a:solidFill>
+                <a:latin typeface="Courier"/>
+                <a:cs typeface="Courier"/>
+              </a:rPr>
+              <a:t>[,2]</a:t>
+            </a:r>
+          </a:p>
+          <a:p>
+            <a:endParaRPr lang="en-US" sz="1400" dirty="0">
+              <a:solidFill>
+                <a:schemeClr val="bg1"/>
+              </a:solidFill>
+              <a:latin typeface="Courier"/>
+              <a:cs typeface="Courier"/>
+            </a:endParaRPr>
+          </a:p>
+          <a:p>
+            <a:r>
+              <a:rPr lang="en-US" sz="1400" dirty="0">
+                <a:solidFill>
+                  <a:srgbClr val="FFFF00"/>
+                </a:solidFill>
+                <a:latin typeface="Courier"/>
+                <a:cs typeface="Courier"/>
+              </a:rPr>
+              <a:t># Look at the data:</a:t>
+            </a:r>
+          </a:p>
+          <a:p>
+            <a:r>
+              <a:rPr lang="en-US" sz="1400" dirty="0">
+                <a:solidFill>
+                  <a:schemeClr val="bg1"/>
+                </a:solidFill>
+                <a:latin typeface="Courier"/>
+                <a:cs typeface="Courier"/>
+              </a:rPr>
+              <a:t>hist(</a:t>
+            </a:r>
+            <a:r>
+              <a:rPr lang="en-US" sz="1400" dirty="0" err="1">
+                <a:solidFill>
+                  <a:schemeClr val="bg1"/>
+                </a:solidFill>
+                <a:latin typeface="Courier"/>
+                <a:cs typeface="Courier"/>
+              </a:rPr>
+              <a:t>aav</a:t>
+            </a:r>
+            <a:r>
+              <a:rPr lang="en-US" sz="1400" dirty="0">
+                <a:solidFill>
+                  <a:schemeClr val="bg1"/>
+                </a:solidFill>
+                <a:latin typeface="Courier"/>
+                <a:cs typeface="Courier"/>
+              </a:rPr>
+              <a:t>)</a:t>
+            </a:r>
+          </a:p>
+          <a:p>
+            <a:endParaRPr lang="en-US" sz="1400" dirty="0">
+              <a:solidFill>
+                <a:schemeClr val="bg1"/>
+              </a:solidFill>
+              <a:latin typeface="Courier"/>
+              <a:cs typeface="Courier"/>
+            </a:endParaRPr>
+          </a:p>
+          <a:p>
+            <a:r>
+              <a:rPr lang="en-US" sz="1400" dirty="0">
+                <a:solidFill>
+                  <a:srgbClr val="FFFF00"/>
+                </a:solidFill>
+                <a:latin typeface="Courier"/>
+                <a:cs typeface="Courier"/>
+              </a:rPr>
+              <a:t># Compute the sample mean:</a:t>
+            </a:r>
+          </a:p>
+          <a:p>
+            <a:r>
+              <a:rPr lang="en-US" sz="1400" dirty="0">
+                <a:solidFill>
+                  <a:schemeClr val="bg1"/>
+                </a:solidFill>
+                <a:latin typeface="Courier"/>
+                <a:cs typeface="Courier"/>
+              </a:rPr>
+              <a:t>mean(</a:t>
+            </a:r>
+            <a:r>
+              <a:rPr lang="en-US" sz="1400" dirty="0" err="1">
+                <a:solidFill>
+                  <a:schemeClr val="bg1"/>
+                </a:solidFill>
+                <a:latin typeface="Courier"/>
+                <a:cs typeface="Courier"/>
+              </a:rPr>
+              <a:t>aav</a:t>
+            </a:r>
+            <a:r>
+              <a:rPr lang="en-US" sz="1400" dirty="0">
+                <a:solidFill>
+                  <a:schemeClr val="bg1"/>
+                </a:solidFill>
+                <a:latin typeface="Courier"/>
+                <a:cs typeface="Courier"/>
+              </a:rPr>
+              <a:t>)</a:t>
+            </a:r>
+          </a:p>
+          <a:p>
+            <a:endParaRPr lang="en-US" sz="1400" dirty="0">
+              <a:solidFill>
+                <a:schemeClr val="bg1"/>
+              </a:solidFill>
+              <a:latin typeface="Courier"/>
+              <a:cs typeface="Courier"/>
+            </a:endParaRPr>
+          </a:p>
+          <a:p>
+            <a:r>
+              <a:rPr lang="en-US" sz="1400" dirty="0">
+                <a:solidFill>
+                  <a:srgbClr val="FFFF00"/>
+                </a:solidFill>
+                <a:latin typeface="Courier"/>
+                <a:cs typeface="Courier"/>
+              </a:rPr>
+              <a:t># Compute the sample median:</a:t>
+            </a:r>
+          </a:p>
+          <a:p>
+            <a:r>
+              <a:rPr lang="en-US" sz="1400" dirty="0">
+                <a:solidFill>
+                  <a:schemeClr val="bg1"/>
+                </a:solidFill>
+                <a:latin typeface="Courier"/>
+                <a:cs typeface="Courier"/>
+              </a:rPr>
+              <a:t>median(</a:t>
+            </a:r>
+            <a:r>
+              <a:rPr lang="en-US" sz="1400" dirty="0" err="1">
+                <a:solidFill>
+                  <a:schemeClr val="bg1"/>
+                </a:solidFill>
+                <a:latin typeface="Courier"/>
+                <a:cs typeface="Courier"/>
+              </a:rPr>
+              <a:t>aav</a:t>
+            </a:r>
+            <a:r>
+              <a:rPr lang="en-US" sz="1400" dirty="0">
+                <a:solidFill>
+                  <a:schemeClr val="bg1"/>
+                </a:solidFill>
+                <a:latin typeface="Courier"/>
+                <a:cs typeface="Courier"/>
+              </a:rPr>
+              <a:t>)</a:t>
+            </a:r>
+          </a:p>
+          <a:p>
+            <a:endParaRPr lang="en-US" sz="1400" dirty="0">
+              <a:solidFill>
+                <a:schemeClr val="bg1"/>
+              </a:solidFill>
+              <a:latin typeface="Courier"/>
+              <a:cs typeface="Courier"/>
+            </a:endParaRPr>
+          </a:p>
+          <a:p>
+            <a:r>
+              <a:rPr lang="en-US" sz="1400" dirty="0">
+                <a:solidFill>
+                  <a:srgbClr val="FFFF00"/>
+                </a:solidFill>
+                <a:latin typeface="Courier"/>
+                <a:cs typeface="Courier"/>
+              </a:rPr>
+              <a:t># Compute the standard deviation:</a:t>
+            </a:r>
+          </a:p>
+          <a:p>
+            <a:r>
+              <a:rPr lang="en-US" sz="1400" dirty="0" err="1">
+                <a:solidFill>
+                  <a:schemeClr val="bg1"/>
+                </a:solidFill>
+                <a:latin typeface="Courier"/>
+                <a:cs typeface="Courier"/>
+              </a:rPr>
+              <a:t>sd</a:t>
+            </a:r>
+            <a:r>
+              <a:rPr lang="en-US" sz="1400" dirty="0">
+                <a:solidFill>
+                  <a:schemeClr val="bg1"/>
+                </a:solidFill>
+                <a:latin typeface="Courier"/>
+                <a:cs typeface="Courier"/>
+              </a:rPr>
+              <a:t>(</a:t>
+            </a:r>
+            <a:r>
+              <a:rPr lang="en-US" sz="1400" dirty="0" err="1">
+                <a:solidFill>
+                  <a:schemeClr val="bg1"/>
+                </a:solidFill>
+                <a:latin typeface="Courier"/>
+                <a:cs typeface="Courier"/>
+              </a:rPr>
+              <a:t>aav</a:t>
+            </a:r>
+            <a:r>
+              <a:rPr lang="en-US" sz="1400" dirty="0">
+                <a:solidFill>
+                  <a:schemeClr val="bg1"/>
+                </a:solidFill>
+                <a:latin typeface="Courier"/>
+                <a:cs typeface="Courier"/>
+              </a:rPr>
+              <a:t>)</a:t>
+            </a:r>
+          </a:p>
+          <a:p>
+            <a:endParaRPr lang="en-US" sz="1400" dirty="0">
+              <a:solidFill>
+                <a:schemeClr val="bg1"/>
+              </a:solidFill>
+              <a:latin typeface="Courier"/>
+              <a:cs typeface="Courier"/>
+            </a:endParaRPr>
+          </a:p>
+          <a:p>
+            <a:r>
+              <a:rPr lang="en-US" sz="1400" dirty="0">
+                <a:solidFill>
+                  <a:srgbClr val="FFFF00"/>
+                </a:solidFill>
+                <a:latin typeface="Courier"/>
+                <a:cs typeface="Courier"/>
+              </a:rPr>
+              <a:t># Standard error of the mean (we need these for CI's):</a:t>
+            </a:r>
+          </a:p>
+          <a:p>
+            <a:r>
+              <a:rPr lang="en-US" sz="1400" dirty="0">
+                <a:solidFill>
+                  <a:schemeClr val="bg1"/>
+                </a:solidFill>
+                <a:latin typeface="Courier"/>
+                <a:cs typeface="Courier"/>
+              </a:rPr>
+              <a:t>n &lt;- length(</a:t>
+            </a:r>
+            <a:r>
+              <a:rPr lang="en-US" sz="1400" dirty="0" err="1">
+                <a:solidFill>
+                  <a:schemeClr val="bg1"/>
+                </a:solidFill>
+                <a:latin typeface="Courier"/>
+                <a:cs typeface="Courier"/>
+              </a:rPr>
+              <a:t>aav</a:t>
+            </a:r>
+            <a:r>
+              <a:rPr lang="en-US" sz="1400" dirty="0">
+                <a:solidFill>
+                  <a:schemeClr val="bg1"/>
+                </a:solidFill>
+                <a:latin typeface="Courier"/>
+                <a:cs typeface="Courier"/>
+              </a:rPr>
+              <a:t>)</a:t>
+            </a:r>
+          </a:p>
+          <a:p>
+            <a:r>
+              <a:rPr lang="en-US" sz="1400" dirty="0" err="1">
+                <a:solidFill>
+                  <a:schemeClr val="bg1"/>
+                </a:solidFill>
+                <a:latin typeface="Courier"/>
+                <a:cs typeface="Courier"/>
+              </a:rPr>
+              <a:t>sd</a:t>
+            </a:r>
+            <a:r>
+              <a:rPr lang="en-US" sz="1400" dirty="0">
+                <a:solidFill>
+                  <a:schemeClr val="bg1"/>
+                </a:solidFill>
+                <a:latin typeface="Courier"/>
+                <a:cs typeface="Courier"/>
+              </a:rPr>
+              <a:t>(</a:t>
+            </a:r>
+            <a:r>
+              <a:rPr lang="en-US" sz="1400" dirty="0" err="1">
+                <a:solidFill>
+                  <a:schemeClr val="bg1"/>
+                </a:solidFill>
+                <a:latin typeface="Courier"/>
+                <a:cs typeface="Courier"/>
+              </a:rPr>
+              <a:t>aav</a:t>
+            </a:r>
+            <a:r>
+              <a:rPr lang="en-US" sz="1400" dirty="0">
+                <a:solidFill>
+                  <a:schemeClr val="bg1"/>
+                </a:solidFill>
+                <a:latin typeface="Courier"/>
+                <a:cs typeface="Courier"/>
+              </a:rPr>
+              <a:t>)/sqrt(n)</a:t>
+            </a:r>
+          </a:p>
+        </p:txBody>
+      </p:sp>
+      <p:pic>
+        <p:nvPicPr>
+          <p:cNvPr id="6" name="Picture 5">
+            <a:extLst>
+              <a:ext uri="{FF2B5EF4-FFF2-40B4-BE49-F238E27FC236}">
+                <a16:creationId xmlns:a16="http://schemas.microsoft.com/office/drawing/2014/main" id="{11EAC493-B91E-6447-92D8-93247E3D80A9}"/>
+              </a:ext>
+            </a:extLst>
+          </p:cNvPr>
+          <p:cNvPicPr>
+            <a:picLocks noChangeAspect="1"/>
+          </p:cNvPicPr>
+          <p:nvPr/>
+        </p:nvPicPr>
+        <p:blipFill>
+          <a:blip r:embed="rId3"/>
+          <a:stretch>
+            <a:fillRect/>
+          </a:stretch>
+        </p:blipFill>
+        <p:spPr>
+          <a:xfrm>
+            <a:off x="3810000" y="2168878"/>
+            <a:ext cx="3230336" cy="2520244"/>
+          </a:xfrm>
+          <a:prstGeom prst="rect">
+            <a:avLst/>
+          </a:prstGeom>
+        </p:spPr>
+      </p:pic>
+      <p:pic>
+        <p:nvPicPr>
+          <p:cNvPr id="7" name="Picture 6">
+            <a:extLst>
+              <a:ext uri="{FF2B5EF4-FFF2-40B4-BE49-F238E27FC236}">
+                <a16:creationId xmlns:a16="http://schemas.microsoft.com/office/drawing/2014/main" id="{D71E0236-B20B-EB49-8467-E48C5E550371}"/>
+              </a:ext>
+            </a:extLst>
+          </p:cNvPr>
+          <p:cNvPicPr>
+            <a:picLocks noChangeAspect="1"/>
+          </p:cNvPicPr>
+          <p:nvPr/>
+        </p:nvPicPr>
+        <p:blipFill>
+          <a:blip r:embed="rId4"/>
+          <a:stretch>
+            <a:fillRect/>
+          </a:stretch>
+        </p:blipFill>
+        <p:spPr>
+          <a:xfrm>
+            <a:off x="7441198" y="4150718"/>
+            <a:ext cx="4556673" cy="2337707"/>
+          </a:xfrm>
+          <a:prstGeom prst="rect">
+            <a:avLst/>
+          </a:prstGeom>
+        </p:spPr>
+      </p:pic>
+    </p:spTree>
+    <p:extLst>
+      <p:ext uri="{BB962C8B-B14F-4D97-AF65-F5344CB8AC3E}">
+        <p14:creationId xmlns:p14="http://schemas.microsoft.com/office/powerpoint/2010/main" val="2878735283"/>
+      </p:ext>
+    </p:extLst>
+  </p:cSld>
+  <p:clrMapOvr>
+    <a:masterClrMapping/>
+  </p:clrMapOvr>
+  <p:timing>
+    <p:tnLst>
+      <p:par>
+        <p:cTn id="1" dur="indefinite" restart="never" nodeType="tmRoot">
+          <p:childTnLst>
+            <p:seq concurrent="1" nextAc="seek">
+              <p:cTn id="2" dur="indefinite" nodeType="mainSeq">
+                <p:childTnLst>
+                  <p:par>
+                    <p:cTn id="3" fill="hold">
+                      <p:stCondLst>
+                        <p:cond delay="indefinite"/>
+                      </p:stCondLst>
+                      <p:childTnLst>
+                        <p:par>
+                          <p:cTn id="4" fill="hold">
+                            <p:stCondLst>
+                              <p:cond delay="0"/>
+                            </p:stCondLst>
+                            <p:childTnLst>
+                              <p:par>
+                                <p:cTn id="5" presetID="2" presetClass="entr" presetSubtype="4" fill="hold" nodeType="clickEffect">
+                                  <p:stCondLst>
+                                    <p:cond delay="0"/>
+                                  </p:stCondLst>
+                                  <p:childTnLst>
+                                    <p:set>
+                                      <p:cBhvr>
+                                        <p:cTn id="6" dur="1" fill="hold">
+                                          <p:stCondLst>
+                                            <p:cond delay="0"/>
+                                          </p:stCondLst>
+                                        </p:cTn>
+                                        <p:tgtEl>
+                                          <p:spTgt spid="7"/>
+                                        </p:tgtEl>
+                                        <p:attrNameLst>
+                                          <p:attrName>style.visibility</p:attrName>
+                                        </p:attrNameLst>
+                                      </p:cBhvr>
+                                      <p:to>
+                                        <p:strVal val="visible"/>
+                                      </p:to>
+                                    </p:set>
+                                    <p:anim calcmode="lin" valueType="num">
+                                      <p:cBhvr additive="base">
+                                        <p:cTn id="7" dur="500" fill="hold"/>
+                                        <p:tgtEl>
+                                          <p:spTgt spid="7"/>
+                                        </p:tgtEl>
+                                        <p:attrNameLst>
+                                          <p:attrName>ppt_x</p:attrName>
+                                        </p:attrNameLst>
+                                      </p:cBhvr>
+                                      <p:tavLst>
+                                        <p:tav tm="0">
+                                          <p:val>
+                                            <p:strVal val="#ppt_x"/>
+                                          </p:val>
+                                        </p:tav>
+                                        <p:tav tm="100000">
+                                          <p:val>
+                                            <p:strVal val="#ppt_x"/>
+                                          </p:val>
+                                        </p:tav>
+                                      </p:tavLst>
+                                    </p:anim>
+                                    <p:anim calcmode="lin" valueType="num">
+                                      <p:cBhvr additive="base">
+                                        <p:cTn id="8" dur="500" fill="hold"/>
+                                        <p:tgtEl>
+                                          <p:spTgt spid="7"/>
+                                        </p:tgtEl>
+                                        <p:attrNameLst>
+                                          <p:attrName>ppt_y</p:attrName>
+                                        </p:attrNameLst>
+                                      </p:cBhvr>
+                                      <p:tavLst>
+                                        <p:tav tm="0">
+                                          <p:val>
+                                            <p:strVal val="1+#ppt_h/2"/>
+                                          </p:val>
+                                        </p:tav>
+                                        <p:tav tm="100000">
+                                          <p:val>
+                                            <p:strVal val="#ppt_y"/>
+                                          </p:val>
+                                        </p:tav>
+                                      </p:tavLst>
+                                    </p:anim>
+                                  </p:childTnLst>
+                                </p:cTn>
+                              </p:par>
+                              <p:par>
+                                <p:cTn id="9" presetID="2" presetClass="entr" presetSubtype="4" fill="hold" nodeType="withEffect">
+                                  <p:stCondLst>
+                                    <p:cond delay="0"/>
+                                  </p:stCondLst>
+                                  <p:childTnLst>
+                                    <p:set>
+                                      <p:cBhvr>
+                                        <p:cTn id="10" dur="1" fill="hold">
+                                          <p:stCondLst>
+                                            <p:cond delay="0"/>
+                                          </p:stCondLst>
+                                        </p:cTn>
+                                        <p:tgtEl>
+                                          <p:spTgt spid="6"/>
+                                        </p:tgtEl>
+                                        <p:attrNameLst>
+                                          <p:attrName>style.visibility</p:attrName>
+                                        </p:attrNameLst>
+                                      </p:cBhvr>
+                                      <p:to>
+                                        <p:strVal val="visible"/>
+                                      </p:to>
+                                    </p:set>
+                                    <p:anim calcmode="lin" valueType="num">
+                                      <p:cBhvr additive="base">
+                                        <p:cTn id="11" dur="500" fill="hold"/>
+                                        <p:tgtEl>
+                                          <p:spTgt spid="6"/>
+                                        </p:tgtEl>
+                                        <p:attrNameLst>
+                                          <p:attrName>ppt_x</p:attrName>
+                                        </p:attrNameLst>
+                                      </p:cBhvr>
+                                      <p:tavLst>
+                                        <p:tav tm="0">
+                                          <p:val>
+                                            <p:strVal val="#ppt_x"/>
+                                          </p:val>
+                                        </p:tav>
+                                        <p:tav tm="100000">
+                                          <p:val>
+                                            <p:strVal val="#ppt_x"/>
+                                          </p:val>
+                                        </p:tav>
+                                      </p:tavLst>
+                                    </p:anim>
+                                    <p:anim calcmode="lin" valueType="num">
+                                      <p:cBhvr additive="base">
+                                        <p:cTn id="12" dur="500" fill="hold"/>
+                                        <p:tgtEl>
+                                          <p:spTgt spid="6"/>
+                                        </p:tgtEl>
+                                        <p:attrNameLst>
+                                          <p:attrName>ppt_y</p:attrName>
+                                        </p:attrNameLst>
+                                      </p:cBhvr>
+                                      <p:tavLst>
+                                        <p:tav tm="0">
+                                          <p:val>
+                                            <p:strVal val="1+#ppt_h/2"/>
+                                          </p:val>
+                                        </p:tav>
+                                        <p:tav tm="100000">
+                                          <p:val>
+                                            <p:strVal val="#ppt_y"/>
+                                          </p:val>
+                                        </p:tav>
+                                      </p:tavLst>
+                                    </p:anim>
+                                  </p:childTnLst>
+                                </p:cTn>
+                              </p:par>
+                            </p:childTnLst>
+                          </p:cTn>
+                        </p:par>
+                      </p:childTnLst>
+                    </p:cTn>
+                  </p:par>
+                </p:childTnLst>
+              </p:cTn>
+              <p:prevCondLst>
+                <p:cond evt="onPrev" delay="0">
+                  <p:tgtEl>
+                    <p:sldTgt/>
+                  </p:tgtEl>
+                </p:cond>
+              </p:prevCondLst>
+              <p:nextCondLst>
+                <p:cond evt="onNext" delay="0">
+                  <p:tgtEl>
+                    <p:sldTgt/>
+                  </p:tgtEl>
+                </p:cond>
+              </p:nextCondLst>
+            </p:seq>
+          </p:childTnLst>
+        </p:cTn>
+      </p:par>
+    </p:tnLst>
+  </p:timing>
+</p:sld>
+</file>
+
+<file path=ppt/slides/slide5.xml><?xml version="1.0" encoding="utf-8"?>
+<p:sld xmlns:a="http://schemas.openxmlformats.org/drawingml/2006/main" xmlns:r="http://schemas.openxmlformats.org/officeDocument/2006/relationships" xmlns:p="http://schemas.openxmlformats.org/presentationml/2006/main">
+  <p:cSld>
+    <p:spTree>
+      <p:nvGrpSpPr>
+        <p:cNvPr id="1" name=""/>
+        <p:cNvGrpSpPr/>
+        <p:nvPr/>
+      </p:nvGrpSpPr>
+      <p:grpSpPr>
+        <a:xfrm>
+          <a:off x="0" y="0"/>
+          <a:ext cx="0" cy="0"/>
+          <a:chOff x="0" y="0"/>
+          <a:chExt cx="0" cy="0"/>
+        </a:xfrm>
+      </p:grpSpPr>
+      <p:sp>
+        <p:nvSpPr>
+          <p:cNvPr id="11267" name="Rectangle 4"/>
+          <p:cNvSpPr>
+            <a:spLocks noChangeArrowheads="1"/>
+          </p:cNvSpPr>
+          <p:nvPr/>
+        </p:nvSpPr>
+        <p:spPr bwMode="auto">
+          <a:xfrm>
+            <a:off x="1755776" y="394726"/>
+            <a:ext cx="8607425" cy="762000"/>
+          </a:xfrm>
+          <a:prstGeom prst="rect">
+            <a:avLst/>
+          </a:prstGeom>
+          <a:noFill/>
+          <a:ln w="9525">
+            <a:noFill/>
+            <a:round/>
+            <a:headEnd/>
+            <a:tailEnd/>
+          </a:ln>
+        </p:spPr>
+        <p:txBody>
+          <a:bodyPr lIns="0" tIns="0" rIns="0" bIns="0" anchor="ctr"/>
+          <a:lstStyle/>
+          <a:p>
+            <a:pPr algn="ctr">
+              <a:tabLst>
+                <a:tab pos="0" algn="l"/>
+                <a:tab pos="914400" algn="l"/>
+                <a:tab pos="1828800" algn="l"/>
+                <a:tab pos="2743200" algn="l"/>
+                <a:tab pos="3657600" algn="l"/>
+                <a:tab pos="4572000" algn="l"/>
+                <a:tab pos="5486400" algn="l"/>
+                <a:tab pos="6400800" algn="l"/>
+                <a:tab pos="7315200" algn="l"/>
+                <a:tab pos="8229600" algn="l"/>
+                <a:tab pos="9144000" algn="l"/>
+                <a:tab pos="10058400" algn="l"/>
+              </a:tabLst>
+            </a:pPr>
+            <a:r>
+              <a:rPr lang="en-GB" sz="4000" dirty="0">
+                <a:solidFill>
+                  <a:srgbClr val="000000"/>
+                </a:solidFill>
+                <a:latin typeface="Times New Roman" pitchFamily="18" charset="0"/>
+              </a:rPr>
+              <a:t>Confidence Intervals</a:t>
+            </a:r>
+          </a:p>
+        </p:txBody>
+      </p:sp>
+      <p:sp>
+        <p:nvSpPr>
+          <p:cNvPr id="5" name="Rectangle 5"/>
+          <p:cNvSpPr>
+            <a:spLocks noChangeArrowheads="1"/>
+          </p:cNvSpPr>
+          <p:nvPr/>
+        </p:nvSpPr>
+        <p:spPr bwMode="auto">
+          <a:xfrm>
+            <a:off x="1524000" y="1514041"/>
+            <a:ext cx="8686800" cy="3797344"/>
+          </a:xfrm>
+          <a:prstGeom prst="rect">
+            <a:avLst/>
+          </a:prstGeom>
+          <a:noFill/>
+          <a:ln w="9525">
+            <a:noFill/>
+            <a:round/>
+            <a:headEnd/>
+            <a:tailEnd/>
+          </a:ln>
+        </p:spPr>
+        <p:txBody>
+          <a:bodyPr lIns="0" tIns="0" rIns="0" bIns="0"/>
+          <a:lstStyle/>
+          <a:p>
+            <a:pPr marL="430213" indent="-323850">
+              <a:spcBef>
+                <a:spcPts val="800"/>
+              </a:spcBef>
+              <a:buFont typeface="Times New Roman" pitchFamily="18" charset="0"/>
+              <a:buChar char="•"/>
+              <a:tabLst>
+                <a:tab pos="430213" algn="l"/>
+                <a:tab pos="1344613" algn="l"/>
+                <a:tab pos="2259013" algn="l"/>
+                <a:tab pos="3173413" algn="l"/>
+                <a:tab pos="4087813" algn="l"/>
+                <a:tab pos="5002213" algn="l"/>
+                <a:tab pos="5916613" algn="l"/>
+                <a:tab pos="6831013" algn="l"/>
+                <a:tab pos="7745413" algn="l"/>
+                <a:tab pos="8659813" algn="l"/>
+                <a:tab pos="9574213" algn="l"/>
+                <a:tab pos="10488613" algn="l"/>
+              </a:tabLst>
+            </a:pPr>
+            <a:r>
+              <a:rPr lang="en-GB" sz="3200" dirty="0">
+                <a:solidFill>
+                  <a:srgbClr val="000000"/>
+                </a:solidFill>
+                <a:latin typeface="Times New Roman" pitchFamily="18" charset="0"/>
+              </a:rPr>
+              <a:t>A </a:t>
+            </a:r>
+            <a:r>
+              <a:rPr lang="en-GB" sz="3200" b="1" dirty="0">
+                <a:solidFill>
+                  <a:srgbClr val="000000"/>
+                </a:solidFill>
+                <a:latin typeface="Times New Roman" pitchFamily="18" charset="0"/>
+              </a:rPr>
+              <a:t>confidence interval</a:t>
+            </a:r>
+            <a:r>
+              <a:rPr lang="en-GB" sz="3200" dirty="0">
+                <a:solidFill>
+                  <a:srgbClr val="000000"/>
+                </a:solidFill>
+                <a:latin typeface="Times New Roman" pitchFamily="18" charset="0"/>
+              </a:rPr>
+              <a:t> (CI) gives a range in which a true population parameter may be found.</a:t>
+            </a:r>
+          </a:p>
+          <a:p>
+            <a:pPr marL="430213" indent="-323850">
+              <a:spcBef>
+                <a:spcPts val="800"/>
+              </a:spcBef>
+              <a:buFont typeface="Times New Roman" pitchFamily="18" charset="0"/>
+              <a:buChar char="•"/>
+              <a:tabLst>
+                <a:tab pos="430213" algn="l"/>
+                <a:tab pos="1344613" algn="l"/>
+                <a:tab pos="2259013" algn="l"/>
+                <a:tab pos="3173413" algn="l"/>
+                <a:tab pos="4087813" algn="l"/>
+                <a:tab pos="5002213" algn="l"/>
+                <a:tab pos="5916613" algn="l"/>
+                <a:tab pos="6831013" algn="l"/>
+                <a:tab pos="7745413" algn="l"/>
+                <a:tab pos="8659813" algn="l"/>
+                <a:tab pos="9574213" algn="l"/>
+                <a:tab pos="10488613" algn="l"/>
+              </a:tabLst>
+            </a:pPr>
+            <a:endParaRPr lang="en-GB" sz="2800" dirty="0">
+              <a:solidFill>
+                <a:srgbClr val="000000"/>
+              </a:solidFill>
+              <a:latin typeface="Times New Roman" pitchFamily="18" charset="0"/>
+            </a:endParaRPr>
+          </a:p>
+          <a:p>
+            <a:pPr marL="887413" lvl="1" indent="-323850">
+              <a:spcBef>
+                <a:spcPts val="800"/>
+              </a:spcBef>
+              <a:buFont typeface="Times New Roman" pitchFamily="18" charset="0"/>
+              <a:buChar char="•"/>
+              <a:tabLst>
+                <a:tab pos="430213" algn="l"/>
+                <a:tab pos="1344613" algn="l"/>
+                <a:tab pos="2259013" algn="l"/>
+                <a:tab pos="3173413" algn="l"/>
+                <a:tab pos="4087813" algn="l"/>
+                <a:tab pos="5002213" algn="l"/>
+                <a:tab pos="5916613" algn="l"/>
+                <a:tab pos="6831013" algn="l"/>
+                <a:tab pos="7745413" algn="l"/>
+                <a:tab pos="8659813" algn="l"/>
+                <a:tab pos="9574213" algn="l"/>
+                <a:tab pos="10488613" algn="l"/>
+              </a:tabLst>
+            </a:pPr>
+            <a:r>
+              <a:rPr lang="en-GB" sz="2800" dirty="0">
+                <a:solidFill>
+                  <a:srgbClr val="000000"/>
+                </a:solidFill>
+                <a:latin typeface="Times New Roman" pitchFamily="18" charset="0"/>
+              </a:rPr>
+              <a:t>Specifically,</a:t>
+            </a:r>
+            <a:r>
+              <a:rPr lang="en-GB" sz="2800" dirty="0">
+                <a:latin typeface="Times New Roman" pitchFamily="18" charset="0"/>
+                <a:cs typeface="Times New Roman" pitchFamily="18" charset="0"/>
+              </a:rPr>
+              <a:t> </a:t>
+            </a:r>
+            <a:r>
+              <a:rPr lang="en-US" sz="2800" b="1" u="sng" dirty="0">
+                <a:latin typeface="Times New Roman" pitchFamily="18" charset="0"/>
+                <a:cs typeface="Times New Roman" pitchFamily="18" charset="0"/>
+              </a:rPr>
+              <a:t>(1-</a:t>
+            </a:r>
+            <a:r>
+              <a:rPr lang="en-US" sz="2800" b="1" u="sng" dirty="0">
+                <a:latin typeface="Symbol" pitchFamily="18" charset="2"/>
+                <a:cs typeface="Times New Roman" pitchFamily="18" charset="0"/>
+              </a:rPr>
+              <a:t> a</a:t>
+            </a:r>
+            <a:r>
+              <a:rPr lang="en-US" sz="2800" b="1" u="sng" dirty="0">
+                <a:latin typeface="Times New Roman" pitchFamily="18" charset="0"/>
+                <a:cs typeface="Times New Roman" pitchFamily="18" charset="0"/>
+              </a:rPr>
+              <a:t>)×100% CIs </a:t>
+            </a:r>
+            <a:r>
+              <a:rPr lang="en-US" sz="2800" dirty="0">
+                <a:latin typeface="Times New Roman" pitchFamily="18" charset="0"/>
+                <a:cs typeface="Times New Roman" pitchFamily="18" charset="0"/>
+              </a:rPr>
+              <a:t>for a parameter, constructed from a random sample (of a given sample size), will contain the true value of the parameter approximately (1-</a:t>
+            </a:r>
+            <a:r>
+              <a:rPr lang="en-US" sz="2800" dirty="0">
+                <a:latin typeface="Symbol" pitchFamily="18" charset="2"/>
+                <a:cs typeface="Times New Roman" pitchFamily="18" charset="0"/>
+              </a:rPr>
+              <a:t> a</a:t>
+            </a:r>
+            <a:r>
+              <a:rPr lang="en-US" sz="2800" dirty="0">
+                <a:latin typeface="Times New Roman" pitchFamily="18" charset="0"/>
+                <a:cs typeface="Times New Roman" pitchFamily="18" charset="0"/>
+              </a:rPr>
+              <a:t>)×100% of the time.</a:t>
+            </a:r>
+          </a:p>
+        </p:txBody>
+      </p:sp>
+      <p:pic>
+        <p:nvPicPr>
+          <p:cNvPr id="51" name="Picture 50"/>
+          <p:cNvPicPr>
+            <a:picLocks noChangeAspect="1" noChangeArrowheads="1"/>
+          </p:cNvPicPr>
+          <p:nvPr/>
+        </p:nvPicPr>
+        <p:blipFill>
+          <a:blip r:embed="rId2" cstate="print"/>
+          <a:srcRect/>
+          <a:stretch>
+            <a:fillRect/>
+          </a:stretch>
+        </p:blipFill>
+        <p:spPr bwMode="auto">
+          <a:xfrm>
+            <a:off x="2008188" y="76200"/>
+            <a:ext cx="8202612" cy="239712"/>
+          </a:xfrm>
+          <a:prstGeom prst="rect">
+            <a:avLst/>
+          </a:prstGeom>
+          <a:noFill/>
+          <a:ln w="9525">
+            <a:noFill/>
+            <a:round/>
+            <a:headEnd/>
+            <a:tailEnd/>
+          </a:ln>
+        </p:spPr>
+      </p:pic>
+    </p:spTree>
+  </p:cSld>
+  <p:clrMapOvr>
+    <a:masterClrMapping/>
+  </p:clrMapOvr>
+</p:sld>
+</file>
+
+<file path=ppt/slides/slide6.xml><?xml version="1.0" encoding="utf-8"?>
+<p:sld xmlns:a="http://schemas.openxmlformats.org/drawingml/2006/main" xmlns:r="http://schemas.openxmlformats.org/officeDocument/2006/relationships" xmlns:p="http://schemas.openxmlformats.org/presentationml/2006/main">
+  <p:cSld>
+    <p:spTree>
+      <p:nvGrpSpPr>
+        <p:cNvPr id="1" name=""/>
+        <p:cNvGrpSpPr/>
+        <p:nvPr/>
+      </p:nvGrpSpPr>
+      <p:grpSpPr>
+        <a:xfrm>
+          <a:off x="0" y="0"/>
+          <a:ext cx="0" cy="0"/>
+          <a:chOff x="0" y="0"/>
+          <a:chExt cx="0" cy="0"/>
+        </a:xfrm>
+      </p:grpSpPr>
+      <p:sp>
+        <p:nvSpPr>
+          <p:cNvPr id="11266" name="Rectangle 5"/>
+          <p:cNvSpPr>
+            <a:spLocks noChangeArrowheads="1"/>
+          </p:cNvSpPr>
+          <p:nvPr/>
+        </p:nvSpPr>
+        <p:spPr bwMode="auto">
+          <a:xfrm>
+            <a:off x="1828800" y="1270686"/>
+            <a:ext cx="8686800" cy="4041543"/>
+          </a:xfrm>
+          <a:prstGeom prst="rect">
+            <a:avLst/>
+          </a:prstGeom>
+          <a:noFill/>
+          <a:ln w="9525">
+            <a:noFill/>
+            <a:round/>
+            <a:headEnd/>
+            <a:tailEnd/>
+          </a:ln>
+        </p:spPr>
+        <p:txBody>
+          <a:bodyPr lIns="0" tIns="0" rIns="0" bIns="0"/>
+          <a:lstStyle/>
+          <a:p>
+            <a:pPr marL="430213" indent="-323850">
+              <a:spcBef>
+                <a:spcPts val="800"/>
+              </a:spcBef>
+              <a:buFont typeface="Times New Roman" pitchFamily="18" charset="0"/>
+              <a:buChar char="•"/>
+              <a:tabLst>
+                <a:tab pos="430213" algn="l"/>
+                <a:tab pos="1344613" algn="l"/>
+                <a:tab pos="2259013" algn="l"/>
+                <a:tab pos="3173413" algn="l"/>
+                <a:tab pos="4087813" algn="l"/>
+                <a:tab pos="5002213" algn="l"/>
+                <a:tab pos="5916613" algn="l"/>
+                <a:tab pos="6831013" algn="l"/>
+                <a:tab pos="7745413" algn="l"/>
+                <a:tab pos="8659813" algn="l"/>
+                <a:tab pos="9574213" algn="l"/>
+                <a:tab pos="10488613" algn="l"/>
+              </a:tabLst>
+            </a:pPr>
+            <a:r>
+              <a:rPr lang="en-GB" sz="3200" dirty="0">
+                <a:solidFill>
+                  <a:srgbClr val="000000"/>
+                </a:solidFill>
+                <a:latin typeface="Times New Roman" pitchFamily="18" charset="0"/>
+              </a:rPr>
+              <a:t>Construction of a CI for a mean depends on:</a:t>
+            </a:r>
+          </a:p>
+          <a:p>
+            <a:pPr marL="887413" lvl="1" indent="-323850">
+              <a:spcBef>
+                <a:spcPts val="800"/>
+              </a:spcBef>
+              <a:buFont typeface="Times New Roman" pitchFamily="18" charset="0"/>
+              <a:buChar char="•"/>
+              <a:tabLst>
+                <a:tab pos="430213" algn="l"/>
+                <a:tab pos="1344613" algn="l"/>
+                <a:tab pos="2259013" algn="l"/>
+                <a:tab pos="3173413" algn="l"/>
+                <a:tab pos="4087813" algn="l"/>
+                <a:tab pos="5002213" algn="l"/>
+                <a:tab pos="5916613" algn="l"/>
+                <a:tab pos="6831013" algn="l"/>
+                <a:tab pos="7745413" algn="l"/>
+                <a:tab pos="8659813" algn="l"/>
+                <a:tab pos="9574213" algn="l"/>
+                <a:tab pos="10488613" algn="l"/>
+              </a:tabLst>
+            </a:pPr>
+            <a:r>
+              <a:rPr lang="en-GB" sz="2800" dirty="0">
+                <a:solidFill>
+                  <a:srgbClr val="000000"/>
+                </a:solidFill>
+                <a:latin typeface="Times New Roman" pitchFamily="18" charset="0"/>
+              </a:rPr>
+              <a:t>Sample size </a:t>
+            </a:r>
+            <a:r>
+              <a:rPr lang="en-GB" sz="2800" i="1" dirty="0">
+                <a:solidFill>
+                  <a:srgbClr val="000000"/>
+                </a:solidFill>
+                <a:latin typeface="Times New Roman" pitchFamily="18" charset="0"/>
+              </a:rPr>
+              <a:t>n</a:t>
+            </a:r>
+          </a:p>
+          <a:p>
+            <a:pPr marL="887413" lvl="1" indent="-323850">
+              <a:spcBef>
+                <a:spcPts val="800"/>
+              </a:spcBef>
+              <a:buFont typeface="Times New Roman" pitchFamily="18" charset="0"/>
+              <a:buChar char="•"/>
+              <a:tabLst>
+                <a:tab pos="430213" algn="l"/>
+                <a:tab pos="1344613" algn="l"/>
+                <a:tab pos="2259013" algn="l"/>
+                <a:tab pos="3173413" algn="l"/>
+                <a:tab pos="4087813" algn="l"/>
+                <a:tab pos="5002213" algn="l"/>
+                <a:tab pos="5916613" algn="l"/>
+                <a:tab pos="6831013" algn="l"/>
+                <a:tab pos="7745413" algn="l"/>
+                <a:tab pos="8659813" algn="l"/>
+                <a:tab pos="9574213" algn="l"/>
+                <a:tab pos="10488613" algn="l"/>
+              </a:tabLst>
+            </a:pPr>
+            <a:r>
+              <a:rPr lang="en-GB" sz="2800" b="1" dirty="0">
+                <a:solidFill>
+                  <a:srgbClr val="000000"/>
+                </a:solidFill>
+                <a:latin typeface="Times New Roman" pitchFamily="18" charset="0"/>
+              </a:rPr>
+              <a:t>Standard error </a:t>
+            </a:r>
+            <a:r>
+              <a:rPr lang="en-GB" sz="2800" dirty="0">
+                <a:solidFill>
+                  <a:srgbClr val="000000"/>
+                </a:solidFill>
+                <a:latin typeface="Times New Roman" pitchFamily="18" charset="0"/>
+              </a:rPr>
+              <a:t>for means </a:t>
+            </a:r>
+          </a:p>
+          <a:p>
+            <a:pPr marL="887413" lvl="1" indent="-323850">
+              <a:spcBef>
+                <a:spcPts val="800"/>
+              </a:spcBef>
+              <a:buFont typeface="Times New Roman" pitchFamily="18" charset="0"/>
+              <a:buChar char="•"/>
+              <a:tabLst>
+                <a:tab pos="430213" algn="l"/>
+                <a:tab pos="1344613" algn="l"/>
+                <a:tab pos="2259013" algn="l"/>
+                <a:tab pos="3173413" algn="l"/>
+                <a:tab pos="4087813" algn="l"/>
+                <a:tab pos="5002213" algn="l"/>
+                <a:tab pos="5916613" algn="l"/>
+                <a:tab pos="6831013" algn="l"/>
+                <a:tab pos="7745413" algn="l"/>
+                <a:tab pos="8659813" algn="l"/>
+                <a:tab pos="9574213" algn="l"/>
+                <a:tab pos="10488613" algn="l"/>
+              </a:tabLst>
+            </a:pPr>
+            <a:r>
+              <a:rPr lang="en-GB" sz="2800" b="1" dirty="0">
+                <a:solidFill>
+                  <a:srgbClr val="000000"/>
+                </a:solidFill>
+                <a:latin typeface="Times New Roman" pitchFamily="18" charset="0"/>
+              </a:rPr>
+              <a:t>Level of confidence</a:t>
+            </a:r>
+            <a:r>
+              <a:rPr lang="en-GB" sz="2800" dirty="0">
+                <a:solidFill>
+                  <a:srgbClr val="000000"/>
+                </a:solidFill>
+                <a:latin typeface="Times New Roman" pitchFamily="18" charset="0"/>
+              </a:rPr>
+              <a:t> 1-</a:t>
+            </a:r>
+            <a:r>
+              <a:rPr lang="en-GB" sz="2800" dirty="0">
+                <a:solidFill>
+                  <a:srgbClr val="000000"/>
+                </a:solidFill>
+                <a:latin typeface="Symbol" pitchFamily="2" charset="2"/>
+              </a:rPr>
+              <a:t>a</a:t>
+            </a:r>
+          </a:p>
+          <a:p>
+            <a:pPr marL="1344613" lvl="2" indent="-323850">
+              <a:spcBef>
+                <a:spcPts val="800"/>
+              </a:spcBef>
+              <a:buFont typeface="Times New Roman" pitchFamily="18" charset="0"/>
+              <a:buChar char="•"/>
+              <a:tabLst>
+                <a:tab pos="430213" algn="l"/>
+                <a:tab pos="1344613" algn="l"/>
+                <a:tab pos="2259013" algn="l"/>
+                <a:tab pos="3173413" algn="l"/>
+                <a:tab pos="4087813" algn="l"/>
+                <a:tab pos="5002213" algn="l"/>
+                <a:tab pos="5916613" algn="l"/>
+                <a:tab pos="6831013" algn="l"/>
+                <a:tab pos="7745413" algn="l"/>
+                <a:tab pos="8659813" algn="l"/>
+                <a:tab pos="9574213" algn="l"/>
+                <a:tab pos="10488613" algn="l"/>
+              </a:tabLst>
+            </a:pPr>
+            <a:r>
+              <a:rPr lang="en-GB" sz="2400" dirty="0">
+                <a:solidFill>
+                  <a:srgbClr val="000000"/>
+                </a:solidFill>
+                <a:latin typeface="Symbol" pitchFamily="2" charset="2"/>
+              </a:rPr>
+              <a:t>a </a:t>
+            </a:r>
+            <a:r>
+              <a:rPr lang="en-GB" sz="2600" dirty="0">
+                <a:solidFill>
+                  <a:srgbClr val="000000"/>
+                </a:solidFill>
+                <a:latin typeface="Times New Roman" pitchFamily="18" charset="0"/>
+              </a:rPr>
+              <a:t>is </a:t>
+            </a:r>
+            <a:r>
+              <a:rPr lang="en-GB" sz="2600" b="1" dirty="0">
+                <a:solidFill>
+                  <a:srgbClr val="000000"/>
+                </a:solidFill>
+                <a:latin typeface="Times New Roman" pitchFamily="18" charset="0"/>
+              </a:rPr>
+              <a:t>significance level</a:t>
+            </a:r>
+          </a:p>
+          <a:p>
+            <a:pPr marL="1344613" lvl="2" indent="-323850">
+              <a:spcBef>
+                <a:spcPts val="800"/>
+              </a:spcBef>
+              <a:buFont typeface="Times New Roman" pitchFamily="18" charset="0"/>
+              <a:buChar char="•"/>
+              <a:tabLst>
+                <a:tab pos="430213" algn="l"/>
+                <a:tab pos="1344613" algn="l"/>
+                <a:tab pos="2259013" algn="l"/>
+                <a:tab pos="3173413" algn="l"/>
+                <a:tab pos="4087813" algn="l"/>
+                <a:tab pos="5002213" algn="l"/>
+                <a:tab pos="5916613" algn="l"/>
+                <a:tab pos="6831013" algn="l"/>
+                <a:tab pos="7745413" algn="l"/>
+                <a:tab pos="8659813" algn="l"/>
+                <a:tab pos="9574213" algn="l"/>
+                <a:tab pos="10488613" algn="l"/>
+              </a:tabLst>
+            </a:pPr>
+            <a:r>
+              <a:rPr lang="en-GB" sz="2600" dirty="0">
+                <a:solidFill>
+                  <a:srgbClr val="000000"/>
+                </a:solidFill>
+                <a:latin typeface="Times New Roman" pitchFamily="18" charset="0"/>
+              </a:rPr>
+              <a:t>Use </a:t>
+            </a:r>
+            <a:r>
+              <a:rPr lang="en-GB" sz="2400" dirty="0">
+                <a:solidFill>
+                  <a:srgbClr val="000000"/>
+                </a:solidFill>
+                <a:latin typeface="Symbol" pitchFamily="2" charset="2"/>
+              </a:rPr>
+              <a:t>a </a:t>
+            </a:r>
+            <a:r>
+              <a:rPr lang="en-GB" sz="2600" dirty="0">
+                <a:solidFill>
+                  <a:srgbClr val="000000"/>
+                </a:solidFill>
+                <a:latin typeface="Times New Roman" pitchFamily="18" charset="0"/>
+              </a:rPr>
+              <a:t>to compute </a:t>
+            </a:r>
+            <a:r>
+              <a:rPr lang="en-GB" sz="2600" i="1" dirty="0" err="1">
+                <a:solidFill>
+                  <a:srgbClr val="000000"/>
+                </a:solidFill>
+                <a:latin typeface="Times New Roman" pitchFamily="18" charset="0"/>
+              </a:rPr>
+              <a:t>t</a:t>
+            </a:r>
+            <a:r>
+              <a:rPr lang="en-GB" sz="2600" i="1" baseline="-25000" dirty="0" err="1">
+                <a:solidFill>
+                  <a:srgbClr val="000000"/>
+                </a:solidFill>
+                <a:latin typeface="Times New Roman" pitchFamily="18" charset="0"/>
+              </a:rPr>
+              <a:t>c</a:t>
+            </a:r>
+            <a:r>
+              <a:rPr lang="en-GB" sz="2600" dirty="0">
+                <a:solidFill>
+                  <a:srgbClr val="000000"/>
+                </a:solidFill>
+                <a:latin typeface="Times New Roman" pitchFamily="18" charset="0"/>
+              </a:rPr>
+              <a:t>-value, the critical t-statistic</a:t>
+            </a:r>
+          </a:p>
+          <a:p>
+            <a:pPr marL="887413" lvl="1" indent="-323850">
+              <a:spcBef>
+                <a:spcPts val="800"/>
+              </a:spcBef>
+              <a:buFont typeface="Times New Roman" pitchFamily="18" charset="0"/>
+              <a:buChar char="•"/>
+              <a:tabLst>
+                <a:tab pos="430213" algn="l"/>
+                <a:tab pos="1344613" algn="l"/>
+                <a:tab pos="2259013" algn="l"/>
+                <a:tab pos="3173413" algn="l"/>
+                <a:tab pos="4087813" algn="l"/>
+                <a:tab pos="5002213" algn="l"/>
+                <a:tab pos="5916613" algn="l"/>
+                <a:tab pos="6831013" algn="l"/>
+                <a:tab pos="7745413" algn="l"/>
+                <a:tab pos="8659813" algn="l"/>
+                <a:tab pos="9574213" algn="l"/>
+                <a:tab pos="10488613" algn="l"/>
+              </a:tabLst>
+            </a:pPr>
+            <a:r>
+              <a:rPr lang="en-US" sz="2800" dirty="0">
+                <a:latin typeface="Times New Roman" pitchFamily="18" charset="0"/>
+                <a:cs typeface="Times New Roman" pitchFamily="18" charset="0"/>
+              </a:rPr>
+              <a:t>(1-</a:t>
+            </a:r>
+            <a:r>
+              <a:rPr lang="en-GB" sz="2800" dirty="0">
+                <a:solidFill>
+                  <a:srgbClr val="000000"/>
+                </a:solidFill>
+                <a:latin typeface="Symbol" pitchFamily="2" charset="2"/>
+              </a:rPr>
+              <a:t>a</a:t>
+            </a:r>
+            <a:r>
+              <a:rPr lang="en-US" sz="2800" dirty="0">
+                <a:latin typeface="Times New Roman" pitchFamily="18" charset="0"/>
+                <a:cs typeface="Times New Roman" pitchFamily="18" charset="0"/>
+              </a:rPr>
+              <a:t>)×100% two-sided CI for population mean using a sample average and standard error is:</a:t>
+            </a:r>
+            <a:endParaRPr lang="en-GB" sz="2800" dirty="0">
+              <a:solidFill>
+                <a:srgbClr val="000000"/>
+              </a:solidFill>
+              <a:latin typeface="Times New Roman" pitchFamily="18" charset="0"/>
+            </a:endParaRPr>
+          </a:p>
+        </p:txBody>
+      </p:sp>
+      <p:sp>
+        <p:nvSpPr>
+          <p:cNvPr id="7" name="Rectangle 4"/>
+          <p:cNvSpPr>
+            <a:spLocks noChangeArrowheads="1"/>
+          </p:cNvSpPr>
+          <p:nvPr/>
+        </p:nvSpPr>
+        <p:spPr bwMode="auto">
+          <a:xfrm>
+            <a:off x="1755776" y="297248"/>
+            <a:ext cx="8607425" cy="762000"/>
+          </a:xfrm>
+          <a:prstGeom prst="rect">
+            <a:avLst/>
+          </a:prstGeom>
+          <a:noFill/>
+          <a:ln w="9525">
+            <a:noFill/>
+            <a:round/>
+            <a:headEnd/>
+            <a:tailEnd/>
+          </a:ln>
+        </p:spPr>
+        <p:txBody>
+          <a:bodyPr lIns="0" tIns="0" rIns="0" bIns="0" anchor="ctr"/>
+          <a:lstStyle/>
+          <a:p>
+            <a:pPr algn="ctr">
+              <a:tabLst>
+                <a:tab pos="0" algn="l"/>
+                <a:tab pos="914400" algn="l"/>
+                <a:tab pos="1828800" algn="l"/>
+                <a:tab pos="2743200" algn="l"/>
+                <a:tab pos="3657600" algn="l"/>
+                <a:tab pos="4572000" algn="l"/>
+                <a:tab pos="5486400" algn="l"/>
+                <a:tab pos="6400800" algn="l"/>
+                <a:tab pos="7315200" algn="l"/>
+                <a:tab pos="8229600" algn="l"/>
+                <a:tab pos="9144000" algn="l"/>
+                <a:tab pos="10058400" algn="l"/>
+              </a:tabLst>
+            </a:pPr>
+            <a:r>
+              <a:rPr lang="en-GB" sz="4000" dirty="0">
+                <a:solidFill>
+                  <a:srgbClr val="000000"/>
+                </a:solidFill>
+                <a:latin typeface="Times New Roman" pitchFamily="18" charset="0"/>
+              </a:rPr>
+              <a:t>Confidence Intervals</a:t>
+            </a:r>
+          </a:p>
+        </p:txBody>
+      </p:sp>
+      <p:pic>
+        <p:nvPicPr>
+          <p:cNvPr id="9" name="Picture 8"/>
+          <p:cNvPicPr>
+            <a:picLocks noChangeAspect="1" noChangeArrowheads="1"/>
+          </p:cNvPicPr>
+          <p:nvPr/>
+        </p:nvPicPr>
+        <p:blipFill>
+          <a:blip r:embed="rId2" cstate="print"/>
+          <a:srcRect/>
+          <a:stretch>
+            <a:fillRect/>
+          </a:stretch>
+        </p:blipFill>
+        <p:spPr bwMode="auto">
+          <a:xfrm>
+            <a:off x="2008188" y="76200"/>
+            <a:ext cx="8202612" cy="239712"/>
+          </a:xfrm>
+          <a:prstGeom prst="rect">
+            <a:avLst/>
+          </a:prstGeom>
+          <a:noFill/>
+          <a:ln w="9525">
+            <a:noFill/>
+            <a:round/>
+            <a:headEnd/>
+            <a:tailEnd/>
+          </a:ln>
+        </p:spPr>
+      </p:pic>
+      <p:pic>
+        <p:nvPicPr>
+          <p:cNvPr id="4" name="Picture 3">
+            <a:extLst>
+              <a:ext uri="{FF2B5EF4-FFF2-40B4-BE49-F238E27FC236}">
+                <a16:creationId xmlns:a16="http://schemas.microsoft.com/office/drawing/2014/main" id="{BB7884DE-3866-694F-AD39-89CA9627E175}"/>
+              </a:ext>
+            </a:extLst>
+          </p:cNvPr>
+          <p:cNvPicPr>
+            <a:picLocks noChangeAspect="1"/>
+          </p:cNvPicPr>
+          <p:nvPr/>
+        </p:nvPicPr>
+        <p:blipFill>
+          <a:blip r:embed="rId3"/>
+          <a:stretch>
+            <a:fillRect/>
+          </a:stretch>
+        </p:blipFill>
+        <p:spPr>
+          <a:xfrm>
+            <a:off x="6719206" y="2187729"/>
+            <a:ext cx="1830575" cy="860271"/>
+          </a:xfrm>
+          <a:prstGeom prst="rect">
+            <a:avLst/>
+          </a:prstGeom>
+        </p:spPr>
+      </p:pic>
+      <p:pic>
+        <p:nvPicPr>
+          <p:cNvPr id="5" name="Picture 4">
+            <a:extLst>
+              <a:ext uri="{FF2B5EF4-FFF2-40B4-BE49-F238E27FC236}">
+                <a16:creationId xmlns:a16="http://schemas.microsoft.com/office/drawing/2014/main" id="{7DE4678E-CC03-824B-BBFD-A94843A57ECB}"/>
+              </a:ext>
+            </a:extLst>
+          </p:cNvPr>
+          <p:cNvPicPr>
+            <a:picLocks noChangeAspect="1"/>
+          </p:cNvPicPr>
+          <p:nvPr/>
+        </p:nvPicPr>
+        <p:blipFill>
+          <a:blip r:embed="rId4"/>
+          <a:stretch>
+            <a:fillRect/>
+          </a:stretch>
+        </p:blipFill>
+        <p:spPr>
+          <a:xfrm>
+            <a:off x="3505200" y="5675993"/>
+            <a:ext cx="5181600" cy="469900"/>
+          </a:xfrm>
+          <a:prstGeom prst="rect">
+            <a:avLst/>
+          </a:prstGeom>
+        </p:spPr>
+      </p:pic>
+    </p:spTree>
+  </p:cSld>
+  <p:clrMapOvr>
+    <a:masterClrMapping/>
+  </p:clrMapOvr>
+</p:sld>
+</file>
+
+<file path=ppt/slides/slide7.xml><?xml version="1.0" encoding="utf-8"?>
+<p:sld xmlns:a="http://schemas.openxmlformats.org/drawingml/2006/main" xmlns:r="http://schemas.openxmlformats.org/officeDocument/2006/relationships" xmlns:p="http://schemas.openxmlformats.org/presentationml/2006/main">
+  <p:cSld>
+    <p:spTree>
+      <p:nvGrpSpPr>
+        <p:cNvPr id="1" name=""/>
+        <p:cNvGrpSpPr/>
+        <p:nvPr/>
+      </p:nvGrpSpPr>
+      <p:grpSpPr>
+        <a:xfrm>
+          <a:off x="0" y="0"/>
+          <a:ext cx="0" cy="0"/>
+          <a:chOff x="0" y="0"/>
+          <a:chExt cx="0" cy="0"/>
+        </a:xfrm>
+      </p:grpSpPr>
+      <p:sp>
+        <p:nvSpPr>
+          <p:cNvPr id="2" name="Rectangle 5">
+            <a:extLst>
+              <a:ext uri="{FF2B5EF4-FFF2-40B4-BE49-F238E27FC236}">
+                <a16:creationId xmlns:a16="http://schemas.microsoft.com/office/drawing/2014/main" id="{AF162EFF-122F-DE4D-ABB2-AABE23BF1676}"/>
+              </a:ext>
+            </a:extLst>
+          </p:cNvPr>
+          <p:cNvSpPr>
+            <a:spLocks noChangeArrowheads="1"/>
+          </p:cNvSpPr>
+          <p:nvPr/>
+        </p:nvSpPr>
+        <p:spPr bwMode="auto">
+          <a:xfrm>
+            <a:off x="239486" y="976771"/>
+            <a:ext cx="11658600" cy="862914"/>
+          </a:xfrm>
+          <a:prstGeom prst="rect">
+            <a:avLst/>
+          </a:prstGeom>
+          <a:noFill/>
+          <a:ln w="9525">
+            <a:noFill/>
+            <a:round/>
+            <a:headEnd/>
+            <a:tailEnd/>
+          </a:ln>
+        </p:spPr>
+        <p:txBody>
+          <a:bodyPr lIns="0" tIns="0" rIns="0" bIns="0"/>
+          <a:lstStyle/>
+          <a:p>
+            <a:pPr marL="430213" indent="-323850">
+              <a:spcBef>
+                <a:spcPts val="800"/>
+              </a:spcBef>
+              <a:buFont typeface="Times New Roman" pitchFamily="18" charset="0"/>
+              <a:buChar char="•"/>
+              <a:tabLst>
+                <a:tab pos="430213" algn="l"/>
+                <a:tab pos="1344613" algn="l"/>
+                <a:tab pos="2259013" algn="l"/>
+                <a:tab pos="3173413" algn="l"/>
+                <a:tab pos="4087813" algn="l"/>
+                <a:tab pos="5002213" algn="l"/>
+                <a:tab pos="5916613" algn="l"/>
+                <a:tab pos="6831013" algn="l"/>
+                <a:tab pos="7745413" algn="l"/>
+                <a:tab pos="8659813" algn="l"/>
+                <a:tab pos="9574213" algn="l"/>
+                <a:tab pos="10488613" algn="l"/>
+              </a:tabLst>
+            </a:pPr>
+            <a:r>
+              <a:rPr lang="en-US" sz="2800" dirty="0">
+                <a:solidFill>
+                  <a:srgbClr val="000000"/>
+                </a:solidFill>
+                <a:latin typeface="Times New Roman" pitchFamily="18" charset="0"/>
+              </a:rPr>
+              <a:t>Compute the 95% confidence interval for the mean average absolute velocity in the LAM data</a:t>
+            </a:r>
+            <a:endParaRPr lang="en-GB" sz="2400" dirty="0">
+              <a:solidFill>
+                <a:srgbClr val="000000"/>
+              </a:solidFill>
+              <a:latin typeface="Times New Roman" pitchFamily="18" charset="0"/>
+            </a:endParaRPr>
+          </a:p>
+        </p:txBody>
+      </p:sp>
+      <p:sp>
+        <p:nvSpPr>
+          <p:cNvPr id="3" name="Rectangle 4">
+            <a:extLst>
+              <a:ext uri="{FF2B5EF4-FFF2-40B4-BE49-F238E27FC236}">
+                <a16:creationId xmlns:a16="http://schemas.microsoft.com/office/drawing/2014/main" id="{05170789-E6A2-064A-BDAC-8F3672882A24}"/>
+              </a:ext>
+            </a:extLst>
+          </p:cNvPr>
+          <p:cNvSpPr>
+            <a:spLocks noChangeArrowheads="1"/>
+          </p:cNvSpPr>
+          <p:nvPr/>
+        </p:nvSpPr>
+        <p:spPr bwMode="auto">
+          <a:xfrm>
+            <a:off x="1755776" y="297248"/>
+            <a:ext cx="8607425" cy="762000"/>
+          </a:xfrm>
+          <a:prstGeom prst="rect">
+            <a:avLst/>
+          </a:prstGeom>
+          <a:noFill/>
+          <a:ln w="9525">
+            <a:noFill/>
+            <a:round/>
+            <a:headEnd/>
+            <a:tailEnd/>
+          </a:ln>
+        </p:spPr>
+        <p:txBody>
+          <a:bodyPr lIns="0" tIns="0" rIns="0" bIns="0" anchor="ctr"/>
+          <a:lstStyle/>
+          <a:p>
+            <a:pPr algn="ctr">
+              <a:tabLst>
+                <a:tab pos="0" algn="l"/>
+                <a:tab pos="914400" algn="l"/>
+                <a:tab pos="1828800" algn="l"/>
+                <a:tab pos="2743200" algn="l"/>
+                <a:tab pos="3657600" algn="l"/>
+                <a:tab pos="4572000" algn="l"/>
+                <a:tab pos="5486400" algn="l"/>
+                <a:tab pos="6400800" algn="l"/>
+                <a:tab pos="7315200" algn="l"/>
+                <a:tab pos="8229600" algn="l"/>
+                <a:tab pos="9144000" algn="l"/>
+                <a:tab pos="10058400" algn="l"/>
+              </a:tabLst>
+            </a:pPr>
+            <a:r>
+              <a:rPr lang="en-GB" sz="4000" dirty="0">
+                <a:solidFill>
+                  <a:srgbClr val="000000"/>
+                </a:solidFill>
+                <a:latin typeface="Times New Roman" pitchFamily="18" charset="0"/>
+              </a:rPr>
+              <a:t>Confidence Intervals</a:t>
+            </a:r>
+          </a:p>
+        </p:txBody>
+      </p:sp>
+      <p:pic>
+        <p:nvPicPr>
+          <p:cNvPr id="4" name="Picture 3">
+            <a:extLst>
+              <a:ext uri="{FF2B5EF4-FFF2-40B4-BE49-F238E27FC236}">
+                <a16:creationId xmlns:a16="http://schemas.microsoft.com/office/drawing/2014/main" id="{0D890B02-2F7F-854E-AA05-81BF078336AE}"/>
+              </a:ext>
+            </a:extLst>
+          </p:cNvPr>
+          <p:cNvPicPr>
+            <a:picLocks noChangeAspect="1" noChangeArrowheads="1"/>
+          </p:cNvPicPr>
+          <p:nvPr/>
+        </p:nvPicPr>
+        <p:blipFill>
+          <a:blip r:embed="rId2" cstate="print"/>
+          <a:srcRect/>
+          <a:stretch>
+            <a:fillRect/>
+          </a:stretch>
+        </p:blipFill>
+        <p:spPr bwMode="auto">
+          <a:xfrm>
+            <a:off x="2008188" y="76200"/>
+            <a:ext cx="8202612" cy="239712"/>
+          </a:xfrm>
+          <a:prstGeom prst="rect">
+            <a:avLst/>
+          </a:prstGeom>
+          <a:noFill/>
+          <a:ln w="9525">
+            <a:noFill/>
+            <a:round/>
+            <a:headEnd/>
+            <a:tailEnd/>
+          </a:ln>
+        </p:spPr>
+      </p:pic>
+      <p:sp>
+        <p:nvSpPr>
+          <p:cNvPr id="5" name="Rectangle 4">
+            <a:extLst>
+              <a:ext uri="{FF2B5EF4-FFF2-40B4-BE49-F238E27FC236}">
+                <a16:creationId xmlns:a16="http://schemas.microsoft.com/office/drawing/2014/main" id="{EB18BAB2-11C7-E145-B7B0-4889CAB49141}"/>
+              </a:ext>
+            </a:extLst>
+          </p:cNvPr>
+          <p:cNvSpPr/>
+          <p:nvPr/>
+        </p:nvSpPr>
+        <p:spPr>
+          <a:xfrm>
+            <a:off x="239485" y="2115803"/>
+            <a:ext cx="11832772" cy="3970318"/>
+          </a:xfrm>
+          <a:prstGeom prst="rect">
+            <a:avLst/>
+          </a:prstGeom>
+          <a:solidFill>
+            <a:srgbClr val="000C78"/>
+          </a:solidFill>
+        </p:spPr>
+        <p:txBody>
+          <a:bodyPr wrap="square">
+            <a:spAutoFit/>
+          </a:bodyPr>
+          <a:lstStyle/>
+          <a:p>
+            <a:r>
+              <a:rPr lang="en-US" sz="1400" dirty="0">
+                <a:solidFill>
+                  <a:srgbClr val="FFFF00"/>
+                </a:solidFill>
+                <a:latin typeface="Courier"/>
+                <a:cs typeface="Courier"/>
+              </a:rPr>
+              <a:t># Load data:</a:t>
+            </a:r>
+          </a:p>
+          <a:p>
+            <a:r>
+              <a:rPr lang="en-US" sz="1400" dirty="0" err="1">
+                <a:solidFill>
+                  <a:schemeClr val="bg1"/>
+                </a:solidFill>
+                <a:latin typeface="Courier"/>
+                <a:cs typeface="Courier"/>
+              </a:rPr>
+              <a:t>dat</a:t>
+            </a:r>
+            <a:r>
+              <a:rPr lang="en-US" sz="1400" dirty="0">
+                <a:solidFill>
+                  <a:schemeClr val="bg1"/>
+                </a:solidFill>
+                <a:latin typeface="Courier"/>
+                <a:cs typeface="Courier"/>
+              </a:rPr>
+              <a:t> &lt;- </a:t>
+            </a:r>
+            <a:r>
+              <a:rPr lang="en-US" sz="1400" dirty="0" err="1">
+                <a:solidFill>
+                  <a:schemeClr val="bg1"/>
+                </a:solidFill>
+                <a:latin typeface="Courier"/>
+                <a:cs typeface="Courier"/>
+              </a:rPr>
+              <a:t>read.csv</a:t>
+            </a:r>
+            <a:r>
+              <a:rPr lang="en-US" sz="1400" dirty="0">
+                <a:solidFill>
+                  <a:schemeClr val="bg1"/>
+                </a:solidFill>
+                <a:latin typeface="Courier"/>
+                <a:cs typeface="Courier"/>
+              </a:rPr>
+              <a:t>(</a:t>
+            </a:r>
+            <a:r>
+              <a:rPr lang="en-US" sz="1400" dirty="0">
+                <a:solidFill>
+                  <a:srgbClr val="00B050"/>
+                </a:solidFill>
+                <a:latin typeface="Courier"/>
+                <a:cs typeface="Courier"/>
+              </a:rPr>
+              <a:t>"https://</a:t>
+            </a:r>
+            <a:r>
+              <a:rPr lang="en-US" sz="1400" dirty="0" err="1">
+                <a:solidFill>
+                  <a:srgbClr val="00B050"/>
+                </a:solidFill>
+                <a:latin typeface="Courier"/>
+                <a:cs typeface="Courier"/>
+              </a:rPr>
+              <a:t>raw.githubusercontent.com</a:t>
+            </a:r>
+            <a:r>
+              <a:rPr lang="en-US" sz="1400" dirty="0">
+                <a:solidFill>
+                  <a:srgbClr val="00B050"/>
+                </a:solidFill>
+                <a:latin typeface="Courier"/>
+                <a:cs typeface="Courier"/>
+              </a:rPr>
+              <a:t>/</a:t>
+            </a:r>
+            <a:r>
+              <a:rPr lang="en-US" sz="1400" dirty="0" err="1">
+                <a:solidFill>
+                  <a:srgbClr val="00B050"/>
+                </a:solidFill>
+                <a:latin typeface="Courier"/>
+                <a:cs typeface="Courier"/>
+              </a:rPr>
+              <a:t>npetraco</a:t>
+            </a:r>
+            <a:r>
+              <a:rPr lang="en-US" sz="1400" dirty="0">
+                <a:solidFill>
+                  <a:srgbClr val="00B050"/>
+                </a:solidFill>
+                <a:latin typeface="Courier"/>
+                <a:cs typeface="Courier"/>
+              </a:rPr>
+              <a:t>/workshop21/master/data/</a:t>
+            </a:r>
+            <a:r>
+              <a:rPr lang="en-US" sz="1400" dirty="0" err="1">
+                <a:solidFill>
+                  <a:srgbClr val="00B050"/>
+                </a:solidFill>
+                <a:latin typeface="Courier"/>
+                <a:cs typeface="Courier"/>
+              </a:rPr>
+              <a:t>lamwrite.csv</a:t>
+            </a:r>
+            <a:r>
+              <a:rPr lang="en-US" sz="1400" dirty="0">
+                <a:solidFill>
+                  <a:srgbClr val="00B050"/>
+                </a:solidFill>
+                <a:latin typeface="Courier"/>
+                <a:cs typeface="Courier"/>
+              </a:rPr>
+              <a:t>"</a:t>
+            </a:r>
+            <a:r>
+              <a:rPr lang="en-US" sz="1400" dirty="0">
+                <a:solidFill>
+                  <a:schemeClr val="bg1"/>
+                </a:solidFill>
+                <a:latin typeface="Courier"/>
+                <a:cs typeface="Courier"/>
+              </a:rPr>
+              <a:t>, header=T)</a:t>
+            </a:r>
+          </a:p>
+          <a:p>
+            <a:endParaRPr lang="en-US" sz="1400" dirty="0">
+              <a:solidFill>
+                <a:schemeClr val="bg1"/>
+              </a:solidFill>
+              <a:latin typeface="Courier"/>
+              <a:cs typeface="Courier"/>
+            </a:endParaRPr>
+          </a:p>
+          <a:p>
+            <a:r>
+              <a:rPr lang="en-US" sz="1400" dirty="0">
+                <a:solidFill>
+                  <a:srgbClr val="FFFF00"/>
+                </a:solidFill>
+                <a:latin typeface="Courier"/>
+                <a:cs typeface="Courier"/>
+              </a:rPr>
+              <a:t># Average absolute velocity data:</a:t>
+            </a:r>
+          </a:p>
+          <a:p>
+            <a:r>
+              <a:rPr lang="en-US" sz="1400" dirty="0" err="1">
+                <a:solidFill>
+                  <a:schemeClr val="bg1"/>
+                </a:solidFill>
+                <a:latin typeface="Courier"/>
+                <a:cs typeface="Courier"/>
+              </a:rPr>
+              <a:t>aav</a:t>
+            </a:r>
+            <a:r>
+              <a:rPr lang="en-US" sz="1400" dirty="0">
+                <a:solidFill>
+                  <a:schemeClr val="bg1"/>
+                </a:solidFill>
+                <a:latin typeface="Courier"/>
+                <a:cs typeface="Courier"/>
+              </a:rPr>
+              <a:t> &lt;- </a:t>
+            </a:r>
+            <a:r>
+              <a:rPr lang="en-US" sz="1400" dirty="0" err="1">
+                <a:solidFill>
+                  <a:schemeClr val="bg1"/>
+                </a:solidFill>
+                <a:latin typeface="Courier"/>
+                <a:cs typeface="Courier"/>
+              </a:rPr>
+              <a:t>dat</a:t>
+            </a:r>
+            <a:r>
+              <a:rPr lang="en-US" sz="1400" dirty="0">
+                <a:solidFill>
+                  <a:schemeClr val="bg1"/>
+                </a:solidFill>
+                <a:latin typeface="Courier"/>
+                <a:cs typeface="Courier"/>
+              </a:rPr>
+              <a:t>[,2]</a:t>
+            </a:r>
+          </a:p>
+          <a:p>
+            <a:endParaRPr lang="en-US" sz="1400" dirty="0">
+              <a:solidFill>
+                <a:schemeClr val="bg1"/>
+              </a:solidFill>
+              <a:latin typeface="Courier"/>
+              <a:cs typeface="Courier"/>
+            </a:endParaRPr>
+          </a:p>
+          <a:p>
+            <a:r>
+              <a:rPr lang="en-US" sz="1400" dirty="0">
+                <a:solidFill>
+                  <a:schemeClr val="bg1"/>
+                </a:solidFill>
+                <a:latin typeface="Courier"/>
+                <a:cs typeface="Courier"/>
+              </a:rPr>
+              <a:t>n    &lt;- length(</a:t>
+            </a:r>
+            <a:r>
+              <a:rPr lang="en-US" sz="1400" dirty="0" err="1">
+                <a:solidFill>
+                  <a:schemeClr val="bg1"/>
+                </a:solidFill>
+                <a:latin typeface="Courier"/>
+                <a:cs typeface="Courier"/>
+              </a:rPr>
+              <a:t>aav</a:t>
+            </a:r>
+            <a:r>
+              <a:rPr lang="en-US" sz="1400" dirty="0">
+                <a:solidFill>
+                  <a:schemeClr val="bg1"/>
+                </a:solidFill>
+                <a:latin typeface="Courier"/>
+                <a:cs typeface="Courier"/>
+              </a:rPr>
+              <a:t>)            </a:t>
+            </a:r>
+            <a:r>
+              <a:rPr lang="en-US" sz="1400" dirty="0">
+                <a:solidFill>
+                  <a:srgbClr val="FFFF00"/>
+                </a:solidFill>
+                <a:latin typeface="Courier"/>
+                <a:cs typeface="Courier"/>
+              </a:rPr>
+              <a:t># sample size</a:t>
+            </a:r>
+          </a:p>
+          <a:p>
+            <a:r>
+              <a:rPr lang="en-US" sz="1400" dirty="0" err="1">
+                <a:solidFill>
+                  <a:schemeClr val="bg1"/>
+                </a:solidFill>
+                <a:latin typeface="Courier"/>
+                <a:cs typeface="Courier"/>
+              </a:rPr>
+              <a:t>xbar</a:t>
+            </a:r>
+            <a:r>
+              <a:rPr lang="en-US" sz="1400" dirty="0">
+                <a:solidFill>
+                  <a:schemeClr val="bg1"/>
+                </a:solidFill>
+                <a:latin typeface="Courier"/>
+                <a:cs typeface="Courier"/>
+              </a:rPr>
+              <a:t> &lt;- mean(</a:t>
+            </a:r>
+            <a:r>
+              <a:rPr lang="en-US" sz="1400" dirty="0" err="1">
+                <a:solidFill>
+                  <a:schemeClr val="bg1"/>
+                </a:solidFill>
+                <a:latin typeface="Courier"/>
+                <a:cs typeface="Courier"/>
+              </a:rPr>
+              <a:t>aav</a:t>
+            </a:r>
+            <a:r>
+              <a:rPr lang="en-US" sz="1400" dirty="0">
+                <a:solidFill>
+                  <a:schemeClr val="bg1"/>
+                </a:solidFill>
+                <a:latin typeface="Courier"/>
+                <a:cs typeface="Courier"/>
+              </a:rPr>
+              <a:t>)              </a:t>
+            </a:r>
+            <a:r>
+              <a:rPr lang="en-US" sz="1400" dirty="0">
+                <a:solidFill>
+                  <a:srgbClr val="FFFF00"/>
+                </a:solidFill>
+                <a:latin typeface="Courier"/>
+                <a:cs typeface="Courier"/>
+              </a:rPr>
+              <a:t># sample mean</a:t>
+            </a:r>
+          </a:p>
+          <a:p>
+            <a:r>
+              <a:rPr lang="en-US" sz="1400" dirty="0">
+                <a:solidFill>
+                  <a:schemeClr val="bg1"/>
+                </a:solidFill>
+                <a:latin typeface="Courier"/>
+                <a:cs typeface="Courier"/>
+              </a:rPr>
+              <a:t>se   &lt;- </a:t>
+            </a:r>
+            <a:r>
+              <a:rPr lang="en-US" sz="1400" dirty="0" err="1">
+                <a:solidFill>
+                  <a:schemeClr val="bg1"/>
+                </a:solidFill>
+                <a:latin typeface="Courier"/>
+                <a:cs typeface="Courier"/>
+              </a:rPr>
+              <a:t>sd</a:t>
+            </a:r>
+            <a:r>
+              <a:rPr lang="en-US" sz="1400" dirty="0">
+                <a:solidFill>
+                  <a:schemeClr val="bg1"/>
+                </a:solidFill>
+                <a:latin typeface="Courier"/>
+                <a:cs typeface="Courier"/>
+              </a:rPr>
+              <a:t>(</a:t>
+            </a:r>
+            <a:r>
+              <a:rPr lang="en-US" sz="1400" dirty="0" err="1">
+                <a:solidFill>
+                  <a:schemeClr val="bg1"/>
+                </a:solidFill>
+                <a:latin typeface="Courier"/>
+                <a:cs typeface="Courier"/>
+              </a:rPr>
+              <a:t>aav</a:t>
+            </a:r>
+            <a:r>
+              <a:rPr lang="en-US" sz="1400" dirty="0">
+                <a:solidFill>
+                  <a:schemeClr val="bg1"/>
+                </a:solidFill>
+                <a:latin typeface="Courier"/>
+                <a:cs typeface="Courier"/>
+              </a:rPr>
+              <a:t>)/sqrt(n)        </a:t>
+            </a:r>
+            <a:r>
+              <a:rPr lang="en-US" sz="1400" dirty="0">
+                <a:solidFill>
+                  <a:srgbClr val="FFFF00"/>
+                </a:solidFill>
+                <a:latin typeface="Courier"/>
+                <a:cs typeface="Courier"/>
+              </a:rPr>
+              <a:t># standard error of the sample mean</a:t>
+            </a:r>
+          </a:p>
+          <a:p>
+            <a:endParaRPr lang="en-US" sz="1400" dirty="0">
+              <a:solidFill>
+                <a:schemeClr val="bg1"/>
+              </a:solidFill>
+              <a:latin typeface="Courier"/>
+              <a:cs typeface="Courier"/>
+            </a:endParaRPr>
+          </a:p>
+          <a:p>
+            <a:r>
+              <a:rPr lang="en-US" sz="1400" dirty="0">
+                <a:solidFill>
+                  <a:schemeClr val="bg1"/>
+                </a:solidFill>
+                <a:latin typeface="Courier"/>
+                <a:cs typeface="Courier"/>
+              </a:rPr>
+              <a:t>conf  &lt;- 0.95                  </a:t>
+            </a:r>
+            <a:r>
+              <a:rPr lang="en-US" sz="1400" dirty="0">
+                <a:solidFill>
+                  <a:srgbClr val="FFFF00"/>
+                </a:solidFill>
+                <a:latin typeface="Courier"/>
+                <a:cs typeface="Courier"/>
+              </a:rPr>
+              <a:t># level of confidence</a:t>
+            </a:r>
+          </a:p>
+          <a:p>
+            <a:r>
+              <a:rPr lang="en-US" sz="1400" dirty="0">
+                <a:solidFill>
+                  <a:schemeClr val="bg1"/>
+                </a:solidFill>
+                <a:latin typeface="Courier"/>
+                <a:cs typeface="Courier"/>
+              </a:rPr>
+              <a:t>alpha &lt;- 1 - conf              </a:t>
+            </a:r>
+            <a:r>
+              <a:rPr lang="en-US" sz="1400" dirty="0">
+                <a:solidFill>
+                  <a:srgbClr val="FFFF00"/>
+                </a:solidFill>
+                <a:latin typeface="Courier"/>
+                <a:cs typeface="Courier"/>
+              </a:rPr>
+              <a:t># level of significance</a:t>
+            </a:r>
+          </a:p>
+          <a:p>
+            <a:r>
+              <a:rPr lang="en-US" sz="1400" dirty="0" err="1">
+                <a:solidFill>
+                  <a:schemeClr val="bg1"/>
+                </a:solidFill>
+                <a:latin typeface="Courier"/>
+                <a:cs typeface="Courier"/>
+              </a:rPr>
+              <a:t>tc</a:t>
+            </a:r>
+            <a:r>
+              <a:rPr lang="en-US" sz="1400" dirty="0">
+                <a:solidFill>
+                  <a:schemeClr val="bg1"/>
+                </a:solidFill>
+                <a:latin typeface="Courier"/>
+                <a:cs typeface="Courier"/>
+              </a:rPr>
+              <a:t> &lt;- qt(1 -alpha/2, df = n-1) </a:t>
+            </a:r>
+            <a:r>
+              <a:rPr lang="en-US" sz="1400" dirty="0">
+                <a:solidFill>
+                  <a:srgbClr val="FFFF00"/>
+                </a:solidFill>
+                <a:latin typeface="Courier"/>
+                <a:cs typeface="Courier"/>
+              </a:rPr>
+              <a:t># </a:t>
+            </a:r>
+            <a:r>
+              <a:rPr lang="en-US" sz="1400" dirty="0" err="1">
+                <a:solidFill>
+                  <a:srgbClr val="FFFF00"/>
+                </a:solidFill>
+                <a:latin typeface="Courier"/>
+                <a:cs typeface="Courier"/>
+              </a:rPr>
+              <a:t>tc</a:t>
+            </a:r>
+            <a:r>
+              <a:rPr lang="en-US" sz="1400" dirty="0">
+                <a:solidFill>
+                  <a:srgbClr val="FFFF00"/>
+                </a:solidFill>
+                <a:latin typeface="Courier"/>
+                <a:cs typeface="Courier"/>
+              </a:rPr>
+              <a:t> for a two-sided CI</a:t>
+            </a:r>
+          </a:p>
+          <a:p>
+            <a:endParaRPr lang="en-US" sz="1400" dirty="0">
+              <a:solidFill>
+                <a:schemeClr val="bg1"/>
+              </a:solidFill>
+              <a:latin typeface="Courier"/>
+              <a:cs typeface="Courier"/>
+            </a:endParaRPr>
+          </a:p>
+          <a:p>
+            <a:r>
+              <a:rPr lang="en-US" sz="1400" dirty="0" err="1">
+                <a:solidFill>
+                  <a:schemeClr val="bg1"/>
+                </a:solidFill>
+                <a:latin typeface="Courier"/>
+                <a:cs typeface="Courier"/>
+              </a:rPr>
+              <a:t>xbar.lo</a:t>
+            </a:r>
+            <a:r>
+              <a:rPr lang="en-US" sz="1400" dirty="0">
+                <a:solidFill>
+                  <a:schemeClr val="bg1"/>
+                </a:solidFill>
+                <a:latin typeface="Courier"/>
+                <a:cs typeface="Courier"/>
+              </a:rPr>
+              <a:t> &lt;- </a:t>
+            </a:r>
+            <a:r>
+              <a:rPr lang="en-US" sz="1400" dirty="0" err="1">
+                <a:solidFill>
+                  <a:schemeClr val="bg1"/>
+                </a:solidFill>
+                <a:latin typeface="Courier"/>
+                <a:cs typeface="Courier"/>
+              </a:rPr>
+              <a:t>xbar</a:t>
+            </a:r>
+            <a:r>
+              <a:rPr lang="en-US" sz="1400" dirty="0">
+                <a:solidFill>
+                  <a:schemeClr val="bg1"/>
+                </a:solidFill>
+                <a:latin typeface="Courier"/>
+                <a:cs typeface="Courier"/>
+              </a:rPr>
+              <a:t> - </a:t>
+            </a:r>
+            <a:r>
+              <a:rPr lang="en-US" sz="1400" dirty="0" err="1">
+                <a:solidFill>
+                  <a:schemeClr val="bg1"/>
+                </a:solidFill>
+                <a:latin typeface="Courier"/>
+                <a:cs typeface="Courier"/>
+              </a:rPr>
+              <a:t>tc</a:t>
+            </a:r>
+            <a:r>
+              <a:rPr lang="en-US" sz="1400" dirty="0">
+                <a:solidFill>
+                  <a:schemeClr val="bg1"/>
+                </a:solidFill>
+                <a:latin typeface="Courier"/>
+                <a:cs typeface="Courier"/>
+              </a:rPr>
+              <a:t>*se</a:t>
+            </a:r>
+          </a:p>
+          <a:p>
+            <a:r>
+              <a:rPr lang="en-US" sz="1400" dirty="0" err="1">
+                <a:solidFill>
+                  <a:schemeClr val="bg1"/>
+                </a:solidFill>
+                <a:latin typeface="Courier"/>
+                <a:cs typeface="Courier"/>
+              </a:rPr>
+              <a:t>xbar.hi</a:t>
+            </a:r>
+            <a:r>
+              <a:rPr lang="en-US" sz="1400" dirty="0">
+                <a:solidFill>
+                  <a:schemeClr val="bg1"/>
+                </a:solidFill>
+                <a:latin typeface="Courier"/>
+                <a:cs typeface="Courier"/>
+              </a:rPr>
+              <a:t> &lt;- </a:t>
+            </a:r>
+            <a:r>
+              <a:rPr lang="en-US" sz="1400" dirty="0" err="1">
+                <a:solidFill>
+                  <a:schemeClr val="bg1"/>
+                </a:solidFill>
+                <a:latin typeface="Courier"/>
+                <a:cs typeface="Courier"/>
+              </a:rPr>
+              <a:t>xbar</a:t>
+            </a:r>
+            <a:r>
+              <a:rPr lang="en-US" sz="1400" dirty="0">
+                <a:solidFill>
+                  <a:schemeClr val="bg1"/>
+                </a:solidFill>
+                <a:latin typeface="Courier"/>
+                <a:cs typeface="Courier"/>
+              </a:rPr>
+              <a:t> + </a:t>
+            </a:r>
+            <a:r>
+              <a:rPr lang="en-US" sz="1400" dirty="0" err="1">
+                <a:solidFill>
+                  <a:schemeClr val="bg1"/>
+                </a:solidFill>
+                <a:latin typeface="Courier"/>
+                <a:cs typeface="Courier"/>
+              </a:rPr>
+              <a:t>tc</a:t>
+            </a:r>
+            <a:r>
+              <a:rPr lang="en-US" sz="1400" dirty="0">
+                <a:solidFill>
+                  <a:schemeClr val="bg1"/>
+                </a:solidFill>
+                <a:latin typeface="Courier"/>
+                <a:cs typeface="Courier"/>
+              </a:rPr>
+              <a:t>*se</a:t>
+            </a:r>
+          </a:p>
+          <a:p>
+            <a:r>
+              <a:rPr lang="en-US" sz="1400" dirty="0">
+                <a:solidFill>
+                  <a:schemeClr val="bg1"/>
+                </a:solidFill>
+                <a:latin typeface="Courier"/>
+                <a:cs typeface="Courier"/>
+              </a:rPr>
+              <a:t>c(</a:t>
+            </a:r>
+            <a:r>
+              <a:rPr lang="en-US" sz="1400" dirty="0" err="1">
+                <a:solidFill>
+                  <a:schemeClr val="bg1"/>
+                </a:solidFill>
+                <a:latin typeface="Courier"/>
+                <a:cs typeface="Courier"/>
+              </a:rPr>
+              <a:t>xbar.lo</a:t>
+            </a:r>
+            <a:r>
+              <a:rPr lang="en-US" sz="1400" dirty="0">
+                <a:solidFill>
+                  <a:schemeClr val="bg1"/>
+                </a:solidFill>
+                <a:latin typeface="Courier"/>
+                <a:cs typeface="Courier"/>
+              </a:rPr>
+              <a:t>, </a:t>
+            </a:r>
+            <a:r>
+              <a:rPr lang="en-US" sz="1400" dirty="0" err="1">
+                <a:solidFill>
+                  <a:schemeClr val="bg1"/>
+                </a:solidFill>
+                <a:latin typeface="Courier"/>
+                <a:cs typeface="Courier"/>
+              </a:rPr>
+              <a:t>xbar.hi</a:t>
+            </a:r>
+            <a:r>
+              <a:rPr lang="en-US" sz="1400" dirty="0">
+                <a:solidFill>
+                  <a:schemeClr val="bg1"/>
+                </a:solidFill>
+                <a:latin typeface="Courier"/>
+                <a:cs typeface="Courier"/>
+              </a:rPr>
+              <a:t>)            </a:t>
+            </a:r>
+            <a:r>
+              <a:rPr lang="en-US" sz="1400" dirty="0">
+                <a:solidFill>
+                  <a:srgbClr val="FFFF00"/>
+                </a:solidFill>
+                <a:latin typeface="Courier"/>
+                <a:cs typeface="Courier"/>
+              </a:rPr>
+              <a:t># </a:t>
+            </a:r>
+            <a:r>
+              <a:rPr lang="en-US" sz="1400" dirty="0" err="1">
+                <a:solidFill>
+                  <a:srgbClr val="FFFF00"/>
+                </a:solidFill>
+                <a:latin typeface="Courier"/>
+                <a:cs typeface="Courier"/>
+              </a:rPr>
+              <a:t>Condifence</a:t>
+            </a:r>
+            <a:r>
+              <a:rPr lang="en-US" sz="1400" dirty="0">
+                <a:solidFill>
+                  <a:srgbClr val="FFFF00"/>
+                </a:solidFill>
+                <a:latin typeface="Courier"/>
+                <a:cs typeface="Courier"/>
+              </a:rPr>
+              <a:t> interval for the mean</a:t>
+            </a:r>
+          </a:p>
+          <a:p>
+            <a:endParaRPr lang="en-US" sz="1400" dirty="0">
+              <a:solidFill>
+                <a:schemeClr val="bg1"/>
+              </a:solidFill>
+              <a:latin typeface="Courier"/>
+              <a:cs typeface="Courier"/>
+            </a:endParaRPr>
+          </a:p>
+        </p:txBody>
+      </p:sp>
+      <p:pic>
+        <p:nvPicPr>
+          <p:cNvPr id="6" name="Picture 5">
+            <a:extLst>
+              <a:ext uri="{FF2B5EF4-FFF2-40B4-BE49-F238E27FC236}">
+                <a16:creationId xmlns:a16="http://schemas.microsoft.com/office/drawing/2014/main" id="{63D66F84-5134-D149-9807-FDD47C9530F3}"/>
+              </a:ext>
+            </a:extLst>
+          </p:cNvPr>
+          <p:cNvPicPr>
+            <a:picLocks noChangeAspect="1"/>
+          </p:cNvPicPr>
+          <p:nvPr/>
+        </p:nvPicPr>
+        <p:blipFill>
+          <a:blip r:embed="rId3"/>
+          <a:stretch>
+            <a:fillRect/>
+          </a:stretch>
+        </p:blipFill>
+        <p:spPr>
+          <a:xfrm>
+            <a:off x="5408386" y="4971143"/>
+            <a:ext cx="6663871" cy="581046"/>
+          </a:xfrm>
+          <a:prstGeom prst="rect">
+            <a:avLst/>
+          </a:prstGeom>
+        </p:spPr>
+      </p:pic>
+    </p:spTree>
+    <p:extLst>
+      <p:ext uri="{BB962C8B-B14F-4D97-AF65-F5344CB8AC3E}">
+        <p14:creationId xmlns:p14="http://schemas.microsoft.com/office/powerpoint/2010/main" val="1547993473"/>
+      </p:ext>
+    </p:extLst>
+  </p:cSld>
+  <p:clrMapOvr>
+    <a:masterClrMapping/>
+  </p:clrMapOvr>
+  <p:timing>
+    <p:tnLst>
+      <p:par>
+        <p:cTn id="1" dur="indefinite" restart="never" nodeType="tmRoot">
+          <p:childTnLst>
+            <p:seq concurrent="1" nextAc="seek">
+              <p:cTn id="2" dur="indefinite" nodeType="mainSeq">
+                <p:childTnLst>
+                  <p:par>
+                    <p:cTn id="3" fill="hold">
+                      <p:stCondLst>
+                        <p:cond delay="indefinite"/>
+                      </p:stCondLst>
+                      <p:childTnLst>
+                        <p:par>
+                          <p:cTn id="4" fill="hold">
+                            <p:stCondLst>
+                              <p:cond delay="0"/>
+                            </p:stCondLst>
+                            <p:childTnLst>
+                              <p:par>
+                                <p:cTn id="5" presetID="2" presetClass="entr" presetSubtype="4" fill="hold" nodeType="clickEffect">
+                                  <p:stCondLst>
+                                    <p:cond delay="0"/>
+                                  </p:stCondLst>
+                                  <p:childTnLst>
+                                    <p:set>
+                                      <p:cBhvr>
+                                        <p:cTn id="6" dur="1" fill="hold">
+                                          <p:stCondLst>
+                                            <p:cond delay="0"/>
+                                          </p:stCondLst>
+                                        </p:cTn>
+                                        <p:tgtEl>
+                                          <p:spTgt spid="6"/>
+                                        </p:tgtEl>
+                                        <p:attrNameLst>
+                                          <p:attrName>style.visibility</p:attrName>
+                                        </p:attrNameLst>
+                                      </p:cBhvr>
+                                      <p:to>
+                                        <p:strVal val="visible"/>
+                                      </p:to>
+                                    </p:set>
+                                    <p:anim calcmode="lin" valueType="num">
+                                      <p:cBhvr additive="base">
+                                        <p:cTn id="7" dur="500" fill="hold"/>
+                                        <p:tgtEl>
+                                          <p:spTgt spid="6"/>
+                                        </p:tgtEl>
+                                        <p:attrNameLst>
+                                          <p:attrName>ppt_x</p:attrName>
+                                        </p:attrNameLst>
+                                      </p:cBhvr>
+                                      <p:tavLst>
+                                        <p:tav tm="0">
+                                          <p:val>
+                                            <p:strVal val="#ppt_x"/>
+                                          </p:val>
+                                        </p:tav>
+                                        <p:tav tm="100000">
+                                          <p:val>
+                                            <p:strVal val="#ppt_x"/>
+                                          </p:val>
+                                        </p:tav>
+                                      </p:tavLst>
+                                    </p:anim>
+                                    <p:anim calcmode="lin" valueType="num">
+                                      <p:cBhvr additive="base">
+                                        <p:cTn id="8" dur="500" fill="hold"/>
+                                        <p:tgtEl>
+                                          <p:spTgt spid="6"/>
+                                        </p:tgtEl>
+                                        <p:attrNameLst>
+                                          <p:attrName>ppt_y</p:attrName>
+                                        </p:attrNameLst>
+                                      </p:cBhvr>
+                                      <p:tavLst>
+                                        <p:tav tm="0">
+                                          <p:val>
+                                            <p:strVal val="1+#ppt_h/2"/>
+                                          </p:val>
+                                        </p:tav>
+                                        <p:tav tm="100000">
+                                          <p:val>
+                                            <p:strVal val="#ppt_y"/>
+                                          </p:val>
+                                        </p:tav>
+                                      </p:tavLst>
+                                    </p:anim>
+                                  </p:childTnLst>
+                                </p:cTn>
+                              </p:par>
+                            </p:childTnLst>
+                          </p:cTn>
+                        </p:par>
+                      </p:childTnLst>
+                    </p:cTn>
+                  </p:par>
+                </p:childTnLst>
+              </p:cTn>
+              <p:prevCondLst>
+                <p:cond evt="onPrev" delay="0">
+                  <p:tgtEl>
+                    <p:sldTgt/>
+                  </p:tgtEl>
+                </p:cond>
+              </p:prevCondLst>
+              <p:nextCondLst>
+                <p:cond evt="onNext" delay="0">
+                  <p:tgtEl>
+                    <p:sldTgt/>
+                  </p:tgtEl>
+                </p:cond>
+              </p:nextCondLst>
+            </p:seq>
+          </p:childTnLst>
+        </p:cTn>
+      </p:par>
+    </p:tnLst>
+  </p:timing>
+</p:sld>
+</file>
+
+<file path=ppt/slides/slide8.xml><?xml version="1.0" encoding="utf-8"?>
+<p:sld xmlns:a="http://schemas.openxmlformats.org/drawingml/2006/main" xmlns:r="http://schemas.openxmlformats.org/officeDocument/2006/relationships" xmlns:p="http://schemas.openxmlformats.org/presentationml/2006/main">
+  <p:cSld>
+    <p:spTree>
+      <p:nvGrpSpPr>
+        <p:cNvPr id="1" name=""/>
+        <p:cNvGrpSpPr/>
+        <p:nvPr/>
+      </p:nvGrpSpPr>
+      <p:grpSpPr>
+        <a:xfrm>
+          <a:off x="0" y="0"/>
+          <a:ext cx="0" cy="0"/>
+          <a:chOff x="0" y="0"/>
+          <a:chExt cx="0" cy="0"/>
+        </a:xfrm>
+      </p:grpSpPr>
+    </p:spTree>
+    <p:extLst>
+      <p:ext uri="{BB962C8B-B14F-4D97-AF65-F5344CB8AC3E}">
+        <p14:creationId xmlns:p14="http://schemas.microsoft.com/office/powerpoint/2010/main" val="22333134"/>
+      </p:ext>
+    </p:extLst>
+  </p:cSld>
+  <p:clrMapOvr>
+    <a:masterClrMapping/>
+  </p:clrMapOvr>
 </p:sld>
 </file>
 

--- a/notes/day_2.pptx
+++ b/notes/day_2.pptx
@@ -5,7 +5,7 @@
     <p:sldMasterId id="2147483648" r:id="rId1"/>
   </p:sldMasterIdLst>
   <p:notesMasterIdLst>
-    <p:notesMasterId r:id="rId10"/>
+    <p:notesMasterId r:id="rId14"/>
   </p:notesMasterIdLst>
   <p:sldIdLst>
     <p:sldId id="256" r:id="rId2"/>
@@ -15,7 +15,11 @@
     <p:sldId id="278" r:id="rId6"/>
     <p:sldId id="280" r:id="rId7"/>
     <p:sldId id="281" r:id="rId8"/>
-    <p:sldId id="282" r:id="rId9"/>
+    <p:sldId id="283" r:id="rId9"/>
+    <p:sldId id="284" r:id="rId10"/>
+    <p:sldId id="274" r:id="rId11"/>
+    <p:sldId id="273" r:id="rId12"/>
+    <p:sldId id="282" r:id="rId13"/>
   </p:sldIdLst>
   <p:sldSz cx="12192000" cy="6858000"/>
   <p:notesSz cx="6858000" cy="9144000"/>
@@ -4228,6 +4232,1094 @@
 </p:sld>
 </file>
 
+<file path=ppt/slides/slide10.xml><?xml version="1.0" encoding="utf-8"?>
+<p:sld xmlns:a="http://schemas.openxmlformats.org/drawingml/2006/main" xmlns:r="http://schemas.openxmlformats.org/officeDocument/2006/relationships" xmlns:p="http://schemas.openxmlformats.org/presentationml/2006/main">
+  <p:cSld>
+    <p:spTree>
+      <p:nvGrpSpPr>
+        <p:cNvPr id="1" name=""/>
+        <p:cNvGrpSpPr/>
+        <p:nvPr/>
+      </p:nvGrpSpPr>
+      <p:grpSpPr>
+        <a:xfrm>
+          <a:off x="0" y="0"/>
+          <a:ext cx="0" cy="0"/>
+          <a:chOff x="0" y="0"/>
+          <a:chExt cx="0" cy="0"/>
+        </a:xfrm>
+      </p:grpSpPr>
+      <p:sp>
+        <p:nvSpPr>
+          <p:cNvPr id="2" name="Rectangle 1"/>
+          <p:cNvSpPr/>
+          <p:nvPr/>
+        </p:nvSpPr>
+        <p:spPr>
+          <a:xfrm>
+            <a:off x="2088396" y="1417671"/>
+            <a:ext cx="8202612" cy="461665"/>
+          </a:xfrm>
+          <a:prstGeom prst="rect">
+            <a:avLst/>
+          </a:prstGeom>
+        </p:spPr>
+        <p:txBody>
+          <a:bodyPr wrap="square">
+            <a:spAutoFit/>
+          </a:bodyPr>
+          <a:lstStyle/>
+          <a:p>
+            <a:r>
+              <a:rPr lang="en-US" sz="2400" dirty="0">
+                <a:latin typeface="Times New Roman"/>
+                <a:cs typeface="Times New Roman"/>
+              </a:rPr>
+              <a:t>Could the two sets of glass shards be from the same window?</a:t>
+            </a:r>
+          </a:p>
+        </p:txBody>
+      </p:sp>
+      <p:sp>
+        <p:nvSpPr>
+          <p:cNvPr id="4" name="Rectangle 3"/>
+          <p:cNvSpPr/>
+          <p:nvPr/>
+        </p:nvSpPr>
+        <p:spPr>
+          <a:xfrm>
+            <a:off x="1524001" y="2205571"/>
+            <a:ext cx="9070975" cy="369332"/>
+          </a:xfrm>
+          <a:prstGeom prst="rect">
+            <a:avLst/>
+          </a:prstGeom>
+        </p:spPr>
+        <p:txBody>
+          <a:bodyPr wrap="square">
+            <a:spAutoFit/>
+          </a:bodyPr>
+          <a:lstStyle/>
+          <a:p>
+            <a:r>
+              <a:rPr lang="en-US" dirty="0">
+                <a:latin typeface="Times New Roman"/>
+                <a:cs typeface="Times New Roman"/>
+              </a:rPr>
+              <a:t>RIs # 1: 1.53419 1.53275 1.53345 1.53267 1.53292 1.53332 1.53464 1.53299 1.53430 1.53550</a:t>
+            </a:r>
+          </a:p>
+        </p:txBody>
+      </p:sp>
+      <p:sp>
+        <p:nvSpPr>
+          <p:cNvPr id="6" name="Rectangle 4"/>
+          <p:cNvSpPr>
+            <a:spLocks noChangeArrowheads="1"/>
+          </p:cNvSpPr>
+          <p:nvPr/>
+        </p:nvSpPr>
+        <p:spPr bwMode="auto">
+          <a:xfrm>
+            <a:off x="1755776" y="394726"/>
+            <a:ext cx="8607425" cy="762000"/>
+          </a:xfrm>
+          <a:prstGeom prst="rect">
+            <a:avLst/>
+          </a:prstGeom>
+          <a:noFill/>
+          <a:ln w="9525">
+            <a:noFill/>
+            <a:round/>
+            <a:headEnd/>
+            <a:tailEnd/>
+          </a:ln>
+        </p:spPr>
+        <p:txBody>
+          <a:bodyPr lIns="0" tIns="0" rIns="0" bIns="0" anchor="ctr"/>
+          <a:lstStyle/>
+          <a:p>
+            <a:pPr algn="ctr">
+              <a:tabLst>
+                <a:tab pos="0" algn="l"/>
+                <a:tab pos="914400" algn="l"/>
+                <a:tab pos="1828800" algn="l"/>
+                <a:tab pos="2743200" algn="l"/>
+                <a:tab pos="3657600" algn="l"/>
+                <a:tab pos="4572000" algn="l"/>
+                <a:tab pos="5486400" algn="l"/>
+                <a:tab pos="6400800" algn="l"/>
+                <a:tab pos="7315200" algn="l"/>
+                <a:tab pos="8229600" algn="l"/>
+                <a:tab pos="9144000" algn="l"/>
+                <a:tab pos="10058400" algn="l"/>
+              </a:tabLst>
+            </a:pPr>
+            <a:r>
+              <a:rPr lang="en-GB" sz="2800" dirty="0">
+                <a:solidFill>
+                  <a:srgbClr val="000000"/>
+                </a:solidFill>
+                <a:latin typeface="Times New Roman" pitchFamily="18" charset="0"/>
+              </a:rPr>
+              <a:t>Example: Two Sample Hypothesis Testing for the Mean</a:t>
+            </a:r>
+          </a:p>
+        </p:txBody>
+      </p:sp>
+      <p:pic>
+        <p:nvPicPr>
+          <p:cNvPr id="7" name="Picture 6"/>
+          <p:cNvPicPr>
+            <a:picLocks noChangeAspect="1" noChangeArrowheads="1"/>
+          </p:cNvPicPr>
+          <p:nvPr/>
+        </p:nvPicPr>
+        <p:blipFill>
+          <a:blip r:embed="rId2" cstate="print"/>
+          <a:srcRect/>
+          <a:stretch>
+            <a:fillRect/>
+          </a:stretch>
+        </p:blipFill>
+        <p:spPr bwMode="auto">
+          <a:xfrm>
+            <a:off x="2008188" y="76200"/>
+            <a:ext cx="8202612" cy="239712"/>
+          </a:xfrm>
+          <a:prstGeom prst="rect">
+            <a:avLst/>
+          </a:prstGeom>
+          <a:noFill/>
+          <a:ln w="9525">
+            <a:noFill/>
+            <a:round/>
+            <a:headEnd/>
+            <a:tailEnd/>
+          </a:ln>
+        </p:spPr>
+      </p:pic>
+      <p:sp>
+        <p:nvSpPr>
+          <p:cNvPr id="8" name="Rectangle 7"/>
+          <p:cNvSpPr/>
+          <p:nvPr/>
+        </p:nvSpPr>
+        <p:spPr>
+          <a:xfrm>
+            <a:off x="1755494" y="4040044"/>
+            <a:ext cx="8686800" cy="400110"/>
+          </a:xfrm>
+          <a:prstGeom prst="rect">
+            <a:avLst/>
+          </a:prstGeom>
+        </p:spPr>
+        <p:txBody>
+          <a:bodyPr wrap="square">
+            <a:spAutoFit/>
+          </a:bodyPr>
+          <a:lstStyle/>
+          <a:p>
+            <a:r>
+              <a:rPr lang="en-US" sz="2000" dirty="0">
+                <a:latin typeface="Times New Roman"/>
+                <a:cs typeface="Times New Roman"/>
+              </a:rPr>
+              <a:t>Do a two sample 95% confidence hypothesis test to test if </a:t>
+            </a:r>
+            <a:r>
+              <a:rPr lang="en-US" sz="2000" dirty="0">
+                <a:latin typeface="Symbol" charset="2"/>
+                <a:cs typeface="Symbol" charset="2"/>
+              </a:rPr>
+              <a:t>: </a:t>
+            </a:r>
+            <a:r>
+              <a:rPr lang="en-US" sz="2000" dirty="0" err="1">
+                <a:latin typeface="Symbol" charset="2"/>
+                <a:cs typeface="Symbol" charset="2"/>
+              </a:rPr>
+              <a:t>m</a:t>
+            </a:r>
+            <a:r>
+              <a:rPr lang="en-US" sz="2000" baseline="-25000" dirty="0" err="1">
+                <a:latin typeface="Times New Roman"/>
+                <a:cs typeface="Times New Roman"/>
+              </a:rPr>
+              <a:t>RI</a:t>
+            </a:r>
+            <a:r>
+              <a:rPr lang="en-US" sz="2000" baseline="-25000" dirty="0">
+                <a:latin typeface="Times New Roman"/>
+                <a:cs typeface="Times New Roman"/>
+              </a:rPr>
+              <a:t> #1</a:t>
+            </a:r>
+            <a:r>
+              <a:rPr lang="en-US" sz="2000" dirty="0">
+                <a:latin typeface="Times New Roman"/>
+                <a:cs typeface="Times New Roman"/>
+              </a:rPr>
+              <a:t>  ≠ </a:t>
+            </a:r>
+            <a:r>
+              <a:rPr lang="en-US" sz="2000" dirty="0" err="1">
+                <a:latin typeface="Symbol" charset="2"/>
+                <a:cs typeface="Symbol" charset="2"/>
+              </a:rPr>
+              <a:t>m</a:t>
+            </a:r>
+            <a:r>
+              <a:rPr lang="en-US" sz="2000" baseline="-25000" dirty="0" err="1">
+                <a:latin typeface="Times New Roman"/>
+                <a:cs typeface="Times New Roman"/>
+              </a:rPr>
+              <a:t>RI</a:t>
+            </a:r>
+            <a:r>
+              <a:rPr lang="en-US" sz="2000" baseline="-25000" dirty="0">
+                <a:latin typeface="Times New Roman"/>
+                <a:cs typeface="Times New Roman"/>
+              </a:rPr>
+              <a:t> #2</a:t>
+            </a:r>
+            <a:r>
+              <a:rPr lang="en-US" sz="2000" dirty="0">
+                <a:latin typeface="Times New Roman"/>
+                <a:cs typeface="Times New Roman"/>
+              </a:rPr>
+              <a:t> (H</a:t>
+            </a:r>
+            <a:r>
+              <a:rPr lang="en-US" sz="2000" baseline="-25000" dirty="0">
+                <a:latin typeface="Times New Roman"/>
+                <a:cs typeface="Times New Roman"/>
+              </a:rPr>
+              <a:t>a</a:t>
+            </a:r>
+            <a:r>
+              <a:rPr lang="en-US" sz="2000" dirty="0">
+                <a:latin typeface="Times New Roman"/>
+                <a:cs typeface="Times New Roman"/>
+              </a:rPr>
+              <a:t>). </a:t>
+            </a:r>
+          </a:p>
+        </p:txBody>
+      </p:sp>
+      <p:sp>
+        <p:nvSpPr>
+          <p:cNvPr id="9" name="Rectangle 8"/>
+          <p:cNvSpPr/>
+          <p:nvPr/>
+        </p:nvSpPr>
+        <p:spPr>
+          <a:xfrm>
+            <a:off x="1524001" y="2625331"/>
+            <a:ext cx="9076327" cy="369332"/>
+          </a:xfrm>
+          <a:prstGeom prst="rect">
+            <a:avLst/>
+          </a:prstGeom>
+        </p:spPr>
+        <p:txBody>
+          <a:bodyPr wrap="square">
+            <a:spAutoFit/>
+          </a:bodyPr>
+          <a:lstStyle/>
+          <a:p>
+            <a:r>
+              <a:rPr lang="en-US" dirty="0">
+                <a:latin typeface="Times New Roman"/>
+                <a:cs typeface="Times New Roman"/>
+              </a:rPr>
+              <a:t>RIs # 2: 1.53577 1.53606 1.53602 1.53544 1.53618 1.53604 1.53551 1.53572 1.53580 1.53567</a:t>
+            </a:r>
+          </a:p>
+        </p:txBody>
+      </p:sp>
+    </p:spTree>
+    <p:extLst>
+      <p:ext uri="{BB962C8B-B14F-4D97-AF65-F5344CB8AC3E}">
+        <p14:creationId xmlns:p14="http://schemas.microsoft.com/office/powerpoint/2010/main" val="2992477747"/>
+      </p:ext>
+    </p:extLst>
+  </p:cSld>
+  <p:clrMapOvr>
+    <a:masterClrMapping/>
+  </p:clrMapOvr>
+</p:sld>
+</file>
+
+<file path=ppt/slides/slide11.xml><?xml version="1.0" encoding="utf-8"?>
+<p:sld xmlns:a="http://schemas.openxmlformats.org/drawingml/2006/main" xmlns:r="http://schemas.openxmlformats.org/officeDocument/2006/relationships" xmlns:p="http://schemas.openxmlformats.org/presentationml/2006/main">
+  <p:cSld>
+    <p:spTree>
+      <p:nvGrpSpPr>
+        <p:cNvPr id="1" name=""/>
+        <p:cNvGrpSpPr/>
+        <p:nvPr/>
+      </p:nvGrpSpPr>
+      <p:grpSpPr>
+        <a:xfrm>
+          <a:off x="0" y="0"/>
+          <a:ext cx="0" cy="0"/>
+          <a:chOff x="0" y="0"/>
+          <a:chExt cx="0" cy="0"/>
+        </a:xfrm>
+      </p:grpSpPr>
+      <p:sp>
+        <p:nvSpPr>
+          <p:cNvPr id="6" name="Rectangle 4"/>
+          <p:cNvSpPr>
+            <a:spLocks noChangeArrowheads="1"/>
+          </p:cNvSpPr>
+          <p:nvPr/>
+        </p:nvSpPr>
+        <p:spPr bwMode="auto">
+          <a:xfrm>
+            <a:off x="2237039" y="401768"/>
+            <a:ext cx="7562014" cy="762000"/>
+          </a:xfrm>
+          <a:prstGeom prst="rect">
+            <a:avLst/>
+          </a:prstGeom>
+          <a:noFill/>
+          <a:ln w="9525">
+            <a:noFill/>
+            <a:round/>
+            <a:headEnd/>
+            <a:tailEnd/>
+          </a:ln>
+        </p:spPr>
+        <p:txBody>
+          <a:bodyPr lIns="0" tIns="0" rIns="0" bIns="0" anchor="ctr"/>
+          <a:lstStyle/>
+          <a:p>
+            <a:pPr algn="ctr">
+              <a:tabLst>
+                <a:tab pos="0" algn="l"/>
+                <a:tab pos="914400" algn="l"/>
+                <a:tab pos="1828800" algn="l"/>
+                <a:tab pos="2743200" algn="l"/>
+                <a:tab pos="3657600" algn="l"/>
+                <a:tab pos="4572000" algn="l"/>
+                <a:tab pos="5486400" algn="l"/>
+                <a:tab pos="6400800" algn="l"/>
+                <a:tab pos="7315200" algn="l"/>
+                <a:tab pos="8229600" algn="l"/>
+                <a:tab pos="9144000" algn="l"/>
+                <a:tab pos="10058400" algn="l"/>
+              </a:tabLst>
+            </a:pPr>
+            <a:r>
+              <a:rPr lang="en-GB" sz="2800" dirty="0">
+                <a:solidFill>
+                  <a:srgbClr val="000000"/>
+                </a:solidFill>
+                <a:latin typeface="Times New Roman" pitchFamily="18" charset="0"/>
+              </a:rPr>
+              <a:t>Example: Two Sample Hypothesis Testing for equivalence of  Means</a:t>
+            </a:r>
+          </a:p>
+        </p:txBody>
+      </p:sp>
+      <p:pic>
+        <p:nvPicPr>
+          <p:cNvPr id="7" name="Picture 6"/>
+          <p:cNvPicPr>
+            <a:picLocks noChangeAspect="1" noChangeArrowheads="1"/>
+          </p:cNvPicPr>
+          <p:nvPr/>
+        </p:nvPicPr>
+        <p:blipFill>
+          <a:blip r:embed="rId2" cstate="print"/>
+          <a:srcRect/>
+          <a:stretch>
+            <a:fillRect/>
+          </a:stretch>
+        </p:blipFill>
+        <p:spPr bwMode="auto">
+          <a:xfrm>
+            <a:off x="2008188" y="76200"/>
+            <a:ext cx="8202612" cy="239712"/>
+          </a:xfrm>
+          <a:prstGeom prst="rect">
+            <a:avLst/>
+          </a:prstGeom>
+          <a:noFill/>
+          <a:ln w="9525">
+            <a:noFill/>
+            <a:round/>
+            <a:headEnd/>
+            <a:tailEnd/>
+          </a:ln>
+        </p:spPr>
+      </p:pic>
+      <p:sp>
+        <p:nvSpPr>
+          <p:cNvPr id="8" name="Rectangle 7"/>
+          <p:cNvSpPr/>
+          <p:nvPr/>
+        </p:nvSpPr>
+        <p:spPr>
+          <a:xfrm>
+            <a:off x="1617577" y="1718195"/>
+            <a:ext cx="8996949" cy="3647152"/>
+          </a:xfrm>
+          <a:prstGeom prst="rect">
+            <a:avLst/>
+          </a:prstGeom>
+          <a:solidFill>
+            <a:srgbClr val="000C78"/>
+          </a:solidFill>
+        </p:spPr>
+        <p:txBody>
+          <a:bodyPr wrap="square">
+            <a:spAutoFit/>
+          </a:bodyPr>
+          <a:lstStyle/>
+          <a:p>
+            <a:r>
+              <a:rPr lang="en-US" sz="1100" dirty="0">
+                <a:solidFill>
+                  <a:srgbClr val="FF0000"/>
+                </a:solidFill>
+                <a:latin typeface="Courier"/>
+                <a:cs typeface="Courier"/>
+              </a:rPr>
+              <a:t># Question of interest: Could the two sets of glass shards be from the same window ? </a:t>
+            </a:r>
+          </a:p>
+          <a:p>
+            <a:endParaRPr lang="en-US" sz="1100" dirty="0">
+              <a:solidFill>
+                <a:srgbClr val="FF0000"/>
+              </a:solidFill>
+              <a:latin typeface="Courier"/>
+              <a:cs typeface="Courier"/>
+            </a:endParaRPr>
+          </a:p>
+          <a:p>
+            <a:r>
+              <a:rPr lang="en-US" sz="1100" dirty="0">
+                <a:solidFill>
+                  <a:srgbClr val="FF0000"/>
+                </a:solidFill>
+                <a:latin typeface="Courier"/>
+                <a:cs typeface="Courier"/>
+              </a:rPr>
+              <a:t># NULL HYPOTHESIS:</a:t>
+            </a:r>
+            <a:r>
+              <a:rPr lang="en-US" sz="1100" dirty="0">
+                <a:solidFill>
+                  <a:schemeClr val="bg1"/>
+                </a:solidFill>
+                <a:latin typeface="Courier"/>
+                <a:cs typeface="Courier"/>
+              </a:rPr>
+              <a:t>        </a:t>
+            </a:r>
+            <a:r>
+              <a:rPr lang="en-US" sz="1100" dirty="0">
+                <a:solidFill>
+                  <a:srgbClr val="FFFF00"/>
+                </a:solidFill>
+                <a:latin typeface="Courier"/>
+                <a:cs typeface="Courier"/>
+              </a:rPr>
+              <a:t>RI1 == RI2 (Side question: Problem here?)</a:t>
+            </a:r>
+          </a:p>
+          <a:p>
+            <a:r>
+              <a:rPr lang="en-US" sz="1100" dirty="0">
+                <a:solidFill>
+                  <a:srgbClr val="FF0000"/>
+                </a:solidFill>
+                <a:latin typeface="Courier"/>
+                <a:cs typeface="Courier"/>
+              </a:rPr>
+              <a:t># ALTERNATIVE HYPOTHESIS:</a:t>
+            </a:r>
+            <a:r>
+              <a:rPr lang="en-US" sz="1100" dirty="0">
+                <a:solidFill>
+                  <a:schemeClr val="bg1"/>
+                </a:solidFill>
+                <a:latin typeface="Courier"/>
+                <a:cs typeface="Courier"/>
+              </a:rPr>
+              <a:t> </a:t>
+            </a:r>
+            <a:r>
+              <a:rPr lang="en-US" sz="1100" dirty="0">
+                <a:solidFill>
+                  <a:srgbClr val="FFFF00"/>
+                </a:solidFill>
+                <a:latin typeface="Courier"/>
+                <a:cs typeface="Courier"/>
+              </a:rPr>
+              <a:t>RI1 != RI2</a:t>
+            </a:r>
+            <a:endParaRPr lang="en-US" sz="1100" dirty="0">
+              <a:solidFill>
+                <a:schemeClr val="bg1"/>
+              </a:solidFill>
+              <a:latin typeface="Courier"/>
+              <a:cs typeface="Courier"/>
+            </a:endParaRPr>
+          </a:p>
+          <a:p>
+            <a:endParaRPr lang="en-US" sz="1100" dirty="0">
+              <a:solidFill>
+                <a:schemeClr val="bg1"/>
+              </a:solidFill>
+              <a:latin typeface="Courier"/>
+              <a:cs typeface="Courier"/>
+            </a:endParaRPr>
+          </a:p>
+          <a:p>
+            <a:r>
+              <a:rPr lang="en-US" sz="1100" dirty="0">
+                <a:solidFill>
+                  <a:srgbClr val="FFFF00"/>
+                </a:solidFill>
+                <a:latin typeface="Courier"/>
+                <a:cs typeface="Courier"/>
+              </a:rPr>
+              <a:t># RIs of shards from glass pane 1</a:t>
+            </a:r>
+          </a:p>
+          <a:p>
+            <a:r>
+              <a:rPr lang="en-US" sz="1100" dirty="0">
+                <a:solidFill>
+                  <a:schemeClr val="bg1"/>
+                </a:solidFill>
+                <a:latin typeface="Courier"/>
+                <a:cs typeface="Courier"/>
+              </a:rPr>
+              <a:t>RI1 &lt;- c(1.53419, 1.53275, 1.53345, 1.53267, 1.53292, 1.53332, 1.53464, 1.53299, 1.53430, 1.53550)</a:t>
+            </a:r>
+          </a:p>
+          <a:p>
+            <a:endParaRPr lang="en-US" sz="1100" dirty="0">
+              <a:solidFill>
+                <a:schemeClr val="bg1"/>
+              </a:solidFill>
+              <a:latin typeface="Courier"/>
+              <a:cs typeface="Courier"/>
+            </a:endParaRPr>
+          </a:p>
+          <a:p>
+            <a:r>
+              <a:rPr lang="en-US" sz="1100" dirty="0">
+                <a:solidFill>
+                  <a:srgbClr val="FFFF00"/>
+                </a:solidFill>
+                <a:latin typeface="Courier"/>
+                <a:cs typeface="Courier"/>
+              </a:rPr>
+              <a:t># RIs of shards from glass pane 2</a:t>
+            </a:r>
+          </a:p>
+          <a:p>
+            <a:r>
+              <a:rPr lang="en-US" sz="1100" dirty="0">
+                <a:solidFill>
+                  <a:schemeClr val="bg1"/>
+                </a:solidFill>
+                <a:latin typeface="Courier"/>
+                <a:cs typeface="Courier"/>
+              </a:rPr>
+              <a:t>RI2 &lt;- c(1.53577, 1.53606, 1.53602, 1.53544, 1.53618, 1.53604, 1.53551, 1.53572, 1.53580, 1.53567)</a:t>
+            </a:r>
+          </a:p>
+          <a:p>
+            <a:endParaRPr lang="en-US" sz="1100" dirty="0">
+              <a:solidFill>
+                <a:schemeClr val="bg1"/>
+              </a:solidFill>
+              <a:latin typeface="Courier"/>
+              <a:cs typeface="Courier"/>
+            </a:endParaRPr>
+          </a:p>
+          <a:p>
+            <a:r>
+              <a:rPr lang="en-US" sz="1100" dirty="0">
+                <a:solidFill>
+                  <a:srgbClr val="FFFF00"/>
+                </a:solidFill>
+                <a:latin typeface="Courier"/>
+                <a:cs typeface="Courier"/>
+              </a:rPr>
+              <a:t># It helps to look at a box-and-whiskers plot for two-sample tests:</a:t>
+            </a:r>
+          </a:p>
+          <a:p>
+            <a:r>
+              <a:rPr lang="en-US" sz="1100" dirty="0">
+                <a:solidFill>
+                  <a:schemeClr val="bg1"/>
+                </a:solidFill>
+                <a:latin typeface="Courier"/>
+                <a:cs typeface="Courier"/>
+              </a:rPr>
+              <a:t>boxplot(RI1, RI2)</a:t>
+            </a:r>
+          </a:p>
+          <a:p>
+            <a:endParaRPr lang="en-US" sz="1100" dirty="0">
+              <a:solidFill>
+                <a:schemeClr val="bg1"/>
+              </a:solidFill>
+              <a:latin typeface="Courier"/>
+              <a:cs typeface="Courier"/>
+            </a:endParaRPr>
+          </a:p>
+          <a:p>
+            <a:r>
+              <a:rPr lang="en-US" sz="1100" dirty="0">
+                <a:solidFill>
+                  <a:srgbClr val="FFFF00"/>
+                </a:solidFill>
+                <a:latin typeface="Courier"/>
+                <a:cs typeface="Courier"/>
+              </a:rPr>
+              <a:t># *Check to see if (H0) variances of the two samples equal = 1 (i.e. evidence that </a:t>
+            </a:r>
+            <a:r>
+              <a:rPr lang="en-US" sz="1100" dirty="0" err="1">
+                <a:solidFill>
+                  <a:srgbClr val="FFFF00"/>
+                </a:solidFill>
+                <a:latin typeface="Courier"/>
+                <a:cs typeface="Courier"/>
+              </a:rPr>
+              <a:t>vars</a:t>
+            </a:r>
+            <a:r>
+              <a:rPr lang="en-US" sz="1100" dirty="0">
+                <a:solidFill>
+                  <a:srgbClr val="FFFF00"/>
+                </a:solidFill>
+                <a:latin typeface="Courier"/>
+                <a:cs typeface="Courier"/>
+              </a:rPr>
+              <a:t> are not equal??):</a:t>
+            </a:r>
+          </a:p>
+          <a:p>
+            <a:r>
+              <a:rPr lang="en-US" sz="1100" dirty="0" err="1">
+                <a:solidFill>
+                  <a:schemeClr val="bg1"/>
+                </a:solidFill>
+                <a:latin typeface="Courier"/>
+                <a:cs typeface="Courier"/>
+              </a:rPr>
+              <a:t>var.test</a:t>
+            </a:r>
+            <a:r>
+              <a:rPr lang="en-US" sz="1100" dirty="0">
+                <a:solidFill>
+                  <a:schemeClr val="bg1"/>
+                </a:solidFill>
+                <a:latin typeface="Courier"/>
+                <a:cs typeface="Courier"/>
+              </a:rPr>
+              <a:t>(RI1, RI2)</a:t>
+            </a:r>
+          </a:p>
+          <a:p>
+            <a:endParaRPr lang="en-US" sz="1100" dirty="0">
+              <a:solidFill>
+                <a:schemeClr val="bg1"/>
+              </a:solidFill>
+              <a:latin typeface="Courier"/>
+              <a:cs typeface="Courier"/>
+            </a:endParaRPr>
+          </a:p>
+          <a:p>
+            <a:r>
+              <a:rPr lang="en-US" sz="1100" dirty="0">
+                <a:solidFill>
+                  <a:srgbClr val="FFFF00"/>
+                </a:solidFill>
+                <a:latin typeface="Courier"/>
+                <a:cs typeface="Courier"/>
+              </a:rPr>
+              <a:t># Two sample two sided hypothesis test for equivalence between means:</a:t>
+            </a:r>
+          </a:p>
+          <a:p>
+            <a:r>
+              <a:rPr lang="en-US" sz="1100" dirty="0" err="1">
+                <a:solidFill>
+                  <a:schemeClr val="bg1"/>
+                </a:solidFill>
+                <a:latin typeface="Courier"/>
+                <a:cs typeface="Courier"/>
+              </a:rPr>
+              <a:t>t.test</a:t>
+            </a:r>
+            <a:r>
+              <a:rPr lang="en-US" sz="1100" dirty="0">
+                <a:solidFill>
+                  <a:schemeClr val="bg1"/>
+                </a:solidFill>
+                <a:latin typeface="Courier"/>
+                <a:cs typeface="Courier"/>
+              </a:rPr>
+              <a:t>(RI1, RI2, </a:t>
+            </a:r>
+            <a:r>
+              <a:rPr lang="en-US" sz="1100" dirty="0" err="1">
+                <a:solidFill>
+                  <a:schemeClr val="bg1"/>
+                </a:solidFill>
+                <a:latin typeface="Courier"/>
+                <a:cs typeface="Courier"/>
+              </a:rPr>
+              <a:t>var.equal</a:t>
+            </a:r>
+            <a:r>
+              <a:rPr lang="en-US" sz="1100" dirty="0">
+                <a:solidFill>
+                  <a:schemeClr val="bg1"/>
+                </a:solidFill>
+                <a:latin typeface="Courier"/>
+                <a:cs typeface="Courier"/>
+              </a:rPr>
+              <a:t> = </a:t>
+            </a:r>
+            <a:r>
+              <a:rPr lang="en-US" sz="1100" dirty="0">
+                <a:solidFill>
+                  <a:srgbClr val="FF0000"/>
+                </a:solidFill>
+                <a:latin typeface="Courier"/>
+                <a:cs typeface="Courier"/>
+              </a:rPr>
+              <a:t>FALSE</a:t>
+            </a:r>
+            <a:r>
+              <a:rPr lang="en-US" sz="1100" dirty="0">
+                <a:solidFill>
+                  <a:schemeClr val="bg1"/>
+                </a:solidFill>
+                <a:latin typeface="Courier"/>
+                <a:cs typeface="Courier"/>
+              </a:rPr>
+              <a:t>, alternative = </a:t>
+            </a:r>
+            <a:r>
+              <a:rPr lang="en-US" sz="1100" dirty="0">
+                <a:solidFill>
+                  <a:srgbClr val="00B050"/>
+                </a:solidFill>
+                <a:latin typeface="Courier"/>
+                <a:cs typeface="Courier"/>
+              </a:rPr>
+              <a:t>"</a:t>
+            </a:r>
+            <a:r>
+              <a:rPr lang="en-US" sz="1100" dirty="0" err="1">
+                <a:solidFill>
+                  <a:srgbClr val="00B050"/>
+                </a:solidFill>
+                <a:latin typeface="Courier"/>
+                <a:cs typeface="Courier"/>
+              </a:rPr>
+              <a:t>two.sided</a:t>
+            </a:r>
+            <a:r>
+              <a:rPr lang="en-US" sz="1100" dirty="0">
+                <a:solidFill>
+                  <a:srgbClr val="00B050"/>
+                </a:solidFill>
+                <a:latin typeface="Courier"/>
+                <a:cs typeface="Courier"/>
+              </a:rPr>
+              <a:t>"</a:t>
+            </a:r>
+            <a:r>
+              <a:rPr lang="en-US" sz="1100" dirty="0">
+                <a:solidFill>
+                  <a:schemeClr val="bg1"/>
+                </a:solidFill>
+                <a:latin typeface="Courier"/>
+                <a:cs typeface="Courier"/>
+              </a:rPr>
+              <a:t>, </a:t>
+            </a:r>
+            <a:r>
+              <a:rPr lang="en-US" sz="1100" dirty="0" err="1">
+                <a:solidFill>
+                  <a:schemeClr val="bg1"/>
+                </a:solidFill>
+                <a:latin typeface="Courier"/>
+                <a:cs typeface="Courier"/>
+              </a:rPr>
+              <a:t>conf.level</a:t>
+            </a:r>
+            <a:r>
+              <a:rPr lang="en-US" sz="1100" dirty="0">
+                <a:solidFill>
+                  <a:schemeClr val="bg1"/>
+                </a:solidFill>
+                <a:latin typeface="Courier"/>
+                <a:cs typeface="Courier"/>
+              </a:rPr>
+              <a:t> = 0.95)</a:t>
+            </a:r>
+          </a:p>
+          <a:p>
+            <a:endParaRPr lang="en-US" sz="1100" dirty="0">
+              <a:solidFill>
+                <a:schemeClr val="bg1"/>
+              </a:solidFill>
+              <a:latin typeface="Courier"/>
+              <a:cs typeface="Courier"/>
+            </a:endParaRPr>
+          </a:p>
+        </p:txBody>
+      </p:sp>
+      <p:sp>
+        <p:nvSpPr>
+          <p:cNvPr id="11" name="Rectangle 10"/>
+          <p:cNvSpPr/>
+          <p:nvPr/>
+        </p:nvSpPr>
+        <p:spPr>
+          <a:xfrm>
+            <a:off x="4960934" y="5934699"/>
+            <a:ext cx="1808458" cy="369332"/>
+          </a:xfrm>
+          <a:prstGeom prst="rect">
+            <a:avLst/>
+          </a:prstGeom>
+        </p:spPr>
+        <p:txBody>
+          <a:bodyPr wrap="none">
+            <a:spAutoFit/>
+          </a:bodyPr>
+          <a:lstStyle/>
+          <a:p>
+            <a:r>
+              <a:rPr lang="en-US" dirty="0">
+                <a:latin typeface="Symbol" charset="2"/>
+                <a:cs typeface="Symbol" charset="2"/>
+              </a:rPr>
+              <a:t>H</a:t>
+            </a:r>
+            <a:r>
+              <a:rPr lang="en-US" baseline="-25000" dirty="0">
+                <a:latin typeface="Symbol" charset="2"/>
+                <a:cs typeface="Symbol" charset="2"/>
+              </a:rPr>
+              <a:t>0</a:t>
+            </a:r>
+            <a:r>
+              <a:rPr lang="en-US" dirty="0">
+                <a:latin typeface="Symbol" charset="2"/>
+                <a:cs typeface="Symbol" charset="2"/>
+              </a:rPr>
+              <a:t>: </a:t>
+            </a:r>
+            <a:r>
+              <a:rPr lang="en-US" dirty="0" err="1">
+                <a:latin typeface="Symbol" charset="2"/>
+                <a:cs typeface="Symbol" charset="2"/>
+              </a:rPr>
+              <a:t>m</a:t>
+            </a:r>
+            <a:r>
+              <a:rPr lang="en-US" baseline="-25000" dirty="0" err="1">
+                <a:latin typeface="Times New Roman"/>
+                <a:cs typeface="Times New Roman"/>
+              </a:rPr>
+              <a:t>RI</a:t>
+            </a:r>
+            <a:r>
+              <a:rPr lang="en-US" baseline="-25000" dirty="0">
+                <a:latin typeface="Times New Roman"/>
+                <a:cs typeface="Times New Roman"/>
+              </a:rPr>
+              <a:t> #1</a:t>
+            </a:r>
+            <a:r>
+              <a:rPr lang="en-US" dirty="0">
+                <a:latin typeface="Times New Roman"/>
+                <a:cs typeface="Times New Roman"/>
+              </a:rPr>
+              <a:t>  = </a:t>
+            </a:r>
+            <a:r>
+              <a:rPr lang="en-US" dirty="0" err="1">
+                <a:latin typeface="Symbol" charset="2"/>
+                <a:cs typeface="Symbol" charset="2"/>
+              </a:rPr>
+              <a:t>m</a:t>
+            </a:r>
+            <a:r>
+              <a:rPr lang="en-US" baseline="-25000" dirty="0" err="1">
+                <a:latin typeface="Times New Roman"/>
+                <a:cs typeface="Times New Roman"/>
+              </a:rPr>
+              <a:t>RI</a:t>
+            </a:r>
+            <a:r>
+              <a:rPr lang="en-US" baseline="-25000" dirty="0">
+                <a:latin typeface="Times New Roman"/>
+                <a:cs typeface="Times New Roman"/>
+              </a:rPr>
+              <a:t> #2</a:t>
+            </a:r>
+            <a:endParaRPr lang="en-US" dirty="0"/>
+          </a:p>
+        </p:txBody>
+      </p:sp>
+      <p:sp>
+        <p:nvSpPr>
+          <p:cNvPr id="12" name="Rectangle 11"/>
+          <p:cNvSpPr/>
+          <p:nvPr/>
+        </p:nvSpPr>
+        <p:spPr>
+          <a:xfrm>
+            <a:off x="4995689" y="6339900"/>
+            <a:ext cx="1828596" cy="369332"/>
+          </a:xfrm>
+          <a:prstGeom prst="rect">
+            <a:avLst/>
+          </a:prstGeom>
+        </p:spPr>
+        <p:txBody>
+          <a:bodyPr wrap="none">
+            <a:spAutoFit/>
+          </a:bodyPr>
+          <a:lstStyle/>
+          <a:p>
+            <a:r>
+              <a:rPr lang="en-US" dirty="0">
+                <a:latin typeface="Symbol" charset="2"/>
+                <a:cs typeface="Symbol" charset="2"/>
+              </a:rPr>
+              <a:t>H</a:t>
+            </a:r>
+            <a:r>
+              <a:rPr lang="en-US" baseline="-25000" dirty="0">
+                <a:latin typeface="Times New Roman"/>
+                <a:cs typeface="Times New Roman"/>
+              </a:rPr>
+              <a:t>a</a:t>
+            </a:r>
+            <a:r>
+              <a:rPr lang="en-US" dirty="0">
+                <a:latin typeface="Symbol" charset="2"/>
+                <a:cs typeface="Symbol" charset="2"/>
+              </a:rPr>
+              <a:t>: </a:t>
+            </a:r>
+            <a:r>
+              <a:rPr lang="en-US" dirty="0" err="1">
+                <a:latin typeface="Symbol" charset="2"/>
+                <a:cs typeface="Symbol" charset="2"/>
+              </a:rPr>
+              <a:t>m</a:t>
+            </a:r>
+            <a:r>
+              <a:rPr lang="en-US" baseline="-25000" dirty="0" err="1">
+                <a:latin typeface="Times New Roman"/>
+                <a:cs typeface="Times New Roman"/>
+              </a:rPr>
+              <a:t>RI</a:t>
+            </a:r>
+            <a:r>
+              <a:rPr lang="en-US" baseline="-25000" dirty="0">
+                <a:latin typeface="Times New Roman"/>
+                <a:cs typeface="Times New Roman"/>
+              </a:rPr>
+              <a:t> #1</a:t>
+            </a:r>
+            <a:r>
+              <a:rPr lang="en-US" dirty="0">
+                <a:latin typeface="Times New Roman"/>
+                <a:cs typeface="Times New Roman"/>
+              </a:rPr>
+              <a:t>  ≠ </a:t>
+            </a:r>
+            <a:r>
+              <a:rPr lang="en-US" dirty="0" err="1">
+                <a:latin typeface="Symbol" charset="2"/>
+                <a:cs typeface="Symbol" charset="2"/>
+              </a:rPr>
+              <a:t>m</a:t>
+            </a:r>
+            <a:r>
+              <a:rPr lang="en-US" baseline="-25000" dirty="0" err="1">
+                <a:latin typeface="Times New Roman"/>
+                <a:cs typeface="Times New Roman"/>
+              </a:rPr>
+              <a:t>RI</a:t>
+            </a:r>
+            <a:r>
+              <a:rPr lang="en-US" baseline="-25000" dirty="0">
+                <a:latin typeface="Times New Roman"/>
+                <a:cs typeface="Times New Roman"/>
+              </a:rPr>
+              <a:t> #2</a:t>
+            </a:r>
+            <a:endParaRPr lang="en-US" dirty="0"/>
+          </a:p>
+        </p:txBody>
+      </p:sp>
+    </p:spTree>
+    <p:extLst>
+      <p:ext uri="{BB962C8B-B14F-4D97-AF65-F5344CB8AC3E}">
+        <p14:creationId xmlns:p14="http://schemas.microsoft.com/office/powerpoint/2010/main" val="680419309"/>
+      </p:ext>
+    </p:extLst>
+  </p:cSld>
+  <p:clrMapOvr>
+    <a:masterClrMapping/>
+  </p:clrMapOvr>
+</p:sld>
+</file>
+
+<file path=ppt/slides/slide12.xml><?xml version="1.0" encoding="utf-8"?>
+<p:sld xmlns:a="http://schemas.openxmlformats.org/drawingml/2006/main" xmlns:r="http://schemas.openxmlformats.org/officeDocument/2006/relationships" xmlns:p="http://schemas.openxmlformats.org/presentationml/2006/main">
+  <p:cSld>
+    <p:spTree>
+      <p:nvGrpSpPr>
+        <p:cNvPr id="1" name=""/>
+        <p:cNvGrpSpPr/>
+        <p:nvPr/>
+      </p:nvGrpSpPr>
+      <p:grpSpPr>
+        <a:xfrm>
+          <a:off x="0" y="0"/>
+          <a:ext cx="0" cy="0"/>
+          <a:chOff x="0" y="0"/>
+          <a:chExt cx="0" cy="0"/>
+        </a:xfrm>
+      </p:grpSpPr>
+    </p:spTree>
+    <p:extLst>
+      <p:ext uri="{BB962C8B-B14F-4D97-AF65-F5344CB8AC3E}">
+        <p14:creationId xmlns:p14="http://schemas.microsoft.com/office/powerpoint/2010/main" val="22333134"/>
+      </p:ext>
+    </p:extLst>
+  </p:cSld>
+  <p:clrMapOvr>
+    <a:masterClrMapping/>
+  </p:clrMapOvr>
+</p:sld>
+</file>
+
 <file path=ppt/slides/slide2.xml><?xml version="1.0" encoding="utf-8"?>
 <p:sld xmlns:a="http://schemas.openxmlformats.org/drawingml/2006/main" xmlns:r="http://schemas.openxmlformats.org/officeDocument/2006/relationships" xmlns:p="http://schemas.openxmlformats.org/presentationml/2006/main">
   <p:cSld>
@@ -8267,12 +9359,1408 @@
           <a:chExt cx="0" cy="0"/>
         </a:xfrm>
       </p:grpSpPr>
+      <p:sp>
+        <p:nvSpPr>
+          <p:cNvPr id="11267" name="Rectangle 4"/>
+          <p:cNvSpPr>
+            <a:spLocks noChangeArrowheads="1"/>
+          </p:cNvSpPr>
+          <p:nvPr/>
+        </p:nvSpPr>
+        <p:spPr bwMode="auto">
+          <a:xfrm>
+            <a:off x="1755776" y="120135"/>
+            <a:ext cx="8607425" cy="1127125"/>
+          </a:xfrm>
+          <a:prstGeom prst="rect">
+            <a:avLst/>
+          </a:prstGeom>
+          <a:noFill/>
+          <a:ln w="9525">
+            <a:noFill/>
+            <a:round/>
+            <a:headEnd/>
+            <a:tailEnd/>
+          </a:ln>
+        </p:spPr>
+        <p:txBody>
+          <a:bodyPr lIns="0" tIns="0" rIns="0" bIns="0" anchor="ctr"/>
+          <a:lstStyle/>
+          <a:p>
+            <a:pPr algn="ctr">
+              <a:tabLst>
+                <a:tab pos="0" algn="l"/>
+                <a:tab pos="914400" algn="l"/>
+                <a:tab pos="1828800" algn="l"/>
+                <a:tab pos="2743200" algn="l"/>
+                <a:tab pos="3657600" algn="l"/>
+                <a:tab pos="4572000" algn="l"/>
+                <a:tab pos="5486400" algn="l"/>
+                <a:tab pos="6400800" algn="l"/>
+                <a:tab pos="7315200" algn="l"/>
+                <a:tab pos="8229600" algn="l"/>
+                <a:tab pos="9144000" algn="l"/>
+                <a:tab pos="10058400" algn="l"/>
+              </a:tabLst>
+            </a:pPr>
+            <a:r>
+              <a:rPr lang="en-GB" sz="4000" dirty="0">
+                <a:solidFill>
+                  <a:srgbClr val="000000"/>
+                </a:solidFill>
+                <a:latin typeface="Times New Roman" pitchFamily="18" charset="0"/>
+              </a:rPr>
+              <a:t>Hypothesis Testing</a:t>
+            </a:r>
+          </a:p>
+        </p:txBody>
+      </p:sp>
+      <p:sp>
+        <p:nvSpPr>
+          <p:cNvPr id="5" name="Rectangle 5"/>
+          <p:cNvSpPr>
+            <a:spLocks noChangeArrowheads="1"/>
+          </p:cNvSpPr>
+          <p:nvPr/>
+        </p:nvSpPr>
+        <p:spPr bwMode="auto">
+          <a:xfrm>
+            <a:off x="1752600" y="1094860"/>
+            <a:ext cx="8686800" cy="3667139"/>
+          </a:xfrm>
+          <a:prstGeom prst="rect">
+            <a:avLst/>
+          </a:prstGeom>
+          <a:noFill/>
+          <a:ln w="9525">
+            <a:noFill/>
+            <a:round/>
+            <a:headEnd/>
+            <a:tailEnd/>
+          </a:ln>
+        </p:spPr>
+        <p:txBody>
+          <a:bodyPr lIns="0" tIns="0" rIns="0" bIns="0"/>
+          <a:lstStyle/>
+          <a:p>
+            <a:pPr marL="430213" indent="-323850">
+              <a:spcBef>
+                <a:spcPts val="800"/>
+              </a:spcBef>
+              <a:buFont typeface="Times New Roman" pitchFamily="18" charset="0"/>
+              <a:buChar char="•"/>
+              <a:tabLst>
+                <a:tab pos="430213" algn="l"/>
+                <a:tab pos="1344613" algn="l"/>
+                <a:tab pos="2259013" algn="l"/>
+                <a:tab pos="3173413" algn="l"/>
+                <a:tab pos="4087813" algn="l"/>
+                <a:tab pos="5002213" algn="l"/>
+                <a:tab pos="5916613" algn="l"/>
+                <a:tab pos="6831013" algn="l"/>
+                <a:tab pos="7745413" algn="l"/>
+                <a:tab pos="8659813" algn="l"/>
+                <a:tab pos="9574213" algn="l"/>
+                <a:tab pos="10488613" algn="l"/>
+              </a:tabLst>
+            </a:pPr>
+            <a:r>
+              <a:rPr lang="en-GB" sz="3200" dirty="0">
+                <a:solidFill>
+                  <a:srgbClr val="000000"/>
+                </a:solidFill>
+                <a:latin typeface="Times New Roman" pitchFamily="18" charset="0"/>
+              </a:rPr>
+              <a:t>A </a:t>
+            </a:r>
+            <a:r>
+              <a:rPr lang="en-GB" sz="3200" b="1" dirty="0">
+                <a:solidFill>
+                  <a:srgbClr val="000000"/>
+                </a:solidFill>
+                <a:latin typeface="Times New Roman" pitchFamily="18" charset="0"/>
+              </a:rPr>
+              <a:t>hypothesis</a:t>
+            </a:r>
+            <a:r>
+              <a:rPr lang="en-GB" sz="3200" dirty="0">
+                <a:solidFill>
+                  <a:srgbClr val="000000"/>
+                </a:solidFill>
+                <a:latin typeface="Times New Roman" pitchFamily="18" charset="0"/>
+              </a:rPr>
+              <a:t> is an assumption about a statistic.</a:t>
+            </a:r>
+          </a:p>
+          <a:p>
+            <a:pPr marL="887413" lvl="1" indent="-323850">
+              <a:spcBef>
+                <a:spcPts val="800"/>
+              </a:spcBef>
+              <a:buFont typeface="Times New Roman" pitchFamily="18" charset="0"/>
+              <a:buChar char="•"/>
+              <a:tabLst>
+                <a:tab pos="430213" algn="l"/>
+                <a:tab pos="1344613" algn="l"/>
+                <a:tab pos="2259013" algn="l"/>
+                <a:tab pos="3173413" algn="l"/>
+                <a:tab pos="4087813" algn="l"/>
+                <a:tab pos="5002213" algn="l"/>
+                <a:tab pos="5916613" algn="l"/>
+                <a:tab pos="6831013" algn="l"/>
+                <a:tab pos="7745413" algn="l"/>
+                <a:tab pos="8659813" algn="l"/>
+                <a:tab pos="9574213" algn="l"/>
+                <a:tab pos="10488613" algn="l"/>
+              </a:tabLst>
+            </a:pPr>
+            <a:r>
+              <a:rPr lang="en-GB" sz="2800" dirty="0">
+                <a:solidFill>
+                  <a:srgbClr val="000000"/>
+                </a:solidFill>
+                <a:latin typeface="Times New Roman" pitchFamily="18" charset="0"/>
+              </a:rPr>
+              <a:t>Form a hypothesis about the statistic</a:t>
+            </a:r>
+          </a:p>
+          <a:p>
+            <a:pPr marL="1344613" lvl="2" indent="-323850">
+              <a:spcBef>
+                <a:spcPts val="800"/>
+              </a:spcBef>
+              <a:buFont typeface="Times New Roman" pitchFamily="18" charset="0"/>
+              <a:buChar char="•"/>
+              <a:tabLst>
+                <a:tab pos="430213" algn="l"/>
+                <a:tab pos="1344613" algn="l"/>
+                <a:tab pos="2259013" algn="l"/>
+                <a:tab pos="3173413" algn="l"/>
+                <a:tab pos="4087813" algn="l"/>
+                <a:tab pos="5002213" algn="l"/>
+                <a:tab pos="5916613" algn="l"/>
+                <a:tab pos="6831013" algn="l"/>
+                <a:tab pos="7745413" algn="l"/>
+                <a:tab pos="8659813" algn="l"/>
+                <a:tab pos="9574213" algn="l"/>
+                <a:tab pos="10488613" algn="l"/>
+              </a:tabLst>
+            </a:pPr>
+            <a:r>
+              <a:rPr lang="en-GB" sz="2800" dirty="0">
+                <a:solidFill>
+                  <a:srgbClr val="000000"/>
+                </a:solidFill>
+                <a:latin typeface="Times New Roman" pitchFamily="18" charset="0"/>
+              </a:rPr>
+              <a:t>H</a:t>
+            </a:r>
+            <a:r>
+              <a:rPr lang="en-GB" sz="2800" baseline="-25000" dirty="0">
+                <a:solidFill>
+                  <a:srgbClr val="000000"/>
+                </a:solidFill>
+                <a:latin typeface="Times New Roman" pitchFamily="18" charset="0"/>
+              </a:rPr>
+              <a:t>0</a:t>
+            </a:r>
+            <a:r>
+              <a:rPr lang="en-GB" sz="2800" dirty="0">
+                <a:solidFill>
+                  <a:srgbClr val="000000"/>
+                </a:solidFill>
+                <a:latin typeface="Times New Roman" pitchFamily="18" charset="0"/>
+              </a:rPr>
+              <a:t>, the </a:t>
+            </a:r>
+            <a:r>
+              <a:rPr lang="en-GB" sz="2800" b="1" dirty="0">
+                <a:solidFill>
+                  <a:srgbClr val="000000"/>
+                </a:solidFill>
+                <a:latin typeface="Times New Roman" pitchFamily="18" charset="0"/>
+              </a:rPr>
+              <a:t>null hypothesis</a:t>
+            </a:r>
+          </a:p>
+          <a:p>
+            <a:pPr marL="887413" lvl="1" indent="-323850">
+              <a:spcBef>
+                <a:spcPts val="800"/>
+              </a:spcBef>
+              <a:buFont typeface="Times New Roman" pitchFamily="18" charset="0"/>
+              <a:buChar char="•"/>
+              <a:tabLst>
+                <a:tab pos="430213" algn="l"/>
+                <a:tab pos="1344613" algn="l"/>
+                <a:tab pos="2259013" algn="l"/>
+                <a:tab pos="3173413" algn="l"/>
+                <a:tab pos="4087813" algn="l"/>
+                <a:tab pos="5002213" algn="l"/>
+                <a:tab pos="5916613" algn="l"/>
+                <a:tab pos="6831013" algn="l"/>
+                <a:tab pos="7745413" algn="l"/>
+                <a:tab pos="8659813" algn="l"/>
+                <a:tab pos="9574213" algn="l"/>
+                <a:tab pos="10488613" algn="l"/>
+              </a:tabLst>
+            </a:pPr>
+            <a:r>
+              <a:rPr lang="en-GB" sz="2800" dirty="0">
+                <a:solidFill>
+                  <a:srgbClr val="000000"/>
+                </a:solidFill>
+                <a:latin typeface="Times New Roman" pitchFamily="18" charset="0"/>
+              </a:rPr>
+              <a:t>Identify the </a:t>
+            </a:r>
+            <a:r>
+              <a:rPr lang="en-GB" sz="2800" b="1" dirty="0">
+                <a:solidFill>
+                  <a:srgbClr val="000000"/>
+                </a:solidFill>
+                <a:latin typeface="Times New Roman" pitchFamily="18" charset="0"/>
+              </a:rPr>
+              <a:t>alternative hypothesis</a:t>
+            </a:r>
+            <a:r>
+              <a:rPr lang="en-GB" sz="2800" dirty="0">
+                <a:solidFill>
+                  <a:srgbClr val="000000"/>
+                </a:solidFill>
+                <a:latin typeface="Times New Roman" pitchFamily="18" charset="0"/>
+              </a:rPr>
+              <a:t>, H</a:t>
+            </a:r>
+            <a:r>
+              <a:rPr lang="en-GB" sz="2800" baseline="-25000" dirty="0">
+                <a:solidFill>
+                  <a:srgbClr val="000000"/>
+                </a:solidFill>
+                <a:latin typeface="Times New Roman" pitchFamily="18" charset="0"/>
+              </a:rPr>
+              <a:t>a</a:t>
+            </a:r>
+          </a:p>
+          <a:p>
+            <a:pPr marL="887413" lvl="1" indent="-323850">
+              <a:spcBef>
+                <a:spcPts val="800"/>
+              </a:spcBef>
+              <a:buFont typeface="Times New Roman" pitchFamily="18" charset="0"/>
+              <a:buChar char="•"/>
+              <a:tabLst>
+                <a:tab pos="430213" algn="l"/>
+                <a:tab pos="1344613" algn="l"/>
+                <a:tab pos="2259013" algn="l"/>
+                <a:tab pos="3173413" algn="l"/>
+                <a:tab pos="4087813" algn="l"/>
+                <a:tab pos="5002213" algn="l"/>
+                <a:tab pos="5916613" algn="l"/>
+                <a:tab pos="6831013" algn="l"/>
+                <a:tab pos="7745413" algn="l"/>
+                <a:tab pos="8659813" algn="l"/>
+                <a:tab pos="9574213" algn="l"/>
+                <a:tab pos="10488613" algn="l"/>
+              </a:tabLst>
+            </a:pPr>
+            <a:r>
+              <a:rPr lang="en-GB" sz="2800" dirty="0">
+                <a:solidFill>
+                  <a:srgbClr val="000000"/>
+                </a:solidFill>
+                <a:latin typeface="Times New Roman" pitchFamily="18" charset="0"/>
+              </a:rPr>
+              <a:t>“Accept” H</a:t>
+            </a:r>
+            <a:r>
+              <a:rPr lang="en-GB" sz="2800" baseline="-25000" dirty="0">
+                <a:solidFill>
+                  <a:srgbClr val="000000"/>
+                </a:solidFill>
+                <a:latin typeface="Times New Roman" pitchFamily="18" charset="0"/>
+              </a:rPr>
+              <a:t>0</a:t>
+            </a:r>
+            <a:r>
+              <a:rPr lang="en-GB" sz="2800" dirty="0">
+                <a:solidFill>
+                  <a:srgbClr val="000000"/>
+                </a:solidFill>
+                <a:latin typeface="Times New Roman" pitchFamily="18" charset="0"/>
+              </a:rPr>
+              <a:t> or “Reject” H</a:t>
+            </a:r>
+            <a:r>
+              <a:rPr lang="en-GB" sz="2800" baseline="-25000" dirty="0">
+                <a:solidFill>
+                  <a:srgbClr val="000000"/>
+                </a:solidFill>
+                <a:latin typeface="Times New Roman" pitchFamily="18" charset="0"/>
+              </a:rPr>
+              <a:t>0</a:t>
+            </a:r>
+            <a:r>
+              <a:rPr lang="en-GB" sz="2800" dirty="0">
+                <a:solidFill>
+                  <a:srgbClr val="000000"/>
+                </a:solidFill>
+                <a:latin typeface="Times New Roman" pitchFamily="18" charset="0"/>
+              </a:rPr>
+              <a:t> in favour of H</a:t>
+            </a:r>
+            <a:r>
+              <a:rPr lang="en-GB" sz="2800" baseline="-25000" dirty="0">
+                <a:solidFill>
+                  <a:srgbClr val="000000"/>
+                </a:solidFill>
+                <a:latin typeface="Times New Roman" pitchFamily="18" charset="0"/>
+              </a:rPr>
+              <a:t>a</a:t>
+            </a:r>
+            <a:r>
+              <a:rPr lang="en-GB" sz="2800" dirty="0">
+                <a:solidFill>
+                  <a:srgbClr val="000000"/>
+                </a:solidFill>
+                <a:latin typeface="Times New Roman" pitchFamily="18" charset="0"/>
+              </a:rPr>
+              <a:t> at a certain confidence level </a:t>
+            </a:r>
+            <a:r>
+              <a:rPr lang="en-US" sz="2800" dirty="0">
+                <a:latin typeface="Times New Roman" pitchFamily="18" charset="0"/>
+                <a:cs typeface="Times New Roman" pitchFamily="18" charset="0"/>
+              </a:rPr>
+              <a:t>(1-</a:t>
+            </a:r>
+            <a:r>
+              <a:rPr lang="en-US" sz="2800" dirty="0">
+                <a:latin typeface="Symbol" pitchFamily="18" charset="2"/>
+                <a:cs typeface="Times New Roman" pitchFamily="18" charset="0"/>
+              </a:rPr>
+              <a:t>a</a:t>
+            </a:r>
+            <a:r>
+              <a:rPr lang="en-US" sz="2800" dirty="0">
+                <a:latin typeface="Times New Roman" pitchFamily="18" charset="0"/>
+                <a:cs typeface="Times New Roman" pitchFamily="18" charset="0"/>
+              </a:rPr>
+              <a:t>)×100%</a:t>
+            </a:r>
+          </a:p>
+          <a:p>
+            <a:pPr marL="1344613" lvl="2" indent="-323850">
+              <a:spcBef>
+                <a:spcPts val="800"/>
+              </a:spcBef>
+              <a:buFont typeface="Times New Roman" pitchFamily="18" charset="0"/>
+              <a:buChar char="•"/>
+              <a:tabLst>
+                <a:tab pos="430213" algn="l"/>
+                <a:tab pos="1344613" algn="l"/>
+                <a:tab pos="2259013" algn="l"/>
+                <a:tab pos="3173413" algn="l"/>
+                <a:tab pos="4087813" algn="l"/>
+                <a:tab pos="5002213" algn="l"/>
+                <a:tab pos="5916613" algn="l"/>
+                <a:tab pos="6831013" algn="l"/>
+                <a:tab pos="7745413" algn="l"/>
+                <a:tab pos="8659813" algn="l"/>
+                <a:tab pos="9574213" algn="l"/>
+                <a:tab pos="10488613" algn="l"/>
+              </a:tabLst>
+            </a:pPr>
+            <a:r>
+              <a:rPr lang="en-US" sz="2600" dirty="0">
+                <a:latin typeface="Times New Roman" pitchFamily="18" charset="0"/>
+                <a:cs typeface="Times New Roman" pitchFamily="18" charset="0"/>
+              </a:rPr>
+              <a:t>Technically, “Accept” means “Do not reject”</a:t>
+            </a:r>
+          </a:p>
+        </p:txBody>
+      </p:sp>
+      <p:pic>
+        <p:nvPicPr>
+          <p:cNvPr id="9" name="Picture 8"/>
+          <p:cNvPicPr>
+            <a:picLocks noChangeAspect="1" noChangeArrowheads="1"/>
+          </p:cNvPicPr>
+          <p:nvPr/>
+        </p:nvPicPr>
+        <p:blipFill>
+          <a:blip r:embed="rId2" cstate="print"/>
+          <a:srcRect/>
+          <a:stretch>
+            <a:fillRect/>
+          </a:stretch>
+        </p:blipFill>
+        <p:spPr bwMode="auto">
+          <a:xfrm>
+            <a:off x="2008188" y="196056"/>
+            <a:ext cx="8202612" cy="239712"/>
+          </a:xfrm>
+          <a:prstGeom prst="rect">
+            <a:avLst/>
+          </a:prstGeom>
+          <a:noFill/>
+          <a:ln w="9525">
+            <a:noFill/>
+            <a:round/>
+            <a:headEnd/>
+            <a:tailEnd/>
+          </a:ln>
+        </p:spPr>
+      </p:pic>
     </p:spTree>
-    <p:extLst>
-      <p:ext uri="{BB962C8B-B14F-4D97-AF65-F5344CB8AC3E}">
-        <p14:creationId xmlns:p14="http://schemas.microsoft.com/office/powerpoint/2010/main" val="22333134"/>
-      </p:ext>
-    </p:extLst>
+  </p:cSld>
+  <p:clrMapOvr>
+    <a:masterClrMapping/>
+  </p:clrMapOvr>
+</p:sld>
+</file>
+
+<file path=ppt/slides/slide9.xml><?xml version="1.0" encoding="utf-8"?>
+<p:sld xmlns:a="http://schemas.openxmlformats.org/drawingml/2006/main" xmlns:r="http://schemas.openxmlformats.org/officeDocument/2006/relationships" xmlns:p="http://schemas.openxmlformats.org/presentationml/2006/main">
+  <p:cSld>
+    <p:spTree>
+      <p:nvGrpSpPr>
+        <p:cNvPr id="1" name=""/>
+        <p:cNvGrpSpPr/>
+        <p:nvPr/>
+      </p:nvGrpSpPr>
+      <p:grpSpPr>
+        <a:xfrm>
+          <a:off x="0" y="0"/>
+          <a:ext cx="0" cy="0"/>
+          <a:chOff x="0" y="0"/>
+          <a:chExt cx="0" cy="0"/>
+        </a:xfrm>
+      </p:grpSpPr>
+      <p:sp>
+        <p:nvSpPr>
+          <p:cNvPr id="11267" name="Rectangle 4"/>
+          <p:cNvSpPr>
+            <a:spLocks noChangeArrowheads="1"/>
+          </p:cNvSpPr>
+          <p:nvPr/>
+        </p:nvSpPr>
+        <p:spPr bwMode="auto">
+          <a:xfrm>
+            <a:off x="1755776" y="308918"/>
+            <a:ext cx="8607425" cy="761999"/>
+          </a:xfrm>
+          <a:prstGeom prst="rect">
+            <a:avLst/>
+          </a:prstGeom>
+          <a:noFill/>
+          <a:ln w="9525">
+            <a:noFill/>
+            <a:round/>
+            <a:headEnd/>
+            <a:tailEnd/>
+          </a:ln>
+        </p:spPr>
+        <p:txBody>
+          <a:bodyPr lIns="0" tIns="0" rIns="0" bIns="0" anchor="ctr"/>
+          <a:lstStyle/>
+          <a:p>
+            <a:pPr algn="ctr">
+              <a:tabLst>
+                <a:tab pos="0" algn="l"/>
+                <a:tab pos="914400" algn="l"/>
+                <a:tab pos="1828800" algn="l"/>
+                <a:tab pos="2743200" algn="l"/>
+                <a:tab pos="3657600" algn="l"/>
+                <a:tab pos="4572000" algn="l"/>
+                <a:tab pos="5486400" algn="l"/>
+                <a:tab pos="6400800" algn="l"/>
+                <a:tab pos="7315200" algn="l"/>
+                <a:tab pos="8229600" algn="l"/>
+                <a:tab pos="9144000" algn="l"/>
+                <a:tab pos="10058400" algn="l"/>
+              </a:tabLst>
+            </a:pPr>
+            <a:r>
+              <a:rPr lang="en-GB" sz="4000" dirty="0">
+                <a:solidFill>
+                  <a:srgbClr val="000000"/>
+                </a:solidFill>
+                <a:latin typeface="Times New Roman" pitchFamily="18" charset="0"/>
+              </a:rPr>
+              <a:t>Hypothesis Testing</a:t>
+            </a:r>
+          </a:p>
+        </p:txBody>
+      </p:sp>
+      <p:sp>
+        <p:nvSpPr>
+          <p:cNvPr id="5" name="Rectangle 5"/>
+          <p:cNvSpPr>
+            <a:spLocks noChangeArrowheads="1"/>
+          </p:cNvSpPr>
+          <p:nvPr/>
+        </p:nvSpPr>
+        <p:spPr bwMode="auto">
+          <a:xfrm>
+            <a:off x="1752600" y="1078727"/>
+            <a:ext cx="8686800" cy="5578475"/>
+          </a:xfrm>
+          <a:prstGeom prst="rect">
+            <a:avLst/>
+          </a:prstGeom>
+          <a:noFill/>
+          <a:ln w="9525">
+            <a:noFill/>
+            <a:round/>
+            <a:headEnd/>
+            <a:tailEnd/>
+          </a:ln>
+        </p:spPr>
+        <p:txBody>
+          <a:bodyPr lIns="0" tIns="0" rIns="0" bIns="0"/>
+          <a:lstStyle/>
+          <a:p>
+            <a:pPr marL="430213" indent="-323850">
+              <a:spcBef>
+                <a:spcPts val="800"/>
+              </a:spcBef>
+              <a:buFont typeface="Times New Roman" pitchFamily="18" charset="0"/>
+              <a:buChar char="•"/>
+              <a:tabLst>
+                <a:tab pos="430213" algn="l"/>
+                <a:tab pos="1344613" algn="l"/>
+                <a:tab pos="2259013" algn="l"/>
+                <a:tab pos="3173413" algn="l"/>
+                <a:tab pos="4087813" algn="l"/>
+                <a:tab pos="5002213" algn="l"/>
+                <a:tab pos="5916613" algn="l"/>
+                <a:tab pos="6831013" algn="l"/>
+                <a:tab pos="7745413" algn="l"/>
+                <a:tab pos="8659813" algn="l"/>
+                <a:tab pos="9574213" algn="l"/>
+                <a:tab pos="10488613" algn="l"/>
+              </a:tabLst>
+            </a:pPr>
+            <a:r>
+              <a:rPr lang="en-GB" sz="3200" dirty="0">
+                <a:solidFill>
+                  <a:srgbClr val="000000"/>
+                </a:solidFill>
+                <a:latin typeface="Times New Roman" pitchFamily="18" charset="0"/>
+              </a:rPr>
+              <a:t>Hypothesis testing can go wrong:</a:t>
+            </a:r>
+          </a:p>
+          <a:p>
+            <a:pPr marL="430213" indent="-323850">
+              <a:spcBef>
+                <a:spcPts val="800"/>
+              </a:spcBef>
+              <a:buFont typeface="Times New Roman" pitchFamily="18" charset="0"/>
+              <a:buChar char="•"/>
+              <a:tabLst>
+                <a:tab pos="430213" algn="l"/>
+                <a:tab pos="1344613" algn="l"/>
+                <a:tab pos="2259013" algn="l"/>
+                <a:tab pos="3173413" algn="l"/>
+                <a:tab pos="4087813" algn="l"/>
+                <a:tab pos="5002213" algn="l"/>
+                <a:tab pos="5916613" algn="l"/>
+                <a:tab pos="6831013" algn="l"/>
+                <a:tab pos="7745413" algn="l"/>
+                <a:tab pos="8659813" algn="l"/>
+                <a:tab pos="9574213" algn="l"/>
+                <a:tab pos="10488613" algn="l"/>
+              </a:tabLst>
+            </a:pPr>
+            <a:endParaRPr lang="en-GB" sz="3200" dirty="0">
+              <a:solidFill>
+                <a:srgbClr val="000000"/>
+              </a:solidFill>
+              <a:latin typeface="Times New Roman" pitchFamily="18" charset="0"/>
+            </a:endParaRPr>
+          </a:p>
+          <a:p>
+            <a:pPr marL="430213" indent="-323850">
+              <a:spcBef>
+                <a:spcPts val="800"/>
+              </a:spcBef>
+              <a:buFont typeface="Times New Roman" pitchFamily="18" charset="0"/>
+              <a:buChar char="•"/>
+              <a:tabLst>
+                <a:tab pos="430213" algn="l"/>
+                <a:tab pos="1344613" algn="l"/>
+                <a:tab pos="2259013" algn="l"/>
+                <a:tab pos="3173413" algn="l"/>
+                <a:tab pos="4087813" algn="l"/>
+                <a:tab pos="5002213" algn="l"/>
+                <a:tab pos="5916613" algn="l"/>
+                <a:tab pos="6831013" algn="l"/>
+                <a:tab pos="7745413" algn="l"/>
+                <a:tab pos="8659813" algn="l"/>
+                <a:tab pos="9574213" algn="l"/>
+                <a:tab pos="10488613" algn="l"/>
+              </a:tabLst>
+            </a:pPr>
+            <a:endParaRPr lang="en-GB" sz="3200" dirty="0">
+              <a:solidFill>
+                <a:srgbClr val="000000"/>
+              </a:solidFill>
+              <a:latin typeface="Times New Roman" pitchFamily="18" charset="0"/>
+            </a:endParaRPr>
+          </a:p>
+          <a:p>
+            <a:pPr marL="430213" indent="-323850">
+              <a:spcBef>
+                <a:spcPts val="800"/>
+              </a:spcBef>
+              <a:tabLst>
+                <a:tab pos="430213" algn="l"/>
+                <a:tab pos="1344613" algn="l"/>
+                <a:tab pos="2259013" algn="l"/>
+                <a:tab pos="3173413" algn="l"/>
+                <a:tab pos="4087813" algn="l"/>
+                <a:tab pos="5002213" algn="l"/>
+                <a:tab pos="5916613" algn="l"/>
+                <a:tab pos="6831013" algn="l"/>
+                <a:tab pos="7745413" algn="l"/>
+                <a:tab pos="8659813" algn="l"/>
+                <a:tab pos="9574213" algn="l"/>
+                <a:tab pos="10488613" algn="l"/>
+              </a:tabLst>
+            </a:pPr>
+            <a:endParaRPr lang="en-GB" sz="3200" dirty="0">
+              <a:solidFill>
+                <a:srgbClr val="000000"/>
+              </a:solidFill>
+              <a:latin typeface="Times New Roman" pitchFamily="18" charset="0"/>
+            </a:endParaRPr>
+          </a:p>
+          <a:p>
+            <a:pPr marL="430213" indent="-323850">
+              <a:spcBef>
+                <a:spcPts val="800"/>
+              </a:spcBef>
+              <a:tabLst>
+                <a:tab pos="430213" algn="l"/>
+                <a:tab pos="1344613" algn="l"/>
+                <a:tab pos="2259013" algn="l"/>
+                <a:tab pos="3173413" algn="l"/>
+                <a:tab pos="4087813" algn="l"/>
+                <a:tab pos="5002213" algn="l"/>
+                <a:tab pos="5916613" algn="l"/>
+                <a:tab pos="6831013" algn="l"/>
+                <a:tab pos="7745413" algn="l"/>
+                <a:tab pos="8659813" algn="l"/>
+                <a:tab pos="9574213" algn="l"/>
+                <a:tab pos="10488613" algn="l"/>
+              </a:tabLst>
+            </a:pPr>
+            <a:endParaRPr lang="en-GB" sz="3200" dirty="0">
+              <a:solidFill>
+                <a:srgbClr val="000000"/>
+              </a:solidFill>
+              <a:latin typeface="Times New Roman" pitchFamily="18" charset="0"/>
+            </a:endParaRPr>
+          </a:p>
+          <a:p>
+            <a:pPr marL="430213" indent="-323850">
+              <a:spcBef>
+                <a:spcPts val="800"/>
+              </a:spcBef>
+              <a:tabLst>
+                <a:tab pos="430213" algn="l"/>
+                <a:tab pos="1344613" algn="l"/>
+                <a:tab pos="2259013" algn="l"/>
+                <a:tab pos="3173413" algn="l"/>
+                <a:tab pos="4087813" algn="l"/>
+                <a:tab pos="5002213" algn="l"/>
+                <a:tab pos="5916613" algn="l"/>
+                <a:tab pos="6831013" algn="l"/>
+                <a:tab pos="7745413" algn="l"/>
+                <a:tab pos="8659813" algn="l"/>
+                <a:tab pos="9574213" algn="l"/>
+                <a:tab pos="10488613" algn="l"/>
+              </a:tabLst>
+            </a:pPr>
+            <a:endParaRPr lang="en-GB" sz="2400" dirty="0">
+              <a:solidFill>
+                <a:srgbClr val="000000"/>
+              </a:solidFill>
+              <a:latin typeface="Times New Roman" pitchFamily="18" charset="0"/>
+            </a:endParaRPr>
+          </a:p>
+          <a:p>
+            <a:pPr marL="887413" lvl="1" indent="-323850">
+              <a:spcBef>
+                <a:spcPts val="800"/>
+              </a:spcBef>
+              <a:buFont typeface="Times New Roman" pitchFamily="18" charset="0"/>
+              <a:buChar char="•"/>
+              <a:tabLst>
+                <a:tab pos="430213" algn="l"/>
+                <a:tab pos="1344613" algn="l"/>
+                <a:tab pos="2259013" algn="l"/>
+                <a:tab pos="3173413" algn="l"/>
+                <a:tab pos="4087813" algn="l"/>
+                <a:tab pos="5002213" algn="l"/>
+                <a:tab pos="5916613" algn="l"/>
+                <a:tab pos="6831013" algn="l"/>
+                <a:tab pos="7745413" algn="l"/>
+                <a:tab pos="8659813" algn="l"/>
+                <a:tab pos="9574213" algn="l"/>
+                <a:tab pos="10488613" algn="l"/>
+              </a:tabLst>
+            </a:pPr>
+            <a:r>
+              <a:rPr lang="en-GB" sz="2800" dirty="0">
+                <a:solidFill>
+                  <a:srgbClr val="000000"/>
+                </a:solidFill>
+                <a:latin typeface="Times New Roman" pitchFamily="18" charset="0"/>
+              </a:rPr>
+              <a:t>1-</a:t>
+            </a:r>
+            <a:r>
+              <a:rPr lang="en-GB" sz="2800" dirty="0">
+                <a:solidFill>
+                  <a:srgbClr val="000000"/>
+                </a:solidFill>
+                <a:latin typeface="Symbol" pitchFamily="2" charset="2"/>
+              </a:rPr>
+              <a:t>b</a:t>
+            </a:r>
+            <a:r>
+              <a:rPr lang="en-GB" sz="2800" dirty="0">
+                <a:solidFill>
+                  <a:srgbClr val="000000"/>
+                </a:solidFill>
+                <a:latin typeface="Symbol" pitchFamily="18" charset="2"/>
+              </a:rPr>
+              <a:t> </a:t>
+            </a:r>
+            <a:r>
+              <a:rPr lang="en-GB" sz="2800" dirty="0">
+                <a:solidFill>
+                  <a:srgbClr val="000000"/>
+                </a:solidFill>
+                <a:latin typeface="Times New Roman" pitchFamily="18" charset="0"/>
+              </a:rPr>
+              <a:t>is called test’s </a:t>
+            </a:r>
+            <a:r>
+              <a:rPr lang="en-GB" sz="2800" b="1" dirty="0">
+                <a:solidFill>
+                  <a:srgbClr val="000000"/>
+                </a:solidFill>
+                <a:latin typeface="Times New Roman" pitchFamily="18" charset="0"/>
+              </a:rPr>
+              <a:t>power</a:t>
+            </a:r>
+          </a:p>
+          <a:p>
+            <a:pPr marL="1344613" lvl="2" indent="-323850">
+              <a:spcBef>
+                <a:spcPts val="800"/>
+              </a:spcBef>
+              <a:buFont typeface="Times New Roman" pitchFamily="18" charset="0"/>
+              <a:buChar char="•"/>
+              <a:tabLst>
+                <a:tab pos="430213" algn="l"/>
+                <a:tab pos="1344613" algn="l"/>
+                <a:tab pos="2259013" algn="l"/>
+                <a:tab pos="3173413" algn="l"/>
+                <a:tab pos="4087813" algn="l"/>
+                <a:tab pos="5002213" algn="l"/>
+                <a:tab pos="5916613" algn="l"/>
+                <a:tab pos="6831013" algn="l"/>
+                <a:tab pos="7745413" algn="l"/>
+                <a:tab pos="8659813" algn="l"/>
+                <a:tab pos="9574213" algn="l"/>
+                <a:tab pos="10488613" algn="l"/>
+              </a:tabLst>
+            </a:pPr>
+            <a:r>
+              <a:rPr lang="en-GB" sz="2800" b="1" dirty="0">
+                <a:solidFill>
+                  <a:srgbClr val="000000"/>
+                </a:solidFill>
+                <a:latin typeface="Times New Roman" pitchFamily="18" charset="0"/>
+              </a:rPr>
+              <a:t>Power analysis:</a:t>
+            </a:r>
+            <a:r>
+              <a:rPr lang="en-GB" sz="2800" dirty="0">
+                <a:solidFill>
+                  <a:srgbClr val="000000"/>
+                </a:solidFill>
+                <a:latin typeface="Times New Roman" pitchFamily="18" charset="0"/>
+              </a:rPr>
+              <a:t> can help to estimate required sample sizes</a:t>
+            </a:r>
+          </a:p>
+        </p:txBody>
+      </p:sp>
+      <p:graphicFrame>
+        <p:nvGraphicFramePr>
+          <p:cNvPr id="9" name="Table 8"/>
+          <p:cNvGraphicFramePr>
+            <a:graphicFrameLocks noGrp="1"/>
+          </p:cNvGraphicFramePr>
+          <p:nvPr>
+            <p:extLst>
+              <p:ext uri="{D42A27DB-BD31-4B8C-83A1-F6EECF244321}">
+                <p14:modId xmlns:p14="http://schemas.microsoft.com/office/powerpoint/2010/main" val="2549435356"/>
+              </p:ext>
+            </p:extLst>
+          </p:nvPr>
+        </p:nvGraphicFramePr>
+        <p:xfrm>
+          <a:off x="2743201" y="2010929"/>
+          <a:ext cx="6742431" cy="2103120"/>
+        </p:xfrm>
+        <a:graphic>
+          <a:graphicData uri="http://schemas.openxmlformats.org/drawingml/2006/table">
+            <a:tbl>
+              <a:tblPr firstRow="1" bandRow="1">
+                <a:tableStyleId>{2D5ABB26-0587-4C30-8999-92F81FD0307C}</a:tableStyleId>
+              </a:tblPr>
+              <a:tblGrid>
+                <a:gridCol w="2182495">
+                  <a:extLst>
+                    <a:ext uri="{9D8B030D-6E8A-4147-A177-3AD203B41FA5}">
+                      <a16:colId xmlns:a16="http://schemas.microsoft.com/office/drawing/2014/main" val="20000"/>
+                    </a:ext>
+                  </a:extLst>
+                </a:gridCol>
+                <a:gridCol w="2229168">
+                  <a:extLst>
+                    <a:ext uri="{9D8B030D-6E8A-4147-A177-3AD203B41FA5}">
+                      <a16:colId xmlns:a16="http://schemas.microsoft.com/office/drawing/2014/main" val="20001"/>
+                    </a:ext>
+                  </a:extLst>
+                </a:gridCol>
+                <a:gridCol w="2330768">
+                  <a:extLst>
+                    <a:ext uri="{9D8B030D-6E8A-4147-A177-3AD203B41FA5}">
+                      <a16:colId xmlns:a16="http://schemas.microsoft.com/office/drawing/2014/main" val="20002"/>
+                    </a:ext>
+                  </a:extLst>
+                </a:gridCol>
+              </a:tblGrid>
+              <a:tr h="370840">
+                <a:tc>
+                  <a:txBody>
+                    <a:bodyPr/>
+                    <a:lstStyle/>
+                    <a:p>
+                      <a:endParaRPr lang="en-US" sz="2400" dirty="0">
+                        <a:latin typeface="Times New Roman" pitchFamily="18" charset="0"/>
+                        <a:cs typeface="Times New Roman" pitchFamily="18" charset="0"/>
+                      </a:endParaRPr>
+                    </a:p>
+                  </a:txBody>
+                  <a:tcPr>
+                    <a:lnR w="12700" cap="flat" cmpd="sng" algn="ctr">
+                      <a:solidFill>
+                        <a:schemeClr val="tx1"/>
+                      </a:solidFill>
+                      <a:prstDash val="solid"/>
+                      <a:round/>
+                      <a:headEnd type="none" w="med" len="med"/>
+                      <a:tailEnd type="none" w="med" len="med"/>
+                    </a:lnR>
+                    <a:lnB w="12700" cap="flat" cmpd="sng" algn="ctr">
+                      <a:solidFill>
+                        <a:schemeClr val="tx1"/>
+                      </a:solidFill>
+                      <a:prstDash val="solid"/>
+                      <a:round/>
+                      <a:headEnd type="none" w="med" len="med"/>
+                      <a:tailEnd type="none" w="med" len="med"/>
+                    </a:lnB>
+                  </a:tcPr>
+                </a:tc>
+                <a:tc>
+                  <a:txBody>
+                    <a:bodyPr/>
+                    <a:lstStyle/>
+                    <a:p>
+                      <a:r>
+                        <a:rPr lang="en-US" sz="2400" dirty="0">
+                          <a:latin typeface="Times New Roman" pitchFamily="18" charset="0"/>
+                          <a:cs typeface="Times New Roman" pitchFamily="18" charset="0"/>
+                        </a:rPr>
+                        <a:t>H</a:t>
+                      </a:r>
+                      <a:r>
+                        <a:rPr lang="en-US" sz="2400" baseline="-25000" dirty="0">
+                          <a:latin typeface="Times New Roman" pitchFamily="18" charset="0"/>
+                          <a:cs typeface="Times New Roman" pitchFamily="18" charset="0"/>
+                        </a:rPr>
+                        <a:t>0</a:t>
+                      </a:r>
+                      <a:r>
+                        <a:rPr lang="en-US" sz="2400" dirty="0">
+                          <a:latin typeface="Times New Roman" pitchFamily="18" charset="0"/>
+                          <a:cs typeface="Times New Roman" pitchFamily="18" charset="0"/>
+                        </a:rPr>
+                        <a:t> is really true</a:t>
+                      </a:r>
+                    </a:p>
+                  </a:txBody>
+                  <a:tcPr>
+                    <a:lnL w="12700" cap="flat" cmpd="sng" algn="ctr">
+                      <a:solidFill>
+                        <a:schemeClr val="tx1"/>
+                      </a:solidFill>
+                      <a:prstDash val="solid"/>
+                      <a:round/>
+                      <a:headEnd type="none" w="med" len="med"/>
+                      <a:tailEnd type="none" w="med" len="med"/>
+                    </a:lnL>
+                    <a:lnR w="12700" cap="flat" cmpd="sng" algn="ctr">
+                      <a:solidFill>
+                        <a:schemeClr val="tx1"/>
+                      </a:solidFill>
+                      <a:prstDash val="solid"/>
+                      <a:round/>
+                      <a:headEnd type="none" w="med" len="med"/>
+                      <a:tailEnd type="none" w="med" len="med"/>
+                    </a:lnR>
+                    <a:lnB w="12700" cap="flat" cmpd="sng" algn="ctr">
+                      <a:solidFill>
+                        <a:schemeClr val="tx1"/>
+                      </a:solidFill>
+                      <a:prstDash val="solid"/>
+                      <a:round/>
+                      <a:headEnd type="none" w="med" len="med"/>
+                      <a:tailEnd type="none" w="med" len="med"/>
+                    </a:lnB>
+                  </a:tcPr>
+                </a:tc>
+                <a:tc>
+                  <a:txBody>
+                    <a:bodyPr/>
+                    <a:lstStyle/>
+                    <a:p>
+                      <a:r>
+                        <a:rPr lang="en-US" sz="2400" dirty="0">
+                          <a:latin typeface="Times New Roman" pitchFamily="18" charset="0"/>
+                          <a:cs typeface="Times New Roman" pitchFamily="18" charset="0"/>
+                        </a:rPr>
+                        <a:t>H</a:t>
+                      </a:r>
+                      <a:r>
+                        <a:rPr lang="en-US" sz="2400" baseline="-25000" dirty="0">
+                          <a:latin typeface="Times New Roman" pitchFamily="18" charset="0"/>
+                          <a:cs typeface="Times New Roman" pitchFamily="18" charset="0"/>
+                        </a:rPr>
+                        <a:t>0</a:t>
+                      </a:r>
+                      <a:r>
+                        <a:rPr lang="en-US" sz="2400" dirty="0">
+                          <a:latin typeface="Times New Roman" pitchFamily="18" charset="0"/>
+                          <a:cs typeface="Times New Roman" pitchFamily="18" charset="0"/>
+                        </a:rPr>
+                        <a:t> is</a:t>
+                      </a:r>
+                      <a:r>
+                        <a:rPr lang="en-US" sz="2400" baseline="0" dirty="0">
+                          <a:latin typeface="Times New Roman" pitchFamily="18" charset="0"/>
+                          <a:cs typeface="Times New Roman" pitchFamily="18" charset="0"/>
+                        </a:rPr>
+                        <a:t> really false</a:t>
+                      </a:r>
+                      <a:endParaRPr lang="en-US" sz="2400" dirty="0">
+                        <a:latin typeface="Times New Roman" pitchFamily="18" charset="0"/>
+                        <a:cs typeface="Times New Roman" pitchFamily="18" charset="0"/>
+                      </a:endParaRPr>
+                    </a:p>
+                  </a:txBody>
+                  <a:tcPr>
+                    <a:lnL w="12700" cap="flat" cmpd="sng" algn="ctr">
+                      <a:solidFill>
+                        <a:schemeClr val="tx1"/>
+                      </a:solidFill>
+                      <a:prstDash val="solid"/>
+                      <a:round/>
+                      <a:headEnd type="none" w="med" len="med"/>
+                      <a:tailEnd type="none" w="med" len="med"/>
+                    </a:lnL>
+                    <a:lnB w="12700" cap="flat" cmpd="sng" algn="ctr">
+                      <a:solidFill>
+                        <a:schemeClr val="tx1"/>
+                      </a:solidFill>
+                      <a:prstDash val="solid"/>
+                      <a:round/>
+                      <a:headEnd type="none" w="med" len="med"/>
+                      <a:tailEnd type="none" w="med" len="med"/>
+                    </a:lnB>
+                  </a:tcPr>
+                </a:tc>
+                <a:extLst>
+                  <a:ext uri="{0D108BD9-81ED-4DB2-BD59-A6C34878D82A}">
+                    <a16:rowId xmlns:a16="http://schemas.microsoft.com/office/drawing/2014/main" val="10000"/>
+                  </a:ext>
+                </a:extLst>
+              </a:tr>
+              <a:tr h="370840">
+                <a:tc>
+                  <a:txBody>
+                    <a:bodyPr/>
+                    <a:lstStyle/>
+                    <a:p>
+                      <a:r>
+                        <a:rPr lang="en-US" sz="2400" dirty="0">
+                          <a:latin typeface="Times New Roman" pitchFamily="18" charset="0"/>
+                          <a:cs typeface="Times New Roman" pitchFamily="18" charset="0"/>
+                        </a:rPr>
+                        <a:t>Test rejects H</a:t>
+                      </a:r>
+                      <a:r>
+                        <a:rPr lang="en-US" sz="2400" baseline="-25000" dirty="0">
+                          <a:latin typeface="Times New Roman" pitchFamily="18" charset="0"/>
+                          <a:cs typeface="Times New Roman" pitchFamily="18" charset="0"/>
+                        </a:rPr>
+                        <a:t>0</a:t>
+                      </a:r>
+                    </a:p>
+                  </a:txBody>
+                  <a:tcPr>
+                    <a:lnR w="12700" cap="flat" cmpd="sng" algn="ctr">
+                      <a:solidFill>
+                        <a:schemeClr val="tx1"/>
+                      </a:solidFill>
+                      <a:prstDash val="solid"/>
+                      <a:round/>
+                      <a:headEnd type="none" w="med" len="med"/>
+                      <a:tailEnd type="none" w="med" len="med"/>
+                    </a:lnR>
+                    <a:lnT w="12700" cap="flat" cmpd="sng" algn="ctr">
+                      <a:solidFill>
+                        <a:schemeClr val="tx1"/>
+                      </a:solidFill>
+                      <a:prstDash val="solid"/>
+                      <a:round/>
+                      <a:headEnd type="none" w="med" len="med"/>
+                      <a:tailEnd type="none" w="med" len="med"/>
+                    </a:lnT>
+                    <a:lnB w="3175" cap="flat" cmpd="sng" algn="ctr">
+                      <a:solidFill>
+                        <a:schemeClr val="tx1"/>
+                      </a:solidFill>
+                      <a:prstDash val="solid"/>
+                      <a:round/>
+                      <a:headEnd type="none" w="med" len="med"/>
+                      <a:tailEnd type="none" w="med" len="med"/>
+                    </a:lnB>
+                  </a:tcPr>
+                </a:tc>
+                <a:tc>
+                  <a:txBody>
+                    <a:bodyPr/>
+                    <a:lstStyle/>
+                    <a:p>
+                      <a:pPr algn="ctr"/>
+                      <a:r>
+                        <a:rPr lang="en-US" sz="2400" dirty="0">
+                          <a:latin typeface="Times New Roman" pitchFamily="18" charset="0"/>
+                          <a:cs typeface="Times New Roman" pitchFamily="18" charset="0"/>
+                        </a:rPr>
+                        <a:t>Type I error. Probability is </a:t>
+                      </a:r>
+                      <a:r>
+                        <a:rPr lang="en-US" sz="2400" dirty="0">
+                          <a:latin typeface="Symbol" pitchFamily="2" charset="2"/>
+                          <a:cs typeface="Times New Roman" pitchFamily="18" charset="0"/>
+                        </a:rPr>
+                        <a:t>a</a:t>
+                      </a:r>
+                      <a:r>
+                        <a:rPr lang="en-US" sz="2400" dirty="0">
+                          <a:latin typeface="Times New Roman" pitchFamily="18" charset="0"/>
+                          <a:cs typeface="Times New Roman" pitchFamily="18" charset="0"/>
+                        </a:rPr>
+                        <a:t> </a:t>
+                      </a:r>
+                      <a:endParaRPr lang="en-US" sz="2400" dirty="0">
+                        <a:latin typeface="Symbol" pitchFamily="18" charset="2"/>
+                        <a:cs typeface="Times New Roman" pitchFamily="18" charset="0"/>
+                      </a:endParaRPr>
+                    </a:p>
+                  </a:txBody>
+                  <a:tcPr>
+                    <a:lnL w="12700" cap="flat" cmpd="sng" algn="ctr">
+                      <a:solidFill>
+                        <a:schemeClr val="tx1"/>
+                      </a:solidFill>
+                      <a:prstDash val="solid"/>
+                      <a:round/>
+                      <a:headEnd type="none" w="med" len="med"/>
+                      <a:tailEnd type="none" w="med" len="med"/>
+                    </a:lnL>
+                    <a:lnR w="12700" cap="flat" cmpd="sng" algn="ctr">
+                      <a:solidFill>
+                        <a:schemeClr val="tx1"/>
+                      </a:solidFill>
+                      <a:prstDash val="solid"/>
+                      <a:round/>
+                      <a:headEnd type="none" w="med" len="med"/>
+                      <a:tailEnd type="none" w="med" len="med"/>
+                    </a:lnR>
+                    <a:lnT w="12700" cap="flat" cmpd="sng" algn="ctr">
+                      <a:solidFill>
+                        <a:schemeClr val="tx1"/>
+                      </a:solidFill>
+                      <a:prstDash val="solid"/>
+                      <a:round/>
+                      <a:headEnd type="none" w="med" len="med"/>
+                      <a:tailEnd type="none" w="med" len="med"/>
+                    </a:lnT>
+                    <a:lnB w="3175" cap="flat" cmpd="sng" algn="ctr">
+                      <a:solidFill>
+                        <a:schemeClr val="tx1"/>
+                      </a:solidFill>
+                      <a:prstDash val="solid"/>
+                      <a:round/>
+                      <a:headEnd type="none" w="med" len="med"/>
+                      <a:tailEnd type="none" w="med" len="med"/>
+                    </a:lnB>
+                  </a:tcPr>
+                </a:tc>
+                <a:tc>
+                  <a:txBody>
+                    <a:bodyPr/>
+                    <a:lstStyle/>
+                    <a:p>
+                      <a:r>
+                        <a:rPr lang="en-US" sz="2400" dirty="0">
+                          <a:latin typeface="Times New Roman" pitchFamily="18" charset="0"/>
+                          <a:cs typeface="Times New Roman" pitchFamily="18" charset="0"/>
+                        </a:rPr>
+                        <a:t>OK</a:t>
+                      </a:r>
+                    </a:p>
+                  </a:txBody>
+                  <a:tcPr>
+                    <a:lnL w="12700" cap="flat" cmpd="sng" algn="ctr">
+                      <a:solidFill>
+                        <a:schemeClr val="tx1"/>
+                      </a:solidFill>
+                      <a:prstDash val="solid"/>
+                      <a:round/>
+                      <a:headEnd type="none" w="med" len="med"/>
+                      <a:tailEnd type="none" w="med" len="med"/>
+                    </a:lnL>
+                    <a:lnT w="12700" cap="flat" cmpd="sng" algn="ctr">
+                      <a:solidFill>
+                        <a:schemeClr val="tx1"/>
+                      </a:solidFill>
+                      <a:prstDash val="solid"/>
+                      <a:round/>
+                      <a:headEnd type="none" w="med" len="med"/>
+                      <a:tailEnd type="none" w="med" len="med"/>
+                    </a:lnT>
+                    <a:lnB w="3175" cap="flat" cmpd="sng" algn="ctr">
+                      <a:solidFill>
+                        <a:schemeClr val="tx1"/>
+                      </a:solidFill>
+                      <a:prstDash val="solid"/>
+                      <a:round/>
+                      <a:headEnd type="none" w="med" len="med"/>
+                      <a:tailEnd type="none" w="med" len="med"/>
+                    </a:lnB>
+                  </a:tcPr>
+                </a:tc>
+                <a:extLst>
+                  <a:ext uri="{0D108BD9-81ED-4DB2-BD59-A6C34878D82A}">
+                    <a16:rowId xmlns:a16="http://schemas.microsoft.com/office/drawing/2014/main" val="10001"/>
+                  </a:ext>
+                </a:extLst>
+              </a:tr>
+              <a:tr h="370840">
+                <a:tc>
+                  <a:txBody>
+                    <a:bodyPr/>
+                    <a:lstStyle/>
+                    <a:p>
+                      <a:r>
+                        <a:rPr lang="en-US" sz="2400" dirty="0">
+                          <a:latin typeface="Times New Roman" pitchFamily="18" charset="0"/>
+                          <a:cs typeface="Times New Roman" pitchFamily="18" charset="0"/>
+                        </a:rPr>
+                        <a:t>Test accepts</a:t>
+                      </a:r>
+                      <a:r>
+                        <a:rPr lang="en-US" sz="2400" baseline="0" dirty="0">
+                          <a:latin typeface="Times New Roman" pitchFamily="18" charset="0"/>
+                          <a:cs typeface="Times New Roman" pitchFamily="18" charset="0"/>
+                        </a:rPr>
+                        <a:t> H</a:t>
+                      </a:r>
+                      <a:r>
+                        <a:rPr lang="en-US" sz="2400" baseline="-25000" dirty="0">
+                          <a:latin typeface="Times New Roman" pitchFamily="18" charset="0"/>
+                          <a:cs typeface="Times New Roman" pitchFamily="18" charset="0"/>
+                        </a:rPr>
+                        <a:t>0</a:t>
+                      </a:r>
+                    </a:p>
+                  </a:txBody>
+                  <a:tcPr>
+                    <a:lnR w="12700" cap="flat" cmpd="sng" algn="ctr">
+                      <a:solidFill>
+                        <a:schemeClr val="tx1"/>
+                      </a:solidFill>
+                      <a:prstDash val="solid"/>
+                      <a:round/>
+                      <a:headEnd type="none" w="med" len="med"/>
+                      <a:tailEnd type="none" w="med" len="med"/>
+                    </a:lnR>
+                    <a:lnT w="3175" cap="flat" cmpd="sng" algn="ctr">
+                      <a:solidFill>
+                        <a:schemeClr val="tx1"/>
+                      </a:solidFill>
+                      <a:prstDash val="solid"/>
+                      <a:round/>
+                      <a:headEnd type="none" w="med" len="med"/>
+                      <a:tailEnd type="none" w="med" len="med"/>
+                    </a:lnT>
+                  </a:tcPr>
+                </a:tc>
+                <a:tc>
+                  <a:txBody>
+                    <a:bodyPr/>
+                    <a:lstStyle/>
+                    <a:p>
+                      <a:r>
+                        <a:rPr lang="en-US" sz="2400" dirty="0">
+                          <a:latin typeface="Times New Roman" pitchFamily="18" charset="0"/>
+                          <a:cs typeface="Times New Roman" pitchFamily="18" charset="0"/>
+                        </a:rPr>
+                        <a:t>OK</a:t>
+                      </a:r>
+                    </a:p>
+                  </a:txBody>
+                  <a:tcPr>
+                    <a:lnL w="12700" cap="flat" cmpd="sng" algn="ctr">
+                      <a:solidFill>
+                        <a:schemeClr val="tx1"/>
+                      </a:solidFill>
+                      <a:prstDash val="solid"/>
+                      <a:round/>
+                      <a:headEnd type="none" w="med" len="med"/>
+                      <a:tailEnd type="none" w="med" len="med"/>
+                    </a:lnL>
+                    <a:lnR w="12700" cap="flat" cmpd="sng" algn="ctr">
+                      <a:solidFill>
+                        <a:schemeClr val="tx1"/>
+                      </a:solidFill>
+                      <a:prstDash val="solid"/>
+                      <a:round/>
+                      <a:headEnd type="none" w="med" len="med"/>
+                      <a:tailEnd type="none" w="med" len="med"/>
+                    </a:lnR>
+                    <a:lnT w="3175" cap="flat" cmpd="sng" algn="ctr">
+                      <a:solidFill>
+                        <a:schemeClr val="tx1"/>
+                      </a:solidFill>
+                      <a:prstDash val="solid"/>
+                      <a:round/>
+                      <a:headEnd type="none" w="med" len="med"/>
+                      <a:tailEnd type="none" w="med" len="med"/>
+                    </a:lnT>
+                  </a:tcPr>
+                </a:tc>
+                <a:tc>
+                  <a:txBody>
+                    <a:bodyPr/>
+                    <a:lstStyle/>
+                    <a:p>
+                      <a:pPr algn="ctr"/>
+                      <a:r>
+                        <a:rPr lang="en-US" sz="2400" dirty="0">
+                          <a:latin typeface="Times New Roman" pitchFamily="18" charset="0"/>
+                          <a:cs typeface="Times New Roman" pitchFamily="18" charset="0"/>
+                        </a:rPr>
+                        <a:t>Type II error. Probability is </a:t>
+                      </a:r>
+                      <a:r>
+                        <a:rPr lang="en-US" sz="2400" dirty="0">
+                          <a:latin typeface="Symbol" pitchFamily="2" charset="2"/>
+                          <a:cs typeface="Times New Roman" pitchFamily="18" charset="0"/>
+                        </a:rPr>
+                        <a:t>b</a:t>
+                      </a:r>
+                    </a:p>
+                  </a:txBody>
+                  <a:tcPr>
+                    <a:lnL w="12700" cap="flat" cmpd="sng" algn="ctr">
+                      <a:solidFill>
+                        <a:schemeClr val="tx1"/>
+                      </a:solidFill>
+                      <a:prstDash val="solid"/>
+                      <a:round/>
+                      <a:headEnd type="none" w="med" len="med"/>
+                      <a:tailEnd type="none" w="med" len="med"/>
+                    </a:lnL>
+                    <a:lnT w="3175" cap="flat" cmpd="sng" algn="ctr">
+                      <a:solidFill>
+                        <a:schemeClr val="tx1"/>
+                      </a:solidFill>
+                      <a:prstDash val="solid"/>
+                      <a:round/>
+                      <a:headEnd type="none" w="med" len="med"/>
+                      <a:tailEnd type="none" w="med" len="med"/>
+                    </a:lnT>
+                  </a:tcPr>
+                </a:tc>
+                <a:extLst>
+                  <a:ext uri="{0D108BD9-81ED-4DB2-BD59-A6C34878D82A}">
+                    <a16:rowId xmlns:a16="http://schemas.microsoft.com/office/drawing/2014/main" val="10002"/>
+                  </a:ext>
+                </a:extLst>
+              </a:tr>
+            </a:tbl>
+          </a:graphicData>
+        </a:graphic>
+      </p:graphicFrame>
+      <p:pic>
+        <p:nvPicPr>
+          <p:cNvPr id="10" name="Picture 9"/>
+          <p:cNvPicPr>
+            <a:picLocks noChangeAspect="1" noChangeArrowheads="1"/>
+          </p:cNvPicPr>
+          <p:nvPr/>
+        </p:nvPicPr>
+        <p:blipFill>
+          <a:blip r:embed="rId2" cstate="print"/>
+          <a:srcRect/>
+          <a:stretch>
+            <a:fillRect/>
+          </a:stretch>
+        </p:blipFill>
+        <p:spPr bwMode="auto">
+          <a:xfrm>
+            <a:off x="2008188" y="101665"/>
+            <a:ext cx="8202612" cy="239712"/>
+          </a:xfrm>
+          <a:prstGeom prst="rect">
+            <a:avLst/>
+          </a:prstGeom>
+          <a:noFill/>
+          <a:ln w="9525">
+            <a:noFill/>
+            <a:round/>
+            <a:headEnd/>
+            <a:tailEnd/>
+          </a:ln>
+        </p:spPr>
+      </p:pic>
+    </p:spTree>
   </p:cSld>
   <p:clrMapOvr>
     <a:masterClrMapping/>

--- a/notes/day_2.pptx
+++ b/notes/day_2.pptx
@@ -5,22 +5,26 @@
     <p:sldMasterId id="2147483648" r:id="rId1"/>
   </p:sldMasterIdLst>
   <p:notesMasterIdLst>
-    <p:notesMasterId r:id="rId15"/>
+    <p:notesMasterId r:id="rId19"/>
   </p:notesMasterIdLst>
   <p:sldIdLst>
     <p:sldId id="256" r:id="rId2"/>
     <p:sldId id="257" r:id="rId3"/>
     <p:sldId id="258" r:id="rId4"/>
     <p:sldId id="259" r:id="rId5"/>
-    <p:sldId id="310" r:id="rId6"/>
-    <p:sldId id="309" r:id="rId7"/>
-    <p:sldId id="278" r:id="rId8"/>
-    <p:sldId id="280" r:id="rId9"/>
-    <p:sldId id="281" r:id="rId10"/>
-    <p:sldId id="283" r:id="rId11"/>
-    <p:sldId id="308" r:id="rId12"/>
-    <p:sldId id="274" r:id="rId13"/>
-    <p:sldId id="273" r:id="rId14"/>
+    <p:sldId id="316" r:id="rId6"/>
+    <p:sldId id="303" r:id="rId7"/>
+    <p:sldId id="304" r:id="rId8"/>
+    <p:sldId id="315" r:id="rId9"/>
+    <p:sldId id="314" r:id="rId10"/>
+    <p:sldId id="309" r:id="rId11"/>
+    <p:sldId id="278" r:id="rId12"/>
+    <p:sldId id="280" r:id="rId13"/>
+    <p:sldId id="281" r:id="rId14"/>
+    <p:sldId id="283" r:id="rId15"/>
+    <p:sldId id="308" r:id="rId16"/>
+    <p:sldId id="274" r:id="rId17"/>
+    <p:sldId id="273" r:id="rId18"/>
   </p:sldIdLst>
   <p:sldSz cx="12192000" cy="6858000"/>
   <p:notesSz cx="6858000" cy="9144000"/>
@@ -641,6 +645,287 @@
         </p:txBody>
       </p:sp>
     </p:spTree>
+  </p:cSld>
+  <p:clrMapOvr>
+    <a:masterClrMapping/>
+  </p:clrMapOvr>
+</p:notes>
+</file>
+
+<file path=ppt/notesSlides/notesSlide3.xml><?xml version="1.0" encoding="utf-8"?>
+<p:notes xmlns:a="http://schemas.openxmlformats.org/drawingml/2006/main" xmlns:r="http://schemas.openxmlformats.org/officeDocument/2006/relationships" xmlns:p="http://schemas.openxmlformats.org/presentationml/2006/main">
+  <p:cSld>
+    <p:spTree>
+      <p:nvGrpSpPr>
+        <p:cNvPr id="1" name=""/>
+        <p:cNvGrpSpPr/>
+        <p:nvPr/>
+      </p:nvGrpSpPr>
+      <p:grpSpPr>
+        <a:xfrm>
+          <a:off x="0" y="0"/>
+          <a:ext cx="0" cy="0"/>
+          <a:chOff x="0" y="0"/>
+          <a:chExt cx="0" cy="0"/>
+        </a:xfrm>
+      </p:grpSpPr>
+      <p:sp>
+        <p:nvSpPr>
+          <p:cNvPr id="2" name="Slide Image Placeholder 1"/>
+          <p:cNvSpPr>
+            <a:spLocks noGrp="1" noRot="1" noChangeAspect="1"/>
+          </p:cNvSpPr>
+          <p:nvPr>
+            <p:ph type="sldImg"/>
+          </p:nvPr>
+        </p:nvSpPr>
+        <p:spPr/>
+      </p:sp>
+      <p:sp>
+        <p:nvSpPr>
+          <p:cNvPr id="3" name="Notes Placeholder 2"/>
+          <p:cNvSpPr>
+            <a:spLocks noGrp="1"/>
+          </p:cNvSpPr>
+          <p:nvPr>
+            <p:ph type="body" idx="1"/>
+          </p:nvPr>
+        </p:nvSpPr>
+        <p:spPr/>
+        <p:txBody>
+          <a:bodyPr/>
+          <a:lstStyle/>
+          <a:p>
+            <a:r>
+              <a:rPr lang="en-US" dirty="0"/>
+              <a:t>REPLACE WITH HAND CALC</a:t>
+            </a:r>
+          </a:p>
+        </p:txBody>
+      </p:sp>
+      <p:sp>
+        <p:nvSpPr>
+          <p:cNvPr id="4" name="Slide Number Placeholder 3"/>
+          <p:cNvSpPr>
+            <a:spLocks noGrp="1"/>
+          </p:cNvSpPr>
+          <p:nvPr>
+            <p:ph type="sldNum" sz="quarter" idx="5"/>
+          </p:nvPr>
+        </p:nvSpPr>
+        <p:spPr/>
+        <p:txBody>
+          <a:bodyPr/>
+          <a:lstStyle/>
+          <a:p>
+            <a:fld id="{6074AA65-0B1F-EC48-9843-0C6198DE36FE}" type="slidenum">
+              <a:rPr lang="en-US" smtClean="0"/>
+              <a:t>5</a:t>
+            </a:fld>
+            <a:endParaRPr lang="en-US"/>
+          </a:p>
+        </p:txBody>
+      </p:sp>
+    </p:spTree>
+    <p:extLst>
+      <p:ext uri="{BB962C8B-B14F-4D97-AF65-F5344CB8AC3E}">
+        <p14:creationId xmlns:p14="http://schemas.microsoft.com/office/powerpoint/2010/main" val="558783315"/>
+      </p:ext>
+    </p:extLst>
+  </p:cSld>
+  <p:clrMapOvr>
+    <a:masterClrMapping/>
+  </p:clrMapOvr>
+</p:notes>
+</file>
+
+<file path=ppt/notesSlides/notesSlide4.xml><?xml version="1.0" encoding="utf-8"?>
+<p:notes xmlns:a="http://schemas.openxmlformats.org/drawingml/2006/main" xmlns:r="http://schemas.openxmlformats.org/officeDocument/2006/relationships" xmlns:p="http://schemas.openxmlformats.org/presentationml/2006/main">
+  <p:cSld>
+    <p:spTree>
+      <p:nvGrpSpPr>
+        <p:cNvPr id="1" name=""/>
+        <p:cNvGrpSpPr/>
+        <p:nvPr/>
+      </p:nvGrpSpPr>
+      <p:grpSpPr>
+        <a:xfrm>
+          <a:off x="0" y="0"/>
+          <a:ext cx="0" cy="0"/>
+          <a:chOff x="0" y="0"/>
+          <a:chExt cx="0" cy="0"/>
+        </a:xfrm>
+      </p:grpSpPr>
+      <p:sp>
+        <p:nvSpPr>
+          <p:cNvPr id="2" name="Slide Image Placeholder 1"/>
+          <p:cNvSpPr>
+            <a:spLocks noGrp="1" noRot="1" noChangeAspect="1"/>
+          </p:cNvSpPr>
+          <p:nvPr>
+            <p:ph type="sldImg"/>
+          </p:nvPr>
+        </p:nvSpPr>
+        <p:spPr/>
+      </p:sp>
+      <p:sp>
+        <p:nvSpPr>
+          <p:cNvPr id="3" name="Notes Placeholder 2"/>
+          <p:cNvSpPr>
+            <a:spLocks noGrp="1"/>
+          </p:cNvSpPr>
+          <p:nvPr>
+            <p:ph type="body" idx="1"/>
+          </p:nvPr>
+        </p:nvSpPr>
+        <p:spPr/>
+        <p:txBody>
+          <a:bodyPr/>
+          <a:lstStyle/>
+          <a:p>
+            <a:r>
+              <a:rPr lang="en-US" dirty="0"/>
+              <a:t>REPLACE WITH HAND CALC</a:t>
+            </a:r>
+          </a:p>
+        </p:txBody>
+      </p:sp>
+      <p:sp>
+        <p:nvSpPr>
+          <p:cNvPr id="4" name="Slide Number Placeholder 3"/>
+          <p:cNvSpPr>
+            <a:spLocks noGrp="1"/>
+          </p:cNvSpPr>
+          <p:nvPr>
+            <p:ph type="sldNum" sz="quarter" idx="5"/>
+          </p:nvPr>
+        </p:nvSpPr>
+        <p:spPr/>
+        <p:txBody>
+          <a:bodyPr/>
+          <a:lstStyle/>
+          <a:p>
+            <a:fld id="{6074AA65-0B1F-EC48-9843-0C6198DE36FE}" type="slidenum">
+              <a:rPr lang="en-US" smtClean="0"/>
+              <a:t>7</a:t>
+            </a:fld>
+            <a:endParaRPr lang="en-US"/>
+          </a:p>
+        </p:txBody>
+      </p:sp>
+    </p:spTree>
+    <p:extLst>
+      <p:ext uri="{BB962C8B-B14F-4D97-AF65-F5344CB8AC3E}">
+        <p14:creationId xmlns:p14="http://schemas.microsoft.com/office/powerpoint/2010/main" val="3223135263"/>
+      </p:ext>
+    </p:extLst>
+  </p:cSld>
+  <p:clrMapOvr>
+    <a:masterClrMapping/>
+  </p:clrMapOvr>
+</p:notes>
+</file>
+
+<file path=ppt/notesSlides/notesSlide5.xml><?xml version="1.0" encoding="utf-8"?>
+<p:notes xmlns:a="http://schemas.openxmlformats.org/drawingml/2006/main" xmlns:r="http://schemas.openxmlformats.org/officeDocument/2006/relationships" xmlns:p="http://schemas.openxmlformats.org/presentationml/2006/main">
+  <p:cSld>
+    <p:spTree>
+      <p:nvGrpSpPr>
+        <p:cNvPr id="1" name=""/>
+        <p:cNvGrpSpPr/>
+        <p:nvPr/>
+      </p:nvGrpSpPr>
+      <p:grpSpPr>
+        <a:xfrm>
+          <a:off x="0" y="0"/>
+          <a:ext cx="0" cy="0"/>
+          <a:chOff x="0" y="0"/>
+          <a:chExt cx="0" cy="0"/>
+        </a:xfrm>
+      </p:grpSpPr>
+      <p:sp>
+        <p:nvSpPr>
+          <p:cNvPr id="2" name="Slide Image Placeholder 1"/>
+          <p:cNvSpPr>
+            <a:spLocks noGrp="1" noRot="1" noChangeAspect="1"/>
+          </p:cNvSpPr>
+          <p:nvPr>
+            <p:ph type="sldImg"/>
+          </p:nvPr>
+        </p:nvSpPr>
+        <p:spPr/>
+      </p:sp>
+      <p:sp>
+        <p:nvSpPr>
+          <p:cNvPr id="3" name="Notes Placeholder 2"/>
+          <p:cNvSpPr>
+            <a:spLocks noGrp="1"/>
+          </p:cNvSpPr>
+          <p:nvPr>
+            <p:ph type="body" idx="1"/>
+          </p:nvPr>
+        </p:nvSpPr>
+        <p:spPr/>
+        <p:txBody>
+          <a:bodyPr/>
+          <a:lstStyle/>
+          <a:p>
+            <a:pPr marL="0" marR="0" lvl="0" indent="0" algn="l" defTabSz="914400" rtl="0" eaLnBrk="1" fontAlgn="auto" latinLnBrk="0" hangingPunct="1">
+              <a:lnSpc>
+                <a:spcPct val="100000"/>
+              </a:lnSpc>
+              <a:spcBef>
+                <a:spcPts val="0"/>
+              </a:spcBef>
+              <a:spcAft>
+                <a:spcPts val="0"/>
+              </a:spcAft>
+              <a:buClrTx/>
+              <a:buSzTx/>
+              <a:buFontTx/>
+              <a:buNone/>
+              <a:tabLst/>
+              <a:defRPr/>
+            </a:pPr>
+            <a:r>
+              <a:rPr lang="en-US" dirty="0"/>
+              <a:t>REPLACE WITH HAND CALC</a:t>
+            </a:r>
+          </a:p>
+          <a:p>
+            <a:endParaRPr lang="en-US" dirty="0"/>
+          </a:p>
+        </p:txBody>
+      </p:sp>
+      <p:sp>
+        <p:nvSpPr>
+          <p:cNvPr id="4" name="Slide Number Placeholder 3"/>
+          <p:cNvSpPr>
+            <a:spLocks noGrp="1"/>
+          </p:cNvSpPr>
+          <p:nvPr>
+            <p:ph type="sldNum" sz="quarter" idx="5"/>
+          </p:nvPr>
+        </p:nvSpPr>
+        <p:spPr/>
+        <p:txBody>
+          <a:bodyPr/>
+          <a:lstStyle/>
+          <a:p>
+            <a:fld id="{6074AA65-0B1F-EC48-9843-0C6198DE36FE}" type="slidenum">
+              <a:rPr lang="en-US" smtClean="0"/>
+              <a:t>9</a:t>
+            </a:fld>
+            <a:endParaRPr lang="en-US"/>
+          </a:p>
+        </p:txBody>
+      </p:sp>
+    </p:spTree>
+    <p:extLst>
+      <p:ext uri="{BB962C8B-B14F-4D97-AF65-F5344CB8AC3E}">
+        <p14:creationId xmlns:p14="http://schemas.microsoft.com/office/powerpoint/2010/main" val="19134191"/>
+      </p:ext>
+    </p:extLst>
   </p:cSld>
   <p:clrMapOvr>
     <a:masterClrMapping/>
@@ -4257,6 +4542,1999 @@
       </p:grpSpPr>
       <p:sp>
         <p:nvSpPr>
+          <p:cNvPr id="2" name="TextBox 1">
+            <a:extLst>
+              <a:ext uri="{FF2B5EF4-FFF2-40B4-BE49-F238E27FC236}">
+                <a16:creationId xmlns:a16="http://schemas.microsoft.com/office/drawing/2014/main" id="{26128061-A55F-D843-B801-7F698A36AB6D}"/>
+              </a:ext>
+            </a:extLst>
+          </p:cNvPr>
+          <p:cNvSpPr txBox="1"/>
+          <p:nvPr/>
+        </p:nvSpPr>
+        <p:spPr>
+          <a:xfrm>
+            <a:off x="3733800" y="2558143"/>
+            <a:ext cx="1323439" cy="369332"/>
+          </a:xfrm>
+          <a:prstGeom prst="rect">
+            <a:avLst/>
+          </a:prstGeom>
+          <a:noFill/>
+        </p:spPr>
+        <p:txBody>
+          <a:bodyPr wrap="none" rtlCol="0">
+            <a:spAutoFit/>
+          </a:bodyPr>
+          <a:lstStyle/>
+          <a:p>
+            <a:r>
+              <a:rPr lang="en-US" dirty="0"/>
+              <a:t>Built in </a:t>
+            </a:r>
+            <a:r>
+              <a:rPr lang="en-US" dirty="0" err="1"/>
+              <a:t>dists</a:t>
+            </a:r>
+            <a:endParaRPr lang="en-US" dirty="0"/>
+          </a:p>
+        </p:txBody>
+      </p:sp>
+    </p:spTree>
+    <p:extLst>
+      <p:ext uri="{BB962C8B-B14F-4D97-AF65-F5344CB8AC3E}">
+        <p14:creationId xmlns:p14="http://schemas.microsoft.com/office/powerpoint/2010/main" val="2522448164"/>
+      </p:ext>
+    </p:extLst>
+  </p:cSld>
+  <p:clrMapOvr>
+    <a:masterClrMapping/>
+  </p:clrMapOvr>
+</p:sld>
+</file>
+
+<file path=ppt/slides/slide11.xml><?xml version="1.0" encoding="utf-8"?>
+<p:sld xmlns:a="http://schemas.openxmlformats.org/drawingml/2006/main" xmlns:r="http://schemas.openxmlformats.org/officeDocument/2006/relationships" xmlns:p="http://schemas.openxmlformats.org/presentationml/2006/main">
+  <p:cSld>
+    <p:spTree>
+      <p:nvGrpSpPr>
+        <p:cNvPr id="1" name=""/>
+        <p:cNvGrpSpPr/>
+        <p:nvPr/>
+      </p:nvGrpSpPr>
+      <p:grpSpPr>
+        <a:xfrm>
+          <a:off x="0" y="0"/>
+          <a:ext cx="0" cy="0"/>
+          <a:chOff x="0" y="0"/>
+          <a:chExt cx="0" cy="0"/>
+        </a:xfrm>
+      </p:grpSpPr>
+      <p:sp>
+        <p:nvSpPr>
+          <p:cNvPr id="11267" name="Rectangle 4"/>
+          <p:cNvSpPr>
+            <a:spLocks noChangeArrowheads="1"/>
+          </p:cNvSpPr>
+          <p:nvPr/>
+        </p:nvSpPr>
+        <p:spPr bwMode="auto">
+          <a:xfrm>
+            <a:off x="1755776" y="394726"/>
+            <a:ext cx="8607425" cy="762000"/>
+          </a:xfrm>
+          <a:prstGeom prst="rect">
+            <a:avLst/>
+          </a:prstGeom>
+          <a:noFill/>
+          <a:ln w="9525">
+            <a:noFill/>
+            <a:round/>
+            <a:headEnd/>
+            <a:tailEnd/>
+          </a:ln>
+        </p:spPr>
+        <p:txBody>
+          <a:bodyPr lIns="0" tIns="0" rIns="0" bIns="0" anchor="ctr"/>
+          <a:lstStyle/>
+          <a:p>
+            <a:pPr algn="ctr">
+              <a:tabLst>
+                <a:tab pos="0" algn="l"/>
+                <a:tab pos="914400" algn="l"/>
+                <a:tab pos="1828800" algn="l"/>
+                <a:tab pos="2743200" algn="l"/>
+                <a:tab pos="3657600" algn="l"/>
+                <a:tab pos="4572000" algn="l"/>
+                <a:tab pos="5486400" algn="l"/>
+                <a:tab pos="6400800" algn="l"/>
+                <a:tab pos="7315200" algn="l"/>
+                <a:tab pos="8229600" algn="l"/>
+                <a:tab pos="9144000" algn="l"/>
+                <a:tab pos="10058400" algn="l"/>
+              </a:tabLst>
+            </a:pPr>
+            <a:r>
+              <a:rPr lang="en-GB" sz="4000" dirty="0">
+                <a:solidFill>
+                  <a:srgbClr val="000000"/>
+                </a:solidFill>
+                <a:latin typeface="Times New Roman" pitchFamily="18" charset="0"/>
+              </a:rPr>
+              <a:t>Confidence Intervals</a:t>
+            </a:r>
+          </a:p>
+        </p:txBody>
+      </p:sp>
+      <p:sp>
+        <p:nvSpPr>
+          <p:cNvPr id="5" name="Rectangle 5"/>
+          <p:cNvSpPr>
+            <a:spLocks noChangeArrowheads="1"/>
+          </p:cNvSpPr>
+          <p:nvPr/>
+        </p:nvSpPr>
+        <p:spPr bwMode="auto">
+          <a:xfrm>
+            <a:off x="1524000" y="1514041"/>
+            <a:ext cx="8686800" cy="3797344"/>
+          </a:xfrm>
+          <a:prstGeom prst="rect">
+            <a:avLst/>
+          </a:prstGeom>
+          <a:noFill/>
+          <a:ln w="9525">
+            <a:noFill/>
+            <a:round/>
+            <a:headEnd/>
+            <a:tailEnd/>
+          </a:ln>
+        </p:spPr>
+        <p:txBody>
+          <a:bodyPr lIns="0" tIns="0" rIns="0" bIns="0"/>
+          <a:lstStyle/>
+          <a:p>
+            <a:pPr marL="430213" indent="-323850">
+              <a:spcBef>
+                <a:spcPts val="800"/>
+              </a:spcBef>
+              <a:buFont typeface="Times New Roman" pitchFamily="18" charset="0"/>
+              <a:buChar char="•"/>
+              <a:tabLst>
+                <a:tab pos="430213" algn="l"/>
+                <a:tab pos="1344613" algn="l"/>
+                <a:tab pos="2259013" algn="l"/>
+                <a:tab pos="3173413" algn="l"/>
+                <a:tab pos="4087813" algn="l"/>
+                <a:tab pos="5002213" algn="l"/>
+                <a:tab pos="5916613" algn="l"/>
+                <a:tab pos="6831013" algn="l"/>
+                <a:tab pos="7745413" algn="l"/>
+                <a:tab pos="8659813" algn="l"/>
+                <a:tab pos="9574213" algn="l"/>
+                <a:tab pos="10488613" algn="l"/>
+              </a:tabLst>
+            </a:pPr>
+            <a:r>
+              <a:rPr lang="en-GB" sz="3200" dirty="0">
+                <a:solidFill>
+                  <a:srgbClr val="000000"/>
+                </a:solidFill>
+                <a:latin typeface="Times New Roman" pitchFamily="18" charset="0"/>
+              </a:rPr>
+              <a:t>A </a:t>
+            </a:r>
+            <a:r>
+              <a:rPr lang="en-GB" sz="3200" b="1" dirty="0">
+                <a:solidFill>
+                  <a:srgbClr val="000000"/>
+                </a:solidFill>
+                <a:latin typeface="Times New Roman" pitchFamily="18" charset="0"/>
+              </a:rPr>
+              <a:t>confidence interval</a:t>
+            </a:r>
+            <a:r>
+              <a:rPr lang="en-GB" sz="3200" dirty="0">
+                <a:solidFill>
+                  <a:srgbClr val="000000"/>
+                </a:solidFill>
+                <a:latin typeface="Times New Roman" pitchFamily="18" charset="0"/>
+              </a:rPr>
+              <a:t> (CI) gives a range in which a true population parameter may be found.</a:t>
+            </a:r>
+          </a:p>
+          <a:p>
+            <a:pPr marL="430213" indent="-323850">
+              <a:spcBef>
+                <a:spcPts val="800"/>
+              </a:spcBef>
+              <a:buFont typeface="Times New Roman" pitchFamily="18" charset="0"/>
+              <a:buChar char="•"/>
+              <a:tabLst>
+                <a:tab pos="430213" algn="l"/>
+                <a:tab pos="1344613" algn="l"/>
+                <a:tab pos="2259013" algn="l"/>
+                <a:tab pos="3173413" algn="l"/>
+                <a:tab pos="4087813" algn="l"/>
+                <a:tab pos="5002213" algn="l"/>
+                <a:tab pos="5916613" algn="l"/>
+                <a:tab pos="6831013" algn="l"/>
+                <a:tab pos="7745413" algn="l"/>
+                <a:tab pos="8659813" algn="l"/>
+                <a:tab pos="9574213" algn="l"/>
+                <a:tab pos="10488613" algn="l"/>
+              </a:tabLst>
+            </a:pPr>
+            <a:endParaRPr lang="en-GB" sz="2800" dirty="0">
+              <a:solidFill>
+                <a:srgbClr val="000000"/>
+              </a:solidFill>
+              <a:latin typeface="Times New Roman" pitchFamily="18" charset="0"/>
+            </a:endParaRPr>
+          </a:p>
+          <a:p>
+            <a:pPr marL="887413" lvl="1" indent="-323850">
+              <a:spcBef>
+                <a:spcPts val="800"/>
+              </a:spcBef>
+              <a:buFont typeface="Times New Roman" pitchFamily="18" charset="0"/>
+              <a:buChar char="•"/>
+              <a:tabLst>
+                <a:tab pos="430213" algn="l"/>
+                <a:tab pos="1344613" algn="l"/>
+                <a:tab pos="2259013" algn="l"/>
+                <a:tab pos="3173413" algn="l"/>
+                <a:tab pos="4087813" algn="l"/>
+                <a:tab pos="5002213" algn="l"/>
+                <a:tab pos="5916613" algn="l"/>
+                <a:tab pos="6831013" algn="l"/>
+                <a:tab pos="7745413" algn="l"/>
+                <a:tab pos="8659813" algn="l"/>
+                <a:tab pos="9574213" algn="l"/>
+                <a:tab pos="10488613" algn="l"/>
+              </a:tabLst>
+            </a:pPr>
+            <a:r>
+              <a:rPr lang="en-GB" sz="2800" dirty="0">
+                <a:solidFill>
+                  <a:srgbClr val="000000"/>
+                </a:solidFill>
+                <a:latin typeface="Times New Roman" pitchFamily="18" charset="0"/>
+              </a:rPr>
+              <a:t>Specifically,</a:t>
+            </a:r>
+            <a:r>
+              <a:rPr lang="en-GB" sz="2800" dirty="0">
+                <a:latin typeface="Times New Roman" pitchFamily="18" charset="0"/>
+                <a:cs typeface="Times New Roman" pitchFamily="18" charset="0"/>
+              </a:rPr>
+              <a:t> </a:t>
+            </a:r>
+            <a:r>
+              <a:rPr lang="en-US" sz="2800" b="1" u="sng" dirty="0">
+                <a:latin typeface="Times New Roman" pitchFamily="18" charset="0"/>
+                <a:cs typeface="Times New Roman" pitchFamily="18" charset="0"/>
+              </a:rPr>
+              <a:t>(1-</a:t>
+            </a:r>
+            <a:r>
+              <a:rPr lang="en-US" sz="2800" b="1" u="sng" dirty="0">
+                <a:latin typeface="Symbol" pitchFamily="18" charset="2"/>
+                <a:cs typeface="Times New Roman" pitchFamily="18" charset="0"/>
+              </a:rPr>
+              <a:t> a</a:t>
+            </a:r>
+            <a:r>
+              <a:rPr lang="en-US" sz="2800" b="1" u="sng" dirty="0">
+                <a:latin typeface="Times New Roman" pitchFamily="18" charset="0"/>
+                <a:cs typeface="Times New Roman" pitchFamily="18" charset="0"/>
+              </a:rPr>
+              <a:t>)×100% CIs </a:t>
+            </a:r>
+            <a:r>
+              <a:rPr lang="en-US" sz="2800" dirty="0">
+                <a:latin typeface="Times New Roman" pitchFamily="18" charset="0"/>
+                <a:cs typeface="Times New Roman" pitchFamily="18" charset="0"/>
+              </a:rPr>
+              <a:t>for a parameter, constructed from a random sample (of a given sample size), will contain the true value of the parameter approximately (1-</a:t>
+            </a:r>
+            <a:r>
+              <a:rPr lang="en-US" sz="2800" dirty="0">
+                <a:latin typeface="Symbol" pitchFamily="18" charset="2"/>
+                <a:cs typeface="Times New Roman" pitchFamily="18" charset="0"/>
+              </a:rPr>
+              <a:t> a</a:t>
+            </a:r>
+            <a:r>
+              <a:rPr lang="en-US" sz="2800" dirty="0">
+                <a:latin typeface="Times New Roman" pitchFamily="18" charset="0"/>
+                <a:cs typeface="Times New Roman" pitchFamily="18" charset="0"/>
+              </a:rPr>
+              <a:t>)×100% of the time.</a:t>
+            </a:r>
+          </a:p>
+        </p:txBody>
+      </p:sp>
+      <p:pic>
+        <p:nvPicPr>
+          <p:cNvPr id="51" name="Picture 50"/>
+          <p:cNvPicPr>
+            <a:picLocks noChangeAspect="1" noChangeArrowheads="1"/>
+          </p:cNvPicPr>
+          <p:nvPr/>
+        </p:nvPicPr>
+        <p:blipFill>
+          <a:blip r:embed="rId2" cstate="print"/>
+          <a:srcRect/>
+          <a:stretch>
+            <a:fillRect/>
+          </a:stretch>
+        </p:blipFill>
+        <p:spPr bwMode="auto">
+          <a:xfrm>
+            <a:off x="2008188" y="76200"/>
+            <a:ext cx="8202612" cy="239712"/>
+          </a:xfrm>
+          <a:prstGeom prst="rect">
+            <a:avLst/>
+          </a:prstGeom>
+          <a:noFill/>
+          <a:ln w="9525">
+            <a:noFill/>
+            <a:round/>
+            <a:headEnd/>
+            <a:tailEnd/>
+          </a:ln>
+        </p:spPr>
+      </p:pic>
+    </p:spTree>
+  </p:cSld>
+  <p:clrMapOvr>
+    <a:masterClrMapping/>
+  </p:clrMapOvr>
+</p:sld>
+</file>
+
+<file path=ppt/slides/slide12.xml><?xml version="1.0" encoding="utf-8"?>
+<p:sld xmlns:a="http://schemas.openxmlformats.org/drawingml/2006/main" xmlns:r="http://schemas.openxmlformats.org/officeDocument/2006/relationships" xmlns:p="http://schemas.openxmlformats.org/presentationml/2006/main">
+  <p:cSld>
+    <p:spTree>
+      <p:nvGrpSpPr>
+        <p:cNvPr id="1" name=""/>
+        <p:cNvGrpSpPr/>
+        <p:nvPr/>
+      </p:nvGrpSpPr>
+      <p:grpSpPr>
+        <a:xfrm>
+          <a:off x="0" y="0"/>
+          <a:ext cx="0" cy="0"/>
+          <a:chOff x="0" y="0"/>
+          <a:chExt cx="0" cy="0"/>
+        </a:xfrm>
+      </p:grpSpPr>
+      <p:sp>
+        <p:nvSpPr>
+          <p:cNvPr id="11266" name="Rectangle 5"/>
+          <p:cNvSpPr>
+            <a:spLocks noChangeArrowheads="1"/>
+          </p:cNvSpPr>
+          <p:nvPr/>
+        </p:nvSpPr>
+        <p:spPr bwMode="auto">
+          <a:xfrm>
+            <a:off x="1828800" y="1270686"/>
+            <a:ext cx="8686800" cy="4041543"/>
+          </a:xfrm>
+          <a:prstGeom prst="rect">
+            <a:avLst/>
+          </a:prstGeom>
+          <a:noFill/>
+          <a:ln w="9525">
+            <a:noFill/>
+            <a:round/>
+            <a:headEnd/>
+            <a:tailEnd/>
+          </a:ln>
+        </p:spPr>
+        <p:txBody>
+          <a:bodyPr lIns="0" tIns="0" rIns="0" bIns="0"/>
+          <a:lstStyle/>
+          <a:p>
+            <a:pPr marL="430213" indent="-323850">
+              <a:spcBef>
+                <a:spcPts val="800"/>
+              </a:spcBef>
+              <a:buFont typeface="Times New Roman" pitchFamily="18" charset="0"/>
+              <a:buChar char="•"/>
+              <a:tabLst>
+                <a:tab pos="430213" algn="l"/>
+                <a:tab pos="1344613" algn="l"/>
+                <a:tab pos="2259013" algn="l"/>
+                <a:tab pos="3173413" algn="l"/>
+                <a:tab pos="4087813" algn="l"/>
+                <a:tab pos="5002213" algn="l"/>
+                <a:tab pos="5916613" algn="l"/>
+                <a:tab pos="6831013" algn="l"/>
+                <a:tab pos="7745413" algn="l"/>
+                <a:tab pos="8659813" algn="l"/>
+                <a:tab pos="9574213" algn="l"/>
+                <a:tab pos="10488613" algn="l"/>
+              </a:tabLst>
+            </a:pPr>
+            <a:r>
+              <a:rPr lang="en-GB" sz="3200" dirty="0">
+                <a:solidFill>
+                  <a:srgbClr val="000000"/>
+                </a:solidFill>
+                <a:latin typeface="Times New Roman" pitchFamily="18" charset="0"/>
+              </a:rPr>
+              <a:t>Construction of a CI for a mean depends on:</a:t>
+            </a:r>
+          </a:p>
+          <a:p>
+            <a:pPr marL="887413" lvl="1" indent="-323850">
+              <a:spcBef>
+                <a:spcPts val="800"/>
+              </a:spcBef>
+              <a:buFont typeface="Times New Roman" pitchFamily="18" charset="0"/>
+              <a:buChar char="•"/>
+              <a:tabLst>
+                <a:tab pos="430213" algn="l"/>
+                <a:tab pos="1344613" algn="l"/>
+                <a:tab pos="2259013" algn="l"/>
+                <a:tab pos="3173413" algn="l"/>
+                <a:tab pos="4087813" algn="l"/>
+                <a:tab pos="5002213" algn="l"/>
+                <a:tab pos="5916613" algn="l"/>
+                <a:tab pos="6831013" algn="l"/>
+                <a:tab pos="7745413" algn="l"/>
+                <a:tab pos="8659813" algn="l"/>
+                <a:tab pos="9574213" algn="l"/>
+                <a:tab pos="10488613" algn="l"/>
+              </a:tabLst>
+            </a:pPr>
+            <a:r>
+              <a:rPr lang="en-GB" sz="2800" dirty="0">
+                <a:solidFill>
+                  <a:srgbClr val="000000"/>
+                </a:solidFill>
+                <a:latin typeface="Times New Roman" pitchFamily="18" charset="0"/>
+              </a:rPr>
+              <a:t>Sample size </a:t>
+            </a:r>
+            <a:r>
+              <a:rPr lang="en-GB" sz="2800" i="1" dirty="0">
+                <a:solidFill>
+                  <a:srgbClr val="000000"/>
+                </a:solidFill>
+                <a:latin typeface="Times New Roman" pitchFamily="18" charset="0"/>
+              </a:rPr>
+              <a:t>n</a:t>
+            </a:r>
+          </a:p>
+          <a:p>
+            <a:pPr marL="887413" lvl="1" indent="-323850">
+              <a:spcBef>
+                <a:spcPts val="800"/>
+              </a:spcBef>
+              <a:buFont typeface="Times New Roman" pitchFamily="18" charset="0"/>
+              <a:buChar char="•"/>
+              <a:tabLst>
+                <a:tab pos="430213" algn="l"/>
+                <a:tab pos="1344613" algn="l"/>
+                <a:tab pos="2259013" algn="l"/>
+                <a:tab pos="3173413" algn="l"/>
+                <a:tab pos="4087813" algn="l"/>
+                <a:tab pos="5002213" algn="l"/>
+                <a:tab pos="5916613" algn="l"/>
+                <a:tab pos="6831013" algn="l"/>
+                <a:tab pos="7745413" algn="l"/>
+                <a:tab pos="8659813" algn="l"/>
+                <a:tab pos="9574213" algn="l"/>
+                <a:tab pos="10488613" algn="l"/>
+              </a:tabLst>
+            </a:pPr>
+            <a:r>
+              <a:rPr lang="en-GB" sz="2800" b="1" dirty="0">
+                <a:solidFill>
+                  <a:srgbClr val="000000"/>
+                </a:solidFill>
+                <a:latin typeface="Times New Roman" pitchFamily="18" charset="0"/>
+              </a:rPr>
+              <a:t>Standard error </a:t>
+            </a:r>
+            <a:r>
+              <a:rPr lang="en-GB" sz="2800" dirty="0">
+                <a:solidFill>
+                  <a:srgbClr val="000000"/>
+                </a:solidFill>
+                <a:latin typeface="Times New Roman" pitchFamily="18" charset="0"/>
+              </a:rPr>
+              <a:t>for means </a:t>
+            </a:r>
+          </a:p>
+          <a:p>
+            <a:pPr marL="887413" lvl="1" indent="-323850">
+              <a:spcBef>
+                <a:spcPts val="800"/>
+              </a:spcBef>
+              <a:buFont typeface="Times New Roman" pitchFamily="18" charset="0"/>
+              <a:buChar char="•"/>
+              <a:tabLst>
+                <a:tab pos="430213" algn="l"/>
+                <a:tab pos="1344613" algn="l"/>
+                <a:tab pos="2259013" algn="l"/>
+                <a:tab pos="3173413" algn="l"/>
+                <a:tab pos="4087813" algn="l"/>
+                <a:tab pos="5002213" algn="l"/>
+                <a:tab pos="5916613" algn="l"/>
+                <a:tab pos="6831013" algn="l"/>
+                <a:tab pos="7745413" algn="l"/>
+                <a:tab pos="8659813" algn="l"/>
+                <a:tab pos="9574213" algn="l"/>
+                <a:tab pos="10488613" algn="l"/>
+              </a:tabLst>
+            </a:pPr>
+            <a:r>
+              <a:rPr lang="en-GB" sz="2800" b="1" dirty="0">
+                <a:solidFill>
+                  <a:srgbClr val="000000"/>
+                </a:solidFill>
+                <a:latin typeface="Times New Roman" pitchFamily="18" charset="0"/>
+              </a:rPr>
+              <a:t>Level of confidence</a:t>
+            </a:r>
+            <a:r>
+              <a:rPr lang="en-GB" sz="2800" dirty="0">
+                <a:solidFill>
+                  <a:srgbClr val="000000"/>
+                </a:solidFill>
+                <a:latin typeface="Times New Roman" pitchFamily="18" charset="0"/>
+              </a:rPr>
+              <a:t> 1-</a:t>
+            </a:r>
+            <a:r>
+              <a:rPr lang="en-GB" sz="2800" dirty="0">
+                <a:solidFill>
+                  <a:srgbClr val="000000"/>
+                </a:solidFill>
+                <a:latin typeface="Symbol" pitchFamily="2" charset="2"/>
+              </a:rPr>
+              <a:t>a</a:t>
+            </a:r>
+          </a:p>
+          <a:p>
+            <a:pPr marL="1344613" lvl="2" indent="-323850">
+              <a:spcBef>
+                <a:spcPts val="800"/>
+              </a:spcBef>
+              <a:buFont typeface="Times New Roman" pitchFamily="18" charset="0"/>
+              <a:buChar char="•"/>
+              <a:tabLst>
+                <a:tab pos="430213" algn="l"/>
+                <a:tab pos="1344613" algn="l"/>
+                <a:tab pos="2259013" algn="l"/>
+                <a:tab pos="3173413" algn="l"/>
+                <a:tab pos="4087813" algn="l"/>
+                <a:tab pos="5002213" algn="l"/>
+                <a:tab pos="5916613" algn="l"/>
+                <a:tab pos="6831013" algn="l"/>
+                <a:tab pos="7745413" algn="l"/>
+                <a:tab pos="8659813" algn="l"/>
+                <a:tab pos="9574213" algn="l"/>
+                <a:tab pos="10488613" algn="l"/>
+              </a:tabLst>
+            </a:pPr>
+            <a:r>
+              <a:rPr lang="en-GB" sz="2400" dirty="0">
+                <a:solidFill>
+                  <a:srgbClr val="000000"/>
+                </a:solidFill>
+                <a:latin typeface="Symbol" pitchFamily="2" charset="2"/>
+              </a:rPr>
+              <a:t>a </a:t>
+            </a:r>
+            <a:r>
+              <a:rPr lang="en-GB" sz="2600" dirty="0">
+                <a:solidFill>
+                  <a:srgbClr val="000000"/>
+                </a:solidFill>
+                <a:latin typeface="Times New Roman" pitchFamily="18" charset="0"/>
+              </a:rPr>
+              <a:t>is </a:t>
+            </a:r>
+            <a:r>
+              <a:rPr lang="en-GB" sz="2600" b="1" dirty="0">
+                <a:solidFill>
+                  <a:srgbClr val="000000"/>
+                </a:solidFill>
+                <a:latin typeface="Times New Roman" pitchFamily="18" charset="0"/>
+              </a:rPr>
+              <a:t>significance level</a:t>
+            </a:r>
+          </a:p>
+          <a:p>
+            <a:pPr marL="1344613" lvl="2" indent="-323850">
+              <a:spcBef>
+                <a:spcPts val="800"/>
+              </a:spcBef>
+              <a:buFont typeface="Times New Roman" pitchFamily="18" charset="0"/>
+              <a:buChar char="•"/>
+              <a:tabLst>
+                <a:tab pos="430213" algn="l"/>
+                <a:tab pos="1344613" algn="l"/>
+                <a:tab pos="2259013" algn="l"/>
+                <a:tab pos="3173413" algn="l"/>
+                <a:tab pos="4087813" algn="l"/>
+                <a:tab pos="5002213" algn="l"/>
+                <a:tab pos="5916613" algn="l"/>
+                <a:tab pos="6831013" algn="l"/>
+                <a:tab pos="7745413" algn="l"/>
+                <a:tab pos="8659813" algn="l"/>
+                <a:tab pos="9574213" algn="l"/>
+                <a:tab pos="10488613" algn="l"/>
+              </a:tabLst>
+            </a:pPr>
+            <a:r>
+              <a:rPr lang="en-GB" sz="2600" dirty="0">
+                <a:solidFill>
+                  <a:srgbClr val="000000"/>
+                </a:solidFill>
+                <a:latin typeface="Times New Roman" pitchFamily="18" charset="0"/>
+              </a:rPr>
+              <a:t>Use </a:t>
+            </a:r>
+            <a:r>
+              <a:rPr lang="en-GB" sz="2400" dirty="0">
+                <a:solidFill>
+                  <a:srgbClr val="000000"/>
+                </a:solidFill>
+                <a:latin typeface="Symbol" pitchFamily="2" charset="2"/>
+              </a:rPr>
+              <a:t>a </a:t>
+            </a:r>
+            <a:r>
+              <a:rPr lang="en-GB" sz="2600" dirty="0">
+                <a:solidFill>
+                  <a:srgbClr val="000000"/>
+                </a:solidFill>
+                <a:latin typeface="Times New Roman" pitchFamily="18" charset="0"/>
+              </a:rPr>
+              <a:t>to compute </a:t>
+            </a:r>
+            <a:r>
+              <a:rPr lang="en-GB" sz="2600" i="1" dirty="0" err="1">
+                <a:solidFill>
+                  <a:srgbClr val="000000"/>
+                </a:solidFill>
+                <a:latin typeface="Times New Roman" pitchFamily="18" charset="0"/>
+              </a:rPr>
+              <a:t>t</a:t>
+            </a:r>
+            <a:r>
+              <a:rPr lang="en-GB" sz="2600" i="1" baseline="-25000" dirty="0" err="1">
+                <a:solidFill>
+                  <a:srgbClr val="000000"/>
+                </a:solidFill>
+                <a:latin typeface="Times New Roman" pitchFamily="18" charset="0"/>
+              </a:rPr>
+              <a:t>c</a:t>
+            </a:r>
+            <a:r>
+              <a:rPr lang="en-GB" sz="2600" dirty="0">
+                <a:solidFill>
+                  <a:srgbClr val="000000"/>
+                </a:solidFill>
+                <a:latin typeface="Times New Roman" pitchFamily="18" charset="0"/>
+              </a:rPr>
+              <a:t>-value, the critical t-statistic</a:t>
+            </a:r>
+          </a:p>
+          <a:p>
+            <a:pPr marL="887413" lvl="1" indent="-323850">
+              <a:spcBef>
+                <a:spcPts val="800"/>
+              </a:spcBef>
+              <a:buFont typeface="Times New Roman" pitchFamily="18" charset="0"/>
+              <a:buChar char="•"/>
+              <a:tabLst>
+                <a:tab pos="430213" algn="l"/>
+                <a:tab pos="1344613" algn="l"/>
+                <a:tab pos="2259013" algn="l"/>
+                <a:tab pos="3173413" algn="l"/>
+                <a:tab pos="4087813" algn="l"/>
+                <a:tab pos="5002213" algn="l"/>
+                <a:tab pos="5916613" algn="l"/>
+                <a:tab pos="6831013" algn="l"/>
+                <a:tab pos="7745413" algn="l"/>
+                <a:tab pos="8659813" algn="l"/>
+                <a:tab pos="9574213" algn="l"/>
+                <a:tab pos="10488613" algn="l"/>
+              </a:tabLst>
+            </a:pPr>
+            <a:r>
+              <a:rPr lang="en-US" sz="2800" dirty="0">
+                <a:latin typeface="Times New Roman" pitchFamily="18" charset="0"/>
+                <a:cs typeface="Times New Roman" pitchFamily="18" charset="0"/>
+              </a:rPr>
+              <a:t>(1-</a:t>
+            </a:r>
+            <a:r>
+              <a:rPr lang="en-GB" sz="2800" dirty="0">
+                <a:solidFill>
+                  <a:srgbClr val="000000"/>
+                </a:solidFill>
+                <a:latin typeface="Symbol" pitchFamily="2" charset="2"/>
+              </a:rPr>
+              <a:t>a</a:t>
+            </a:r>
+            <a:r>
+              <a:rPr lang="en-US" sz="2800" dirty="0">
+                <a:latin typeface="Times New Roman" pitchFamily="18" charset="0"/>
+                <a:cs typeface="Times New Roman" pitchFamily="18" charset="0"/>
+              </a:rPr>
+              <a:t>)×100% two-sided CI for population mean using a sample average and standard error is:</a:t>
+            </a:r>
+            <a:endParaRPr lang="en-GB" sz="2800" dirty="0">
+              <a:solidFill>
+                <a:srgbClr val="000000"/>
+              </a:solidFill>
+              <a:latin typeface="Times New Roman" pitchFamily="18" charset="0"/>
+            </a:endParaRPr>
+          </a:p>
+        </p:txBody>
+      </p:sp>
+      <p:sp>
+        <p:nvSpPr>
+          <p:cNvPr id="7" name="Rectangle 4"/>
+          <p:cNvSpPr>
+            <a:spLocks noChangeArrowheads="1"/>
+          </p:cNvSpPr>
+          <p:nvPr/>
+        </p:nvSpPr>
+        <p:spPr bwMode="auto">
+          <a:xfrm>
+            <a:off x="1755776" y="297248"/>
+            <a:ext cx="8607425" cy="762000"/>
+          </a:xfrm>
+          <a:prstGeom prst="rect">
+            <a:avLst/>
+          </a:prstGeom>
+          <a:noFill/>
+          <a:ln w="9525">
+            <a:noFill/>
+            <a:round/>
+            <a:headEnd/>
+            <a:tailEnd/>
+          </a:ln>
+        </p:spPr>
+        <p:txBody>
+          <a:bodyPr lIns="0" tIns="0" rIns="0" bIns="0" anchor="ctr"/>
+          <a:lstStyle/>
+          <a:p>
+            <a:pPr algn="ctr">
+              <a:tabLst>
+                <a:tab pos="0" algn="l"/>
+                <a:tab pos="914400" algn="l"/>
+                <a:tab pos="1828800" algn="l"/>
+                <a:tab pos="2743200" algn="l"/>
+                <a:tab pos="3657600" algn="l"/>
+                <a:tab pos="4572000" algn="l"/>
+                <a:tab pos="5486400" algn="l"/>
+                <a:tab pos="6400800" algn="l"/>
+                <a:tab pos="7315200" algn="l"/>
+                <a:tab pos="8229600" algn="l"/>
+                <a:tab pos="9144000" algn="l"/>
+                <a:tab pos="10058400" algn="l"/>
+              </a:tabLst>
+            </a:pPr>
+            <a:r>
+              <a:rPr lang="en-GB" sz="4000" dirty="0">
+                <a:solidFill>
+                  <a:srgbClr val="000000"/>
+                </a:solidFill>
+                <a:latin typeface="Times New Roman" pitchFamily="18" charset="0"/>
+              </a:rPr>
+              <a:t>Confidence Intervals</a:t>
+            </a:r>
+          </a:p>
+        </p:txBody>
+      </p:sp>
+      <p:pic>
+        <p:nvPicPr>
+          <p:cNvPr id="9" name="Picture 8"/>
+          <p:cNvPicPr>
+            <a:picLocks noChangeAspect="1" noChangeArrowheads="1"/>
+          </p:cNvPicPr>
+          <p:nvPr/>
+        </p:nvPicPr>
+        <p:blipFill>
+          <a:blip r:embed="rId2" cstate="print"/>
+          <a:srcRect/>
+          <a:stretch>
+            <a:fillRect/>
+          </a:stretch>
+        </p:blipFill>
+        <p:spPr bwMode="auto">
+          <a:xfrm>
+            <a:off x="2008188" y="76200"/>
+            <a:ext cx="8202612" cy="239712"/>
+          </a:xfrm>
+          <a:prstGeom prst="rect">
+            <a:avLst/>
+          </a:prstGeom>
+          <a:noFill/>
+          <a:ln w="9525">
+            <a:noFill/>
+            <a:round/>
+            <a:headEnd/>
+            <a:tailEnd/>
+          </a:ln>
+        </p:spPr>
+      </p:pic>
+      <p:pic>
+        <p:nvPicPr>
+          <p:cNvPr id="4" name="Picture 3">
+            <a:extLst>
+              <a:ext uri="{FF2B5EF4-FFF2-40B4-BE49-F238E27FC236}">
+                <a16:creationId xmlns:a16="http://schemas.microsoft.com/office/drawing/2014/main" id="{BB7884DE-3866-694F-AD39-89CA9627E175}"/>
+              </a:ext>
+            </a:extLst>
+          </p:cNvPr>
+          <p:cNvPicPr>
+            <a:picLocks noChangeAspect="1"/>
+          </p:cNvPicPr>
+          <p:nvPr/>
+        </p:nvPicPr>
+        <p:blipFill>
+          <a:blip r:embed="rId3"/>
+          <a:stretch>
+            <a:fillRect/>
+          </a:stretch>
+        </p:blipFill>
+        <p:spPr>
+          <a:xfrm>
+            <a:off x="6719206" y="2187729"/>
+            <a:ext cx="1830575" cy="860271"/>
+          </a:xfrm>
+          <a:prstGeom prst="rect">
+            <a:avLst/>
+          </a:prstGeom>
+        </p:spPr>
+      </p:pic>
+      <p:pic>
+        <p:nvPicPr>
+          <p:cNvPr id="5" name="Picture 4">
+            <a:extLst>
+              <a:ext uri="{FF2B5EF4-FFF2-40B4-BE49-F238E27FC236}">
+                <a16:creationId xmlns:a16="http://schemas.microsoft.com/office/drawing/2014/main" id="{7DE4678E-CC03-824B-BBFD-A94843A57ECB}"/>
+              </a:ext>
+            </a:extLst>
+          </p:cNvPr>
+          <p:cNvPicPr>
+            <a:picLocks noChangeAspect="1"/>
+          </p:cNvPicPr>
+          <p:nvPr/>
+        </p:nvPicPr>
+        <p:blipFill>
+          <a:blip r:embed="rId4"/>
+          <a:stretch>
+            <a:fillRect/>
+          </a:stretch>
+        </p:blipFill>
+        <p:spPr>
+          <a:xfrm>
+            <a:off x="3505200" y="5675993"/>
+            <a:ext cx="5181600" cy="469900"/>
+          </a:xfrm>
+          <a:prstGeom prst="rect">
+            <a:avLst/>
+          </a:prstGeom>
+        </p:spPr>
+      </p:pic>
+    </p:spTree>
+  </p:cSld>
+  <p:clrMapOvr>
+    <a:masterClrMapping/>
+  </p:clrMapOvr>
+</p:sld>
+</file>
+
+<file path=ppt/slides/slide13.xml><?xml version="1.0" encoding="utf-8"?>
+<p:sld xmlns:a="http://schemas.openxmlformats.org/drawingml/2006/main" xmlns:r="http://schemas.openxmlformats.org/officeDocument/2006/relationships" xmlns:p="http://schemas.openxmlformats.org/presentationml/2006/main">
+  <p:cSld>
+    <p:spTree>
+      <p:nvGrpSpPr>
+        <p:cNvPr id="1" name=""/>
+        <p:cNvGrpSpPr/>
+        <p:nvPr/>
+      </p:nvGrpSpPr>
+      <p:grpSpPr>
+        <a:xfrm>
+          <a:off x="0" y="0"/>
+          <a:ext cx="0" cy="0"/>
+          <a:chOff x="0" y="0"/>
+          <a:chExt cx="0" cy="0"/>
+        </a:xfrm>
+      </p:grpSpPr>
+      <p:sp>
+        <p:nvSpPr>
+          <p:cNvPr id="2" name="Rectangle 5">
+            <a:extLst>
+              <a:ext uri="{FF2B5EF4-FFF2-40B4-BE49-F238E27FC236}">
+                <a16:creationId xmlns:a16="http://schemas.microsoft.com/office/drawing/2014/main" id="{AF162EFF-122F-DE4D-ABB2-AABE23BF1676}"/>
+              </a:ext>
+            </a:extLst>
+          </p:cNvPr>
+          <p:cNvSpPr>
+            <a:spLocks noChangeArrowheads="1"/>
+          </p:cNvSpPr>
+          <p:nvPr/>
+        </p:nvSpPr>
+        <p:spPr bwMode="auto">
+          <a:xfrm>
+            <a:off x="239486" y="976771"/>
+            <a:ext cx="11658600" cy="862914"/>
+          </a:xfrm>
+          <a:prstGeom prst="rect">
+            <a:avLst/>
+          </a:prstGeom>
+          <a:noFill/>
+          <a:ln w="9525">
+            <a:noFill/>
+            <a:round/>
+            <a:headEnd/>
+            <a:tailEnd/>
+          </a:ln>
+        </p:spPr>
+        <p:txBody>
+          <a:bodyPr lIns="0" tIns="0" rIns="0" bIns="0"/>
+          <a:lstStyle/>
+          <a:p>
+            <a:pPr marL="430213" indent="-323850">
+              <a:spcBef>
+                <a:spcPts val="800"/>
+              </a:spcBef>
+              <a:buFont typeface="Times New Roman" pitchFamily="18" charset="0"/>
+              <a:buChar char="•"/>
+              <a:tabLst>
+                <a:tab pos="430213" algn="l"/>
+                <a:tab pos="1344613" algn="l"/>
+                <a:tab pos="2259013" algn="l"/>
+                <a:tab pos="3173413" algn="l"/>
+                <a:tab pos="4087813" algn="l"/>
+                <a:tab pos="5002213" algn="l"/>
+                <a:tab pos="5916613" algn="l"/>
+                <a:tab pos="6831013" algn="l"/>
+                <a:tab pos="7745413" algn="l"/>
+                <a:tab pos="8659813" algn="l"/>
+                <a:tab pos="9574213" algn="l"/>
+                <a:tab pos="10488613" algn="l"/>
+              </a:tabLst>
+            </a:pPr>
+            <a:r>
+              <a:rPr lang="en-US" sz="2800" dirty="0">
+                <a:solidFill>
+                  <a:srgbClr val="000000"/>
+                </a:solidFill>
+                <a:latin typeface="Times New Roman" pitchFamily="18" charset="0"/>
+              </a:rPr>
+              <a:t>Compute the 95% confidence interval for the mean average absolute velocity in the LAM data</a:t>
+            </a:r>
+            <a:endParaRPr lang="en-GB" sz="2400" dirty="0">
+              <a:solidFill>
+                <a:srgbClr val="000000"/>
+              </a:solidFill>
+              <a:latin typeface="Times New Roman" pitchFamily="18" charset="0"/>
+            </a:endParaRPr>
+          </a:p>
+        </p:txBody>
+      </p:sp>
+      <p:sp>
+        <p:nvSpPr>
+          <p:cNvPr id="3" name="Rectangle 4">
+            <a:extLst>
+              <a:ext uri="{FF2B5EF4-FFF2-40B4-BE49-F238E27FC236}">
+                <a16:creationId xmlns:a16="http://schemas.microsoft.com/office/drawing/2014/main" id="{05170789-E6A2-064A-BDAC-8F3672882A24}"/>
+              </a:ext>
+            </a:extLst>
+          </p:cNvPr>
+          <p:cNvSpPr>
+            <a:spLocks noChangeArrowheads="1"/>
+          </p:cNvSpPr>
+          <p:nvPr/>
+        </p:nvSpPr>
+        <p:spPr bwMode="auto">
+          <a:xfrm>
+            <a:off x="1755776" y="297248"/>
+            <a:ext cx="8607425" cy="762000"/>
+          </a:xfrm>
+          <a:prstGeom prst="rect">
+            <a:avLst/>
+          </a:prstGeom>
+          <a:noFill/>
+          <a:ln w="9525">
+            <a:noFill/>
+            <a:round/>
+            <a:headEnd/>
+            <a:tailEnd/>
+          </a:ln>
+        </p:spPr>
+        <p:txBody>
+          <a:bodyPr lIns="0" tIns="0" rIns="0" bIns="0" anchor="ctr"/>
+          <a:lstStyle/>
+          <a:p>
+            <a:pPr algn="ctr">
+              <a:tabLst>
+                <a:tab pos="0" algn="l"/>
+                <a:tab pos="914400" algn="l"/>
+                <a:tab pos="1828800" algn="l"/>
+                <a:tab pos="2743200" algn="l"/>
+                <a:tab pos="3657600" algn="l"/>
+                <a:tab pos="4572000" algn="l"/>
+                <a:tab pos="5486400" algn="l"/>
+                <a:tab pos="6400800" algn="l"/>
+                <a:tab pos="7315200" algn="l"/>
+                <a:tab pos="8229600" algn="l"/>
+                <a:tab pos="9144000" algn="l"/>
+                <a:tab pos="10058400" algn="l"/>
+              </a:tabLst>
+            </a:pPr>
+            <a:r>
+              <a:rPr lang="en-GB" sz="4000" dirty="0">
+                <a:solidFill>
+                  <a:srgbClr val="000000"/>
+                </a:solidFill>
+                <a:latin typeface="Times New Roman" pitchFamily="18" charset="0"/>
+              </a:rPr>
+              <a:t>Confidence Intervals</a:t>
+            </a:r>
+          </a:p>
+        </p:txBody>
+      </p:sp>
+      <p:pic>
+        <p:nvPicPr>
+          <p:cNvPr id="4" name="Picture 3">
+            <a:extLst>
+              <a:ext uri="{FF2B5EF4-FFF2-40B4-BE49-F238E27FC236}">
+                <a16:creationId xmlns:a16="http://schemas.microsoft.com/office/drawing/2014/main" id="{0D890B02-2F7F-854E-AA05-81BF078336AE}"/>
+              </a:ext>
+            </a:extLst>
+          </p:cNvPr>
+          <p:cNvPicPr>
+            <a:picLocks noChangeAspect="1" noChangeArrowheads="1"/>
+          </p:cNvPicPr>
+          <p:nvPr/>
+        </p:nvPicPr>
+        <p:blipFill>
+          <a:blip r:embed="rId2" cstate="print"/>
+          <a:srcRect/>
+          <a:stretch>
+            <a:fillRect/>
+          </a:stretch>
+        </p:blipFill>
+        <p:spPr bwMode="auto">
+          <a:xfrm>
+            <a:off x="2008188" y="76200"/>
+            <a:ext cx="8202612" cy="239712"/>
+          </a:xfrm>
+          <a:prstGeom prst="rect">
+            <a:avLst/>
+          </a:prstGeom>
+          <a:noFill/>
+          <a:ln w="9525">
+            <a:noFill/>
+            <a:round/>
+            <a:headEnd/>
+            <a:tailEnd/>
+          </a:ln>
+        </p:spPr>
+      </p:pic>
+      <p:sp>
+        <p:nvSpPr>
+          <p:cNvPr id="5" name="Rectangle 4">
+            <a:extLst>
+              <a:ext uri="{FF2B5EF4-FFF2-40B4-BE49-F238E27FC236}">
+                <a16:creationId xmlns:a16="http://schemas.microsoft.com/office/drawing/2014/main" id="{EB18BAB2-11C7-E145-B7B0-4889CAB49141}"/>
+              </a:ext>
+            </a:extLst>
+          </p:cNvPr>
+          <p:cNvSpPr/>
+          <p:nvPr/>
+        </p:nvSpPr>
+        <p:spPr>
+          <a:xfrm>
+            <a:off x="239485" y="2115803"/>
+            <a:ext cx="11832772" cy="3970318"/>
+          </a:xfrm>
+          <a:prstGeom prst="rect">
+            <a:avLst/>
+          </a:prstGeom>
+          <a:solidFill>
+            <a:srgbClr val="000C78"/>
+          </a:solidFill>
+        </p:spPr>
+        <p:txBody>
+          <a:bodyPr wrap="square">
+            <a:spAutoFit/>
+          </a:bodyPr>
+          <a:lstStyle/>
+          <a:p>
+            <a:r>
+              <a:rPr lang="en-US" sz="1400" dirty="0">
+                <a:solidFill>
+                  <a:srgbClr val="FFFF00"/>
+                </a:solidFill>
+                <a:latin typeface="Courier"/>
+                <a:cs typeface="Courier"/>
+              </a:rPr>
+              <a:t># Load data:</a:t>
+            </a:r>
+          </a:p>
+          <a:p>
+            <a:r>
+              <a:rPr lang="en-US" sz="1400" dirty="0" err="1">
+                <a:solidFill>
+                  <a:schemeClr val="bg1"/>
+                </a:solidFill>
+                <a:latin typeface="Courier"/>
+                <a:cs typeface="Courier"/>
+              </a:rPr>
+              <a:t>dat</a:t>
+            </a:r>
+            <a:r>
+              <a:rPr lang="en-US" sz="1400" dirty="0">
+                <a:solidFill>
+                  <a:schemeClr val="bg1"/>
+                </a:solidFill>
+                <a:latin typeface="Courier"/>
+                <a:cs typeface="Courier"/>
+              </a:rPr>
+              <a:t> &lt;- </a:t>
+            </a:r>
+            <a:r>
+              <a:rPr lang="en-US" sz="1400" dirty="0" err="1">
+                <a:solidFill>
+                  <a:schemeClr val="bg1"/>
+                </a:solidFill>
+                <a:latin typeface="Courier"/>
+                <a:cs typeface="Courier"/>
+              </a:rPr>
+              <a:t>read.csv</a:t>
+            </a:r>
+            <a:r>
+              <a:rPr lang="en-US" sz="1400" dirty="0">
+                <a:solidFill>
+                  <a:schemeClr val="bg1"/>
+                </a:solidFill>
+                <a:latin typeface="Courier"/>
+                <a:cs typeface="Courier"/>
+              </a:rPr>
+              <a:t>(</a:t>
+            </a:r>
+            <a:r>
+              <a:rPr lang="en-US" sz="1400" dirty="0">
+                <a:solidFill>
+                  <a:srgbClr val="00B050"/>
+                </a:solidFill>
+                <a:latin typeface="Courier"/>
+                <a:cs typeface="Courier"/>
+              </a:rPr>
+              <a:t>"https://</a:t>
+            </a:r>
+            <a:r>
+              <a:rPr lang="en-US" sz="1400" dirty="0" err="1">
+                <a:solidFill>
+                  <a:srgbClr val="00B050"/>
+                </a:solidFill>
+                <a:latin typeface="Courier"/>
+                <a:cs typeface="Courier"/>
+              </a:rPr>
+              <a:t>raw.githubusercontent.com</a:t>
+            </a:r>
+            <a:r>
+              <a:rPr lang="en-US" sz="1400" dirty="0">
+                <a:solidFill>
+                  <a:srgbClr val="00B050"/>
+                </a:solidFill>
+                <a:latin typeface="Courier"/>
+                <a:cs typeface="Courier"/>
+              </a:rPr>
+              <a:t>/</a:t>
+            </a:r>
+            <a:r>
+              <a:rPr lang="en-US" sz="1400" dirty="0" err="1">
+                <a:solidFill>
+                  <a:srgbClr val="00B050"/>
+                </a:solidFill>
+                <a:latin typeface="Courier"/>
+                <a:cs typeface="Courier"/>
+              </a:rPr>
+              <a:t>npetraco</a:t>
+            </a:r>
+            <a:r>
+              <a:rPr lang="en-US" sz="1400" dirty="0">
+                <a:solidFill>
+                  <a:srgbClr val="00B050"/>
+                </a:solidFill>
+                <a:latin typeface="Courier"/>
+                <a:cs typeface="Courier"/>
+              </a:rPr>
+              <a:t>/workshop21/master/data/</a:t>
+            </a:r>
+            <a:r>
+              <a:rPr lang="en-US" sz="1400" dirty="0" err="1">
+                <a:solidFill>
+                  <a:srgbClr val="00B050"/>
+                </a:solidFill>
+                <a:latin typeface="Courier"/>
+                <a:cs typeface="Courier"/>
+              </a:rPr>
+              <a:t>lamwrite.csv</a:t>
+            </a:r>
+            <a:r>
+              <a:rPr lang="en-US" sz="1400" dirty="0">
+                <a:solidFill>
+                  <a:srgbClr val="00B050"/>
+                </a:solidFill>
+                <a:latin typeface="Courier"/>
+                <a:cs typeface="Courier"/>
+              </a:rPr>
+              <a:t>"</a:t>
+            </a:r>
+            <a:r>
+              <a:rPr lang="en-US" sz="1400" dirty="0">
+                <a:solidFill>
+                  <a:schemeClr val="bg1"/>
+                </a:solidFill>
+                <a:latin typeface="Courier"/>
+                <a:cs typeface="Courier"/>
+              </a:rPr>
+              <a:t>, header=T)</a:t>
+            </a:r>
+          </a:p>
+          <a:p>
+            <a:endParaRPr lang="en-US" sz="1400" dirty="0">
+              <a:solidFill>
+                <a:schemeClr val="bg1"/>
+              </a:solidFill>
+              <a:latin typeface="Courier"/>
+              <a:cs typeface="Courier"/>
+            </a:endParaRPr>
+          </a:p>
+          <a:p>
+            <a:r>
+              <a:rPr lang="en-US" sz="1400" dirty="0">
+                <a:solidFill>
+                  <a:srgbClr val="FFFF00"/>
+                </a:solidFill>
+                <a:latin typeface="Courier"/>
+                <a:cs typeface="Courier"/>
+              </a:rPr>
+              <a:t># Average absolute velocity data:</a:t>
+            </a:r>
+          </a:p>
+          <a:p>
+            <a:r>
+              <a:rPr lang="en-US" sz="1400" dirty="0" err="1">
+                <a:solidFill>
+                  <a:schemeClr val="bg1"/>
+                </a:solidFill>
+                <a:latin typeface="Courier"/>
+                <a:cs typeface="Courier"/>
+              </a:rPr>
+              <a:t>aav</a:t>
+            </a:r>
+            <a:r>
+              <a:rPr lang="en-US" sz="1400" dirty="0">
+                <a:solidFill>
+                  <a:schemeClr val="bg1"/>
+                </a:solidFill>
+                <a:latin typeface="Courier"/>
+                <a:cs typeface="Courier"/>
+              </a:rPr>
+              <a:t> &lt;- </a:t>
+            </a:r>
+            <a:r>
+              <a:rPr lang="en-US" sz="1400" dirty="0" err="1">
+                <a:solidFill>
+                  <a:schemeClr val="bg1"/>
+                </a:solidFill>
+                <a:latin typeface="Courier"/>
+                <a:cs typeface="Courier"/>
+              </a:rPr>
+              <a:t>dat</a:t>
+            </a:r>
+            <a:r>
+              <a:rPr lang="en-US" sz="1400" dirty="0">
+                <a:solidFill>
+                  <a:schemeClr val="bg1"/>
+                </a:solidFill>
+                <a:latin typeface="Courier"/>
+                <a:cs typeface="Courier"/>
+              </a:rPr>
+              <a:t>[,2]</a:t>
+            </a:r>
+          </a:p>
+          <a:p>
+            <a:endParaRPr lang="en-US" sz="1400" dirty="0">
+              <a:solidFill>
+                <a:schemeClr val="bg1"/>
+              </a:solidFill>
+              <a:latin typeface="Courier"/>
+              <a:cs typeface="Courier"/>
+            </a:endParaRPr>
+          </a:p>
+          <a:p>
+            <a:r>
+              <a:rPr lang="en-US" sz="1400" dirty="0">
+                <a:solidFill>
+                  <a:schemeClr val="bg1"/>
+                </a:solidFill>
+                <a:latin typeface="Courier"/>
+                <a:cs typeface="Courier"/>
+              </a:rPr>
+              <a:t>n    &lt;- length(</a:t>
+            </a:r>
+            <a:r>
+              <a:rPr lang="en-US" sz="1400" dirty="0" err="1">
+                <a:solidFill>
+                  <a:schemeClr val="bg1"/>
+                </a:solidFill>
+                <a:latin typeface="Courier"/>
+                <a:cs typeface="Courier"/>
+              </a:rPr>
+              <a:t>aav</a:t>
+            </a:r>
+            <a:r>
+              <a:rPr lang="en-US" sz="1400" dirty="0">
+                <a:solidFill>
+                  <a:schemeClr val="bg1"/>
+                </a:solidFill>
+                <a:latin typeface="Courier"/>
+                <a:cs typeface="Courier"/>
+              </a:rPr>
+              <a:t>)            </a:t>
+            </a:r>
+            <a:r>
+              <a:rPr lang="en-US" sz="1400" dirty="0">
+                <a:solidFill>
+                  <a:srgbClr val="FFFF00"/>
+                </a:solidFill>
+                <a:latin typeface="Courier"/>
+                <a:cs typeface="Courier"/>
+              </a:rPr>
+              <a:t># sample size</a:t>
+            </a:r>
+          </a:p>
+          <a:p>
+            <a:r>
+              <a:rPr lang="en-US" sz="1400" dirty="0" err="1">
+                <a:solidFill>
+                  <a:schemeClr val="bg1"/>
+                </a:solidFill>
+                <a:latin typeface="Courier"/>
+                <a:cs typeface="Courier"/>
+              </a:rPr>
+              <a:t>xbar</a:t>
+            </a:r>
+            <a:r>
+              <a:rPr lang="en-US" sz="1400" dirty="0">
+                <a:solidFill>
+                  <a:schemeClr val="bg1"/>
+                </a:solidFill>
+                <a:latin typeface="Courier"/>
+                <a:cs typeface="Courier"/>
+              </a:rPr>
+              <a:t> &lt;- mean(</a:t>
+            </a:r>
+            <a:r>
+              <a:rPr lang="en-US" sz="1400" dirty="0" err="1">
+                <a:solidFill>
+                  <a:schemeClr val="bg1"/>
+                </a:solidFill>
+                <a:latin typeface="Courier"/>
+                <a:cs typeface="Courier"/>
+              </a:rPr>
+              <a:t>aav</a:t>
+            </a:r>
+            <a:r>
+              <a:rPr lang="en-US" sz="1400" dirty="0">
+                <a:solidFill>
+                  <a:schemeClr val="bg1"/>
+                </a:solidFill>
+                <a:latin typeface="Courier"/>
+                <a:cs typeface="Courier"/>
+              </a:rPr>
+              <a:t>)              </a:t>
+            </a:r>
+            <a:r>
+              <a:rPr lang="en-US" sz="1400" dirty="0">
+                <a:solidFill>
+                  <a:srgbClr val="FFFF00"/>
+                </a:solidFill>
+                <a:latin typeface="Courier"/>
+                <a:cs typeface="Courier"/>
+              </a:rPr>
+              <a:t># sample mean</a:t>
+            </a:r>
+          </a:p>
+          <a:p>
+            <a:r>
+              <a:rPr lang="en-US" sz="1400" dirty="0">
+                <a:solidFill>
+                  <a:schemeClr val="bg1"/>
+                </a:solidFill>
+                <a:latin typeface="Courier"/>
+                <a:cs typeface="Courier"/>
+              </a:rPr>
+              <a:t>se   &lt;- </a:t>
+            </a:r>
+            <a:r>
+              <a:rPr lang="en-US" sz="1400" dirty="0" err="1">
+                <a:solidFill>
+                  <a:schemeClr val="bg1"/>
+                </a:solidFill>
+                <a:latin typeface="Courier"/>
+                <a:cs typeface="Courier"/>
+              </a:rPr>
+              <a:t>sd</a:t>
+            </a:r>
+            <a:r>
+              <a:rPr lang="en-US" sz="1400" dirty="0">
+                <a:solidFill>
+                  <a:schemeClr val="bg1"/>
+                </a:solidFill>
+                <a:latin typeface="Courier"/>
+                <a:cs typeface="Courier"/>
+              </a:rPr>
+              <a:t>(</a:t>
+            </a:r>
+            <a:r>
+              <a:rPr lang="en-US" sz="1400" dirty="0" err="1">
+                <a:solidFill>
+                  <a:schemeClr val="bg1"/>
+                </a:solidFill>
+                <a:latin typeface="Courier"/>
+                <a:cs typeface="Courier"/>
+              </a:rPr>
+              <a:t>aav</a:t>
+            </a:r>
+            <a:r>
+              <a:rPr lang="en-US" sz="1400" dirty="0">
+                <a:solidFill>
+                  <a:schemeClr val="bg1"/>
+                </a:solidFill>
+                <a:latin typeface="Courier"/>
+                <a:cs typeface="Courier"/>
+              </a:rPr>
+              <a:t>)/sqrt(n)        </a:t>
+            </a:r>
+            <a:r>
+              <a:rPr lang="en-US" sz="1400" dirty="0">
+                <a:solidFill>
+                  <a:srgbClr val="FFFF00"/>
+                </a:solidFill>
+                <a:latin typeface="Courier"/>
+                <a:cs typeface="Courier"/>
+              </a:rPr>
+              <a:t># standard error of the sample mean</a:t>
+            </a:r>
+          </a:p>
+          <a:p>
+            <a:endParaRPr lang="en-US" sz="1400" dirty="0">
+              <a:solidFill>
+                <a:schemeClr val="bg1"/>
+              </a:solidFill>
+              <a:latin typeface="Courier"/>
+              <a:cs typeface="Courier"/>
+            </a:endParaRPr>
+          </a:p>
+          <a:p>
+            <a:r>
+              <a:rPr lang="en-US" sz="1400" dirty="0">
+                <a:solidFill>
+                  <a:schemeClr val="bg1"/>
+                </a:solidFill>
+                <a:latin typeface="Courier"/>
+                <a:cs typeface="Courier"/>
+              </a:rPr>
+              <a:t>conf  &lt;- 0.95                  </a:t>
+            </a:r>
+            <a:r>
+              <a:rPr lang="en-US" sz="1400" dirty="0">
+                <a:solidFill>
+                  <a:srgbClr val="FFFF00"/>
+                </a:solidFill>
+                <a:latin typeface="Courier"/>
+                <a:cs typeface="Courier"/>
+              </a:rPr>
+              <a:t># level of confidence</a:t>
+            </a:r>
+          </a:p>
+          <a:p>
+            <a:r>
+              <a:rPr lang="en-US" sz="1400" dirty="0">
+                <a:solidFill>
+                  <a:schemeClr val="bg1"/>
+                </a:solidFill>
+                <a:latin typeface="Courier"/>
+                <a:cs typeface="Courier"/>
+              </a:rPr>
+              <a:t>alpha &lt;- 1 - conf              </a:t>
+            </a:r>
+            <a:r>
+              <a:rPr lang="en-US" sz="1400" dirty="0">
+                <a:solidFill>
+                  <a:srgbClr val="FFFF00"/>
+                </a:solidFill>
+                <a:latin typeface="Courier"/>
+                <a:cs typeface="Courier"/>
+              </a:rPr>
+              <a:t># level of significance</a:t>
+            </a:r>
+          </a:p>
+          <a:p>
+            <a:r>
+              <a:rPr lang="en-US" sz="1400" dirty="0" err="1">
+                <a:solidFill>
+                  <a:schemeClr val="bg1"/>
+                </a:solidFill>
+                <a:latin typeface="Courier"/>
+                <a:cs typeface="Courier"/>
+              </a:rPr>
+              <a:t>tc</a:t>
+            </a:r>
+            <a:r>
+              <a:rPr lang="en-US" sz="1400" dirty="0">
+                <a:solidFill>
+                  <a:schemeClr val="bg1"/>
+                </a:solidFill>
+                <a:latin typeface="Courier"/>
+                <a:cs typeface="Courier"/>
+              </a:rPr>
+              <a:t> &lt;- qt(1 -alpha/2, df = n-1) </a:t>
+            </a:r>
+            <a:r>
+              <a:rPr lang="en-US" sz="1400" dirty="0">
+                <a:solidFill>
+                  <a:srgbClr val="FFFF00"/>
+                </a:solidFill>
+                <a:latin typeface="Courier"/>
+                <a:cs typeface="Courier"/>
+              </a:rPr>
+              <a:t># </a:t>
+            </a:r>
+            <a:r>
+              <a:rPr lang="en-US" sz="1400" dirty="0" err="1">
+                <a:solidFill>
+                  <a:srgbClr val="FFFF00"/>
+                </a:solidFill>
+                <a:latin typeface="Courier"/>
+                <a:cs typeface="Courier"/>
+              </a:rPr>
+              <a:t>tc</a:t>
+            </a:r>
+            <a:r>
+              <a:rPr lang="en-US" sz="1400" dirty="0">
+                <a:solidFill>
+                  <a:srgbClr val="FFFF00"/>
+                </a:solidFill>
+                <a:latin typeface="Courier"/>
+                <a:cs typeface="Courier"/>
+              </a:rPr>
+              <a:t> for a two-sided CI</a:t>
+            </a:r>
+          </a:p>
+          <a:p>
+            <a:endParaRPr lang="en-US" sz="1400" dirty="0">
+              <a:solidFill>
+                <a:schemeClr val="bg1"/>
+              </a:solidFill>
+              <a:latin typeface="Courier"/>
+              <a:cs typeface="Courier"/>
+            </a:endParaRPr>
+          </a:p>
+          <a:p>
+            <a:r>
+              <a:rPr lang="en-US" sz="1400" dirty="0" err="1">
+                <a:solidFill>
+                  <a:schemeClr val="bg1"/>
+                </a:solidFill>
+                <a:latin typeface="Courier"/>
+                <a:cs typeface="Courier"/>
+              </a:rPr>
+              <a:t>xbar.lo</a:t>
+            </a:r>
+            <a:r>
+              <a:rPr lang="en-US" sz="1400" dirty="0">
+                <a:solidFill>
+                  <a:schemeClr val="bg1"/>
+                </a:solidFill>
+                <a:latin typeface="Courier"/>
+                <a:cs typeface="Courier"/>
+              </a:rPr>
+              <a:t> &lt;- </a:t>
+            </a:r>
+            <a:r>
+              <a:rPr lang="en-US" sz="1400" dirty="0" err="1">
+                <a:solidFill>
+                  <a:schemeClr val="bg1"/>
+                </a:solidFill>
+                <a:latin typeface="Courier"/>
+                <a:cs typeface="Courier"/>
+              </a:rPr>
+              <a:t>xbar</a:t>
+            </a:r>
+            <a:r>
+              <a:rPr lang="en-US" sz="1400" dirty="0">
+                <a:solidFill>
+                  <a:schemeClr val="bg1"/>
+                </a:solidFill>
+                <a:latin typeface="Courier"/>
+                <a:cs typeface="Courier"/>
+              </a:rPr>
+              <a:t> - </a:t>
+            </a:r>
+            <a:r>
+              <a:rPr lang="en-US" sz="1400" dirty="0" err="1">
+                <a:solidFill>
+                  <a:schemeClr val="bg1"/>
+                </a:solidFill>
+                <a:latin typeface="Courier"/>
+                <a:cs typeface="Courier"/>
+              </a:rPr>
+              <a:t>tc</a:t>
+            </a:r>
+            <a:r>
+              <a:rPr lang="en-US" sz="1400" dirty="0">
+                <a:solidFill>
+                  <a:schemeClr val="bg1"/>
+                </a:solidFill>
+                <a:latin typeface="Courier"/>
+                <a:cs typeface="Courier"/>
+              </a:rPr>
+              <a:t>*se</a:t>
+            </a:r>
+          </a:p>
+          <a:p>
+            <a:r>
+              <a:rPr lang="en-US" sz="1400" dirty="0" err="1">
+                <a:solidFill>
+                  <a:schemeClr val="bg1"/>
+                </a:solidFill>
+                <a:latin typeface="Courier"/>
+                <a:cs typeface="Courier"/>
+              </a:rPr>
+              <a:t>xbar.hi</a:t>
+            </a:r>
+            <a:r>
+              <a:rPr lang="en-US" sz="1400" dirty="0">
+                <a:solidFill>
+                  <a:schemeClr val="bg1"/>
+                </a:solidFill>
+                <a:latin typeface="Courier"/>
+                <a:cs typeface="Courier"/>
+              </a:rPr>
+              <a:t> &lt;- </a:t>
+            </a:r>
+            <a:r>
+              <a:rPr lang="en-US" sz="1400" dirty="0" err="1">
+                <a:solidFill>
+                  <a:schemeClr val="bg1"/>
+                </a:solidFill>
+                <a:latin typeface="Courier"/>
+                <a:cs typeface="Courier"/>
+              </a:rPr>
+              <a:t>xbar</a:t>
+            </a:r>
+            <a:r>
+              <a:rPr lang="en-US" sz="1400" dirty="0">
+                <a:solidFill>
+                  <a:schemeClr val="bg1"/>
+                </a:solidFill>
+                <a:latin typeface="Courier"/>
+                <a:cs typeface="Courier"/>
+              </a:rPr>
+              <a:t> + </a:t>
+            </a:r>
+            <a:r>
+              <a:rPr lang="en-US" sz="1400" dirty="0" err="1">
+                <a:solidFill>
+                  <a:schemeClr val="bg1"/>
+                </a:solidFill>
+                <a:latin typeface="Courier"/>
+                <a:cs typeface="Courier"/>
+              </a:rPr>
+              <a:t>tc</a:t>
+            </a:r>
+            <a:r>
+              <a:rPr lang="en-US" sz="1400" dirty="0">
+                <a:solidFill>
+                  <a:schemeClr val="bg1"/>
+                </a:solidFill>
+                <a:latin typeface="Courier"/>
+                <a:cs typeface="Courier"/>
+              </a:rPr>
+              <a:t>*se</a:t>
+            </a:r>
+          </a:p>
+          <a:p>
+            <a:r>
+              <a:rPr lang="en-US" sz="1400" dirty="0">
+                <a:solidFill>
+                  <a:schemeClr val="bg1"/>
+                </a:solidFill>
+                <a:latin typeface="Courier"/>
+                <a:cs typeface="Courier"/>
+              </a:rPr>
+              <a:t>c(</a:t>
+            </a:r>
+            <a:r>
+              <a:rPr lang="en-US" sz="1400" dirty="0" err="1">
+                <a:solidFill>
+                  <a:schemeClr val="bg1"/>
+                </a:solidFill>
+                <a:latin typeface="Courier"/>
+                <a:cs typeface="Courier"/>
+              </a:rPr>
+              <a:t>xbar.lo</a:t>
+            </a:r>
+            <a:r>
+              <a:rPr lang="en-US" sz="1400" dirty="0">
+                <a:solidFill>
+                  <a:schemeClr val="bg1"/>
+                </a:solidFill>
+                <a:latin typeface="Courier"/>
+                <a:cs typeface="Courier"/>
+              </a:rPr>
+              <a:t>, </a:t>
+            </a:r>
+            <a:r>
+              <a:rPr lang="en-US" sz="1400" dirty="0" err="1">
+                <a:solidFill>
+                  <a:schemeClr val="bg1"/>
+                </a:solidFill>
+                <a:latin typeface="Courier"/>
+                <a:cs typeface="Courier"/>
+              </a:rPr>
+              <a:t>xbar.hi</a:t>
+            </a:r>
+            <a:r>
+              <a:rPr lang="en-US" sz="1400" dirty="0">
+                <a:solidFill>
+                  <a:schemeClr val="bg1"/>
+                </a:solidFill>
+                <a:latin typeface="Courier"/>
+                <a:cs typeface="Courier"/>
+              </a:rPr>
+              <a:t>)            </a:t>
+            </a:r>
+            <a:r>
+              <a:rPr lang="en-US" sz="1400" dirty="0">
+                <a:solidFill>
+                  <a:srgbClr val="FFFF00"/>
+                </a:solidFill>
+                <a:latin typeface="Courier"/>
+                <a:cs typeface="Courier"/>
+              </a:rPr>
+              <a:t># </a:t>
+            </a:r>
+            <a:r>
+              <a:rPr lang="en-US" sz="1400" dirty="0" err="1">
+                <a:solidFill>
+                  <a:srgbClr val="FFFF00"/>
+                </a:solidFill>
+                <a:latin typeface="Courier"/>
+                <a:cs typeface="Courier"/>
+              </a:rPr>
+              <a:t>Condifence</a:t>
+            </a:r>
+            <a:r>
+              <a:rPr lang="en-US" sz="1400" dirty="0">
+                <a:solidFill>
+                  <a:srgbClr val="FFFF00"/>
+                </a:solidFill>
+                <a:latin typeface="Courier"/>
+                <a:cs typeface="Courier"/>
+              </a:rPr>
+              <a:t> interval for the mean</a:t>
+            </a:r>
+          </a:p>
+          <a:p>
+            <a:endParaRPr lang="en-US" sz="1400" dirty="0">
+              <a:solidFill>
+                <a:schemeClr val="bg1"/>
+              </a:solidFill>
+              <a:latin typeface="Courier"/>
+              <a:cs typeface="Courier"/>
+            </a:endParaRPr>
+          </a:p>
+        </p:txBody>
+      </p:sp>
+      <p:pic>
+        <p:nvPicPr>
+          <p:cNvPr id="6" name="Picture 5">
+            <a:extLst>
+              <a:ext uri="{FF2B5EF4-FFF2-40B4-BE49-F238E27FC236}">
+                <a16:creationId xmlns:a16="http://schemas.microsoft.com/office/drawing/2014/main" id="{63D66F84-5134-D149-9807-FDD47C9530F3}"/>
+              </a:ext>
+            </a:extLst>
+          </p:cNvPr>
+          <p:cNvPicPr>
+            <a:picLocks noChangeAspect="1"/>
+          </p:cNvPicPr>
+          <p:nvPr/>
+        </p:nvPicPr>
+        <p:blipFill>
+          <a:blip r:embed="rId3"/>
+          <a:stretch>
+            <a:fillRect/>
+          </a:stretch>
+        </p:blipFill>
+        <p:spPr>
+          <a:xfrm>
+            <a:off x="5408386" y="4971143"/>
+            <a:ext cx="6663871" cy="581046"/>
+          </a:xfrm>
+          <a:prstGeom prst="rect">
+            <a:avLst/>
+          </a:prstGeom>
+        </p:spPr>
+      </p:pic>
+    </p:spTree>
+    <p:extLst>
+      <p:ext uri="{BB962C8B-B14F-4D97-AF65-F5344CB8AC3E}">
+        <p14:creationId xmlns:p14="http://schemas.microsoft.com/office/powerpoint/2010/main" val="1547993473"/>
+      </p:ext>
+    </p:extLst>
+  </p:cSld>
+  <p:clrMapOvr>
+    <a:masterClrMapping/>
+  </p:clrMapOvr>
+  <p:timing>
+    <p:tnLst>
+      <p:par>
+        <p:cTn id="1" dur="indefinite" restart="never" nodeType="tmRoot">
+          <p:childTnLst>
+            <p:seq concurrent="1" nextAc="seek">
+              <p:cTn id="2" dur="indefinite" nodeType="mainSeq">
+                <p:childTnLst>
+                  <p:par>
+                    <p:cTn id="3" fill="hold">
+                      <p:stCondLst>
+                        <p:cond delay="indefinite"/>
+                      </p:stCondLst>
+                      <p:childTnLst>
+                        <p:par>
+                          <p:cTn id="4" fill="hold">
+                            <p:stCondLst>
+                              <p:cond delay="0"/>
+                            </p:stCondLst>
+                            <p:childTnLst>
+                              <p:par>
+                                <p:cTn id="5" presetID="2" presetClass="entr" presetSubtype="4" fill="hold" nodeType="clickEffect">
+                                  <p:stCondLst>
+                                    <p:cond delay="0"/>
+                                  </p:stCondLst>
+                                  <p:childTnLst>
+                                    <p:set>
+                                      <p:cBhvr>
+                                        <p:cTn id="6" dur="1" fill="hold">
+                                          <p:stCondLst>
+                                            <p:cond delay="0"/>
+                                          </p:stCondLst>
+                                        </p:cTn>
+                                        <p:tgtEl>
+                                          <p:spTgt spid="6"/>
+                                        </p:tgtEl>
+                                        <p:attrNameLst>
+                                          <p:attrName>style.visibility</p:attrName>
+                                        </p:attrNameLst>
+                                      </p:cBhvr>
+                                      <p:to>
+                                        <p:strVal val="visible"/>
+                                      </p:to>
+                                    </p:set>
+                                    <p:anim calcmode="lin" valueType="num">
+                                      <p:cBhvr additive="base">
+                                        <p:cTn id="7" dur="500" fill="hold"/>
+                                        <p:tgtEl>
+                                          <p:spTgt spid="6"/>
+                                        </p:tgtEl>
+                                        <p:attrNameLst>
+                                          <p:attrName>ppt_x</p:attrName>
+                                        </p:attrNameLst>
+                                      </p:cBhvr>
+                                      <p:tavLst>
+                                        <p:tav tm="0">
+                                          <p:val>
+                                            <p:strVal val="#ppt_x"/>
+                                          </p:val>
+                                        </p:tav>
+                                        <p:tav tm="100000">
+                                          <p:val>
+                                            <p:strVal val="#ppt_x"/>
+                                          </p:val>
+                                        </p:tav>
+                                      </p:tavLst>
+                                    </p:anim>
+                                    <p:anim calcmode="lin" valueType="num">
+                                      <p:cBhvr additive="base">
+                                        <p:cTn id="8" dur="500" fill="hold"/>
+                                        <p:tgtEl>
+                                          <p:spTgt spid="6"/>
+                                        </p:tgtEl>
+                                        <p:attrNameLst>
+                                          <p:attrName>ppt_y</p:attrName>
+                                        </p:attrNameLst>
+                                      </p:cBhvr>
+                                      <p:tavLst>
+                                        <p:tav tm="0">
+                                          <p:val>
+                                            <p:strVal val="1+#ppt_h/2"/>
+                                          </p:val>
+                                        </p:tav>
+                                        <p:tav tm="100000">
+                                          <p:val>
+                                            <p:strVal val="#ppt_y"/>
+                                          </p:val>
+                                        </p:tav>
+                                      </p:tavLst>
+                                    </p:anim>
+                                  </p:childTnLst>
+                                </p:cTn>
+                              </p:par>
+                            </p:childTnLst>
+                          </p:cTn>
+                        </p:par>
+                      </p:childTnLst>
+                    </p:cTn>
+                  </p:par>
+                </p:childTnLst>
+              </p:cTn>
+              <p:prevCondLst>
+                <p:cond evt="onPrev" delay="0">
+                  <p:tgtEl>
+                    <p:sldTgt/>
+                  </p:tgtEl>
+                </p:cond>
+              </p:prevCondLst>
+              <p:nextCondLst>
+                <p:cond evt="onNext" delay="0">
+                  <p:tgtEl>
+                    <p:sldTgt/>
+                  </p:tgtEl>
+                </p:cond>
+              </p:nextCondLst>
+            </p:seq>
+          </p:childTnLst>
+        </p:cTn>
+      </p:par>
+    </p:tnLst>
+  </p:timing>
+</p:sld>
+</file>
+
+<file path=ppt/slides/slide14.xml><?xml version="1.0" encoding="utf-8"?>
+<p:sld xmlns:a="http://schemas.openxmlformats.org/drawingml/2006/main" xmlns:r="http://schemas.openxmlformats.org/officeDocument/2006/relationships" xmlns:p="http://schemas.openxmlformats.org/presentationml/2006/main">
+  <p:cSld>
+    <p:spTree>
+      <p:nvGrpSpPr>
+        <p:cNvPr id="1" name=""/>
+        <p:cNvGrpSpPr/>
+        <p:nvPr/>
+      </p:nvGrpSpPr>
+      <p:grpSpPr>
+        <a:xfrm>
+          <a:off x="0" y="0"/>
+          <a:ext cx="0" cy="0"/>
+          <a:chOff x="0" y="0"/>
+          <a:chExt cx="0" cy="0"/>
+        </a:xfrm>
+      </p:grpSpPr>
+      <p:sp>
+        <p:nvSpPr>
           <p:cNvPr id="11267" name="Rectangle 4"/>
           <p:cNvSpPr>
             <a:spLocks noChangeArrowheads="1"/>
@@ -4751,7 +7029,7 @@
 </p:sld>
 </file>
 
-<file path=ppt/slides/slide11.xml><?xml version="1.0" encoding="utf-8"?>
+<file path=ppt/slides/slide15.xml><?xml version="1.0" encoding="utf-8"?>
 <p:sld xmlns:a="http://schemas.openxmlformats.org/drawingml/2006/main" xmlns:r="http://schemas.openxmlformats.org/officeDocument/2006/relationships" xmlns:p="http://schemas.openxmlformats.org/presentationml/2006/main">
   <p:cSld>
     <p:spTree>
@@ -4900,7 +7178,7 @@
 </p:sld>
 </file>
 
-<file path=ppt/slides/slide12.xml><?xml version="1.0" encoding="utf-8"?>
+<file path=ppt/slides/slide16.xml><?xml version="1.0" encoding="utf-8"?>
 <p:sld xmlns:a="http://schemas.openxmlformats.org/drawingml/2006/main" xmlns:r="http://schemas.openxmlformats.org/officeDocument/2006/relationships" xmlns:p="http://schemas.openxmlformats.org/presentationml/2006/main">
   <p:cSld>
     <p:spTree>
@@ -5219,7 +7497,7 @@
 </p:sld>
 </file>
 
-<file path=ppt/slides/slide13.xml><?xml version="1.0" encoding="utf-8"?>
+<file path=ppt/slides/slide17.xml><?xml version="1.0" encoding="utf-8"?>
 <p:sld xmlns:a="http://schemas.openxmlformats.org/drawingml/2006/main" xmlns:r="http://schemas.openxmlformats.org/officeDocument/2006/relationships" xmlns:p="http://schemas.openxmlformats.org/presentationml/2006/main">
   <p:cSld>
     <p:spTree>
@@ -8170,35 +10448,214 @@
       </p:grpSpPr>
       <p:sp>
         <p:nvSpPr>
-          <p:cNvPr id="2" name="TextBox 1">
-            <a:extLst>
-              <a:ext uri="{FF2B5EF4-FFF2-40B4-BE49-F238E27FC236}">
-                <a16:creationId xmlns:a16="http://schemas.microsoft.com/office/drawing/2014/main" id="{26128061-A55F-D843-B801-7F698A36AB6D}"/>
-              </a:ext>
-            </a:extLst>
-          </p:cNvPr>
-          <p:cNvSpPr txBox="1"/>
+          <p:cNvPr id="4" name="Rectangle 1"/>
+          <p:cNvSpPr>
+            <a:spLocks noChangeArrowheads="1"/>
+          </p:cNvSpPr>
           <p:nvPr/>
         </p:nvSpPr>
-        <p:spPr>
+        <p:spPr bwMode="auto">
           <a:xfrm>
-            <a:off x="3733800" y="2558143"/>
-            <a:ext cx="2884379" cy="369332"/>
+            <a:off x="1524000" y="279102"/>
+            <a:ext cx="9104312" cy="871324"/>
           </a:xfrm>
           <a:prstGeom prst="rect">
             <a:avLst/>
           </a:prstGeom>
           <a:noFill/>
+          <a:ln w="9525">
+            <a:noFill/>
+            <a:round/>
+            <a:headEnd/>
+            <a:tailEnd/>
+          </a:ln>
         </p:spPr>
         <p:txBody>
-          <a:bodyPr wrap="none" rtlCol="0">
+          <a:bodyPr lIns="0" tIns="0" rIns="0" bIns="0" anchor="ctr"/>
+          <a:lstStyle/>
+          <a:p>
+            <a:pPr algn="ctr" hangingPunct="0">
+              <a:lnSpc>
+                <a:spcPct val="98000"/>
+              </a:lnSpc>
+              <a:buSzPct val="45000"/>
+              <a:tabLst>
+                <a:tab pos="0" algn="l"/>
+                <a:tab pos="914400" algn="l"/>
+                <a:tab pos="1828800" algn="l"/>
+                <a:tab pos="2743200" algn="l"/>
+                <a:tab pos="3657600" algn="l"/>
+                <a:tab pos="4572000" algn="l"/>
+                <a:tab pos="5486400" algn="l"/>
+                <a:tab pos="6400800" algn="l"/>
+                <a:tab pos="7315200" algn="l"/>
+                <a:tab pos="8229600" algn="l"/>
+                <a:tab pos="9144000" algn="l"/>
+                <a:tab pos="10058400" algn="l"/>
+              </a:tabLst>
+            </a:pPr>
+            <a:r>
+              <a:rPr lang="en-US" sz="4000" dirty="0">
+                <a:latin typeface="Times New Roman" pitchFamily="18" charset="0"/>
+                <a:cs typeface="Times New Roman" pitchFamily="18" charset="0"/>
+              </a:rPr>
+              <a:t>Basic Probability Problems</a:t>
+            </a:r>
+          </a:p>
+        </p:txBody>
+      </p:sp>
+      <p:pic>
+        <p:nvPicPr>
+          <p:cNvPr id="5" name="Picture 2"/>
+          <p:cNvPicPr>
+            <a:picLocks noChangeAspect="1" noChangeArrowheads="1"/>
+          </p:cNvPicPr>
+          <p:nvPr/>
+        </p:nvPicPr>
+        <p:blipFill>
+          <a:blip r:embed="rId3" cstate="print"/>
+          <a:srcRect/>
+          <a:stretch>
+            <a:fillRect/>
+          </a:stretch>
+        </p:blipFill>
+        <p:spPr bwMode="auto">
+          <a:xfrm>
+            <a:off x="2008188" y="76200"/>
+            <a:ext cx="8202612" cy="239712"/>
+          </a:xfrm>
+          <a:prstGeom prst="rect">
+            <a:avLst/>
+          </a:prstGeom>
+          <a:noFill/>
+          <a:ln w="9525">
+            <a:noFill/>
+            <a:round/>
+            <a:headEnd/>
+            <a:tailEnd/>
+          </a:ln>
+        </p:spPr>
+      </p:pic>
+      <p:sp>
+        <p:nvSpPr>
+          <p:cNvPr id="6" name="Rectangle 5"/>
+          <p:cNvSpPr/>
+          <p:nvPr/>
+        </p:nvSpPr>
+        <p:spPr>
+          <a:xfrm>
+            <a:off x="936171" y="1564905"/>
+            <a:ext cx="9731829" cy="523220"/>
+          </a:xfrm>
+          <a:prstGeom prst="rect">
+            <a:avLst/>
+          </a:prstGeom>
+        </p:spPr>
+        <p:txBody>
+          <a:bodyPr wrap="square">
             <a:spAutoFit/>
           </a:bodyPr>
           <a:lstStyle/>
           <a:p>
-            <a:r>
-              <a:rPr lang="en-US" dirty="0"/>
-              <a:t>Basic probability calculations</a:t>
+            <a:pPr marL="1257300" lvl="2" indent="-342900">
+              <a:buFont typeface="Arial" panose="020B0604020202020204" pitchFamily="34" charset="0"/>
+              <a:buChar char="•"/>
+            </a:pPr>
+            <a:r>
+              <a:rPr lang="en-US" sz="2800" i="1" u="sng" dirty="0">
+                <a:latin typeface="Times New Roman"/>
+                <a:cs typeface="Times New Roman"/>
+              </a:rPr>
+              <a:t>It isn’t necessary to use R for these types of  questions</a:t>
+            </a:r>
+            <a:r>
+              <a:rPr lang="en-US" sz="2800" dirty="0">
+                <a:latin typeface="Times New Roman"/>
+                <a:cs typeface="Times New Roman"/>
+              </a:rPr>
+              <a:t>.</a:t>
+            </a:r>
+          </a:p>
+        </p:txBody>
+      </p:sp>
+      <p:sp>
+        <p:nvSpPr>
+          <p:cNvPr id="7" name="Rectangle 6">
+            <a:extLst>
+              <a:ext uri="{FF2B5EF4-FFF2-40B4-BE49-F238E27FC236}">
+                <a16:creationId xmlns:a16="http://schemas.microsoft.com/office/drawing/2014/main" id="{175DC7FF-75DD-0B47-B3DF-4863A272342A}"/>
+              </a:ext>
+            </a:extLst>
+          </p:cNvPr>
+          <p:cNvSpPr/>
+          <p:nvPr/>
+        </p:nvSpPr>
+        <p:spPr>
+          <a:xfrm>
+            <a:off x="936171" y="2650738"/>
+            <a:ext cx="9144000" cy="954107"/>
+          </a:xfrm>
+          <a:prstGeom prst="rect">
+            <a:avLst/>
+          </a:prstGeom>
+        </p:spPr>
+        <p:txBody>
+          <a:bodyPr wrap="square">
+            <a:spAutoFit/>
+          </a:bodyPr>
+          <a:lstStyle/>
+          <a:p>
+            <a:pPr marL="1257300" lvl="2" indent="-342900">
+              <a:buFont typeface="Arial" panose="020B0604020202020204" pitchFamily="34" charset="0"/>
+              <a:buChar char="•"/>
+            </a:pPr>
+            <a:r>
+              <a:rPr lang="en-US" sz="2800" dirty="0">
+                <a:latin typeface="Times New Roman"/>
+                <a:cs typeface="Times New Roman"/>
+              </a:rPr>
+              <a:t>I use this unit to just get class more used to R syntax by translating a word problem into R code with them</a:t>
+            </a:r>
+          </a:p>
+        </p:txBody>
+      </p:sp>
+      <p:sp>
+        <p:nvSpPr>
+          <p:cNvPr id="9" name="Rectangle 8">
+            <a:extLst>
+              <a:ext uri="{FF2B5EF4-FFF2-40B4-BE49-F238E27FC236}">
+                <a16:creationId xmlns:a16="http://schemas.microsoft.com/office/drawing/2014/main" id="{C4590BE9-8443-A54D-8EF0-59DCD75A3BD7}"/>
+              </a:ext>
+            </a:extLst>
+          </p:cNvPr>
+          <p:cNvSpPr/>
+          <p:nvPr/>
+        </p:nvSpPr>
+        <p:spPr>
+          <a:xfrm>
+            <a:off x="936171" y="4065491"/>
+            <a:ext cx="9144000" cy="954107"/>
+          </a:xfrm>
+          <a:prstGeom prst="rect">
+            <a:avLst/>
+          </a:prstGeom>
+        </p:spPr>
+        <p:txBody>
+          <a:bodyPr wrap="square">
+            <a:spAutoFit/>
+          </a:bodyPr>
+          <a:lstStyle/>
+          <a:p>
+            <a:pPr marL="1257300" lvl="2" indent="-342900">
+              <a:buFont typeface="Arial" panose="020B0604020202020204" pitchFamily="34" charset="0"/>
+              <a:buChar char="•"/>
+            </a:pPr>
+            <a:r>
+              <a:rPr lang="en-US" sz="2800" dirty="0">
+                <a:latin typeface="Times New Roman"/>
+                <a:cs typeface="Times New Roman"/>
+              </a:rPr>
+              <a:t>In the past I have asked them to “double check” their R calculations on their hand calculator</a:t>
             </a:r>
           </a:p>
         </p:txBody>
@@ -8206,7 +10663,7 @@
     </p:spTree>
     <p:extLst>
       <p:ext uri="{BB962C8B-B14F-4D97-AF65-F5344CB8AC3E}">
-        <p14:creationId xmlns:p14="http://schemas.microsoft.com/office/powerpoint/2010/main" val="1087403536"/>
+        <p14:creationId xmlns:p14="http://schemas.microsoft.com/office/powerpoint/2010/main" val="581987020"/>
       </p:ext>
     </p:extLst>
   </p:cSld>
@@ -8235,77 +10692,7 @@
       </p:grpSpPr>
       <p:sp>
         <p:nvSpPr>
-          <p:cNvPr id="2" name="TextBox 1">
-            <a:extLst>
-              <a:ext uri="{FF2B5EF4-FFF2-40B4-BE49-F238E27FC236}">
-                <a16:creationId xmlns:a16="http://schemas.microsoft.com/office/drawing/2014/main" id="{26128061-A55F-D843-B801-7F698A36AB6D}"/>
-              </a:ext>
-            </a:extLst>
-          </p:cNvPr>
-          <p:cNvSpPr txBox="1"/>
-          <p:nvPr/>
-        </p:nvSpPr>
-        <p:spPr>
-          <a:xfrm>
-            <a:off x="3733800" y="2558143"/>
-            <a:ext cx="1323439" cy="369332"/>
-          </a:xfrm>
-          <a:prstGeom prst="rect">
-            <a:avLst/>
-          </a:prstGeom>
-          <a:noFill/>
-        </p:spPr>
-        <p:txBody>
-          <a:bodyPr wrap="none" rtlCol="0">
-            <a:spAutoFit/>
-          </a:bodyPr>
-          <a:lstStyle/>
-          <a:p>
-            <a:r>
-              <a:rPr lang="en-US" dirty="0"/>
-              <a:t>Built in </a:t>
-            </a:r>
-            <a:r>
-              <a:rPr lang="en-US" dirty="0" err="1"/>
-              <a:t>dists</a:t>
-            </a:r>
-            <a:endParaRPr lang="en-US" dirty="0"/>
-          </a:p>
-        </p:txBody>
-      </p:sp>
-    </p:spTree>
-    <p:extLst>
-      <p:ext uri="{BB962C8B-B14F-4D97-AF65-F5344CB8AC3E}">
-        <p14:creationId xmlns:p14="http://schemas.microsoft.com/office/powerpoint/2010/main" val="2522448164"/>
-      </p:ext>
-    </p:extLst>
-  </p:cSld>
-  <p:clrMapOvr>
-    <a:masterClrMapping/>
-  </p:clrMapOvr>
-</p:sld>
-</file>
-
-<file path=ppt/slides/slide7.xml><?xml version="1.0" encoding="utf-8"?>
-<p:sld xmlns:a="http://schemas.openxmlformats.org/drawingml/2006/main" xmlns:r="http://schemas.openxmlformats.org/officeDocument/2006/relationships" xmlns:p="http://schemas.openxmlformats.org/presentationml/2006/main">
-  <p:cSld>
-    <p:spTree>
-      <p:nvGrpSpPr>
-        <p:cNvPr id="1" name=""/>
-        <p:cNvGrpSpPr/>
-        <p:nvPr/>
-      </p:nvGrpSpPr>
-      <p:grpSpPr>
-        <a:xfrm>
-          <a:off x="0" y="0"/>
-          <a:ext cx="0" cy="0"/>
-          <a:chOff x="0" y="0"/>
-          <a:chExt cx="0" cy="0"/>
-        </a:xfrm>
-      </p:grpSpPr>
-      <p:sp>
-        <p:nvSpPr>
-          <p:cNvPr id="11267" name="Rectangle 4"/>
+          <p:cNvPr id="4" name="Rectangle 1"/>
           <p:cNvSpPr>
             <a:spLocks noChangeArrowheads="1"/>
           </p:cNvSpPr>
@@ -8313,8 +10700,8 @@
         </p:nvSpPr>
         <p:spPr bwMode="auto">
           <a:xfrm>
-            <a:off x="1755776" y="394726"/>
-            <a:ext cx="8607425" cy="762000"/>
+            <a:off x="1524000" y="279102"/>
+            <a:ext cx="9104312" cy="871324"/>
           </a:xfrm>
           <a:prstGeom prst="rect">
             <a:avLst/>
@@ -8331,7 +10718,11 @@
           <a:bodyPr lIns="0" tIns="0" rIns="0" bIns="0" anchor="ctr"/>
           <a:lstStyle/>
           <a:p>
-            <a:pPr algn="ctr">
+            <a:pPr algn="ctr" hangingPunct="0">
+              <a:lnSpc>
+                <a:spcPct val="98000"/>
+              </a:lnSpc>
+              <a:buSzPct val="45000"/>
               <a:tabLst>
                 <a:tab pos="0" algn="l"/>
                 <a:tab pos="914400" algn="l"/>
@@ -8348,952 +10739,18 @@
               </a:tabLst>
             </a:pPr>
             <a:r>
-              <a:rPr lang="en-GB" sz="4000" dirty="0">
-                <a:solidFill>
-                  <a:srgbClr val="000000"/>
-                </a:solidFill>
-                <a:latin typeface="Times New Roman" pitchFamily="18" charset="0"/>
-              </a:rPr>
-              <a:t>Confidence Intervals</a:t>
-            </a:r>
-          </a:p>
-        </p:txBody>
-      </p:sp>
-      <p:sp>
-        <p:nvSpPr>
-          <p:cNvPr id="5" name="Rectangle 5"/>
-          <p:cNvSpPr>
-            <a:spLocks noChangeArrowheads="1"/>
-          </p:cNvSpPr>
-          <p:nvPr/>
-        </p:nvSpPr>
-        <p:spPr bwMode="auto">
-          <a:xfrm>
-            <a:off x="1524000" y="1514041"/>
-            <a:ext cx="8686800" cy="3797344"/>
-          </a:xfrm>
-          <a:prstGeom prst="rect">
-            <a:avLst/>
-          </a:prstGeom>
-          <a:noFill/>
-          <a:ln w="9525">
-            <a:noFill/>
-            <a:round/>
-            <a:headEnd/>
-            <a:tailEnd/>
-          </a:ln>
-        </p:spPr>
-        <p:txBody>
-          <a:bodyPr lIns="0" tIns="0" rIns="0" bIns="0"/>
-          <a:lstStyle/>
-          <a:p>
-            <a:pPr marL="430213" indent="-323850">
-              <a:spcBef>
-                <a:spcPts val="800"/>
-              </a:spcBef>
-              <a:buFont typeface="Times New Roman" pitchFamily="18" charset="0"/>
-              <a:buChar char="•"/>
-              <a:tabLst>
-                <a:tab pos="430213" algn="l"/>
-                <a:tab pos="1344613" algn="l"/>
-                <a:tab pos="2259013" algn="l"/>
-                <a:tab pos="3173413" algn="l"/>
-                <a:tab pos="4087813" algn="l"/>
-                <a:tab pos="5002213" algn="l"/>
-                <a:tab pos="5916613" algn="l"/>
-                <a:tab pos="6831013" algn="l"/>
-                <a:tab pos="7745413" algn="l"/>
-                <a:tab pos="8659813" algn="l"/>
-                <a:tab pos="9574213" algn="l"/>
-                <a:tab pos="10488613" algn="l"/>
-              </a:tabLst>
-            </a:pPr>
-            <a:r>
-              <a:rPr lang="en-GB" sz="3200" dirty="0">
-                <a:solidFill>
-                  <a:srgbClr val="000000"/>
-                </a:solidFill>
-                <a:latin typeface="Times New Roman" pitchFamily="18" charset="0"/>
-              </a:rPr>
-              <a:t>A </a:t>
-            </a:r>
-            <a:r>
-              <a:rPr lang="en-GB" sz="3200" b="1" dirty="0">
-                <a:solidFill>
-                  <a:srgbClr val="000000"/>
-                </a:solidFill>
-                <a:latin typeface="Times New Roman" pitchFamily="18" charset="0"/>
-              </a:rPr>
-              <a:t>confidence interval</a:t>
-            </a:r>
-            <a:r>
-              <a:rPr lang="en-GB" sz="3200" dirty="0">
-                <a:solidFill>
-                  <a:srgbClr val="000000"/>
-                </a:solidFill>
-                <a:latin typeface="Times New Roman" pitchFamily="18" charset="0"/>
-              </a:rPr>
-              <a:t> (CI) gives a range in which a true population parameter may be found.</a:t>
-            </a:r>
-          </a:p>
-          <a:p>
-            <a:pPr marL="430213" indent="-323850">
-              <a:spcBef>
-                <a:spcPts val="800"/>
-              </a:spcBef>
-              <a:buFont typeface="Times New Roman" pitchFamily="18" charset="0"/>
-              <a:buChar char="•"/>
-              <a:tabLst>
-                <a:tab pos="430213" algn="l"/>
-                <a:tab pos="1344613" algn="l"/>
-                <a:tab pos="2259013" algn="l"/>
-                <a:tab pos="3173413" algn="l"/>
-                <a:tab pos="4087813" algn="l"/>
-                <a:tab pos="5002213" algn="l"/>
-                <a:tab pos="5916613" algn="l"/>
-                <a:tab pos="6831013" algn="l"/>
-                <a:tab pos="7745413" algn="l"/>
-                <a:tab pos="8659813" algn="l"/>
-                <a:tab pos="9574213" algn="l"/>
-                <a:tab pos="10488613" algn="l"/>
-              </a:tabLst>
-            </a:pPr>
-            <a:endParaRPr lang="en-GB" sz="2800" dirty="0">
-              <a:solidFill>
-                <a:srgbClr val="000000"/>
-              </a:solidFill>
-              <a:latin typeface="Times New Roman" pitchFamily="18" charset="0"/>
-            </a:endParaRPr>
-          </a:p>
-          <a:p>
-            <a:pPr marL="887413" lvl="1" indent="-323850">
-              <a:spcBef>
-                <a:spcPts val="800"/>
-              </a:spcBef>
-              <a:buFont typeface="Times New Roman" pitchFamily="18" charset="0"/>
-              <a:buChar char="•"/>
-              <a:tabLst>
-                <a:tab pos="430213" algn="l"/>
-                <a:tab pos="1344613" algn="l"/>
-                <a:tab pos="2259013" algn="l"/>
-                <a:tab pos="3173413" algn="l"/>
-                <a:tab pos="4087813" algn="l"/>
-                <a:tab pos="5002213" algn="l"/>
-                <a:tab pos="5916613" algn="l"/>
-                <a:tab pos="6831013" algn="l"/>
-                <a:tab pos="7745413" algn="l"/>
-                <a:tab pos="8659813" algn="l"/>
-                <a:tab pos="9574213" algn="l"/>
-                <a:tab pos="10488613" algn="l"/>
-              </a:tabLst>
-            </a:pPr>
-            <a:r>
-              <a:rPr lang="en-GB" sz="2800" dirty="0">
-                <a:solidFill>
-                  <a:srgbClr val="000000"/>
-                </a:solidFill>
-                <a:latin typeface="Times New Roman" pitchFamily="18" charset="0"/>
-              </a:rPr>
-              <a:t>Specifically,</a:t>
-            </a:r>
-            <a:r>
-              <a:rPr lang="en-GB" sz="2800" dirty="0">
+              <a:rPr lang="en-US" sz="4000" dirty="0">
                 <a:latin typeface="Times New Roman" pitchFamily="18" charset="0"/>
                 <a:cs typeface="Times New Roman" pitchFamily="18" charset="0"/>
               </a:rPr>
-              <a:t> </a:t>
-            </a:r>
-            <a:r>
-              <a:rPr lang="en-US" sz="2800" b="1" u="sng" dirty="0">
-                <a:latin typeface="Times New Roman" pitchFamily="18" charset="0"/>
-                <a:cs typeface="Times New Roman" pitchFamily="18" charset="0"/>
-              </a:rPr>
-              <a:t>(1-</a:t>
-            </a:r>
-            <a:r>
-              <a:rPr lang="en-US" sz="2800" b="1" u="sng" dirty="0">
-                <a:latin typeface="Symbol" pitchFamily="18" charset="2"/>
-                <a:cs typeface="Times New Roman" pitchFamily="18" charset="0"/>
-              </a:rPr>
-              <a:t> a</a:t>
-            </a:r>
-            <a:r>
-              <a:rPr lang="en-US" sz="2800" b="1" u="sng" dirty="0">
-                <a:latin typeface="Times New Roman" pitchFamily="18" charset="0"/>
-                <a:cs typeface="Times New Roman" pitchFamily="18" charset="0"/>
-              </a:rPr>
-              <a:t>)×100% CIs </a:t>
-            </a:r>
-            <a:r>
-              <a:rPr lang="en-US" sz="2800" dirty="0">
-                <a:latin typeface="Times New Roman" pitchFamily="18" charset="0"/>
-                <a:cs typeface="Times New Roman" pitchFamily="18" charset="0"/>
-              </a:rPr>
-              <a:t>for a parameter, constructed from a random sample (of a given sample size), will contain the true value of the parameter approximately (1-</a:t>
-            </a:r>
-            <a:r>
-              <a:rPr lang="en-US" sz="2800" dirty="0">
-                <a:latin typeface="Symbol" pitchFamily="18" charset="2"/>
-                <a:cs typeface="Times New Roman" pitchFamily="18" charset="0"/>
-              </a:rPr>
-              <a:t> a</a:t>
-            </a:r>
-            <a:r>
-              <a:rPr lang="en-US" sz="2800" dirty="0">
-                <a:latin typeface="Times New Roman" pitchFamily="18" charset="0"/>
-                <a:cs typeface="Times New Roman" pitchFamily="18" charset="0"/>
-              </a:rPr>
-              <a:t>)×100% of the time.</a:t>
+              <a:t>Example</a:t>
             </a:r>
           </a:p>
         </p:txBody>
       </p:sp>
       <p:pic>
         <p:nvPicPr>
-          <p:cNvPr id="51" name="Picture 50"/>
-          <p:cNvPicPr>
-            <a:picLocks noChangeAspect="1" noChangeArrowheads="1"/>
-          </p:cNvPicPr>
-          <p:nvPr/>
-        </p:nvPicPr>
-        <p:blipFill>
-          <a:blip r:embed="rId2" cstate="print"/>
-          <a:srcRect/>
-          <a:stretch>
-            <a:fillRect/>
-          </a:stretch>
-        </p:blipFill>
-        <p:spPr bwMode="auto">
-          <a:xfrm>
-            <a:off x="2008188" y="76200"/>
-            <a:ext cx="8202612" cy="239712"/>
-          </a:xfrm>
-          <a:prstGeom prst="rect">
-            <a:avLst/>
-          </a:prstGeom>
-          <a:noFill/>
-          <a:ln w="9525">
-            <a:noFill/>
-            <a:round/>
-            <a:headEnd/>
-            <a:tailEnd/>
-          </a:ln>
-        </p:spPr>
-      </p:pic>
-    </p:spTree>
-  </p:cSld>
-  <p:clrMapOvr>
-    <a:masterClrMapping/>
-  </p:clrMapOvr>
-</p:sld>
-</file>
-
-<file path=ppt/slides/slide8.xml><?xml version="1.0" encoding="utf-8"?>
-<p:sld xmlns:a="http://schemas.openxmlformats.org/drawingml/2006/main" xmlns:r="http://schemas.openxmlformats.org/officeDocument/2006/relationships" xmlns:p="http://schemas.openxmlformats.org/presentationml/2006/main">
-  <p:cSld>
-    <p:spTree>
-      <p:nvGrpSpPr>
-        <p:cNvPr id="1" name=""/>
-        <p:cNvGrpSpPr/>
-        <p:nvPr/>
-      </p:nvGrpSpPr>
-      <p:grpSpPr>
-        <a:xfrm>
-          <a:off x="0" y="0"/>
-          <a:ext cx="0" cy="0"/>
-          <a:chOff x="0" y="0"/>
-          <a:chExt cx="0" cy="0"/>
-        </a:xfrm>
-      </p:grpSpPr>
-      <p:sp>
-        <p:nvSpPr>
-          <p:cNvPr id="11266" name="Rectangle 5"/>
-          <p:cNvSpPr>
-            <a:spLocks noChangeArrowheads="1"/>
-          </p:cNvSpPr>
-          <p:nvPr/>
-        </p:nvSpPr>
-        <p:spPr bwMode="auto">
-          <a:xfrm>
-            <a:off x="1828800" y="1270686"/>
-            <a:ext cx="8686800" cy="4041543"/>
-          </a:xfrm>
-          <a:prstGeom prst="rect">
-            <a:avLst/>
-          </a:prstGeom>
-          <a:noFill/>
-          <a:ln w="9525">
-            <a:noFill/>
-            <a:round/>
-            <a:headEnd/>
-            <a:tailEnd/>
-          </a:ln>
-        </p:spPr>
-        <p:txBody>
-          <a:bodyPr lIns="0" tIns="0" rIns="0" bIns="0"/>
-          <a:lstStyle/>
-          <a:p>
-            <a:pPr marL="430213" indent="-323850">
-              <a:spcBef>
-                <a:spcPts val="800"/>
-              </a:spcBef>
-              <a:buFont typeface="Times New Roman" pitchFamily="18" charset="0"/>
-              <a:buChar char="•"/>
-              <a:tabLst>
-                <a:tab pos="430213" algn="l"/>
-                <a:tab pos="1344613" algn="l"/>
-                <a:tab pos="2259013" algn="l"/>
-                <a:tab pos="3173413" algn="l"/>
-                <a:tab pos="4087813" algn="l"/>
-                <a:tab pos="5002213" algn="l"/>
-                <a:tab pos="5916613" algn="l"/>
-                <a:tab pos="6831013" algn="l"/>
-                <a:tab pos="7745413" algn="l"/>
-                <a:tab pos="8659813" algn="l"/>
-                <a:tab pos="9574213" algn="l"/>
-                <a:tab pos="10488613" algn="l"/>
-              </a:tabLst>
-            </a:pPr>
-            <a:r>
-              <a:rPr lang="en-GB" sz="3200" dirty="0">
-                <a:solidFill>
-                  <a:srgbClr val="000000"/>
-                </a:solidFill>
-                <a:latin typeface="Times New Roman" pitchFamily="18" charset="0"/>
-              </a:rPr>
-              <a:t>Construction of a CI for a mean depends on:</a:t>
-            </a:r>
-          </a:p>
-          <a:p>
-            <a:pPr marL="887413" lvl="1" indent="-323850">
-              <a:spcBef>
-                <a:spcPts val="800"/>
-              </a:spcBef>
-              <a:buFont typeface="Times New Roman" pitchFamily="18" charset="0"/>
-              <a:buChar char="•"/>
-              <a:tabLst>
-                <a:tab pos="430213" algn="l"/>
-                <a:tab pos="1344613" algn="l"/>
-                <a:tab pos="2259013" algn="l"/>
-                <a:tab pos="3173413" algn="l"/>
-                <a:tab pos="4087813" algn="l"/>
-                <a:tab pos="5002213" algn="l"/>
-                <a:tab pos="5916613" algn="l"/>
-                <a:tab pos="6831013" algn="l"/>
-                <a:tab pos="7745413" algn="l"/>
-                <a:tab pos="8659813" algn="l"/>
-                <a:tab pos="9574213" algn="l"/>
-                <a:tab pos="10488613" algn="l"/>
-              </a:tabLst>
-            </a:pPr>
-            <a:r>
-              <a:rPr lang="en-GB" sz="2800" dirty="0">
-                <a:solidFill>
-                  <a:srgbClr val="000000"/>
-                </a:solidFill>
-                <a:latin typeface="Times New Roman" pitchFamily="18" charset="0"/>
-              </a:rPr>
-              <a:t>Sample size </a:t>
-            </a:r>
-            <a:r>
-              <a:rPr lang="en-GB" sz="2800" i="1" dirty="0">
-                <a:solidFill>
-                  <a:srgbClr val="000000"/>
-                </a:solidFill>
-                <a:latin typeface="Times New Roman" pitchFamily="18" charset="0"/>
-              </a:rPr>
-              <a:t>n</a:t>
-            </a:r>
-          </a:p>
-          <a:p>
-            <a:pPr marL="887413" lvl="1" indent="-323850">
-              <a:spcBef>
-                <a:spcPts val="800"/>
-              </a:spcBef>
-              <a:buFont typeface="Times New Roman" pitchFamily="18" charset="0"/>
-              <a:buChar char="•"/>
-              <a:tabLst>
-                <a:tab pos="430213" algn="l"/>
-                <a:tab pos="1344613" algn="l"/>
-                <a:tab pos="2259013" algn="l"/>
-                <a:tab pos="3173413" algn="l"/>
-                <a:tab pos="4087813" algn="l"/>
-                <a:tab pos="5002213" algn="l"/>
-                <a:tab pos="5916613" algn="l"/>
-                <a:tab pos="6831013" algn="l"/>
-                <a:tab pos="7745413" algn="l"/>
-                <a:tab pos="8659813" algn="l"/>
-                <a:tab pos="9574213" algn="l"/>
-                <a:tab pos="10488613" algn="l"/>
-              </a:tabLst>
-            </a:pPr>
-            <a:r>
-              <a:rPr lang="en-GB" sz="2800" b="1" dirty="0">
-                <a:solidFill>
-                  <a:srgbClr val="000000"/>
-                </a:solidFill>
-                <a:latin typeface="Times New Roman" pitchFamily="18" charset="0"/>
-              </a:rPr>
-              <a:t>Standard error </a:t>
-            </a:r>
-            <a:r>
-              <a:rPr lang="en-GB" sz="2800" dirty="0">
-                <a:solidFill>
-                  <a:srgbClr val="000000"/>
-                </a:solidFill>
-                <a:latin typeface="Times New Roman" pitchFamily="18" charset="0"/>
-              </a:rPr>
-              <a:t>for means </a:t>
-            </a:r>
-          </a:p>
-          <a:p>
-            <a:pPr marL="887413" lvl="1" indent="-323850">
-              <a:spcBef>
-                <a:spcPts val="800"/>
-              </a:spcBef>
-              <a:buFont typeface="Times New Roman" pitchFamily="18" charset="0"/>
-              <a:buChar char="•"/>
-              <a:tabLst>
-                <a:tab pos="430213" algn="l"/>
-                <a:tab pos="1344613" algn="l"/>
-                <a:tab pos="2259013" algn="l"/>
-                <a:tab pos="3173413" algn="l"/>
-                <a:tab pos="4087813" algn="l"/>
-                <a:tab pos="5002213" algn="l"/>
-                <a:tab pos="5916613" algn="l"/>
-                <a:tab pos="6831013" algn="l"/>
-                <a:tab pos="7745413" algn="l"/>
-                <a:tab pos="8659813" algn="l"/>
-                <a:tab pos="9574213" algn="l"/>
-                <a:tab pos="10488613" algn="l"/>
-              </a:tabLst>
-            </a:pPr>
-            <a:r>
-              <a:rPr lang="en-GB" sz="2800" b="1" dirty="0">
-                <a:solidFill>
-                  <a:srgbClr val="000000"/>
-                </a:solidFill>
-                <a:latin typeface="Times New Roman" pitchFamily="18" charset="0"/>
-              </a:rPr>
-              <a:t>Level of confidence</a:t>
-            </a:r>
-            <a:r>
-              <a:rPr lang="en-GB" sz="2800" dirty="0">
-                <a:solidFill>
-                  <a:srgbClr val="000000"/>
-                </a:solidFill>
-                <a:latin typeface="Times New Roman" pitchFamily="18" charset="0"/>
-              </a:rPr>
-              <a:t> 1-</a:t>
-            </a:r>
-            <a:r>
-              <a:rPr lang="en-GB" sz="2800" dirty="0">
-                <a:solidFill>
-                  <a:srgbClr val="000000"/>
-                </a:solidFill>
-                <a:latin typeface="Symbol" pitchFamily="2" charset="2"/>
-              </a:rPr>
-              <a:t>a</a:t>
-            </a:r>
-          </a:p>
-          <a:p>
-            <a:pPr marL="1344613" lvl="2" indent="-323850">
-              <a:spcBef>
-                <a:spcPts val="800"/>
-              </a:spcBef>
-              <a:buFont typeface="Times New Roman" pitchFamily="18" charset="0"/>
-              <a:buChar char="•"/>
-              <a:tabLst>
-                <a:tab pos="430213" algn="l"/>
-                <a:tab pos="1344613" algn="l"/>
-                <a:tab pos="2259013" algn="l"/>
-                <a:tab pos="3173413" algn="l"/>
-                <a:tab pos="4087813" algn="l"/>
-                <a:tab pos="5002213" algn="l"/>
-                <a:tab pos="5916613" algn="l"/>
-                <a:tab pos="6831013" algn="l"/>
-                <a:tab pos="7745413" algn="l"/>
-                <a:tab pos="8659813" algn="l"/>
-                <a:tab pos="9574213" algn="l"/>
-                <a:tab pos="10488613" algn="l"/>
-              </a:tabLst>
-            </a:pPr>
-            <a:r>
-              <a:rPr lang="en-GB" sz="2400" dirty="0">
-                <a:solidFill>
-                  <a:srgbClr val="000000"/>
-                </a:solidFill>
-                <a:latin typeface="Symbol" pitchFamily="2" charset="2"/>
-              </a:rPr>
-              <a:t>a </a:t>
-            </a:r>
-            <a:r>
-              <a:rPr lang="en-GB" sz="2600" dirty="0">
-                <a:solidFill>
-                  <a:srgbClr val="000000"/>
-                </a:solidFill>
-                <a:latin typeface="Times New Roman" pitchFamily="18" charset="0"/>
-              </a:rPr>
-              <a:t>is </a:t>
-            </a:r>
-            <a:r>
-              <a:rPr lang="en-GB" sz="2600" b="1" dirty="0">
-                <a:solidFill>
-                  <a:srgbClr val="000000"/>
-                </a:solidFill>
-                <a:latin typeface="Times New Roman" pitchFamily="18" charset="0"/>
-              </a:rPr>
-              <a:t>significance level</a:t>
-            </a:r>
-          </a:p>
-          <a:p>
-            <a:pPr marL="1344613" lvl="2" indent="-323850">
-              <a:spcBef>
-                <a:spcPts val="800"/>
-              </a:spcBef>
-              <a:buFont typeface="Times New Roman" pitchFamily="18" charset="0"/>
-              <a:buChar char="•"/>
-              <a:tabLst>
-                <a:tab pos="430213" algn="l"/>
-                <a:tab pos="1344613" algn="l"/>
-                <a:tab pos="2259013" algn="l"/>
-                <a:tab pos="3173413" algn="l"/>
-                <a:tab pos="4087813" algn="l"/>
-                <a:tab pos="5002213" algn="l"/>
-                <a:tab pos="5916613" algn="l"/>
-                <a:tab pos="6831013" algn="l"/>
-                <a:tab pos="7745413" algn="l"/>
-                <a:tab pos="8659813" algn="l"/>
-                <a:tab pos="9574213" algn="l"/>
-                <a:tab pos="10488613" algn="l"/>
-              </a:tabLst>
-            </a:pPr>
-            <a:r>
-              <a:rPr lang="en-GB" sz="2600" dirty="0">
-                <a:solidFill>
-                  <a:srgbClr val="000000"/>
-                </a:solidFill>
-                <a:latin typeface="Times New Roman" pitchFamily="18" charset="0"/>
-              </a:rPr>
-              <a:t>Use </a:t>
-            </a:r>
-            <a:r>
-              <a:rPr lang="en-GB" sz="2400" dirty="0">
-                <a:solidFill>
-                  <a:srgbClr val="000000"/>
-                </a:solidFill>
-                <a:latin typeface="Symbol" pitchFamily="2" charset="2"/>
-              </a:rPr>
-              <a:t>a </a:t>
-            </a:r>
-            <a:r>
-              <a:rPr lang="en-GB" sz="2600" dirty="0">
-                <a:solidFill>
-                  <a:srgbClr val="000000"/>
-                </a:solidFill>
-                <a:latin typeface="Times New Roman" pitchFamily="18" charset="0"/>
-              </a:rPr>
-              <a:t>to compute </a:t>
-            </a:r>
-            <a:r>
-              <a:rPr lang="en-GB" sz="2600" i="1" dirty="0" err="1">
-                <a:solidFill>
-                  <a:srgbClr val="000000"/>
-                </a:solidFill>
-                <a:latin typeface="Times New Roman" pitchFamily="18" charset="0"/>
-              </a:rPr>
-              <a:t>t</a:t>
-            </a:r>
-            <a:r>
-              <a:rPr lang="en-GB" sz="2600" i="1" baseline="-25000" dirty="0" err="1">
-                <a:solidFill>
-                  <a:srgbClr val="000000"/>
-                </a:solidFill>
-                <a:latin typeface="Times New Roman" pitchFamily="18" charset="0"/>
-              </a:rPr>
-              <a:t>c</a:t>
-            </a:r>
-            <a:r>
-              <a:rPr lang="en-GB" sz="2600" dirty="0">
-                <a:solidFill>
-                  <a:srgbClr val="000000"/>
-                </a:solidFill>
-                <a:latin typeface="Times New Roman" pitchFamily="18" charset="0"/>
-              </a:rPr>
-              <a:t>-value, the critical t-statistic</a:t>
-            </a:r>
-          </a:p>
-          <a:p>
-            <a:pPr marL="887413" lvl="1" indent="-323850">
-              <a:spcBef>
-                <a:spcPts val="800"/>
-              </a:spcBef>
-              <a:buFont typeface="Times New Roman" pitchFamily="18" charset="0"/>
-              <a:buChar char="•"/>
-              <a:tabLst>
-                <a:tab pos="430213" algn="l"/>
-                <a:tab pos="1344613" algn="l"/>
-                <a:tab pos="2259013" algn="l"/>
-                <a:tab pos="3173413" algn="l"/>
-                <a:tab pos="4087813" algn="l"/>
-                <a:tab pos="5002213" algn="l"/>
-                <a:tab pos="5916613" algn="l"/>
-                <a:tab pos="6831013" algn="l"/>
-                <a:tab pos="7745413" algn="l"/>
-                <a:tab pos="8659813" algn="l"/>
-                <a:tab pos="9574213" algn="l"/>
-                <a:tab pos="10488613" algn="l"/>
-              </a:tabLst>
-            </a:pPr>
-            <a:r>
-              <a:rPr lang="en-US" sz="2800" dirty="0">
-                <a:latin typeface="Times New Roman" pitchFamily="18" charset="0"/>
-                <a:cs typeface="Times New Roman" pitchFamily="18" charset="0"/>
-              </a:rPr>
-              <a:t>(1-</a:t>
-            </a:r>
-            <a:r>
-              <a:rPr lang="en-GB" sz="2800" dirty="0">
-                <a:solidFill>
-                  <a:srgbClr val="000000"/>
-                </a:solidFill>
-                <a:latin typeface="Symbol" pitchFamily="2" charset="2"/>
-              </a:rPr>
-              <a:t>a</a:t>
-            </a:r>
-            <a:r>
-              <a:rPr lang="en-US" sz="2800" dirty="0">
-                <a:latin typeface="Times New Roman" pitchFamily="18" charset="0"/>
-                <a:cs typeface="Times New Roman" pitchFamily="18" charset="0"/>
-              </a:rPr>
-              <a:t>)×100% two-sided CI for population mean using a sample average and standard error is:</a:t>
-            </a:r>
-            <a:endParaRPr lang="en-GB" sz="2800" dirty="0">
-              <a:solidFill>
-                <a:srgbClr val="000000"/>
-              </a:solidFill>
-              <a:latin typeface="Times New Roman" pitchFamily="18" charset="0"/>
-            </a:endParaRPr>
-          </a:p>
-        </p:txBody>
-      </p:sp>
-      <p:sp>
-        <p:nvSpPr>
-          <p:cNvPr id="7" name="Rectangle 4"/>
-          <p:cNvSpPr>
-            <a:spLocks noChangeArrowheads="1"/>
-          </p:cNvSpPr>
-          <p:nvPr/>
-        </p:nvSpPr>
-        <p:spPr bwMode="auto">
-          <a:xfrm>
-            <a:off x="1755776" y="297248"/>
-            <a:ext cx="8607425" cy="762000"/>
-          </a:xfrm>
-          <a:prstGeom prst="rect">
-            <a:avLst/>
-          </a:prstGeom>
-          <a:noFill/>
-          <a:ln w="9525">
-            <a:noFill/>
-            <a:round/>
-            <a:headEnd/>
-            <a:tailEnd/>
-          </a:ln>
-        </p:spPr>
-        <p:txBody>
-          <a:bodyPr lIns="0" tIns="0" rIns="0" bIns="0" anchor="ctr"/>
-          <a:lstStyle/>
-          <a:p>
-            <a:pPr algn="ctr">
-              <a:tabLst>
-                <a:tab pos="0" algn="l"/>
-                <a:tab pos="914400" algn="l"/>
-                <a:tab pos="1828800" algn="l"/>
-                <a:tab pos="2743200" algn="l"/>
-                <a:tab pos="3657600" algn="l"/>
-                <a:tab pos="4572000" algn="l"/>
-                <a:tab pos="5486400" algn="l"/>
-                <a:tab pos="6400800" algn="l"/>
-                <a:tab pos="7315200" algn="l"/>
-                <a:tab pos="8229600" algn="l"/>
-                <a:tab pos="9144000" algn="l"/>
-                <a:tab pos="10058400" algn="l"/>
-              </a:tabLst>
-            </a:pPr>
-            <a:r>
-              <a:rPr lang="en-GB" sz="4000" dirty="0">
-                <a:solidFill>
-                  <a:srgbClr val="000000"/>
-                </a:solidFill>
-                <a:latin typeface="Times New Roman" pitchFamily="18" charset="0"/>
-              </a:rPr>
-              <a:t>Confidence Intervals</a:t>
-            </a:r>
-          </a:p>
-        </p:txBody>
-      </p:sp>
-      <p:pic>
-        <p:nvPicPr>
-          <p:cNvPr id="9" name="Picture 8"/>
-          <p:cNvPicPr>
-            <a:picLocks noChangeAspect="1" noChangeArrowheads="1"/>
-          </p:cNvPicPr>
-          <p:nvPr/>
-        </p:nvPicPr>
-        <p:blipFill>
-          <a:blip r:embed="rId2" cstate="print"/>
-          <a:srcRect/>
-          <a:stretch>
-            <a:fillRect/>
-          </a:stretch>
-        </p:blipFill>
-        <p:spPr bwMode="auto">
-          <a:xfrm>
-            <a:off x="2008188" y="76200"/>
-            <a:ext cx="8202612" cy="239712"/>
-          </a:xfrm>
-          <a:prstGeom prst="rect">
-            <a:avLst/>
-          </a:prstGeom>
-          <a:noFill/>
-          <a:ln w="9525">
-            <a:noFill/>
-            <a:round/>
-            <a:headEnd/>
-            <a:tailEnd/>
-          </a:ln>
-        </p:spPr>
-      </p:pic>
-      <p:pic>
-        <p:nvPicPr>
-          <p:cNvPr id="4" name="Picture 3">
-            <a:extLst>
-              <a:ext uri="{FF2B5EF4-FFF2-40B4-BE49-F238E27FC236}">
-                <a16:creationId xmlns:a16="http://schemas.microsoft.com/office/drawing/2014/main" id="{BB7884DE-3866-694F-AD39-89CA9627E175}"/>
-              </a:ext>
-            </a:extLst>
-          </p:cNvPr>
-          <p:cNvPicPr>
-            <a:picLocks noChangeAspect="1"/>
-          </p:cNvPicPr>
-          <p:nvPr/>
-        </p:nvPicPr>
-        <p:blipFill>
-          <a:blip r:embed="rId3"/>
-          <a:stretch>
-            <a:fillRect/>
-          </a:stretch>
-        </p:blipFill>
-        <p:spPr>
-          <a:xfrm>
-            <a:off x="6719206" y="2187729"/>
-            <a:ext cx="1830575" cy="860271"/>
-          </a:xfrm>
-          <a:prstGeom prst="rect">
-            <a:avLst/>
-          </a:prstGeom>
-        </p:spPr>
-      </p:pic>
-      <p:pic>
-        <p:nvPicPr>
-          <p:cNvPr id="5" name="Picture 4">
-            <a:extLst>
-              <a:ext uri="{FF2B5EF4-FFF2-40B4-BE49-F238E27FC236}">
-                <a16:creationId xmlns:a16="http://schemas.microsoft.com/office/drawing/2014/main" id="{7DE4678E-CC03-824B-BBFD-A94843A57ECB}"/>
-              </a:ext>
-            </a:extLst>
-          </p:cNvPr>
-          <p:cNvPicPr>
-            <a:picLocks noChangeAspect="1"/>
-          </p:cNvPicPr>
-          <p:nvPr/>
-        </p:nvPicPr>
-        <p:blipFill>
-          <a:blip r:embed="rId4"/>
-          <a:stretch>
-            <a:fillRect/>
-          </a:stretch>
-        </p:blipFill>
-        <p:spPr>
-          <a:xfrm>
-            <a:off x="3505200" y="5675993"/>
-            <a:ext cx="5181600" cy="469900"/>
-          </a:xfrm>
-          <a:prstGeom prst="rect">
-            <a:avLst/>
-          </a:prstGeom>
-        </p:spPr>
-      </p:pic>
-    </p:spTree>
-  </p:cSld>
-  <p:clrMapOvr>
-    <a:masterClrMapping/>
-  </p:clrMapOvr>
-</p:sld>
-</file>
-
-<file path=ppt/slides/slide9.xml><?xml version="1.0" encoding="utf-8"?>
-<p:sld xmlns:a="http://schemas.openxmlformats.org/drawingml/2006/main" xmlns:r="http://schemas.openxmlformats.org/officeDocument/2006/relationships" xmlns:p="http://schemas.openxmlformats.org/presentationml/2006/main">
-  <p:cSld>
-    <p:spTree>
-      <p:nvGrpSpPr>
-        <p:cNvPr id="1" name=""/>
-        <p:cNvGrpSpPr/>
-        <p:nvPr/>
-      </p:nvGrpSpPr>
-      <p:grpSpPr>
-        <a:xfrm>
-          <a:off x="0" y="0"/>
-          <a:ext cx="0" cy="0"/>
-          <a:chOff x="0" y="0"/>
-          <a:chExt cx="0" cy="0"/>
-        </a:xfrm>
-      </p:grpSpPr>
-      <p:sp>
-        <p:nvSpPr>
-          <p:cNvPr id="2" name="Rectangle 5">
-            <a:extLst>
-              <a:ext uri="{FF2B5EF4-FFF2-40B4-BE49-F238E27FC236}">
-                <a16:creationId xmlns:a16="http://schemas.microsoft.com/office/drawing/2014/main" id="{AF162EFF-122F-DE4D-ABB2-AABE23BF1676}"/>
-              </a:ext>
-            </a:extLst>
-          </p:cNvPr>
-          <p:cNvSpPr>
-            <a:spLocks noChangeArrowheads="1"/>
-          </p:cNvSpPr>
-          <p:nvPr/>
-        </p:nvSpPr>
-        <p:spPr bwMode="auto">
-          <a:xfrm>
-            <a:off x="239486" y="976771"/>
-            <a:ext cx="11658600" cy="862914"/>
-          </a:xfrm>
-          <a:prstGeom prst="rect">
-            <a:avLst/>
-          </a:prstGeom>
-          <a:noFill/>
-          <a:ln w="9525">
-            <a:noFill/>
-            <a:round/>
-            <a:headEnd/>
-            <a:tailEnd/>
-          </a:ln>
-        </p:spPr>
-        <p:txBody>
-          <a:bodyPr lIns="0" tIns="0" rIns="0" bIns="0"/>
-          <a:lstStyle/>
-          <a:p>
-            <a:pPr marL="430213" indent="-323850">
-              <a:spcBef>
-                <a:spcPts val="800"/>
-              </a:spcBef>
-              <a:buFont typeface="Times New Roman" pitchFamily="18" charset="0"/>
-              <a:buChar char="•"/>
-              <a:tabLst>
-                <a:tab pos="430213" algn="l"/>
-                <a:tab pos="1344613" algn="l"/>
-                <a:tab pos="2259013" algn="l"/>
-                <a:tab pos="3173413" algn="l"/>
-                <a:tab pos="4087813" algn="l"/>
-                <a:tab pos="5002213" algn="l"/>
-                <a:tab pos="5916613" algn="l"/>
-                <a:tab pos="6831013" algn="l"/>
-                <a:tab pos="7745413" algn="l"/>
-                <a:tab pos="8659813" algn="l"/>
-                <a:tab pos="9574213" algn="l"/>
-                <a:tab pos="10488613" algn="l"/>
-              </a:tabLst>
-            </a:pPr>
-            <a:r>
-              <a:rPr lang="en-US" sz="2800" dirty="0">
-                <a:solidFill>
-                  <a:srgbClr val="000000"/>
-                </a:solidFill>
-                <a:latin typeface="Times New Roman" pitchFamily="18" charset="0"/>
-              </a:rPr>
-              <a:t>Compute the 95% confidence interval for the mean average absolute velocity in the LAM data</a:t>
-            </a:r>
-            <a:endParaRPr lang="en-GB" sz="2400" dirty="0">
-              <a:solidFill>
-                <a:srgbClr val="000000"/>
-              </a:solidFill>
-              <a:latin typeface="Times New Roman" pitchFamily="18" charset="0"/>
-            </a:endParaRPr>
-          </a:p>
-        </p:txBody>
-      </p:sp>
-      <p:sp>
-        <p:nvSpPr>
-          <p:cNvPr id="3" name="Rectangle 4">
-            <a:extLst>
-              <a:ext uri="{FF2B5EF4-FFF2-40B4-BE49-F238E27FC236}">
-                <a16:creationId xmlns:a16="http://schemas.microsoft.com/office/drawing/2014/main" id="{05170789-E6A2-064A-BDAC-8F3672882A24}"/>
-              </a:ext>
-            </a:extLst>
-          </p:cNvPr>
-          <p:cNvSpPr>
-            <a:spLocks noChangeArrowheads="1"/>
-          </p:cNvSpPr>
-          <p:nvPr/>
-        </p:nvSpPr>
-        <p:spPr bwMode="auto">
-          <a:xfrm>
-            <a:off x="1755776" y="297248"/>
-            <a:ext cx="8607425" cy="762000"/>
-          </a:xfrm>
-          <a:prstGeom prst="rect">
-            <a:avLst/>
-          </a:prstGeom>
-          <a:noFill/>
-          <a:ln w="9525">
-            <a:noFill/>
-            <a:round/>
-            <a:headEnd/>
-            <a:tailEnd/>
-          </a:ln>
-        </p:spPr>
-        <p:txBody>
-          <a:bodyPr lIns="0" tIns="0" rIns="0" bIns="0" anchor="ctr"/>
-          <a:lstStyle/>
-          <a:p>
-            <a:pPr algn="ctr">
-              <a:tabLst>
-                <a:tab pos="0" algn="l"/>
-                <a:tab pos="914400" algn="l"/>
-                <a:tab pos="1828800" algn="l"/>
-                <a:tab pos="2743200" algn="l"/>
-                <a:tab pos="3657600" algn="l"/>
-                <a:tab pos="4572000" algn="l"/>
-                <a:tab pos="5486400" algn="l"/>
-                <a:tab pos="6400800" algn="l"/>
-                <a:tab pos="7315200" algn="l"/>
-                <a:tab pos="8229600" algn="l"/>
-                <a:tab pos="9144000" algn="l"/>
-                <a:tab pos="10058400" algn="l"/>
-              </a:tabLst>
-            </a:pPr>
-            <a:r>
-              <a:rPr lang="en-GB" sz="4000" dirty="0">
-                <a:solidFill>
-                  <a:srgbClr val="000000"/>
-                </a:solidFill>
-                <a:latin typeface="Times New Roman" pitchFamily="18" charset="0"/>
-              </a:rPr>
-              <a:t>Confidence Intervals</a:t>
-            </a:r>
-          </a:p>
-        </p:txBody>
-      </p:sp>
-      <p:pic>
-        <p:nvPicPr>
-          <p:cNvPr id="4" name="Picture 3">
-            <a:extLst>
-              <a:ext uri="{FF2B5EF4-FFF2-40B4-BE49-F238E27FC236}">
-                <a16:creationId xmlns:a16="http://schemas.microsoft.com/office/drawing/2014/main" id="{0D890B02-2F7F-854E-AA05-81BF078336AE}"/>
-              </a:ext>
-            </a:extLst>
-          </p:cNvPr>
+          <p:cNvPr id="5" name="Picture 2"/>
           <p:cNvPicPr>
             <a:picLocks noChangeAspect="1" noChangeArrowheads="1"/>
           </p:cNvPicPr>
@@ -9325,27 +10782,18 @@
       </p:pic>
       <p:sp>
         <p:nvSpPr>
-          <p:cNvPr id="5" name="Rectangle 4">
-            <a:extLst>
-              <a:ext uri="{FF2B5EF4-FFF2-40B4-BE49-F238E27FC236}">
-                <a16:creationId xmlns:a16="http://schemas.microsoft.com/office/drawing/2014/main" id="{EB18BAB2-11C7-E145-B7B0-4889CAB49141}"/>
-              </a:ext>
-            </a:extLst>
-          </p:cNvPr>
+          <p:cNvPr id="8" name="Rectangle 7"/>
           <p:cNvSpPr/>
           <p:nvPr/>
         </p:nvSpPr>
         <p:spPr>
           <a:xfrm>
-            <a:off x="239485" y="2115803"/>
-            <a:ext cx="11832772" cy="3970318"/>
+            <a:off x="1524000" y="1262199"/>
+            <a:ext cx="9144000" cy="4524315"/>
           </a:xfrm>
           <a:prstGeom prst="rect">
             <a:avLst/>
           </a:prstGeom>
-          <a:solidFill>
-            <a:srgbClr val="000C78"/>
-          </a:solidFill>
         </p:spPr>
         <p:txBody>
           <a:bodyPr wrap="square">
@@ -9353,722 +10801,286 @@
           </a:bodyPr>
           <a:lstStyle/>
           <a:p>
-            <a:r>
-              <a:rPr lang="en-US" sz="1400" dirty="0">
-                <a:solidFill>
-                  <a:srgbClr val="FFFF00"/>
-                </a:solidFill>
-                <a:latin typeface="Courier"/>
-                <a:cs typeface="Courier"/>
-              </a:rPr>
-              <a:t># Load data:</a:t>
-            </a:r>
-          </a:p>
-          <a:p>
-            <a:r>
-              <a:rPr lang="en-US" sz="1400" dirty="0" err="1">
-                <a:solidFill>
-                  <a:schemeClr val="bg1"/>
-                </a:solidFill>
-                <a:latin typeface="Courier"/>
-                <a:cs typeface="Courier"/>
-              </a:rPr>
-              <a:t>dat</a:t>
-            </a:r>
-            <a:r>
-              <a:rPr lang="en-US" sz="1400" dirty="0">
-                <a:solidFill>
-                  <a:schemeClr val="bg1"/>
-                </a:solidFill>
-                <a:latin typeface="Courier"/>
-                <a:cs typeface="Courier"/>
-              </a:rPr>
-              <a:t> &lt;- </a:t>
-            </a:r>
-            <a:r>
-              <a:rPr lang="en-US" sz="1400" dirty="0" err="1">
-                <a:solidFill>
-                  <a:schemeClr val="bg1"/>
-                </a:solidFill>
-                <a:latin typeface="Courier"/>
-                <a:cs typeface="Courier"/>
-              </a:rPr>
-              <a:t>read.csv</a:t>
-            </a:r>
-            <a:r>
-              <a:rPr lang="en-US" sz="1400" dirty="0">
-                <a:solidFill>
-                  <a:schemeClr val="bg1"/>
-                </a:solidFill>
-                <a:latin typeface="Courier"/>
-                <a:cs typeface="Courier"/>
+            <a:pPr lvl="2"/>
+            <a:r>
+              <a:rPr lang="en-US" sz="2400" dirty="0">
+                <a:latin typeface="Times New Roman"/>
+                <a:cs typeface="Times New Roman"/>
+              </a:rPr>
+              <a:t>Billy is hungry. </a:t>
+            </a:r>
+          </a:p>
+          <a:p>
+            <a:pPr lvl="2"/>
+            <a:endParaRPr lang="en-US" sz="2400" dirty="0">
+              <a:latin typeface="Times New Roman"/>
+              <a:cs typeface="Times New Roman"/>
+            </a:endParaRPr>
+          </a:p>
+          <a:p>
+            <a:pPr lvl="2"/>
+            <a:r>
+              <a:rPr lang="en-US" sz="2400" dirty="0">
+                <a:latin typeface="Times New Roman"/>
+                <a:cs typeface="Times New Roman"/>
+              </a:rPr>
+              <a:t>Let A = Billy went to Auntie Anne's for a pretzel. </a:t>
+            </a:r>
+            <a:r>
+              <a:rPr lang="en-US" sz="2400" dirty="0" err="1">
+                <a:latin typeface="Times New Roman"/>
+                <a:cs typeface="Times New Roman"/>
+              </a:rPr>
+              <a:t>Pr</a:t>
+            </a:r>
+            <a:r>
+              <a:rPr lang="en-US" sz="2400" dirty="0">
+                <a:latin typeface="Times New Roman"/>
+                <a:cs typeface="Times New Roman"/>
               </a:rPr>
               <a:t>(</a:t>
             </a:r>
             <a:r>
-              <a:rPr lang="en-US" sz="1400" dirty="0">
-                <a:solidFill>
-                  <a:srgbClr val="00B050"/>
-                </a:solidFill>
-                <a:latin typeface="Courier"/>
-                <a:cs typeface="Courier"/>
-              </a:rPr>
-              <a:t>"https://</a:t>
-            </a:r>
-            <a:r>
-              <a:rPr lang="en-US" sz="1400" dirty="0" err="1">
-                <a:solidFill>
-                  <a:srgbClr val="00B050"/>
-                </a:solidFill>
-                <a:latin typeface="Courier"/>
-                <a:cs typeface="Courier"/>
-              </a:rPr>
-              <a:t>raw.githubusercontent.com</a:t>
-            </a:r>
-            <a:r>
-              <a:rPr lang="en-US" sz="1400" dirty="0">
-                <a:solidFill>
-                  <a:srgbClr val="00B050"/>
-                </a:solidFill>
-                <a:latin typeface="Courier"/>
-                <a:cs typeface="Courier"/>
-              </a:rPr>
-              <a:t>/</a:t>
-            </a:r>
-            <a:r>
-              <a:rPr lang="en-US" sz="1400" dirty="0" err="1">
-                <a:solidFill>
-                  <a:srgbClr val="00B050"/>
-                </a:solidFill>
-                <a:latin typeface="Courier"/>
-                <a:cs typeface="Courier"/>
-              </a:rPr>
-              <a:t>npetraco</a:t>
-            </a:r>
-            <a:r>
-              <a:rPr lang="en-US" sz="1400" dirty="0">
-                <a:solidFill>
-                  <a:srgbClr val="00B050"/>
-                </a:solidFill>
-                <a:latin typeface="Courier"/>
-                <a:cs typeface="Courier"/>
-              </a:rPr>
-              <a:t>/workshop21/master/data/</a:t>
-            </a:r>
-            <a:r>
-              <a:rPr lang="en-US" sz="1400" dirty="0" err="1">
-                <a:solidFill>
-                  <a:srgbClr val="00B050"/>
-                </a:solidFill>
-                <a:latin typeface="Courier"/>
-                <a:cs typeface="Courier"/>
-              </a:rPr>
-              <a:t>lamwrite.csv</a:t>
-            </a:r>
-            <a:r>
-              <a:rPr lang="en-US" sz="1400" dirty="0">
-                <a:solidFill>
-                  <a:srgbClr val="00B050"/>
-                </a:solidFill>
-                <a:latin typeface="Courier"/>
-                <a:cs typeface="Courier"/>
-              </a:rPr>
-              <a:t>"</a:t>
-            </a:r>
-            <a:r>
-              <a:rPr lang="en-US" sz="1400" dirty="0">
-                <a:solidFill>
-                  <a:schemeClr val="bg1"/>
-                </a:solidFill>
-                <a:latin typeface="Courier"/>
-                <a:cs typeface="Courier"/>
-              </a:rPr>
-              <a:t>, header=T)</a:t>
-            </a:r>
-          </a:p>
-          <a:p>
-            <a:endParaRPr lang="en-US" sz="1400" dirty="0">
-              <a:solidFill>
-                <a:schemeClr val="bg1"/>
-              </a:solidFill>
-              <a:latin typeface="Courier"/>
-              <a:cs typeface="Courier"/>
+              <a:rPr lang="en-US" sz="2400" i="1" dirty="0">
+                <a:latin typeface="Times"/>
+                <a:cs typeface="Times"/>
+              </a:rPr>
+              <a:t>A</a:t>
+            </a:r>
+            <a:r>
+              <a:rPr lang="en-US" sz="2400" dirty="0">
+                <a:latin typeface="Times New Roman"/>
+                <a:cs typeface="Times New Roman"/>
+              </a:rPr>
+              <a:t>) = 0.49</a:t>
+            </a:r>
+          </a:p>
+          <a:p>
+            <a:pPr lvl="2"/>
+            <a:r>
+              <a:rPr lang="en-US" sz="2400" dirty="0">
+                <a:latin typeface="Times New Roman"/>
+                <a:cs typeface="Times New Roman"/>
+              </a:rPr>
+              <a:t>Let B  = Billy went to Buffalo Wild Wings. </a:t>
+            </a:r>
+            <a:r>
+              <a:rPr lang="en-US" sz="2400" dirty="0" err="1">
+                <a:latin typeface="Times New Roman"/>
+                <a:cs typeface="Times New Roman"/>
+              </a:rPr>
+              <a:t>Pr</a:t>
+            </a:r>
+            <a:r>
+              <a:rPr lang="en-US" sz="2400" dirty="0">
+                <a:latin typeface="Times New Roman"/>
+                <a:cs typeface="Times New Roman"/>
+              </a:rPr>
+              <a:t>(</a:t>
+            </a:r>
+            <a:r>
+              <a:rPr lang="en-US" sz="2400" i="1" dirty="0">
+                <a:latin typeface="Times"/>
+                <a:cs typeface="Times"/>
+              </a:rPr>
+              <a:t>B</a:t>
+            </a:r>
+            <a:r>
+              <a:rPr lang="en-US" sz="2400" dirty="0">
+                <a:latin typeface="Times New Roman"/>
+                <a:cs typeface="Times New Roman"/>
+              </a:rPr>
+              <a:t>) = 0.54</a:t>
+            </a:r>
+          </a:p>
+          <a:p>
+            <a:pPr lvl="2"/>
+            <a:endParaRPr lang="en-US" sz="2400" dirty="0">
+              <a:latin typeface="Times New Roman"/>
+              <a:cs typeface="Times New Roman"/>
             </a:endParaRPr>
           </a:p>
           <a:p>
-            <a:r>
-              <a:rPr lang="en-US" sz="1400" dirty="0">
-                <a:solidFill>
-                  <a:srgbClr val="FFFF00"/>
-                </a:solidFill>
-                <a:latin typeface="Courier"/>
-                <a:cs typeface="Courier"/>
-              </a:rPr>
-              <a:t># Average absolute velocity data:</a:t>
-            </a:r>
-          </a:p>
-          <a:p>
-            <a:r>
-              <a:rPr lang="en-US" sz="1400" dirty="0" err="1">
-                <a:solidFill>
-                  <a:schemeClr val="bg1"/>
-                </a:solidFill>
-                <a:latin typeface="Courier"/>
-                <a:cs typeface="Courier"/>
-              </a:rPr>
-              <a:t>aav</a:t>
-            </a:r>
-            <a:r>
-              <a:rPr lang="en-US" sz="1400" dirty="0">
-                <a:solidFill>
-                  <a:schemeClr val="bg1"/>
-                </a:solidFill>
-                <a:latin typeface="Courier"/>
-                <a:cs typeface="Courier"/>
-              </a:rPr>
-              <a:t> &lt;- </a:t>
-            </a:r>
-            <a:r>
-              <a:rPr lang="en-US" sz="1400" dirty="0" err="1">
-                <a:solidFill>
-                  <a:schemeClr val="bg1"/>
-                </a:solidFill>
-                <a:latin typeface="Courier"/>
-                <a:cs typeface="Courier"/>
-              </a:rPr>
-              <a:t>dat</a:t>
-            </a:r>
-            <a:r>
-              <a:rPr lang="en-US" sz="1400" dirty="0">
-                <a:solidFill>
-                  <a:schemeClr val="bg1"/>
-                </a:solidFill>
-                <a:latin typeface="Courier"/>
-                <a:cs typeface="Courier"/>
-              </a:rPr>
-              <a:t>[,2]</a:t>
-            </a:r>
-          </a:p>
-          <a:p>
-            <a:endParaRPr lang="en-US" sz="1400" dirty="0">
-              <a:solidFill>
-                <a:schemeClr val="bg1"/>
-              </a:solidFill>
-              <a:latin typeface="Courier"/>
-              <a:cs typeface="Courier"/>
-            </a:endParaRPr>
-          </a:p>
-          <a:p>
-            <a:r>
-              <a:rPr lang="en-US" sz="1400" dirty="0">
-                <a:solidFill>
-                  <a:schemeClr val="bg1"/>
-                </a:solidFill>
-                <a:latin typeface="Courier"/>
-                <a:cs typeface="Courier"/>
-              </a:rPr>
-              <a:t>n    &lt;- length(</a:t>
-            </a:r>
-            <a:r>
-              <a:rPr lang="en-US" sz="1400" dirty="0" err="1">
-                <a:solidFill>
-                  <a:schemeClr val="bg1"/>
-                </a:solidFill>
-                <a:latin typeface="Courier"/>
-                <a:cs typeface="Courier"/>
-              </a:rPr>
-              <a:t>aav</a:t>
-            </a:r>
-            <a:r>
-              <a:rPr lang="en-US" sz="1400" dirty="0">
-                <a:solidFill>
-                  <a:schemeClr val="bg1"/>
-                </a:solidFill>
-                <a:latin typeface="Courier"/>
-                <a:cs typeface="Courier"/>
-              </a:rPr>
-              <a:t>)            </a:t>
-            </a:r>
-            <a:r>
-              <a:rPr lang="en-US" sz="1400" dirty="0">
-                <a:solidFill>
-                  <a:srgbClr val="FFFF00"/>
-                </a:solidFill>
-                <a:latin typeface="Courier"/>
-                <a:cs typeface="Courier"/>
-              </a:rPr>
-              <a:t># sample size</a:t>
-            </a:r>
-          </a:p>
-          <a:p>
-            <a:r>
-              <a:rPr lang="en-US" sz="1400" dirty="0" err="1">
-                <a:solidFill>
-                  <a:schemeClr val="bg1"/>
-                </a:solidFill>
-                <a:latin typeface="Courier"/>
-                <a:cs typeface="Courier"/>
-              </a:rPr>
-              <a:t>xbar</a:t>
-            </a:r>
-            <a:r>
-              <a:rPr lang="en-US" sz="1400" dirty="0">
-                <a:solidFill>
-                  <a:schemeClr val="bg1"/>
-                </a:solidFill>
-                <a:latin typeface="Courier"/>
-                <a:cs typeface="Courier"/>
-              </a:rPr>
-              <a:t> &lt;- mean(</a:t>
-            </a:r>
-            <a:r>
-              <a:rPr lang="en-US" sz="1400" dirty="0" err="1">
-                <a:solidFill>
-                  <a:schemeClr val="bg1"/>
-                </a:solidFill>
-                <a:latin typeface="Courier"/>
-                <a:cs typeface="Courier"/>
-              </a:rPr>
-              <a:t>aav</a:t>
-            </a:r>
-            <a:r>
-              <a:rPr lang="en-US" sz="1400" dirty="0">
-                <a:solidFill>
-                  <a:schemeClr val="bg1"/>
-                </a:solidFill>
-                <a:latin typeface="Courier"/>
-                <a:cs typeface="Courier"/>
-              </a:rPr>
-              <a:t>)              </a:t>
-            </a:r>
-            <a:r>
-              <a:rPr lang="en-US" sz="1400" dirty="0">
-                <a:solidFill>
-                  <a:srgbClr val="FFFF00"/>
-                </a:solidFill>
-                <a:latin typeface="Courier"/>
-                <a:cs typeface="Courier"/>
-              </a:rPr>
-              <a:t># sample mean</a:t>
-            </a:r>
-          </a:p>
-          <a:p>
-            <a:r>
-              <a:rPr lang="en-US" sz="1400" dirty="0">
-                <a:solidFill>
-                  <a:schemeClr val="bg1"/>
-                </a:solidFill>
-                <a:latin typeface="Courier"/>
-                <a:cs typeface="Courier"/>
-              </a:rPr>
-              <a:t>se   &lt;- </a:t>
-            </a:r>
-            <a:r>
-              <a:rPr lang="en-US" sz="1400" dirty="0" err="1">
-                <a:solidFill>
-                  <a:schemeClr val="bg1"/>
-                </a:solidFill>
-                <a:latin typeface="Courier"/>
-                <a:cs typeface="Courier"/>
-              </a:rPr>
-              <a:t>sd</a:t>
-            </a:r>
-            <a:r>
-              <a:rPr lang="en-US" sz="1400" dirty="0">
-                <a:solidFill>
-                  <a:schemeClr val="bg1"/>
-                </a:solidFill>
-                <a:latin typeface="Courier"/>
-                <a:cs typeface="Courier"/>
-              </a:rPr>
-              <a:t>(</a:t>
-            </a:r>
-            <a:r>
-              <a:rPr lang="en-US" sz="1400" dirty="0" err="1">
-                <a:solidFill>
-                  <a:schemeClr val="bg1"/>
-                </a:solidFill>
-                <a:latin typeface="Courier"/>
-                <a:cs typeface="Courier"/>
-              </a:rPr>
-              <a:t>aav</a:t>
-            </a:r>
-            <a:r>
-              <a:rPr lang="en-US" sz="1400" dirty="0">
-                <a:solidFill>
-                  <a:schemeClr val="bg1"/>
-                </a:solidFill>
-                <a:latin typeface="Courier"/>
-                <a:cs typeface="Courier"/>
-              </a:rPr>
-              <a:t>)/sqrt(n)        </a:t>
-            </a:r>
-            <a:r>
-              <a:rPr lang="en-US" sz="1400" dirty="0">
-                <a:solidFill>
-                  <a:srgbClr val="FFFF00"/>
-                </a:solidFill>
-                <a:latin typeface="Courier"/>
-                <a:cs typeface="Courier"/>
-              </a:rPr>
-              <a:t># standard error of the sample mean</a:t>
-            </a:r>
-          </a:p>
-          <a:p>
-            <a:endParaRPr lang="en-US" sz="1400" dirty="0">
-              <a:solidFill>
-                <a:schemeClr val="bg1"/>
-              </a:solidFill>
-              <a:latin typeface="Courier"/>
-              <a:cs typeface="Courier"/>
-            </a:endParaRPr>
-          </a:p>
-          <a:p>
-            <a:r>
-              <a:rPr lang="en-US" sz="1400" dirty="0">
-                <a:solidFill>
-                  <a:schemeClr val="bg1"/>
-                </a:solidFill>
-                <a:latin typeface="Courier"/>
-                <a:cs typeface="Courier"/>
-              </a:rPr>
-              <a:t>conf  &lt;- 0.95                  </a:t>
-            </a:r>
-            <a:r>
-              <a:rPr lang="en-US" sz="1400" dirty="0">
-                <a:solidFill>
-                  <a:srgbClr val="FFFF00"/>
-                </a:solidFill>
-                <a:latin typeface="Courier"/>
-                <a:cs typeface="Courier"/>
-              </a:rPr>
-              <a:t># level of confidence</a:t>
-            </a:r>
-          </a:p>
-          <a:p>
-            <a:r>
-              <a:rPr lang="en-US" sz="1400" dirty="0">
-                <a:solidFill>
-                  <a:schemeClr val="bg1"/>
-                </a:solidFill>
-                <a:latin typeface="Courier"/>
-                <a:cs typeface="Courier"/>
-              </a:rPr>
-              <a:t>alpha &lt;- 1 - conf              </a:t>
-            </a:r>
-            <a:r>
-              <a:rPr lang="en-US" sz="1400" dirty="0">
-                <a:solidFill>
-                  <a:srgbClr val="FFFF00"/>
-                </a:solidFill>
-                <a:latin typeface="Courier"/>
-                <a:cs typeface="Courier"/>
-              </a:rPr>
-              <a:t># level of significance</a:t>
-            </a:r>
-          </a:p>
-          <a:p>
-            <a:r>
-              <a:rPr lang="en-US" sz="1400" dirty="0" err="1">
-                <a:solidFill>
-                  <a:schemeClr val="bg1"/>
-                </a:solidFill>
-                <a:latin typeface="Courier"/>
-                <a:cs typeface="Courier"/>
-              </a:rPr>
-              <a:t>tc</a:t>
-            </a:r>
-            <a:r>
-              <a:rPr lang="en-US" sz="1400" dirty="0">
-                <a:solidFill>
-                  <a:schemeClr val="bg1"/>
-                </a:solidFill>
-                <a:latin typeface="Courier"/>
-                <a:cs typeface="Courier"/>
-              </a:rPr>
-              <a:t> &lt;- qt(1 -alpha/2, df = n-1) </a:t>
-            </a:r>
-            <a:r>
-              <a:rPr lang="en-US" sz="1400" dirty="0">
-                <a:solidFill>
-                  <a:srgbClr val="FFFF00"/>
-                </a:solidFill>
-                <a:latin typeface="Courier"/>
-                <a:cs typeface="Courier"/>
-              </a:rPr>
-              <a:t># </a:t>
-            </a:r>
-            <a:r>
-              <a:rPr lang="en-US" sz="1400" dirty="0" err="1">
-                <a:solidFill>
-                  <a:srgbClr val="FFFF00"/>
-                </a:solidFill>
-                <a:latin typeface="Courier"/>
-                <a:cs typeface="Courier"/>
-              </a:rPr>
-              <a:t>tc</a:t>
-            </a:r>
-            <a:r>
-              <a:rPr lang="en-US" sz="1400" dirty="0">
-                <a:solidFill>
-                  <a:srgbClr val="FFFF00"/>
-                </a:solidFill>
-                <a:latin typeface="Courier"/>
-                <a:cs typeface="Courier"/>
-              </a:rPr>
-              <a:t> for a two-sided CI</a:t>
-            </a:r>
-          </a:p>
-          <a:p>
-            <a:endParaRPr lang="en-US" sz="1400" dirty="0">
-              <a:solidFill>
-                <a:schemeClr val="bg1"/>
-              </a:solidFill>
-              <a:latin typeface="Courier"/>
-              <a:cs typeface="Courier"/>
-            </a:endParaRPr>
-          </a:p>
-          <a:p>
-            <a:r>
-              <a:rPr lang="en-US" sz="1400" dirty="0" err="1">
-                <a:solidFill>
-                  <a:schemeClr val="bg1"/>
-                </a:solidFill>
-                <a:latin typeface="Courier"/>
-                <a:cs typeface="Courier"/>
-              </a:rPr>
-              <a:t>xbar.lo</a:t>
-            </a:r>
-            <a:r>
-              <a:rPr lang="en-US" sz="1400" dirty="0">
-                <a:solidFill>
-                  <a:schemeClr val="bg1"/>
-                </a:solidFill>
-                <a:latin typeface="Courier"/>
-                <a:cs typeface="Courier"/>
-              </a:rPr>
-              <a:t> &lt;- </a:t>
-            </a:r>
-            <a:r>
-              <a:rPr lang="en-US" sz="1400" dirty="0" err="1">
-                <a:solidFill>
-                  <a:schemeClr val="bg1"/>
-                </a:solidFill>
-                <a:latin typeface="Courier"/>
-                <a:cs typeface="Courier"/>
-              </a:rPr>
-              <a:t>xbar</a:t>
-            </a:r>
-            <a:r>
-              <a:rPr lang="en-US" sz="1400" dirty="0">
-                <a:solidFill>
-                  <a:schemeClr val="bg1"/>
-                </a:solidFill>
-                <a:latin typeface="Courier"/>
-                <a:cs typeface="Courier"/>
-              </a:rPr>
-              <a:t> - </a:t>
-            </a:r>
-            <a:r>
-              <a:rPr lang="en-US" sz="1400" dirty="0" err="1">
-                <a:solidFill>
-                  <a:schemeClr val="bg1"/>
-                </a:solidFill>
-                <a:latin typeface="Courier"/>
-                <a:cs typeface="Courier"/>
-              </a:rPr>
-              <a:t>tc</a:t>
-            </a:r>
-            <a:r>
-              <a:rPr lang="en-US" sz="1400" dirty="0">
-                <a:solidFill>
-                  <a:schemeClr val="bg1"/>
-                </a:solidFill>
-                <a:latin typeface="Courier"/>
-                <a:cs typeface="Courier"/>
-              </a:rPr>
-              <a:t>*se</a:t>
-            </a:r>
-          </a:p>
-          <a:p>
-            <a:r>
-              <a:rPr lang="en-US" sz="1400" dirty="0" err="1">
-                <a:solidFill>
-                  <a:schemeClr val="bg1"/>
-                </a:solidFill>
-                <a:latin typeface="Courier"/>
-                <a:cs typeface="Courier"/>
-              </a:rPr>
-              <a:t>xbar.hi</a:t>
-            </a:r>
-            <a:r>
-              <a:rPr lang="en-US" sz="1400" dirty="0">
-                <a:solidFill>
-                  <a:schemeClr val="bg1"/>
-                </a:solidFill>
-                <a:latin typeface="Courier"/>
-                <a:cs typeface="Courier"/>
-              </a:rPr>
-              <a:t> &lt;- </a:t>
-            </a:r>
-            <a:r>
-              <a:rPr lang="en-US" sz="1400" dirty="0" err="1">
-                <a:solidFill>
-                  <a:schemeClr val="bg1"/>
-                </a:solidFill>
-                <a:latin typeface="Courier"/>
-                <a:cs typeface="Courier"/>
-              </a:rPr>
-              <a:t>xbar</a:t>
-            </a:r>
-            <a:r>
-              <a:rPr lang="en-US" sz="1400" dirty="0">
-                <a:solidFill>
-                  <a:schemeClr val="bg1"/>
-                </a:solidFill>
-                <a:latin typeface="Courier"/>
-                <a:cs typeface="Courier"/>
-              </a:rPr>
-              <a:t> + </a:t>
-            </a:r>
-            <a:r>
-              <a:rPr lang="en-US" sz="1400" dirty="0" err="1">
-                <a:solidFill>
-                  <a:schemeClr val="bg1"/>
-                </a:solidFill>
-                <a:latin typeface="Courier"/>
-                <a:cs typeface="Courier"/>
-              </a:rPr>
-              <a:t>tc</a:t>
-            </a:r>
-            <a:r>
-              <a:rPr lang="en-US" sz="1400" dirty="0">
-                <a:solidFill>
-                  <a:schemeClr val="bg1"/>
-                </a:solidFill>
-                <a:latin typeface="Courier"/>
-                <a:cs typeface="Courier"/>
-              </a:rPr>
-              <a:t>*se</a:t>
-            </a:r>
-          </a:p>
-          <a:p>
-            <a:r>
-              <a:rPr lang="en-US" sz="1400" dirty="0">
-                <a:solidFill>
-                  <a:schemeClr val="bg1"/>
-                </a:solidFill>
-                <a:latin typeface="Courier"/>
-                <a:cs typeface="Courier"/>
-              </a:rPr>
-              <a:t>c(</a:t>
-            </a:r>
-            <a:r>
-              <a:rPr lang="en-US" sz="1400" dirty="0" err="1">
-                <a:solidFill>
-                  <a:schemeClr val="bg1"/>
-                </a:solidFill>
-                <a:latin typeface="Courier"/>
-                <a:cs typeface="Courier"/>
-              </a:rPr>
-              <a:t>xbar.lo</a:t>
-            </a:r>
-            <a:r>
-              <a:rPr lang="en-US" sz="1400" dirty="0">
-                <a:solidFill>
-                  <a:schemeClr val="bg1"/>
-                </a:solidFill>
-                <a:latin typeface="Courier"/>
-                <a:cs typeface="Courier"/>
-              </a:rPr>
-              <a:t>, </a:t>
-            </a:r>
-            <a:r>
-              <a:rPr lang="en-US" sz="1400" dirty="0" err="1">
-                <a:solidFill>
-                  <a:schemeClr val="bg1"/>
-                </a:solidFill>
-                <a:latin typeface="Courier"/>
-                <a:cs typeface="Courier"/>
-              </a:rPr>
-              <a:t>xbar.hi</a:t>
-            </a:r>
-            <a:r>
-              <a:rPr lang="en-US" sz="1400" dirty="0">
-                <a:solidFill>
-                  <a:schemeClr val="bg1"/>
-                </a:solidFill>
-                <a:latin typeface="Courier"/>
-                <a:cs typeface="Courier"/>
-              </a:rPr>
-              <a:t>)            </a:t>
-            </a:r>
-            <a:r>
-              <a:rPr lang="en-US" sz="1400" dirty="0">
-                <a:solidFill>
-                  <a:srgbClr val="FFFF00"/>
-                </a:solidFill>
-                <a:latin typeface="Courier"/>
-                <a:cs typeface="Courier"/>
-              </a:rPr>
-              <a:t># </a:t>
-            </a:r>
-            <a:r>
-              <a:rPr lang="en-US" sz="1400" dirty="0" err="1">
-                <a:solidFill>
-                  <a:srgbClr val="FFFF00"/>
-                </a:solidFill>
-                <a:latin typeface="Courier"/>
-                <a:cs typeface="Courier"/>
-              </a:rPr>
-              <a:t>Condifence</a:t>
-            </a:r>
-            <a:r>
-              <a:rPr lang="en-US" sz="1400" dirty="0">
-                <a:solidFill>
-                  <a:srgbClr val="FFFF00"/>
-                </a:solidFill>
-                <a:latin typeface="Courier"/>
-                <a:cs typeface="Courier"/>
-              </a:rPr>
-              <a:t> interval for the mean</a:t>
-            </a:r>
-          </a:p>
-          <a:p>
-            <a:endParaRPr lang="en-US" sz="1400" dirty="0">
-              <a:solidFill>
-                <a:schemeClr val="bg1"/>
-              </a:solidFill>
-              <a:latin typeface="Courier"/>
-              <a:cs typeface="Courier"/>
+            <a:pPr marL="1257300" lvl="2" indent="-342900">
+              <a:buFont typeface="Arial"/>
+              <a:buChar char="•"/>
+            </a:pPr>
+            <a:r>
+              <a:rPr lang="en-US" sz="2400" dirty="0">
+                <a:latin typeface="Times New Roman"/>
+                <a:cs typeface="Times New Roman"/>
+              </a:rPr>
+              <a:t>Draw a Venn diagram for this scenario assuming A and B are not mutually exclusive. What would that mean?</a:t>
+            </a:r>
+          </a:p>
+          <a:p>
+            <a:pPr marL="1257300" lvl="2" indent="-342900">
+              <a:buFont typeface="Arial"/>
+              <a:buChar char="•"/>
+            </a:pPr>
+            <a:r>
+              <a:rPr lang="en-US" sz="2400" dirty="0">
+                <a:latin typeface="Times New Roman"/>
+                <a:cs typeface="Times New Roman"/>
+              </a:rPr>
+              <a:t>Compute</a:t>
+            </a:r>
+          </a:p>
+          <a:p>
+            <a:pPr marL="1257300" lvl="2" indent="-342900">
+              <a:buFont typeface="Arial"/>
+              <a:buChar char="•"/>
+            </a:pPr>
+            <a:r>
+              <a:rPr lang="en-US" sz="2400" dirty="0">
+                <a:latin typeface="Times New Roman"/>
+                <a:cs typeface="Times New Roman"/>
+              </a:rPr>
+              <a:t>Compute</a:t>
+            </a:r>
+          </a:p>
+          <a:p>
+            <a:pPr marL="1257300" lvl="2" indent="-342900">
+              <a:buFont typeface="Arial"/>
+              <a:buChar char="•"/>
+            </a:pPr>
+            <a:r>
+              <a:rPr lang="en-US" sz="2400" dirty="0">
+                <a:latin typeface="Times New Roman"/>
+                <a:cs typeface="Times New Roman"/>
+              </a:rPr>
+              <a:t>Compute</a:t>
+            </a:r>
+          </a:p>
+          <a:p>
+            <a:pPr marL="1257300" lvl="2" indent="-342900">
+              <a:buFont typeface="Arial"/>
+              <a:buChar char="•"/>
+            </a:pPr>
+            <a:r>
+              <a:rPr lang="en-US" sz="2400" dirty="0">
+                <a:latin typeface="Times New Roman"/>
+                <a:cs typeface="Times New Roman"/>
+              </a:rPr>
+              <a:t>Compute </a:t>
+            </a:r>
+          </a:p>
+          <a:p>
+            <a:pPr lvl="2"/>
+            <a:endParaRPr lang="en-US" sz="2400" dirty="0">
+              <a:latin typeface="Times New Roman"/>
+              <a:cs typeface="Times New Roman"/>
             </a:endParaRPr>
           </a:p>
         </p:txBody>
       </p:sp>
       <p:pic>
         <p:nvPicPr>
-          <p:cNvPr id="6" name="Picture 5">
-            <a:extLst>
-              <a:ext uri="{FF2B5EF4-FFF2-40B4-BE49-F238E27FC236}">
-                <a16:creationId xmlns:a16="http://schemas.microsoft.com/office/drawing/2014/main" id="{63D66F84-5134-D149-9807-FDD47C9530F3}"/>
-              </a:ext>
-            </a:extLst>
-          </p:cNvPr>
+          <p:cNvPr id="3" name="Picture 2" descr="latex-image-1.pdf"/>
           <p:cNvPicPr>
             <a:picLocks noChangeAspect="1"/>
           </p:cNvPicPr>
           <p:nvPr/>
         </p:nvPicPr>
         <p:blipFill>
-          <a:blip r:embed="rId3"/>
+          <a:blip r:embed="rId3">
+            <a:extLst>
+              <a:ext uri="{28A0092B-C50C-407E-A947-70E740481C1C}">
+                <a14:useLocalDpi xmlns:a14="http://schemas.microsoft.com/office/drawing/2010/main" val="0"/>
+              </a:ext>
+            </a:extLst>
+          </a:blip>
           <a:stretch>
             <a:fillRect/>
           </a:stretch>
         </p:blipFill>
         <p:spPr>
           <a:xfrm>
-            <a:off x="5408386" y="4971143"/>
-            <a:ext cx="6663871" cy="581046"/>
+            <a:off x="4071364" y="4294151"/>
+            <a:ext cx="1415206" cy="331409"/>
+          </a:xfrm>
+          <a:prstGeom prst="rect">
+            <a:avLst/>
+          </a:prstGeom>
+        </p:spPr>
+      </p:pic>
+      <p:pic>
+        <p:nvPicPr>
+          <p:cNvPr id="9" name="Picture 8" descr="latex-image-1.pdf"/>
+          <p:cNvPicPr>
+            <a:picLocks noChangeAspect="1"/>
+          </p:cNvPicPr>
+          <p:nvPr/>
+        </p:nvPicPr>
+        <p:blipFill>
+          <a:blip r:embed="rId4">
+            <a:extLst>
+              <a:ext uri="{28A0092B-C50C-407E-A947-70E740481C1C}">
+                <a14:useLocalDpi xmlns:a14="http://schemas.microsoft.com/office/drawing/2010/main" val="0"/>
+              </a:ext>
+            </a:extLst>
+          </a:blip>
+          <a:stretch>
+            <a:fillRect/>
+          </a:stretch>
+        </p:blipFill>
+        <p:spPr>
+          <a:xfrm>
+            <a:off x="4058934" y="4658785"/>
+            <a:ext cx="1565811" cy="325477"/>
+          </a:xfrm>
+          <a:prstGeom prst="rect">
+            <a:avLst/>
+          </a:prstGeom>
+        </p:spPr>
+      </p:pic>
+      <p:pic>
+        <p:nvPicPr>
+          <p:cNvPr id="10" name="Picture 9" descr="latex-image-1.pdf"/>
+          <p:cNvPicPr>
+            <a:picLocks noChangeAspect="1"/>
+          </p:cNvPicPr>
+          <p:nvPr/>
+        </p:nvPicPr>
+        <p:blipFill>
+          <a:blip r:embed="rId5">
+            <a:extLst>
+              <a:ext uri="{28A0092B-C50C-407E-A947-70E740481C1C}">
+                <a14:useLocalDpi xmlns:a14="http://schemas.microsoft.com/office/drawing/2010/main" val="0"/>
+              </a:ext>
+            </a:extLst>
+          </a:blip>
+          <a:stretch>
+            <a:fillRect/>
+          </a:stretch>
+        </p:blipFill>
+        <p:spPr>
+          <a:xfrm>
+            <a:off x="4084593" y="3955844"/>
+            <a:ext cx="905199" cy="338307"/>
+          </a:xfrm>
+          <a:prstGeom prst="rect">
+            <a:avLst/>
+          </a:prstGeom>
+        </p:spPr>
+      </p:pic>
+      <p:pic>
+        <p:nvPicPr>
+          <p:cNvPr id="11" name="Picture 10"/>
+          <p:cNvPicPr>
+            <a:picLocks noChangeAspect="1"/>
+          </p:cNvPicPr>
+          <p:nvPr/>
+        </p:nvPicPr>
+        <p:blipFill rotWithShape="1">
+          <a:blip r:embed="rId6"/>
+          <a:srcRect l="56550"/>
+          <a:stretch/>
+        </p:blipFill>
+        <p:spPr>
+          <a:xfrm>
+            <a:off x="3972874" y="4982279"/>
+            <a:ext cx="1612186" cy="378796"/>
           </a:xfrm>
           <a:prstGeom prst="rect">
             <a:avLst/>
@@ -10078,7 +11090,1642 @@
     </p:spTree>
     <p:extLst>
       <p:ext uri="{BB962C8B-B14F-4D97-AF65-F5344CB8AC3E}">
-        <p14:creationId xmlns:p14="http://schemas.microsoft.com/office/powerpoint/2010/main" val="1547993473"/>
+        <p14:creationId xmlns:p14="http://schemas.microsoft.com/office/powerpoint/2010/main" val="2325283506"/>
+      </p:ext>
+    </p:extLst>
+  </p:cSld>
+  <p:clrMapOvr>
+    <a:masterClrMapping/>
+  </p:clrMapOvr>
+</p:sld>
+</file>
+
+<file path=ppt/slides/slide7.xml><?xml version="1.0" encoding="utf-8"?>
+<p:sld xmlns:a="http://schemas.openxmlformats.org/drawingml/2006/main" xmlns:r="http://schemas.openxmlformats.org/officeDocument/2006/relationships" xmlns:p="http://schemas.openxmlformats.org/presentationml/2006/main">
+  <p:cSld>
+    <p:spTree>
+      <p:nvGrpSpPr>
+        <p:cNvPr id="1" name=""/>
+        <p:cNvGrpSpPr/>
+        <p:nvPr/>
+      </p:nvGrpSpPr>
+      <p:grpSpPr>
+        <a:xfrm>
+          <a:off x="0" y="0"/>
+          <a:ext cx="0" cy="0"/>
+          <a:chOff x="0" y="0"/>
+          <a:chExt cx="0" cy="0"/>
+        </a:xfrm>
+      </p:grpSpPr>
+      <p:sp>
+        <p:nvSpPr>
+          <p:cNvPr id="4" name="Rectangle 1"/>
+          <p:cNvSpPr>
+            <a:spLocks noChangeArrowheads="1"/>
+          </p:cNvSpPr>
+          <p:nvPr/>
+        </p:nvSpPr>
+        <p:spPr bwMode="auto">
+          <a:xfrm>
+            <a:off x="1524000" y="279102"/>
+            <a:ext cx="9104312" cy="871324"/>
+          </a:xfrm>
+          <a:prstGeom prst="rect">
+            <a:avLst/>
+          </a:prstGeom>
+          <a:noFill/>
+          <a:ln w="9525">
+            <a:noFill/>
+            <a:round/>
+            <a:headEnd/>
+            <a:tailEnd/>
+          </a:ln>
+        </p:spPr>
+        <p:txBody>
+          <a:bodyPr lIns="0" tIns="0" rIns="0" bIns="0" anchor="ctr"/>
+          <a:lstStyle/>
+          <a:p>
+            <a:pPr algn="ctr" hangingPunct="0">
+              <a:lnSpc>
+                <a:spcPct val="98000"/>
+              </a:lnSpc>
+              <a:buSzPct val="45000"/>
+              <a:tabLst>
+                <a:tab pos="0" algn="l"/>
+                <a:tab pos="914400" algn="l"/>
+                <a:tab pos="1828800" algn="l"/>
+                <a:tab pos="2743200" algn="l"/>
+                <a:tab pos="3657600" algn="l"/>
+                <a:tab pos="4572000" algn="l"/>
+                <a:tab pos="5486400" algn="l"/>
+                <a:tab pos="6400800" algn="l"/>
+                <a:tab pos="7315200" algn="l"/>
+                <a:tab pos="8229600" algn="l"/>
+                <a:tab pos="9144000" algn="l"/>
+                <a:tab pos="10058400" algn="l"/>
+              </a:tabLst>
+            </a:pPr>
+            <a:r>
+              <a:rPr lang="en-US" sz="4000" dirty="0">
+                <a:latin typeface="Times New Roman" pitchFamily="18" charset="0"/>
+                <a:cs typeface="Times New Roman" pitchFamily="18" charset="0"/>
+              </a:rPr>
+              <a:t>Example</a:t>
+            </a:r>
+          </a:p>
+        </p:txBody>
+      </p:sp>
+      <p:pic>
+        <p:nvPicPr>
+          <p:cNvPr id="5" name="Picture 2"/>
+          <p:cNvPicPr>
+            <a:picLocks noChangeAspect="1" noChangeArrowheads="1"/>
+          </p:cNvPicPr>
+          <p:nvPr/>
+        </p:nvPicPr>
+        <p:blipFill>
+          <a:blip r:embed="rId3" cstate="print"/>
+          <a:srcRect/>
+          <a:stretch>
+            <a:fillRect/>
+          </a:stretch>
+        </p:blipFill>
+        <p:spPr bwMode="auto">
+          <a:xfrm>
+            <a:off x="2008188" y="76200"/>
+            <a:ext cx="8202612" cy="239712"/>
+          </a:xfrm>
+          <a:prstGeom prst="rect">
+            <a:avLst/>
+          </a:prstGeom>
+          <a:noFill/>
+          <a:ln w="9525">
+            <a:noFill/>
+            <a:round/>
+            <a:headEnd/>
+            <a:tailEnd/>
+          </a:ln>
+        </p:spPr>
+      </p:pic>
+      <p:sp>
+        <p:nvSpPr>
+          <p:cNvPr id="6" name="Rectangle 5"/>
+          <p:cNvSpPr/>
+          <p:nvPr/>
+        </p:nvSpPr>
+        <p:spPr>
+          <a:xfrm>
+            <a:off x="1524000" y="1075047"/>
+            <a:ext cx="9144000" cy="830997"/>
+          </a:xfrm>
+          <a:prstGeom prst="rect">
+            <a:avLst/>
+          </a:prstGeom>
+        </p:spPr>
+        <p:txBody>
+          <a:bodyPr wrap="square">
+            <a:spAutoFit/>
+          </a:bodyPr>
+          <a:lstStyle/>
+          <a:p>
+            <a:pPr lvl="2"/>
+            <a:r>
+              <a:rPr lang="en-US" sz="2400" i="1" u="sng" dirty="0">
+                <a:latin typeface="Times New Roman"/>
+                <a:cs typeface="Times New Roman"/>
+              </a:rPr>
+              <a:t>It isn’t necessary to use R for this question</a:t>
+            </a:r>
+            <a:r>
+              <a:rPr lang="en-US" sz="2400" dirty="0">
+                <a:latin typeface="Times New Roman"/>
+                <a:cs typeface="Times New Roman"/>
+              </a:rPr>
+              <a:t>. All you need for most probability problems is a calculator.</a:t>
+            </a:r>
+          </a:p>
+        </p:txBody>
+      </p:sp>
+      <p:sp>
+        <p:nvSpPr>
+          <p:cNvPr id="8" name="TextBox 7"/>
+          <p:cNvSpPr txBox="1"/>
+          <p:nvPr/>
+        </p:nvSpPr>
+        <p:spPr>
+          <a:xfrm>
+            <a:off x="3333408" y="2069701"/>
+            <a:ext cx="5679372" cy="4185761"/>
+          </a:xfrm>
+          <a:prstGeom prst="rect">
+            <a:avLst/>
+          </a:prstGeom>
+          <a:solidFill>
+            <a:srgbClr val="000045"/>
+          </a:solidFill>
+        </p:spPr>
+        <p:txBody>
+          <a:bodyPr wrap="none" rtlCol="0">
+            <a:spAutoFit/>
+          </a:bodyPr>
+          <a:lstStyle/>
+          <a:p>
+            <a:r>
+              <a:rPr lang="en-US" sz="1400" dirty="0">
+                <a:solidFill>
+                  <a:srgbClr val="FFFF00"/>
+                </a:solidFill>
+                <a:latin typeface="Courier"/>
+                <a:cs typeface="Courier"/>
+              </a:rPr>
+              <a:t># Data from the question:</a:t>
+            </a:r>
+          </a:p>
+          <a:p>
+            <a:r>
+              <a:rPr lang="en-US" sz="1400" dirty="0">
+                <a:solidFill>
+                  <a:schemeClr val="bg1"/>
+                </a:solidFill>
+                <a:latin typeface="Courier"/>
+                <a:cs typeface="Courier"/>
+              </a:rPr>
+              <a:t>A &lt;- 0.49</a:t>
+            </a:r>
+          </a:p>
+          <a:p>
+            <a:r>
+              <a:rPr lang="en-US" sz="1400" dirty="0">
+                <a:solidFill>
+                  <a:schemeClr val="bg1"/>
+                </a:solidFill>
+                <a:latin typeface="Courier"/>
+                <a:cs typeface="Courier"/>
+              </a:rPr>
+              <a:t>B &lt;- 0.54</a:t>
+            </a:r>
+          </a:p>
+          <a:p>
+            <a:endParaRPr lang="en-US" sz="1400" dirty="0">
+              <a:solidFill>
+                <a:schemeClr val="bg1"/>
+              </a:solidFill>
+              <a:latin typeface="Courier"/>
+              <a:cs typeface="Courier"/>
+            </a:endParaRPr>
+          </a:p>
+          <a:p>
+            <a:r>
+              <a:rPr lang="en-US" sz="1400" dirty="0">
+                <a:solidFill>
+                  <a:srgbClr val="FFFF00"/>
+                </a:solidFill>
+                <a:latin typeface="Courier"/>
+                <a:cs typeface="Courier"/>
+              </a:rPr>
+              <a:t># </a:t>
+            </a:r>
+            <a:r>
+              <a:rPr lang="en-US" sz="1400" dirty="0" err="1">
+                <a:solidFill>
+                  <a:srgbClr val="FFFF00"/>
+                </a:solidFill>
+                <a:latin typeface="Courier"/>
+                <a:cs typeface="Courier"/>
+              </a:rPr>
+              <a:t>Pr</a:t>
+            </a:r>
+            <a:r>
+              <a:rPr lang="en-US" sz="1400" dirty="0">
+                <a:solidFill>
+                  <a:srgbClr val="FFFF00"/>
+                </a:solidFill>
+                <a:latin typeface="Courier"/>
+                <a:cs typeface="Courier"/>
+              </a:rPr>
+              <a:t>(A')</a:t>
+            </a:r>
+          </a:p>
+          <a:p>
+            <a:r>
+              <a:rPr lang="en-US" sz="1400" dirty="0">
+                <a:solidFill>
+                  <a:schemeClr val="bg1"/>
+                </a:solidFill>
+                <a:latin typeface="Courier"/>
+                <a:cs typeface="Courier"/>
+              </a:rPr>
+              <a:t>An &lt;- 1 - A</a:t>
+            </a:r>
+          </a:p>
+          <a:p>
+            <a:r>
+              <a:rPr lang="en-US" sz="1400" dirty="0">
+                <a:solidFill>
+                  <a:schemeClr val="bg1"/>
+                </a:solidFill>
+                <a:latin typeface="Courier"/>
+                <a:cs typeface="Courier"/>
+              </a:rPr>
+              <a:t>An</a:t>
+            </a:r>
+          </a:p>
+          <a:p>
+            <a:endParaRPr lang="en-US" sz="1400" dirty="0">
+              <a:solidFill>
+                <a:schemeClr val="bg1"/>
+              </a:solidFill>
+              <a:latin typeface="Courier"/>
+              <a:cs typeface="Courier"/>
+            </a:endParaRPr>
+          </a:p>
+          <a:p>
+            <a:r>
+              <a:rPr lang="en-US" sz="1400" dirty="0">
+                <a:solidFill>
+                  <a:srgbClr val="FFFF00"/>
+                </a:solidFill>
+                <a:latin typeface="Courier"/>
+                <a:cs typeface="Courier"/>
+              </a:rPr>
+              <a:t># </a:t>
+            </a:r>
+            <a:r>
+              <a:rPr lang="en-US" sz="1400" dirty="0" err="1">
+                <a:solidFill>
+                  <a:srgbClr val="FFFF00"/>
+                </a:solidFill>
+                <a:latin typeface="Courier"/>
+                <a:cs typeface="Courier"/>
+              </a:rPr>
+              <a:t>Pr</a:t>
+            </a:r>
+            <a:r>
+              <a:rPr lang="en-US" sz="1400" dirty="0">
+                <a:solidFill>
+                  <a:srgbClr val="FFFF00"/>
+                </a:solidFill>
+                <a:latin typeface="Courier"/>
+                <a:cs typeface="Courier"/>
+              </a:rPr>
+              <a:t>(A union B) = </a:t>
+            </a:r>
+            <a:r>
+              <a:rPr lang="en-US" sz="1400" dirty="0" err="1">
+                <a:solidFill>
+                  <a:srgbClr val="FFFF00"/>
+                </a:solidFill>
+                <a:latin typeface="Courier"/>
+                <a:cs typeface="Courier"/>
+              </a:rPr>
+              <a:t>Pr</a:t>
+            </a:r>
+            <a:r>
+              <a:rPr lang="en-US" sz="1400" dirty="0">
+                <a:solidFill>
+                  <a:srgbClr val="FFFF00"/>
+                </a:solidFill>
+                <a:latin typeface="Courier"/>
+                <a:cs typeface="Courier"/>
+              </a:rPr>
+              <a:t>(A) + </a:t>
+            </a:r>
+            <a:r>
+              <a:rPr lang="en-US" sz="1400" dirty="0" err="1">
+                <a:solidFill>
+                  <a:srgbClr val="FFFF00"/>
+                </a:solidFill>
+                <a:latin typeface="Courier"/>
+                <a:cs typeface="Courier"/>
+              </a:rPr>
+              <a:t>Pr</a:t>
+            </a:r>
+            <a:r>
+              <a:rPr lang="en-US" sz="1400" dirty="0">
+                <a:solidFill>
+                  <a:srgbClr val="FFFF00"/>
+                </a:solidFill>
+                <a:latin typeface="Courier"/>
+                <a:cs typeface="Courier"/>
+              </a:rPr>
+              <a:t>(B) - </a:t>
+            </a:r>
+            <a:r>
+              <a:rPr lang="en-US" sz="1400" dirty="0" err="1">
+                <a:solidFill>
+                  <a:srgbClr val="FFFF00"/>
+                </a:solidFill>
+                <a:latin typeface="Courier"/>
+                <a:cs typeface="Courier"/>
+              </a:rPr>
+              <a:t>Pr</a:t>
+            </a:r>
+            <a:r>
+              <a:rPr lang="en-US" sz="1400" dirty="0">
+                <a:solidFill>
+                  <a:srgbClr val="FFFF00"/>
+                </a:solidFill>
+                <a:latin typeface="Courier"/>
+                <a:cs typeface="Courier"/>
+              </a:rPr>
+              <a:t>(A intersect B)</a:t>
+            </a:r>
+          </a:p>
+          <a:p>
+            <a:r>
+              <a:rPr lang="en-US" sz="1400" dirty="0" err="1">
+                <a:solidFill>
+                  <a:schemeClr val="bg1"/>
+                </a:solidFill>
+                <a:latin typeface="Courier"/>
+                <a:cs typeface="Courier"/>
+              </a:rPr>
+              <a:t>AandB</a:t>
+            </a:r>
+            <a:r>
+              <a:rPr lang="en-US" sz="1400" dirty="0">
+                <a:solidFill>
+                  <a:schemeClr val="bg1"/>
+                </a:solidFill>
+                <a:latin typeface="Courier"/>
+                <a:cs typeface="Courier"/>
+              </a:rPr>
+              <a:t> &lt;- ((A+B) - 1)</a:t>
+            </a:r>
+          </a:p>
+          <a:p>
+            <a:r>
+              <a:rPr lang="en-US" sz="1400" dirty="0" err="1">
+                <a:solidFill>
+                  <a:schemeClr val="bg1"/>
+                </a:solidFill>
+                <a:latin typeface="Courier"/>
+                <a:cs typeface="Courier"/>
+              </a:rPr>
+              <a:t>AandB</a:t>
+            </a:r>
+            <a:endParaRPr lang="en-US" sz="1400" dirty="0">
+              <a:solidFill>
+                <a:schemeClr val="bg1"/>
+              </a:solidFill>
+              <a:latin typeface="Courier"/>
+              <a:cs typeface="Courier"/>
+            </a:endParaRPr>
+          </a:p>
+          <a:p>
+            <a:r>
+              <a:rPr lang="en-US" sz="1400" dirty="0" err="1">
+                <a:solidFill>
+                  <a:schemeClr val="bg1"/>
+                </a:solidFill>
+                <a:latin typeface="Courier"/>
+                <a:cs typeface="Courier"/>
+              </a:rPr>
+              <a:t>AorB</a:t>
+            </a:r>
+            <a:r>
+              <a:rPr lang="en-US" sz="1400" dirty="0">
+                <a:solidFill>
+                  <a:schemeClr val="bg1"/>
+                </a:solidFill>
+                <a:latin typeface="Courier"/>
+                <a:cs typeface="Courier"/>
+              </a:rPr>
+              <a:t> &lt;- A + B - </a:t>
+            </a:r>
+            <a:r>
+              <a:rPr lang="en-US" sz="1400" dirty="0" err="1">
+                <a:solidFill>
+                  <a:schemeClr val="bg1"/>
+                </a:solidFill>
+                <a:latin typeface="Courier"/>
+                <a:cs typeface="Courier"/>
+              </a:rPr>
+              <a:t>AandB</a:t>
+            </a:r>
+            <a:endParaRPr lang="en-US" sz="1400" dirty="0">
+              <a:solidFill>
+                <a:schemeClr val="bg1"/>
+              </a:solidFill>
+              <a:latin typeface="Courier"/>
+              <a:cs typeface="Courier"/>
+            </a:endParaRPr>
+          </a:p>
+          <a:p>
+            <a:r>
+              <a:rPr lang="en-US" sz="1400" dirty="0" err="1">
+                <a:solidFill>
+                  <a:schemeClr val="bg1"/>
+                </a:solidFill>
+                <a:latin typeface="Courier"/>
+                <a:cs typeface="Courier"/>
+              </a:rPr>
+              <a:t>AorB</a:t>
+            </a:r>
+            <a:endParaRPr lang="en-US" sz="1400" dirty="0">
+              <a:solidFill>
+                <a:schemeClr val="bg1"/>
+              </a:solidFill>
+              <a:latin typeface="Courier"/>
+              <a:cs typeface="Courier"/>
+            </a:endParaRPr>
+          </a:p>
+          <a:p>
+            <a:endParaRPr lang="en-US" sz="1400" dirty="0">
+              <a:solidFill>
+                <a:srgbClr val="3366FF"/>
+              </a:solidFill>
+              <a:latin typeface="Courier"/>
+              <a:cs typeface="Courier"/>
+            </a:endParaRPr>
+          </a:p>
+          <a:p>
+            <a:r>
+              <a:rPr lang="en-US" sz="1400" dirty="0">
+                <a:solidFill>
+                  <a:srgbClr val="FFFF00"/>
+                </a:solidFill>
+                <a:latin typeface="Courier"/>
+                <a:cs typeface="Courier"/>
+              </a:rPr>
+              <a:t># </a:t>
+            </a:r>
+            <a:r>
+              <a:rPr lang="en-US" sz="1400" dirty="0" err="1">
+                <a:solidFill>
+                  <a:srgbClr val="FFFF00"/>
+                </a:solidFill>
+                <a:latin typeface="Courier"/>
+                <a:cs typeface="Courier"/>
+              </a:rPr>
+              <a:t>Pr</a:t>
+            </a:r>
+            <a:r>
+              <a:rPr lang="en-US" sz="1400" dirty="0">
+                <a:solidFill>
+                  <a:srgbClr val="FFFF00"/>
+                </a:solidFill>
+                <a:latin typeface="Courier"/>
+                <a:cs typeface="Courier"/>
+              </a:rPr>
+              <a:t>(A' and B') = </a:t>
+            </a:r>
+            <a:r>
+              <a:rPr lang="en-US" sz="1400" dirty="0" err="1">
+                <a:solidFill>
+                  <a:srgbClr val="FFFF00"/>
+                </a:solidFill>
+                <a:latin typeface="Courier"/>
+                <a:cs typeface="Courier"/>
+              </a:rPr>
+              <a:t>Pr</a:t>
+            </a:r>
+            <a:r>
+              <a:rPr lang="en-US" sz="1400" dirty="0">
+                <a:solidFill>
+                  <a:srgbClr val="FFFF00"/>
+                </a:solidFill>
+                <a:latin typeface="Courier"/>
+                <a:cs typeface="Courier"/>
+              </a:rPr>
+              <a:t>( (A or B)' )</a:t>
+            </a:r>
+          </a:p>
+          <a:p>
+            <a:r>
+              <a:rPr lang="en-US" sz="1400" dirty="0">
+                <a:solidFill>
+                  <a:schemeClr val="bg1"/>
+                </a:solidFill>
+                <a:latin typeface="Courier"/>
+                <a:cs typeface="Courier"/>
+              </a:rPr>
+              <a:t>1-AorB</a:t>
+            </a:r>
+          </a:p>
+          <a:p>
+            <a:endParaRPr lang="en-US" sz="1400" dirty="0">
+              <a:solidFill>
+                <a:srgbClr val="3366FF"/>
+              </a:solidFill>
+              <a:latin typeface="Courier"/>
+              <a:cs typeface="Courier"/>
+            </a:endParaRPr>
+          </a:p>
+          <a:p>
+            <a:r>
+              <a:rPr lang="en-US" sz="1400" dirty="0">
+                <a:solidFill>
+                  <a:srgbClr val="FFFF00"/>
+                </a:solidFill>
+                <a:latin typeface="Courier"/>
+                <a:cs typeface="Courier"/>
+              </a:rPr>
+              <a:t># </a:t>
+            </a:r>
+            <a:r>
+              <a:rPr lang="en-US" sz="1400" dirty="0" err="1">
+                <a:solidFill>
+                  <a:srgbClr val="FFFF00"/>
+                </a:solidFill>
+                <a:latin typeface="Courier"/>
+                <a:cs typeface="Courier"/>
+              </a:rPr>
+              <a:t>Pr</a:t>
+            </a:r>
+            <a:r>
+              <a:rPr lang="en-US" sz="1400" dirty="0">
+                <a:solidFill>
+                  <a:srgbClr val="FFFF00"/>
+                </a:solidFill>
+                <a:latin typeface="Courier"/>
+                <a:cs typeface="Courier"/>
+              </a:rPr>
+              <a:t>(A' or B') = </a:t>
+            </a:r>
+            <a:r>
+              <a:rPr lang="en-US" sz="1400" dirty="0" err="1">
+                <a:solidFill>
+                  <a:srgbClr val="FFFF00"/>
+                </a:solidFill>
+                <a:latin typeface="Courier"/>
+                <a:cs typeface="Courier"/>
+              </a:rPr>
+              <a:t>Pr</a:t>
+            </a:r>
+            <a:r>
+              <a:rPr lang="en-US" sz="1400" dirty="0">
+                <a:solidFill>
+                  <a:srgbClr val="FFFF00"/>
+                </a:solidFill>
+                <a:latin typeface="Courier"/>
+                <a:cs typeface="Courier"/>
+              </a:rPr>
+              <a:t>( (A and B)' )</a:t>
+            </a:r>
+          </a:p>
+          <a:p>
+            <a:r>
+              <a:rPr lang="en-US" sz="1400" dirty="0">
+                <a:solidFill>
+                  <a:schemeClr val="bg1"/>
+                </a:solidFill>
+                <a:latin typeface="Courier"/>
+                <a:cs typeface="Courier"/>
+              </a:rPr>
+              <a:t>1 - </a:t>
+            </a:r>
+            <a:r>
+              <a:rPr lang="en-US" sz="1400" dirty="0" err="1">
+                <a:solidFill>
+                  <a:schemeClr val="bg1"/>
+                </a:solidFill>
+                <a:latin typeface="Courier"/>
+                <a:cs typeface="Courier"/>
+              </a:rPr>
+              <a:t>AandB</a:t>
+            </a:r>
+            <a:endParaRPr lang="en-US" sz="1400" dirty="0">
+              <a:solidFill>
+                <a:schemeClr val="bg1"/>
+              </a:solidFill>
+              <a:latin typeface="Courier"/>
+              <a:cs typeface="Courier"/>
+            </a:endParaRPr>
+          </a:p>
+        </p:txBody>
+      </p:sp>
+    </p:spTree>
+    <p:extLst>
+      <p:ext uri="{BB962C8B-B14F-4D97-AF65-F5344CB8AC3E}">
+        <p14:creationId xmlns:p14="http://schemas.microsoft.com/office/powerpoint/2010/main" val="394017790"/>
+      </p:ext>
+    </p:extLst>
+  </p:cSld>
+  <p:clrMapOvr>
+    <a:masterClrMapping/>
+  </p:clrMapOvr>
+</p:sld>
+</file>
+
+<file path=ppt/slides/slide8.xml><?xml version="1.0" encoding="utf-8"?>
+<p:sld xmlns:a="http://schemas.openxmlformats.org/drawingml/2006/main" xmlns:r="http://schemas.openxmlformats.org/officeDocument/2006/relationships" xmlns:p="http://schemas.openxmlformats.org/presentationml/2006/main">
+  <p:cSld>
+    <p:spTree>
+      <p:nvGrpSpPr>
+        <p:cNvPr id="1" name=""/>
+        <p:cNvGrpSpPr/>
+        <p:nvPr/>
+      </p:nvGrpSpPr>
+      <p:grpSpPr>
+        <a:xfrm>
+          <a:off x="0" y="0"/>
+          <a:ext cx="0" cy="0"/>
+          <a:chOff x="0" y="0"/>
+          <a:chExt cx="0" cy="0"/>
+        </a:xfrm>
+      </p:grpSpPr>
+      <p:sp>
+        <p:nvSpPr>
+          <p:cNvPr id="5" name="Rectangle 1"/>
+          <p:cNvSpPr>
+            <a:spLocks noChangeArrowheads="1"/>
+          </p:cNvSpPr>
+          <p:nvPr/>
+        </p:nvSpPr>
+        <p:spPr bwMode="auto">
+          <a:xfrm>
+            <a:off x="1524000" y="279102"/>
+            <a:ext cx="9104312" cy="871324"/>
+          </a:xfrm>
+          <a:prstGeom prst="rect">
+            <a:avLst/>
+          </a:prstGeom>
+          <a:noFill/>
+          <a:ln w="9525">
+            <a:noFill/>
+            <a:round/>
+            <a:headEnd/>
+            <a:tailEnd/>
+          </a:ln>
+        </p:spPr>
+        <p:txBody>
+          <a:bodyPr lIns="0" tIns="0" rIns="0" bIns="0" anchor="ctr"/>
+          <a:lstStyle/>
+          <a:p>
+            <a:pPr algn="ctr" hangingPunct="0">
+              <a:lnSpc>
+                <a:spcPct val="98000"/>
+              </a:lnSpc>
+              <a:buSzPct val="45000"/>
+              <a:tabLst>
+                <a:tab pos="0" algn="l"/>
+                <a:tab pos="914400" algn="l"/>
+                <a:tab pos="1828800" algn="l"/>
+                <a:tab pos="2743200" algn="l"/>
+                <a:tab pos="3657600" algn="l"/>
+                <a:tab pos="4572000" algn="l"/>
+                <a:tab pos="5486400" algn="l"/>
+                <a:tab pos="6400800" algn="l"/>
+                <a:tab pos="7315200" algn="l"/>
+                <a:tab pos="8229600" algn="l"/>
+                <a:tab pos="9144000" algn="l"/>
+                <a:tab pos="10058400" algn="l"/>
+              </a:tabLst>
+            </a:pPr>
+            <a:r>
+              <a:rPr lang="en-US" sz="4000" dirty="0">
+                <a:latin typeface="Times New Roman" pitchFamily="18" charset="0"/>
+                <a:cs typeface="Times New Roman" pitchFamily="18" charset="0"/>
+              </a:rPr>
+              <a:t>Example: A medical test</a:t>
+            </a:r>
+            <a:endParaRPr lang="en-US" sz="4000" baseline="30000" dirty="0">
+              <a:latin typeface="Times New Roman" pitchFamily="18" charset="0"/>
+              <a:cs typeface="Times New Roman" pitchFamily="18" charset="0"/>
+            </a:endParaRPr>
+          </a:p>
+        </p:txBody>
+      </p:sp>
+      <p:pic>
+        <p:nvPicPr>
+          <p:cNvPr id="6" name="Picture 2"/>
+          <p:cNvPicPr>
+            <a:picLocks noChangeAspect="1" noChangeArrowheads="1"/>
+          </p:cNvPicPr>
+          <p:nvPr/>
+        </p:nvPicPr>
+        <p:blipFill>
+          <a:blip r:embed="rId2" cstate="print"/>
+          <a:srcRect/>
+          <a:stretch>
+            <a:fillRect/>
+          </a:stretch>
+        </p:blipFill>
+        <p:spPr bwMode="auto">
+          <a:xfrm>
+            <a:off x="2008188" y="76200"/>
+            <a:ext cx="8202612" cy="239712"/>
+          </a:xfrm>
+          <a:prstGeom prst="rect">
+            <a:avLst/>
+          </a:prstGeom>
+          <a:noFill/>
+          <a:ln w="9525">
+            <a:noFill/>
+            <a:round/>
+            <a:headEnd/>
+            <a:tailEnd/>
+          </a:ln>
+        </p:spPr>
+      </p:pic>
+      <p:sp>
+        <p:nvSpPr>
+          <p:cNvPr id="12" name="Rectangle 11"/>
+          <p:cNvSpPr/>
+          <p:nvPr/>
+        </p:nvSpPr>
+        <p:spPr>
+          <a:xfrm>
+            <a:off x="1530892" y="1308758"/>
+            <a:ext cx="9144000" cy="1200328"/>
+          </a:xfrm>
+          <a:prstGeom prst="rect">
+            <a:avLst/>
+          </a:prstGeom>
+        </p:spPr>
+        <p:txBody>
+          <a:bodyPr wrap="square">
+            <a:spAutoFit/>
+          </a:bodyPr>
+          <a:lstStyle/>
+          <a:p>
+            <a:pPr marL="342900" indent="-342900">
+              <a:buFont typeface="Arial"/>
+              <a:buChar char="•"/>
+            </a:pPr>
+            <a:r>
+              <a:rPr lang="en-US" sz="2400" dirty="0">
+                <a:latin typeface="Times New Roman"/>
+                <a:cs typeface="Times New Roman"/>
+              </a:rPr>
+              <a:t>Professor P LOVES hamburgers. But he’s also a hypochondriac. He thinks he is infected with “Mad Cow Disease” (MCD), so he gets himself tested (T).</a:t>
+            </a:r>
+          </a:p>
+        </p:txBody>
+      </p:sp>
+      <p:sp>
+        <p:nvSpPr>
+          <p:cNvPr id="14" name="Rectangle 13"/>
+          <p:cNvSpPr/>
+          <p:nvPr/>
+        </p:nvSpPr>
+        <p:spPr>
+          <a:xfrm>
+            <a:off x="1530892" y="2520914"/>
+            <a:ext cx="9144000" cy="461665"/>
+          </a:xfrm>
+          <a:prstGeom prst="rect">
+            <a:avLst/>
+          </a:prstGeom>
+        </p:spPr>
+        <p:txBody>
+          <a:bodyPr wrap="square">
+            <a:spAutoFit/>
+          </a:bodyPr>
+          <a:lstStyle/>
+          <a:p>
+            <a:pPr marL="800100" lvl="1" indent="-342900">
+              <a:buFont typeface="Arial"/>
+              <a:buChar char="•"/>
+            </a:pPr>
+            <a:r>
+              <a:rPr lang="en-US" sz="2400" dirty="0">
+                <a:latin typeface="Times New Roman"/>
+                <a:cs typeface="Times New Roman"/>
+              </a:rPr>
+              <a:t>The true positive rate of the test is: </a:t>
+            </a:r>
+            <a:r>
+              <a:rPr lang="en-US" sz="2400" dirty="0" err="1">
+                <a:latin typeface="Times New Roman"/>
+                <a:cs typeface="Times New Roman"/>
+              </a:rPr>
+              <a:t>Pr</a:t>
+            </a:r>
+            <a:r>
+              <a:rPr lang="en-US" sz="2400" dirty="0">
+                <a:latin typeface="Times New Roman"/>
+                <a:cs typeface="Times New Roman"/>
+              </a:rPr>
+              <a:t>(T</a:t>
+            </a:r>
+            <a:r>
+              <a:rPr lang="en-US" sz="2400" baseline="30000" dirty="0">
+                <a:latin typeface="Times New Roman"/>
+                <a:cs typeface="Times New Roman"/>
+              </a:rPr>
+              <a:t>+</a:t>
+            </a:r>
+            <a:r>
+              <a:rPr lang="en-US" sz="2400" dirty="0">
+                <a:latin typeface="Times New Roman"/>
+                <a:cs typeface="Times New Roman"/>
+              </a:rPr>
+              <a:t> | MCD</a:t>
+            </a:r>
+            <a:r>
+              <a:rPr lang="en-US" sz="2400" baseline="30000" dirty="0">
+                <a:latin typeface="Times New Roman"/>
+                <a:cs typeface="Times New Roman"/>
+              </a:rPr>
+              <a:t>+</a:t>
+            </a:r>
+            <a:r>
+              <a:rPr lang="en-US" sz="2400" dirty="0">
+                <a:latin typeface="Times New Roman"/>
+                <a:cs typeface="Times New Roman"/>
+              </a:rPr>
+              <a:t>) = 0.7</a:t>
+            </a:r>
+          </a:p>
+        </p:txBody>
+      </p:sp>
+      <p:sp>
+        <p:nvSpPr>
+          <p:cNvPr id="9" name="Rectangle 8"/>
+          <p:cNvSpPr/>
+          <p:nvPr/>
+        </p:nvSpPr>
+        <p:spPr>
+          <a:xfrm>
+            <a:off x="1529344" y="2942630"/>
+            <a:ext cx="9144000" cy="461665"/>
+          </a:xfrm>
+          <a:prstGeom prst="rect">
+            <a:avLst/>
+          </a:prstGeom>
+        </p:spPr>
+        <p:txBody>
+          <a:bodyPr wrap="square">
+            <a:spAutoFit/>
+          </a:bodyPr>
+          <a:lstStyle/>
+          <a:p>
+            <a:pPr marL="800100" lvl="1" indent="-342900">
+              <a:buFont typeface="Arial"/>
+              <a:buChar char="•"/>
+            </a:pPr>
+            <a:r>
+              <a:rPr lang="en-US" sz="2400" dirty="0">
+                <a:latin typeface="Times New Roman"/>
+                <a:cs typeface="Times New Roman"/>
+              </a:rPr>
+              <a:t>The false positive rate of the test is: </a:t>
+            </a:r>
+            <a:r>
+              <a:rPr lang="en-US" sz="2400" dirty="0" err="1">
+                <a:latin typeface="Times New Roman"/>
+                <a:cs typeface="Times New Roman"/>
+              </a:rPr>
+              <a:t>Pr</a:t>
+            </a:r>
+            <a:r>
+              <a:rPr lang="en-US" sz="2400" dirty="0">
+                <a:latin typeface="Times New Roman"/>
+                <a:cs typeface="Times New Roman"/>
+              </a:rPr>
+              <a:t>(T</a:t>
+            </a:r>
+            <a:r>
+              <a:rPr lang="en-US" sz="2400" baseline="30000" dirty="0">
+                <a:latin typeface="Times New Roman"/>
+                <a:cs typeface="Times New Roman"/>
+              </a:rPr>
+              <a:t>+</a:t>
+            </a:r>
+            <a:r>
+              <a:rPr lang="en-US" sz="2400" dirty="0">
+                <a:latin typeface="Times New Roman"/>
+                <a:cs typeface="Times New Roman"/>
+              </a:rPr>
+              <a:t> | MCD</a:t>
+            </a:r>
+            <a:r>
+              <a:rPr lang="en-US" sz="2400" baseline="30000" dirty="0">
+                <a:latin typeface="Times New Roman"/>
+                <a:cs typeface="Times New Roman"/>
+              </a:rPr>
+              <a:t>-</a:t>
+            </a:r>
+            <a:r>
+              <a:rPr lang="en-US" sz="2400" dirty="0">
+                <a:latin typeface="Times New Roman"/>
+                <a:cs typeface="Times New Roman"/>
+              </a:rPr>
+              <a:t>) = 0.1</a:t>
+            </a:r>
+          </a:p>
+        </p:txBody>
+      </p:sp>
+      <p:sp>
+        <p:nvSpPr>
+          <p:cNvPr id="10" name="Rectangle 9"/>
+          <p:cNvSpPr/>
+          <p:nvPr/>
+        </p:nvSpPr>
+        <p:spPr>
+          <a:xfrm>
+            <a:off x="1530892" y="3367701"/>
+            <a:ext cx="9144000" cy="830997"/>
+          </a:xfrm>
+          <a:prstGeom prst="rect">
+            <a:avLst/>
+          </a:prstGeom>
+        </p:spPr>
+        <p:txBody>
+          <a:bodyPr wrap="square">
+            <a:spAutoFit/>
+          </a:bodyPr>
+          <a:lstStyle/>
+          <a:p>
+            <a:pPr marL="800100" lvl="1" indent="-342900">
+              <a:buFont typeface="Arial"/>
+              <a:buChar char="•"/>
+            </a:pPr>
+            <a:r>
+              <a:rPr lang="en-US" sz="2400" dirty="0">
+                <a:latin typeface="Times New Roman"/>
+                <a:cs typeface="Times New Roman"/>
+              </a:rPr>
+              <a:t>The background prevalence of MCD in the yummy cow population is: </a:t>
+            </a:r>
+            <a:r>
+              <a:rPr lang="en-US" sz="2400" dirty="0" err="1">
+                <a:latin typeface="Times New Roman"/>
+                <a:cs typeface="Times New Roman"/>
+              </a:rPr>
+              <a:t>Pr</a:t>
+            </a:r>
+            <a:r>
+              <a:rPr lang="en-US" sz="2400" dirty="0">
+                <a:latin typeface="Times New Roman"/>
+                <a:cs typeface="Times New Roman"/>
+              </a:rPr>
+              <a:t>(MCD</a:t>
+            </a:r>
+            <a:r>
+              <a:rPr lang="en-US" sz="2400" baseline="30000" dirty="0">
+                <a:latin typeface="Times New Roman"/>
+                <a:cs typeface="Times New Roman"/>
+              </a:rPr>
+              <a:t>+</a:t>
+            </a:r>
+            <a:r>
+              <a:rPr lang="en-US" sz="2400" dirty="0">
+                <a:latin typeface="Times New Roman"/>
+                <a:cs typeface="Times New Roman"/>
+              </a:rPr>
+              <a:t>) = 0.02</a:t>
+            </a:r>
+          </a:p>
+        </p:txBody>
+      </p:sp>
+      <p:sp>
+        <p:nvSpPr>
+          <p:cNvPr id="3" name="Rectangle 2"/>
+          <p:cNvSpPr/>
+          <p:nvPr/>
+        </p:nvSpPr>
+        <p:spPr>
+          <a:xfrm>
+            <a:off x="2142245" y="4437311"/>
+            <a:ext cx="7156240" cy="830997"/>
+          </a:xfrm>
+          <a:prstGeom prst="rect">
+            <a:avLst/>
+          </a:prstGeom>
+        </p:spPr>
+        <p:txBody>
+          <a:bodyPr wrap="square">
+            <a:spAutoFit/>
+          </a:bodyPr>
+          <a:lstStyle/>
+          <a:p>
+            <a:r>
+              <a:rPr lang="en-US" sz="2400" dirty="0">
+                <a:latin typeface="Times New Roman"/>
+                <a:cs typeface="Times New Roman"/>
+              </a:rPr>
+              <a:t>What is the probability that Prof. P tests positive for MCD, </a:t>
+            </a:r>
+            <a:r>
+              <a:rPr lang="en-US" sz="2400" dirty="0" err="1">
+                <a:latin typeface="Times New Roman"/>
+                <a:cs typeface="Times New Roman"/>
+              </a:rPr>
+              <a:t>Pr</a:t>
+            </a:r>
+            <a:r>
+              <a:rPr lang="en-US" sz="2400" dirty="0">
+                <a:latin typeface="Times New Roman"/>
+                <a:cs typeface="Times New Roman"/>
+              </a:rPr>
+              <a:t>(T</a:t>
+            </a:r>
+            <a:r>
+              <a:rPr lang="en-US" sz="2400" baseline="30000" dirty="0">
+                <a:latin typeface="Times New Roman"/>
+                <a:cs typeface="Times New Roman"/>
+              </a:rPr>
+              <a:t>+</a:t>
+            </a:r>
+            <a:r>
+              <a:rPr lang="en-US" sz="2400" dirty="0">
+                <a:latin typeface="Times New Roman"/>
+                <a:cs typeface="Times New Roman"/>
+              </a:rPr>
+              <a:t>)?</a:t>
+            </a:r>
+            <a:endParaRPr lang="en-US" sz="2400" dirty="0"/>
+          </a:p>
+        </p:txBody>
+      </p:sp>
+      <p:sp>
+        <p:nvSpPr>
+          <p:cNvPr id="11" name="Rectangle 10">
+            <a:extLst>
+              <a:ext uri="{FF2B5EF4-FFF2-40B4-BE49-F238E27FC236}">
+                <a16:creationId xmlns:a16="http://schemas.microsoft.com/office/drawing/2014/main" id="{00696978-B66D-4B45-BE91-39EF4D7206C0}"/>
+              </a:ext>
+            </a:extLst>
+          </p:cNvPr>
+          <p:cNvSpPr/>
+          <p:nvPr/>
+        </p:nvSpPr>
+        <p:spPr>
+          <a:xfrm>
+            <a:off x="2142245" y="5506921"/>
+            <a:ext cx="8451308" cy="830997"/>
+          </a:xfrm>
+          <a:prstGeom prst="rect">
+            <a:avLst/>
+          </a:prstGeom>
+        </p:spPr>
+        <p:txBody>
+          <a:bodyPr wrap="square">
+            <a:spAutoFit/>
+          </a:bodyPr>
+          <a:lstStyle/>
+          <a:p>
+            <a:r>
+              <a:rPr lang="en-US" sz="2400" dirty="0">
+                <a:latin typeface="Times New Roman"/>
+                <a:cs typeface="Times New Roman"/>
+              </a:rPr>
+              <a:t>Suppose Professor P is positive for MCD. What is the probability that he truly has MCD, </a:t>
+            </a:r>
+            <a:r>
+              <a:rPr lang="en-US" sz="2400" dirty="0" err="1">
+                <a:latin typeface="Times New Roman"/>
+                <a:cs typeface="Times New Roman"/>
+              </a:rPr>
+              <a:t>Pr</a:t>
+            </a:r>
+            <a:r>
+              <a:rPr lang="en-US" sz="2400" dirty="0">
+                <a:latin typeface="Times New Roman"/>
+                <a:cs typeface="Times New Roman"/>
+              </a:rPr>
+              <a:t>(MCD</a:t>
+            </a:r>
+            <a:r>
+              <a:rPr lang="en-US" sz="2400" baseline="30000" dirty="0">
+                <a:latin typeface="Times New Roman"/>
+                <a:cs typeface="Times New Roman"/>
+              </a:rPr>
+              <a:t>+</a:t>
+            </a:r>
+            <a:r>
+              <a:rPr lang="en-US" sz="2400" dirty="0">
+                <a:latin typeface="Times New Roman"/>
+                <a:cs typeface="Times New Roman"/>
+              </a:rPr>
+              <a:t>| T</a:t>
+            </a:r>
+            <a:r>
+              <a:rPr lang="en-US" sz="2400" baseline="30000" dirty="0">
+                <a:latin typeface="Times New Roman"/>
+                <a:cs typeface="Times New Roman"/>
+              </a:rPr>
+              <a:t>+</a:t>
+            </a:r>
+            <a:r>
+              <a:rPr lang="en-US" sz="2400" dirty="0">
+                <a:latin typeface="Times New Roman"/>
+                <a:cs typeface="Times New Roman"/>
+              </a:rPr>
+              <a:t>)?</a:t>
+            </a:r>
+          </a:p>
+        </p:txBody>
+      </p:sp>
+    </p:spTree>
+    <p:extLst>
+      <p:ext uri="{BB962C8B-B14F-4D97-AF65-F5344CB8AC3E}">
+        <p14:creationId xmlns:p14="http://schemas.microsoft.com/office/powerpoint/2010/main" val="777461992"/>
+      </p:ext>
+    </p:extLst>
+  </p:cSld>
+  <p:clrMapOvr>
+    <a:masterClrMapping/>
+  </p:clrMapOvr>
+</p:sld>
+</file>
+
+<file path=ppt/slides/slide9.xml><?xml version="1.0" encoding="utf-8"?>
+<p:sld xmlns:a="http://schemas.openxmlformats.org/drawingml/2006/main" xmlns:r="http://schemas.openxmlformats.org/officeDocument/2006/relationships" xmlns:p="http://schemas.openxmlformats.org/presentationml/2006/main">
+  <p:cSld>
+    <p:spTree>
+      <p:nvGrpSpPr>
+        <p:cNvPr id="1" name=""/>
+        <p:cNvGrpSpPr/>
+        <p:nvPr/>
+      </p:nvGrpSpPr>
+      <p:grpSpPr>
+        <a:xfrm>
+          <a:off x="0" y="0"/>
+          <a:ext cx="0" cy="0"/>
+          <a:chOff x="0" y="0"/>
+          <a:chExt cx="0" cy="0"/>
+        </a:xfrm>
+      </p:grpSpPr>
+      <p:sp>
+        <p:nvSpPr>
+          <p:cNvPr id="5" name="Rectangle 1"/>
+          <p:cNvSpPr>
+            <a:spLocks noChangeArrowheads="1"/>
+          </p:cNvSpPr>
+          <p:nvPr/>
+        </p:nvSpPr>
+        <p:spPr bwMode="auto">
+          <a:xfrm>
+            <a:off x="1524000" y="279102"/>
+            <a:ext cx="9104312" cy="871324"/>
+          </a:xfrm>
+          <a:prstGeom prst="rect">
+            <a:avLst/>
+          </a:prstGeom>
+          <a:noFill/>
+          <a:ln w="9525">
+            <a:noFill/>
+            <a:round/>
+            <a:headEnd/>
+            <a:tailEnd/>
+          </a:ln>
+        </p:spPr>
+        <p:txBody>
+          <a:bodyPr lIns="0" tIns="0" rIns="0" bIns="0" anchor="ctr"/>
+          <a:lstStyle/>
+          <a:p>
+            <a:pPr algn="ctr" hangingPunct="0">
+              <a:lnSpc>
+                <a:spcPct val="98000"/>
+              </a:lnSpc>
+              <a:buSzPct val="45000"/>
+              <a:tabLst>
+                <a:tab pos="0" algn="l"/>
+                <a:tab pos="914400" algn="l"/>
+                <a:tab pos="1828800" algn="l"/>
+                <a:tab pos="2743200" algn="l"/>
+                <a:tab pos="3657600" algn="l"/>
+                <a:tab pos="4572000" algn="l"/>
+                <a:tab pos="5486400" algn="l"/>
+                <a:tab pos="6400800" algn="l"/>
+                <a:tab pos="7315200" algn="l"/>
+                <a:tab pos="8229600" algn="l"/>
+                <a:tab pos="9144000" algn="l"/>
+                <a:tab pos="10058400" algn="l"/>
+              </a:tabLst>
+            </a:pPr>
+            <a:r>
+              <a:rPr lang="en-US" sz="4000" dirty="0">
+                <a:latin typeface="Times New Roman" pitchFamily="18" charset="0"/>
+                <a:cs typeface="Times New Roman" pitchFamily="18" charset="0"/>
+              </a:rPr>
+              <a:t>Example: A medical test</a:t>
+            </a:r>
+            <a:endParaRPr lang="en-US" sz="4000" baseline="30000" dirty="0">
+              <a:latin typeface="Times New Roman" pitchFamily="18" charset="0"/>
+              <a:cs typeface="Times New Roman" pitchFamily="18" charset="0"/>
+            </a:endParaRPr>
+          </a:p>
+        </p:txBody>
+      </p:sp>
+      <p:pic>
+        <p:nvPicPr>
+          <p:cNvPr id="6" name="Picture 2"/>
+          <p:cNvPicPr>
+            <a:picLocks noChangeAspect="1" noChangeArrowheads="1"/>
+          </p:cNvPicPr>
+          <p:nvPr/>
+        </p:nvPicPr>
+        <p:blipFill>
+          <a:blip r:embed="rId3" cstate="print"/>
+          <a:srcRect/>
+          <a:stretch>
+            <a:fillRect/>
+          </a:stretch>
+        </p:blipFill>
+        <p:spPr bwMode="auto">
+          <a:xfrm>
+            <a:off x="2008188" y="76200"/>
+            <a:ext cx="8202612" cy="239712"/>
+          </a:xfrm>
+          <a:prstGeom prst="rect">
+            <a:avLst/>
+          </a:prstGeom>
+          <a:noFill/>
+          <a:ln w="9525">
+            <a:noFill/>
+            <a:round/>
+            <a:headEnd/>
+            <a:tailEnd/>
+          </a:ln>
+        </p:spPr>
+      </p:pic>
+      <p:sp>
+        <p:nvSpPr>
+          <p:cNvPr id="7" name="TextBox 6"/>
+          <p:cNvSpPr txBox="1"/>
+          <p:nvPr/>
+        </p:nvSpPr>
+        <p:spPr>
+          <a:xfrm>
+            <a:off x="2879226" y="1758144"/>
+            <a:ext cx="6433547" cy="2677656"/>
+          </a:xfrm>
+          <a:prstGeom prst="rect">
+            <a:avLst/>
+          </a:prstGeom>
+          <a:solidFill>
+            <a:srgbClr val="000045"/>
+          </a:solidFill>
+        </p:spPr>
+        <p:txBody>
+          <a:bodyPr wrap="none" rtlCol="0">
+            <a:spAutoFit/>
+          </a:bodyPr>
+          <a:lstStyle/>
+          <a:p>
+            <a:r>
+              <a:rPr lang="en-US" sz="1400" dirty="0">
+                <a:solidFill>
+                  <a:srgbClr val="FFFF00"/>
+                </a:solidFill>
+                <a:latin typeface="Courier"/>
+                <a:cs typeface="Courier"/>
+              </a:rPr>
+              <a:t># Data from the question:</a:t>
+            </a:r>
+          </a:p>
+          <a:p>
+            <a:r>
+              <a:rPr lang="da-DK" sz="1400" dirty="0" err="1">
+                <a:solidFill>
+                  <a:schemeClr val="bg1"/>
+                </a:solidFill>
+                <a:latin typeface="Courier"/>
+                <a:cs typeface="Courier"/>
+              </a:rPr>
+              <a:t>Tp.given.MCDp</a:t>
+            </a:r>
+            <a:r>
+              <a:rPr lang="da-DK" sz="1400" dirty="0">
+                <a:solidFill>
+                  <a:schemeClr val="bg1"/>
+                </a:solidFill>
+                <a:latin typeface="Courier"/>
+                <a:cs typeface="Courier"/>
+              </a:rPr>
+              <a:t> &lt;- 0.7</a:t>
+            </a:r>
+          </a:p>
+          <a:p>
+            <a:r>
+              <a:rPr lang="da-DK" sz="1400" dirty="0" err="1">
+                <a:solidFill>
+                  <a:schemeClr val="bg1"/>
+                </a:solidFill>
+                <a:latin typeface="Courier"/>
+                <a:cs typeface="Courier"/>
+              </a:rPr>
+              <a:t>Tp.given.MCDm</a:t>
+            </a:r>
+            <a:r>
+              <a:rPr lang="da-DK" sz="1400" dirty="0">
+                <a:solidFill>
+                  <a:schemeClr val="bg1"/>
+                </a:solidFill>
+                <a:latin typeface="Courier"/>
+                <a:cs typeface="Courier"/>
+              </a:rPr>
+              <a:t> &lt;- 0.1</a:t>
+            </a:r>
+          </a:p>
+          <a:p>
+            <a:r>
+              <a:rPr lang="da-DK" sz="1400" dirty="0" err="1">
+                <a:solidFill>
+                  <a:schemeClr val="bg1"/>
+                </a:solidFill>
+                <a:latin typeface="Courier"/>
+                <a:cs typeface="Courier"/>
+              </a:rPr>
+              <a:t>MCDp</a:t>
+            </a:r>
+            <a:r>
+              <a:rPr lang="da-DK" sz="1400" dirty="0">
+                <a:solidFill>
+                  <a:schemeClr val="bg1"/>
+                </a:solidFill>
+                <a:latin typeface="Courier"/>
+                <a:cs typeface="Courier"/>
+              </a:rPr>
+              <a:t> &lt;- 0.02</a:t>
+            </a:r>
+          </a:p>
+          <a:p>
+            <a:endParaRPr lang="da-DK" sz="1400" dirty="0">
+              <a:solidFill>
+                <a:schemeClr val="bg1"/>
+              </a:solidFill>
+              <a:latin typeface="Courier"/>
+              <a:cs typeface="Courier"/>
+            </a:endParaRPr>
+          </a:p>
+          <a:p>
+            <a:r>
+              <a:rPr lang="da-DK" sz="1400" dirty="0">
+                <a:solidFill>
+                  <a:srgbClr val="FFFF00"/>
+                </a:solidFill>
+                <a:latin typeface="Courier"/>
+                <a:cs typeface="Courier"/>
+              </a:rPr>
+              <a:t># Pr(T+) = Pr(T+ | MCD+) Pr(MCD+) + Pr(T+ | MCD-) Pr(MCD-)</a:t>
+            </a:r>
+          </a:p>
+          <a:p>
+            <a:r>
+              <a:rPr lang="da-DK" sz="1400" dirty="0" err="1">
+                <a:solidFill>
+                  <a:schemeClr val="bg1"/>
+                </a:solidFill>
+                <a:latin typeface="Courier"/>
+                <a:cs typeface="Courier"/>
+              </a:rPr>
+              <a:t>Tp</a:t>
+            </a:r>
+            <a:r>
+              <a:rPr lang="da-DK" sz="1400" dirty="0">
+                <a:solidFill>
+                  <a:schemeClr val="bg1"/>
+                </a:solidFill>
+                <a:latin typeface="Courier"/>
+                <a:cs typeface="Courier"/>
+              </a:rPr>
+              <a:t> &lt;- </a:t>
+            </a:r>
+            <a:r>
+              <a:rPr lang="da-DK" sz="1400" dirty="0" err="1">
+                <a:solidFill>
+                  <a:schemeClr val="bg1"/>
+                </a:solidFill>
+                <a:latin typeface="Courier"/>
+                <a:cs typeface="Courier"/>
+              </a:rPr>
+              <a:t>Tp.given.MCDp</a:t>
+            </a:r>
+            <a:r>
+              <a:rPr lang="da-DK" sz="1400" dirty="0">
+                <a:solidFill>
+                  <a:schemeClr val="bg1"/>
+                </a:solidFill>
+                <a:latin typeface="Courier"/>
+                <a:cs typeface="Courier"/>
+              </a:rPr>
+              <a:t> * </a:t>
+            </a:r>
+            <a:r>
+              <a:rPr lang="da-DK" sz="1400" dirty="0" err="1">
+                <a:solidFill>
+                  <a:schemeClr val="bg1"/>
+                </a:solidFill>
+                <a:latin typeface="Courier"/>
+                <a:cs typeface="Courier"/>
+              </a:rPr>
+              <a:t>MCDp</a:t>
+            </a:r>
+            <a:r>
+              <a:rPr lang="da-DK" sz="1400" dirty="0">
+                <a:solidFill>
+                  <a:schemeClr val="bg1"/>
+                </a:solidFill>
+                <a:latin typeface="Courier"/>
+                <a:cs typeface="Courier"/>
+              </a:rPr>
+              <a:t> + </a:t>
+            </a:r>
+            <a:r>
+              <a:rPr lang="da-DK" sz="1400" dirty="0" err="1">
+                <a:solidFill>
+                  <a:schemeClr val="bg1"/>
+                </a:solidFill>
+                <a:latin typeface="Courier"/>
+                <a:cs typeface="Courier"/>
+              </a:rPr>
+              <a:t>Tp.given.MCDm</a:t>
+            </a:r>
+            <a:r>
+              <a:rPr lang="da-DK" sz="1400" dirty="0">
+                <a:solidFill>
+                  <a:schemeClr val="bg1"/>
+                </a:solidFill>
+                <a:latin typeface="Courier"/>
+                <a:cs typeface="Courier"/>
+              </a:rPr>
+              <a:t> * (1-MCDp)</a:t>
+            </a:r>
+          </a:p>
+          <a:p>
+            <a:r>
+              <a:rPr lang="da-DK" sz="1400" dirty="0" err="1">
+                <a:solidFill>
+                  <a:schemeClr val="bg1"/>
+                </a:solidFill>
+                <a:latin typeface="Courier"/>
+                <a:cs typeface="Courier"/>
+              </a:rPr>
+              <a:t>Tp</a:t>
+            </a:r>
+            <a:endParaRPr lang="da-DK" sz="1400" dirty="0">
+              <a:solidFill>
+                <a:schemeClr val="bg1"/>
+              </a:solidFill>
+              <a:latin typeface="Courier"/>
+              <a:cs typeface="Courier"/>
+            </a:endParaRPr>
+          </a:p>
+          <a:p>
+            <a:endParaRPr lang="da-DK" sz="1400" dirty="0">
+              <a:solidFill>
+                <a:schemeClr val="bg1"/>
+              </a:solidFill>
+              <a:latin typeface="Courier"/>
+              <a:cs typeface="Courier"/>
+            </a:endParaRPr>
+          </a:p>
+          <a:p>
+            <a:r>
+              <a:rPr lang="da-DK" sz="1400" dirty="0">
+                <a:solidFill>
+                  <a:srgbClr val="FFFF00"/>
+                </a:solidFill>
+                <a:latin typeface="Courier"/>
+                <a:cs typeface="Courier"/>
+              </a:rPr>
+              <a:t># Pr(MCD+ | T+) = Pr(T+ | MCD+) Pr(MCD+) / Pr(T+)</a:t>
+            </a:r>
+          </a:p>
+          <a:p>
+            <a:r>
+              <a:rPr lang="da-DK" sz="1400" dirty="0">
+                <a:solidFill>
+                  <a:schemeClr val="bg1"/>
+                </a:solidFill>
+                <a:latin typeface="Courier"/>
+                <a:cs typeface="Courier"/>
+              </a:rPr>
+              <a:t>(</a:t>
+            </a:r>
+            <a:r>
+              <a:rPr lang="da-DK" sz="1400" dirty="0" err="1">
+                <a:solidFill>
+                  <a:schemeClr val="bg1"/>
+                </a:solidFill>
+                <a:latin typeface="Courier"/>
+                <a:cs typeface="Courier"/>
+              </a:rPr>
+              <a:t>Tp.given.MCDp</a:t>
+            </a:r>
+            <a:r>
+              <a:rPr lang="da-DK" sz="1400" dirty="0">
+                <a:solidFill>
+                  <a:schemeClr val="bg1"/>
+                </a:solidFill>
+                <a:latin typeface="Courier"/>
+                <a:cs typeface="Courier"/>
+              </a:rPr>
+              <a:t> * </a:t>
+            </a:r>
+            <a:r>
+              <a:rPr lang="da-DK" sz="1400" dirty="0" err="1">
+                <a:solidFill>
+                  <a:schemeClr val="bg1"/>
+                </a:solidFill>
+                <a:latin typeface="Courier"/>
+                <a:cs typeface="Courier"/>
+              </a:rPr>
+              <a:t>MCDp</a:t>
+            </a:r>
+            <a:r>
+              <a:rPr lang="da-DK" sz="1400" dirty="0">
+                <a:solidFill>
+                  <a:schemeClr val="bg1"/>
+                </a:solidFill>
+                <a:latin typeface="Courier"/>
+                <a:cs typeface="Courier"/>
+              </a:rPr>
+              <a:t>)/</a:t>
+            </a:r>
+            <a:r>
+              <a:rPr lang="da-DK" sz="1400" dirty="0" err="1">
+                <a:solidFill>
+                  <a:schemeClr val="bg1"/>
+                </a:solidFill>
+                <a:latin typeface="Courier"/>
+                <a:cs typeface="Courier"/>
+              </a:rPr>
+              <a:t>Tp</a:t>
+            </a:r>
+            <a:endParaRPr lang="da-DK" sz="1400" dirty="0">
+              <a:solidFill>
+                <a:schemeClr val="bg1"/>
+              </a:solidFill>
+              <a:latin typeface="Courier"/>
+              <a:cs typeface="Courier"/>
+            </a:endParaRPr>
+          </a:p>
+          <a:p>
+            <a:endParaRPr lang="da-DK" sz="1400" dirty="0">
+              <a:solidFill>
+                <a:schemeClr val="bg1"/>
+              </a:solidFill>
+              <a:latin typeface="Courier"/>
+              <a:cs typeface="Courier"/>
+            </a:endParaRPr>
+          </a:p>
+        </p:txBody>
+      </p:sp>
+      <p:pic>
+        <p:nvPicPr>
+          <p:cNvPr id="2" name="Picture 1"/>
+          <p:cNvPicPr>
+            <a:picLocks noChangeAspect="1"/>
+          </p:cNvPicPr>
+          <p:nvPr/>
+        </p:nvPicPr>
+        <p:blipFill>
+          <a:blip r:embed="rId4"/>
+          <a:stretch>
+            <a:fillRect/>
+          </a:stretch>
+        </p:blipFill>
+        <p:spPr>
+          <a:xfrm>
+            <a:off x="5307614" y="4778828"/>
+            <a:ext cx="1524000" cy="1054100"/>
+          </a:xfrm>
+          <a:prstGeom prst="rect">
+            <a:avLst/>
+          </a:prstGeom>
+        </p:spPr>
+      </p:pic>
+    </p:spTree>
+    <p:extLst>
+      <p:ext uri="{BB962C8B-B14F-4D97-AF65-F5344CB8AC3E}">
+        <p14:creationId xmlns:p14="http://schemas.microsoft.com/office/powerpoint/2010/main" val="3218465173"/>
       </p:ext>
     </p:extLst>
   </p:cSld>
@@ -10106,7 +12753,7 @@
                             </p:stCondLst>
                             <p:childTnLst>
                               <p:par>
-                                <p:cTn id="5" presetID="2" presetClass="entr" presetSubtype="4" fill="hold" nodeType="clickEffect">
+                                <p:cTn id="5" presetID="2" presetClass="entr" presetSubtype="4" fill="hold" grpId="0" nodeType="clickEffect">
                                   <p:stCondLst>
                                     <p:cond delay="0"/>
                                   </p:stCondLst>
@@ -10119,7 +12766,7 @@
                                           </p:stCondLst>
                                         </p:cTn>
                                         <p:tgtEl>
-                                          <p:spTgt spid="6"/>
+                                          <p:spTgt spid="7"/>
                                         </p:tgtEl>
                                         <p:attrNameLst>
                                           <p:attrName>style.visibility</p:attrName>
@@ -10133,7 +12780,7 @@
                                       <p:cBhvr additive="base">
                                         <p:cTn id="7" dur="500" fill="hold"/>
                                         <p:tgtEl>
-                                          <p:spTgt spid="6"/>
+                                          <p:spTgt spid="7"/>
                                         </p:tgtEl>
                                         <p:attrNameLst>
                                           <p:attrName>ppt_x</p:attrName>
@@ -10156,7 +12803,98 @@
                                       <p:cBhvr additive="base">
                                         <p:cTn id="8" dur="500" fill="hold"/>
                                         <p:tgtEl>
-                                          <p:spTgt spid="6"/>
+                                          <p:spTgt spid="7"/>
+                                        </p:tgtEl>
+                                        <p:attrNameLst>
+                                          <p:attrName>ppt_y</p:attrName>
+                                        </p:attrNameLst>
+                                      </p:cBhvr>
+                                      <p:tavLst>
+                                        <p:tav tm="0">
+                                          <p:val>
+                                            <p:strVal val="1+#ppt_h/2"/>
+                                          </p:val>
+                                        </p:tav>
+                                        <p:tav tm="100000">
+                                          <p:val>
+                                            <p:strVal val="#ppt_y"/>
+                                          </p:val>
+                                        </p:tav>
+                                      </p:tavLst>
+                                    </p:anim>
+                                  </p:childTnLst>
+                                </p:cTn>
+                              </p:par>
+                            </p:childTnLst>
+                          </p:cTn>
+                        </p:par>
+                      </p:childTnLst>
+                    </p:cTn>
+                  </p:par>
+                  <p:par>
+                    <p:cTn id="9" fill="hold">
+                      <p:stCondLst>
+                        <p:cond delay="indefinite"/>
+                      </p:stCondLst>
+                      <p:childTnLst>
+                        <p:par>
+                          <p:cTn id="10" fill="hold">
+                            <p:stCondLst>
+                              <p:cond delay="0"/>
+                            </p:stCondLst>
+                            <p:childTnLst>
+                              <p:par>
+                                <p:cTn id="11" presetID="2" presetClass="entr" presetSubtype="4" fill="hold" nodeType="clickEffect">
+                                  <p:stCondLst>
+                                    <p:cond delay="0"/>
+                                  </p:stCondLst>
+                                  <p:childTnLst>
+                                    <p:set>
+                                      <p:cBhvr>
+                                        <p:cTn id="12" dur="1" fill="hold">
+                                          <p:stCondLst>
+                                            <p:cond delay="0"/>
+                                          </p:stCondLst>
+                                        </p:cTn>
+                                        <p:tgtEl>
+                                          <p:spTgt spid="2"/>
+                                        </p:tgtEl>
+                                        <p:attrNameLst>
+                                          <p:attrName>style.visibility</p:attrName>
+                                        </p:attrNameLst>
+                                      </p:cBhvr>
+                                      <p:to>
+                                        <p:strVal val="visible"/>
+                                      </p:to>
+                                    </p:set>
+                                    <p:anim calcmode="lin" valueType="num">
+                                      <p:cBhvr additive="base">
+                                        <p:cTn id="13" dur="500" fill="hold"/>
+                                        <p:tgtEl>
+                                          <p:spTgt spid="2"/>
+                                        </p:tgtEl>
+                                        <p:attrNameLst>
+                                          <p:attrName>ppt_x</p:attrName>
+                                        </p:attrNameLst>
+                                      </p:cBhvr>
+                                      <p:tavLst>
+                                        <p:tav tm="0">
+                                          <p:val>
+                                            <p:strVal val="#ppt_x"/>
+                                          </p:val>
+                                        </p:tav>
+                                        <p:tav tm="100000">
+                                          <p:val>
+                                            <p:strVal val="#ppt_x"/>
+                                          </p:val>
+                                        </p:tav>
+                                      </p:tavLst>
+                                    </p:anim>
+                                    <p:anim calcmode="lin" valueType="num">
+                                      <p:cBhvr additive="base">
+                                        <p:cTn id="14" dur="500" fill="hold"/>
+                                        <p:tgtEl>
+                                          <p:spTgt spid="2"/>
                                         </p:tgtEl>
                                         <p:attrNameLst>
                                           <p:attrName>ppt_y</p:attrName>
@@ -10205,6 +12943,9 @@
         </p:cTn>
       </p:par>
     </p:tnLst>
+    <p:bldLst>
+      <p:bldP spid="7" grpId="0" animBg="1"/>
+    </p:bldLst>
   </p:timing>
 </p:sld>
 </file>

--- a/notes/day_2.pptx
+++ b/notes/day_2.pptx
@@ -5,7 +5,7 @@
     <p:sldMasterId id="2147483648" r:id="rId1"/>
   </p:sldMasterIdLst>
   <p:notesMasterIdLst>
-    <p:notesMasterId r:id="rId35"/>
+    <p:notesMasterId r:id="rId34"/>
   </p:notesMasterIdLst>
   <p:sldIdLst>
     <p:sldId id="256" r:id="rId2"/>
@@ -17,30 +17,29 @@
     <p:sldId id="304" r:id="rId8"/>
     <p:sldId id="315" r:id="rId9"/>
     <p:sldId id="314" r:id="rId10"/>
-    <p:sldId id="309" r:id="rId11"/>
-    <p:sldId id="333" r:id="rId12"/>
-    <p:sldId id="335" r:id="rId13"/>
-    <p:sldId id="332" r:id="rId14"/>
-    <p:sldId id="317" r:id="rId15"/>
-    <p:sldId id="347" r:id="rId16"/>
-    <p:sldId id="360" r:id="rId17"/>
-    <p:sldId id="361" r:id="rId18"/>
-    <p:sldId id="362" r:id="rId19"/>
-    <p:sldId id="340" r:id="rId20"/>
-    <p:sldId id="342" r:id="rId21"/>
-    <p:sldId id="343" r:id="rId22"/>
-    <p:sldId id="344" r:id="rId23"/>
-    <p:sldId id="345" r:id="rId24"/>
-    <p:sldId id="278" r:id="rId25"/>
-    <p:sldId id="280" r:id="rId26"/>
-    <p:sldId id="281" r:id="rId27"/>
-    <p:sldId id="283" r:id="rId28"/>
-    <p:sldId id="269" r:id="rId29"/>
-    <p:sldId id="270" r:id="rId30"/>
-    <p:sldId id="271" r:id="rId31"/>
-    <p:sldId id="272" r:id="rId32"/>
-    <p:sldId id="274" r:id="rId33"/>
-    <p:sldId id="273" r:id="rId34"/>
+    <p:sldId id="333" r:id="rId11"/>
+    <p:sldId id="335" r:id="rId12"/>
+    <p:sldId id="332" r:id="rId13"/>
+    <p:sldId id="317" r:id="rId14"/>
+    <p:sldId id="347" r:id="rId15"/>
+    <p:sldId id="360" r:id="rId16"/>
+    <p:sldId id="361" r:id="rId17"/>
+    <p:sldId id="362" r:id="rId18"/>
+    <p:sldId id="340" r:id="rId19"/>
+    <p:sldId id="342" r:id="rId20"/>
+    <p:sldId id="343" r:id="rId21"/>
+    <p:sldId id="344" r:id="rId22"/>
+    <p:sldId id="345" r:id="rId23"/>
+    <p:sldId id="278" r:id="rId24"/>
+    <p:sldId id="280" r:id="rId25"/>
+    <p:sldId id="281" r:id="rId26"/>
+    <p:sldId id="283" r:id="rId27"/>
+    <p:sldId id="269" r:id="rId28"/>
+    <p:sldId id="270" r:id="rId29"/>
+    <p:sldId id="271" r:id="rId30"/>
+    <p:sldId id="272" r:id="rId31"/>
+    <p:sldId id="274" r:id="rId32"/>
+    <p:sldId id="273" r:id="rId33"/>
   </p:sldIdLst>
   <p:sldSz cx="12192000" cy="6858000"/>
   <p:notesSz cx="6858000" cy="9144000"/>
@@ -646,7 +645,7 @@
           <a:p>
             <a:fld id="{5E69C00A-86F1-BB4D-B9C1-4F399E63CB08}" type="slidenum">
               <a:rPr lang="en-US" smtClean="0"/>
-              <a:t>28</a:t>
+              <a:t>27</a:t>
             </a:fld>
             <a:endParaRPr lang="en-US"/>
           </a:p>
@@ -730,7 +729,7 @@
           <a:p>
             <a:fld id="{5E69C00A-86F1-BB4D-B9C1-4F399E63CB08}" type="slidenum">
               <a:rPr lang="en-US" smtClean="0"/>
-              <a:t>29</a:t>
+              <a:t>28</a:t>
             </a:fld>
             <a:endParaRPr lang="en-US"/>
           </a:p>
@@ -814,7 +813,7 @@
           <a:p>
             <a:fld id="{5E69C00A-86F1-BB4D-B9C1-4F399E63CB08}" type="slidenum">
               <a:rPr lang="en-US" smtClean="0"/>
-              <a:t>30</a:t>
+              <a:t>29</a:t>
             </a:fld>
             <a:endParaRPr lang="en-US"/>
           </a:p>
@@ -898,7 +897,7 @@
           <a:p>
             <a:fld id="{5E69C00A-86F1-BB4D-B9C1-4F399E63CB08}" type="slidenum">
               <a:rPr lang="en-US" smtClean="0"/>
-              <a:t>31</a:t>
+              <a:t>30</a:t>
             </a:fld>
             <a:endParaRPr lang="en-US"/>
           </a:p>
@@ -1353,7 +1352,7 @@
           <a:p>
             <a:fld id="{6074AA65-0B1F-EC48-9843-0C6198DE36FE}" type="slidenum">
               <a:rPr lang="en-US" smtClean="0"/>
-              <a:t>11</a:t>
+              <a:t>10</a:t>
             </a:fld>
             <a:endParaRPr lang="en-US"/>
           </a:p>
@@ -1440,7 +1439,7 @@
           <a:p>
             <a:fld id="{6074AA65-0B1F-EC48-9843-0C6198DE36FE}" type="slidenum">
               <a:rPr lang="en-US" smtClean="0"/>
-              <a:t>12</a:t>
+              <a:t>11</a:t>
             </a:fld>
             <a:endParaRPr lang="en-US"/>
           </a:p>
@@ -1524,7 +1523,7 @@
           <a:p>
             <a:fld id="{4A9F405B-904A-C54E-9EF3-A2D88CF2B17A}" type="slidenum">
               <a:rPr lang="en-US" smtClean="0"/>
-              <a:t>22</a:t>
+              <a:t>21</a:t>
             </a:fld>
             <a:endParaRPr lang="en-US"/>
           </a:p>
@@ -1608,7 +1607,7 @@
           <a:p>
             <a:fld id="{4A9F405B-904A-C54E-9EF3-A2D88CF2B17A}" type="slidenum">
               <a:rPr lang="en-US" smtClean="0"/>
-              <a:t>23</a:t>
+              <a:t>22</a:t>
             </a:fld>
             <a:endParaRPr lang="en-US"/>
           </a:p>
@@ -5236,76 +5235,6 @@
       </p:grpSpPr>
       <p:sp>
         <p:nvSpPr>
-          <p:cNvPr id="2" name="TextBox 1">
-            <a:extLst>
-              <a:ext uri="{FF2B5EF4-FFF2-40B4-BE49-F238E27FC236}">
-                <a16:creationId xmlns:a16="http://schemas.microsoft.com/office/drawing/2014/main" id="{26128061-A55F-D843-B801-7F698A36AB6D}"/>
-              </a:ext>
-            </a:extLst>
-          </p:cNvPr>
-          <p:cNvSpPr txBox="1"/>
-          <p:nvPr/>
-        </p:nvSpPr>
-        <p:spPr>
-          <a:xfrm>
-            <a:off x="3733800" y="2558143"/>
-            <a:ext cx="1323439" cy="369332"/>
-          </a:xfrm>
-          <a:prstGeom prst="rect">
-            <a:avLst/>
-          </a:prstGeom>
-          <a:noFill/>
-        </p:spPr>
-        <p:txBody>
-          <a:bodyPr wrap="none" rtlCol="0">
-            <a:spAutoFit/>
-          </a:bodyPr>
-          <a:lstStyle/>
-          <a:p>
-            <a:r>
-              <a:rPr lang="en-US" dirty="0"/>
-              <a:t>Built in </a:t>
-            </a:r>
-            <a:r>
-              <a:rPr lang="en-US" dirty="0" err="1"/>
-              <a:t>dists</a:t>
-            </a:r>
-            <a:endParaRPr lang="en-US" dirty="0"/>
-          </a:p>
-        </p:txBody>
-      </p:sp>
-    </p:spTree>
-    <p:extLst>
-      <p:ext uri="{BB962C8B-B14F-4D97-AF65-F5344CB8AC3E}">
-        <p14:creationId xmlns:p14="http://schemas.microsoft.com/office/powerpoint/2010/main" val="2522448164"/>
-      </p:ext>
-    </p:extLst>
-  </p:cSld>
-  <p:clrMapOvr>
-    <a:masterClrMapping/>
-  </p:clrMapOvr>
-</p:sld>
-</file>
-
-<file path=ppt/slides/slide11.xml><?xml version="1.0" encoding="utf-8"?>
-<p:sld xmlns:a="http://schemas.openxmlformats.org/drawingml/2006/main" xmlns:r="http://schemas.openxmlformats.org/officeDocument/2006/relationships" xmlns:p="http://schemas.openxmlformats.org/presentationml/2006/main">
-  <p:cSld>
-    <p:spTree>
-      <p:nvGrpSpPr>
-        <p:cNvPr id="1" name=""/>
-        <p:cNvGrpSpPr/>
-        <p:nvPr/>
-      </p:nvGrpSpPr>
-      <p:grpSpPr>
-        <a:xfrm>
-          <a:off x="0" y="0"/>
-          <a:ext cx="0" cy="0"/>
-          <a:chOff x="0" y="0"/>
-          <a:chExt cx="0" cy="0"/>
-        </a:xfrm>
-      </p:grpSpPr>
-      <p:sp>
-        <p:nvSpPr>
           <p:cNvPr id="4" name="Rectangle 1"/>
           <p:cNvSpPr>
             <a:spLocks noChangeArrowheads="1"/>
@@ -5443,7 +5372,7 @@
         </p:nvSpPr>
         <p:spPr>
           <a:xfrm>
-            <a:off x="936171" y="3524806"/>
+            <a:off x="936171" y="3492148"/>
             <a:ext cx="9144000" cy="1384995"/>
           </a:xfrm>
           <a:prstGeom prst="rect">
@@ -5465,7 +5394,7 @@
                 <a:latin typeface="Times New Roman"/>
                 <a:cs typeface="Times New Roman"/>
               </a:rPr>
-              <a:t>I explain the parameters, PMFs, PDFs CDFs, moments and walk them through word problems with each</a:t>
+              <a:t>I explain the parameters, PMFs, PDFs CDFs, moments and walk them through word problems with incorporating each</a:t>
             </a:r>
           </a:p>
         </p:txBody>
@@ -5506,7 +5435,7 @@
                 <a:latin typeface="Times New Roman"/>
                 <a:cs typeface="Times New Roman"/>
               </a:rPr>
-              <a:t>This is where R starts for become handy</a:t>
+              <a:t>This is where R starts to become handy</a:t>
             </a:r>
           </a:p>
         </p:txBody>
@@ -5547,7 +5476,7 @@
                 <a:latin typeface="Times New Roman"/>
                 <a:cs typeface="Times New Roman"/>
               </a:rPr>
-              <a:t>For each we translate the work problem into probability notation then build the R script to solve the problem using R’s built in functionality</a:t>
+              <a:t>We translate the word problem into probability notation then build the R script to solve the problem using R’s built-in functionality</a:t>
             </a:r>
           </a:p>
         </p:txBody>
@@ -5565,7 +5494,7 @@
 </p:sld>
 </file>
 
-<file path=ppt/slides/slide12.xml><?xml version="1.0" encoding="utf-8"?>
+<file path=ppt/slides/slide11.xml><?xml version="1.0" encoding="utf-8"?>
 <p:sld xmlns:a="http://schemas.openxmlformats.org/drawingml/2006/main" xmlns:r="http://schemas.openxmlformats.org/officeDocument/2006/relationships" xmlns:p="http://schemas.openxmlformats.org/presentationml/2006/main">
   <p:cSld>
     <p:spTree>
@@ -5739,11 +5668,18 @@
               <a:buChar char="•"/>
             </a:pPr>
             <a:r>
+              <a:rPr lang="en-US" sz="2800" b="1" dirty="0">
+                <a:latin typeface="Times New Roman"/>
+                <a:cs typeface="Times New Roman"/>
+              </a:rPr>
+              <a:t>A name</a:t>
+            </a:r>
+            <a:r>
               <a:rPr lang="en-US" sz="2800" dirty="0">
                 <a:latin typeface="Times New Roman"/>
                 <a:cs typeface="Times New Roman"/>
               </a:rPr>
-              <a:t>A name:</a:t>
+              <a:t>:</a:t>
             </a:r>
           </a:p>
           <a:p>
@@ -5847,11 +5783,18 @@
               <a:buChar char="•"/>
             </a:pPr>
             <a:r>
+              <a:rPr lang="en-US" sz="2800" b="1" dirty="0">
+                <a:latin typeface="Times New Roman"/>
+                <a:cs typeface="Times New Roman"/>
+              </a:rPr>
+              <a:t>Four functions </a:t>
+            </a:r>
+            <a:r>
               <a:rPr lang="en-US" sz="2800" dirty="0">
                 <a:latin typeface="Times New Roman"/>
                 <a:cs typeface="Times New Roman"/>
               </a:rPr>
-              <a:t>Four functions to deal with:</a:t>
+              <a:t>to deal with:</a:t>
             </a:r>
           </a:p>
           <a:p>
@@ -5877,7 +5820,7 @@
                 <a:latin typeface="Times New Roman"/>
                 <a:cs typeface="Times New Roman"/>
               </a:rPr>
-              <a:t>Cumulative Probability “p-function” </a:t>
+              <a:t>Cumulative Probability: “p-function” </a:t>
             </a:r>
           </a:p>
           <a:p>
@@ -5890,7 +5833,7 @@
                 <a:latin typeface="Times New Roman"/>
                 <a:cs typeface="Times New Roman"/>
               </a:rPr>
-              <a:t>Quantiles “q-function” </a:t>
+              <a:t>Quantiles: “q-function” </a:t>
             </a:r>
           </a:p>
           <a:p>
@@ -5903,7 +5846,7 @@
                 <a:latin typeface="Times New Roman"/>
                 <a:cs typeface="Times New Roman"/>
               </a:rPr>
-              <a:t>Random sampling “r-functions” (I don’t do anything with these for the undergrads)</a:t>
+              <a:t>Random sampling: “r-functions” (I don’t do anything with these for the undergrads)</a:t>
             </a:r>
           </a:p>
         </p:txBody>
@@ -6007,7 +5950,7 @@
 </p:sld>
 </file>
 
-<file path=ppt/slides/slide13.xml><?xml version="1.0" encoding="utf-8"?>
+<file path=ppt/slides/slide12.xml><?xml version="1.0" encoding="utf-8"?>
 <p:sld xmlns:a="http://schemas.openxmlformats.org/drawingml/2006/main" xmlns:r="http://schemas.openxmlformats.org/officeDocument/2006/relationships" xmlns:p="http://schemas.openxmlformats.org/presentationml/2006/main">
   <p:cSld>
     <p:spTree>
@@ -8331,7 +8274,7 @@
 </p:sld>
 </file>
 
-<file path=ppt/slides/slide14.xml><?xml version="1.0" encoding="utf-8"?>
+<file path=ppt/slides/slide13.xml><?xml version="1.0" encoding="utf-8"?>
 <p:sld xmlns:a="http://schemas.openxmlformats.org/drawingml/2006/main" xmlns:r="http://schemas.openxmlformats.org/officeDocument/2006/relationships" xmlns:p="http://schemas.openxmlformats.org/presentationml/2006/main">
   <p:cSld>
     <p:spTree>
@@ -8662,7 +8605,7 @@
 </p:sld>
 </file>
 
-<file path=ppt/slides/slide15.xml><?xml version="1.0" encoding="utf-8"?>
+<file path=ppt/slides/slide14.xml><?xml version="1.0" encoding="utf-8"?>
 <p:sld xmlns:a="http://schemas.openxmlformats.org/drawingml/2006/main" xmlns:r="http://schemas.openxmlformats.org/officeDocument/2006/relationships" xmlns:p="http://schemas.openxmlformats.org/presentationml/2006/main">
   <p:cSld>
     <p:spTree>
@@ -8776,7 +8719,7 @@
                 <a:latin typeface="Courier"/>
                 <a:cs typeface="Courier"/>
               </a:rPr>
-              <a:t># a.</a:t>
+              <a:t># a. PMF Plot</a:t>
             </a:r>
           </a:p>
           <a:p>
@@ -8943,7 +8886,7 @@
                 <a:latin typeface="Courier"/>
                 <a:cs typeface="Courier"/>
               </a:rPr>
-              <a:t># b.</a:t>
+              <a:t># b. uncertainty in the count</a:t>
             </a:r>
           </a:p>
           <a:p>
@@ -9008,7 +8951,7 @@
                 <a:latin typeface="Courier"/>
                 <a:cs typeface="Courier"/>
               </a:rPr>
-              <a:t># c. </a:t>
+              <a:t># c. mean value</a:t>
             </a:r>
           </a:p>
           <a:p>
@@ -9054,6 +8997,26 @@
                 <a:cs typeface="Courier"/>
               </a:rPr>
               <a:t># d. </a:t>
+            </a:r>
+            <a:r>
+              <a:rPr lang="en-US" sz="1400" dirty="0" err="1">
+                <a:solidFill>
+                  <a:srgbClr val="FFFF00"/>
+                </a:solidFill>
+                <a:latin typeface="Courier"/>
+                <a:cs typeface="Courier"/>
+              </a:rPr>
+              <a:t>Pr</a:t>
+            </a:r>
+            <a:r>
+              <a:rPr lang="en-US" sz="1400" dirty="0">
+                <a:solidFill>
+                  <a:srgbClr val="FFFF00"/>
+                </a:solidFill>
+                <a:latin typeface="Courier"/>
+                <a:cs typeface="Courier"/>
+              </a:rPr>
+              <a:t>(10 &lt; X &lt;= 20)</a:t>
             </a:r>
           </a:p>
           <a:p>
@@ -9412,7 +9375,7 @@
 </p:sld>
 </file>
 
-<file path=ppt/slides/slide16.xml><?xml version="1.0" encoding="utf-8"?>
+<file path=ppt/slides/slide15.xml><?xml version="1.0" encoding="utf-8"?>
 <p:sld xmlns:a="http://schemas.openxmlformats.org/drawingml/2006/main" xmlns:r="http://schemas.openxmlformats.org/officeDocument/2006/relationships" xmlns:p="http://schemas.openxmlformats.org/presentationml/2006/main">
   <p:cSld>
     <p:spTree>
@@ -9461,7 +9424,7 @@
                 <a:latin typeface="Courier"/>
                 <a:cs typeface="Courier"/>
               </a:rPr>
-              <a:t># e.</a:t>
+              <a:t># e. Pr(X &lt;= 13)</a:t>
             </a:r>
           </a:p>
           <a:p>
@@ -9494,7 +9457,7 @@
                 <a:latin typeface="Courier"/>
                 <a:cs typeface="Courier"/>
               </a:rPr>
-              <a:t># f.</a:t>
+              <a:t># f. Pr(X &gt; 15)</a:t>
             </a:r>
           </a:p>
           <a:p>
@@ -9527,7 +9490,7 @@
                 <a:latin typeface="Courier"/>
                 <a:cs typeface="Courier"/>
               </a:rPr>
-              <a:t># g.</a:t>
+              <a:t># g. Pr( &gt;= 15)</a:t>
             </a:r>
           </a:p>
           <a:p>
@@ -9581,7 +9544,7 @@
 </p:sld>
 </file>
 
-<file path=ppt/slides/slide17.xml><?xml version="1.0" encoding="utf-8"?>
+<file path=ppt/slides/slide16.xml><?xml version="1.0" encoding="utf-8"?>
 <p:sld xmlns:a="http://schemas.openxmlformats.org/drawingml/2006/main" xmlns:r="http://schemas.openxmlformats.org/officeDocument/2006/relationships" xmlns:p="http://schemas.openxmlformats.org/presentationml/2006/main">
   <p:cSld>
     <p:spTree>
@@ -9827,6 +9790,26 @@
               </a:rPr>
               <a:t># a. </a:t>
             </a:r>
+            <a:r>
+              <a:rPr lang="en-US" sz="1200" dirty="0" err="1">
+                <a:solidFill>
+                  <a:srgbClr val="FFFF00"/>
+                </a:solidFill>
+                <a:latin typeface="Courier"/>
+                <a:cs typeface="Courier"/>
+              </a:rPr>
+              <a:t>Pr</a:t>
+            </a:r>
+            <a:r>
+              <a:rPr lang="en-US" sz="1200" dirty="0">
+                <a:solidFill>
+                  <a:srgbClr val="FFFF00"/>
+                </a:solidFill>
+                <a:latin typeface="Courier"/>
+                <a:cs typeface="Courier"/>
+              </a:rPr>
+              <a:t>(X &gt; 8)</a:t>
+            </a:r>
           </a:p>
           <a:p>
             <a:r>
@@ -9931,7 +9914,27 @@
                 <a:latin typeface="Courier"/>
                 <a:cs typeface="Courier"/>
               </a:rPr>
-              <a:t># c.</a:t>
+              <a:t># c. </a:t>
+            </a:r>
+            <a:r>
+              <a:rPr lang="en-US" sz="1200" dirty="0" err="1">
+                <a:solidFill>
+                  <a:srgbClr val="FFFF00"/>
+                </a:solidFill>
+                <a:latin typeface="Courier"/>
+                <a:cs typeface="Courier"/>
+              </a:rPr>
+              <a:t>Pr</a:t>
+            </a:r>
+            <a:r>
+              <a:rPr lang="en-US" sz="1200" dirty="0">
+                <a:solidFill>
+                  <a:srgbClr val="FFFF00"/>
+                </a:solidFill>
+                <a:latin typeface="Courier"/>
+                <a:cs typeface="Courier"/>
+              </a:rPr>
+              <a:t>(50 &lt; X &lt;= 100)</a:t>
             </a:r>
           </a:p>
           <a:p>
@@ -10224,7 +10227,7 @@
 </p:sld>
 </file>
 
-<file path=ppt/slides/slide18.xml><?xml version="1.0" encoding="utf-8"?>
+<file path=ppt/slides/slide17.xml><?xml version="1.0" encoding="utf-8"?>
 <p:sld xmlns:a="http://schemas.openxmlformats.org/drawingml/2006/main" xmlns:r="http://schemas.openxmlformats.org/officeDocument/2006/relationships" xmlns:p="http://schemas.openxmlformats.org/presentationml/2006/main">
   <p:cSld>
     <p:spTree>
@@ -10410,7 +10413,27 @@
                 <a:latin typeface="Courier"/>
                 <a:cs typeface="Courier"/>
               </a:rPr>
-              <a:t># d.</a:t>
+              <a:t># d. </a:t>
+            </a:r>
+            <a:r>
+              <a:rPr lang="en-US" sz="1200" dirty="0" err="1">
+                <a:solidFill>
+                  <a:srgbClr val="FFFF00"/>
+                </a:solidFill>
+                <a:latin typeface="Courier"/>
+                <a:cs typeface="Courier"/>
+              </a:rPr>
+              <a:t>Pr</a:t>
+            </a:r>
+            <a:r>
+              <a:rPr lang="en-US" sz="1200" dirty="0">
+                <a:solidFill>
+                  <a:srgbClr val="FFFF00"/>
+                </a:solidFill>
+                <a:latin typeface="Courier"/>
+                <a:cs typeface="Courier"/>
+              </a:rPr>
+              <a:t>(X &lt;= 20)</a:t>
             </a:r>
           </a:p>
           <a:p>
@@ -10763,7 +10786,7 @@
 </p:sld>
 </file>
 
-<file path=ppt/slides/slide19.xml><?xml version="1.0" encoding="utf-8"?>
+<file path=ppt/slides/slide18.xml><?xml version="1.0" encoding="utf-8"?>
 <p:sld xmlns:a="http://schemas.openxmlformats.org/drawingml/2006/main" xmlns:r="http://schemas.openxmlformats.org/officeDocument/2006/relationships" xmlns:p="http://schemas.openxmlformats.org/presentationml/2006/main">
   <p:cSld>
     <p:spTree>
@@ -11565,6 +11588,368 @@
 </p:sld>
 </file>
 
+<file path=ppt/slides/slide19.xml><?xml version="1.0" encoding="utf-8"?>
+<p:sld xmlns:a="http://schemas.openxmlformats.org/drawingml/2006/main" xmlns:r="http://schemas.openxmlformats.org/officeDocument/2006/relationships" xmlns:p="http://schemas.openxmlformats.org/presentationml/2006/main">
+  <p:cSld>
+    <p:spTree>
+      <p:nvGrpSpPr>
+        <p:cNvPr id="1" name=""/>
+        <p:cNvGrpSpPr/>
+        <p:nvPr/>
+      </p:nvGrpSpPr>
+      <p:grpSpPr>
+        <a:xfrm>
+          <a:off x="0" y="0"/>
+          <a:ext cx="0" cy="0"/>
+          <a:chOff x="0" y="0"/>
+          <a:chExt cx="0" cy="0"/>
+        </a:xfrm>
+      </p:grpSpPr>
+      <p:sp>
+        <p:nvSpPr>
+          <p:cNvPr id="4" name="Rectangle 1"/>
+          <p:cNvSpPr>
+            <a:spLocks noChangeArrowheads="1"/>
+          </p:cNvSpPr>
+          <p:nvPr/>
+        </p:nvSpPr>
+        <p:spPr bwMode="auto">
+          <a:xfrm>
+            <a:off x="1524000" y="279102"/>
+            <a:ext cx="9104312" cy="871324"/>
+          </a:xfrm>
+          <a:prstGeom prst="rect">
+            <a:avLst/>
+          </a:prstGeom>
+          <a:noFill/>
+          <a:ln w="9525">
+            <a:noFill/>
+            <a:round/>
+            <a:headEnd/>
+            <a:tailEnd/>
+          </a:ln>
+        </p:spPr>
+        <p:txBody>
+          <a:bodyPr lIns="0" tIns="0" rIns="0" bIns="0" anchor="ctr"/>
+          <a:lstStyle/>
+          <a:p>
+            <a:pPr algn="ctr" hangingPunct="0">
+              <a:lnSpc>
+                <a:spcPct val="98000"/>
+              </a:lnSpc>
+              <a:buSzPct val="45000"/>
+              <a:tabLst>
+                <a:tab pos="0" algn="l"/>
+                <a:tab pos="914400" algn="l"/>
+                <a:tab pos="1828800" algn="l"/>
+                <a:tab pos="2743200" algn="l"/>
+                <a:tab pos="3657600" algn="l"/>
+                <a:tab pos="4572000" algn="l"/>
+                <a:tab pos="5486400" algn="l"/>
+                <a:tab pos="6400800" algn="l"/>
+                <a:tab pos="7315200" algn="l"/>
+                <a:tab pos="8229600" algn="l"/>
+                <a:tab pos="9144000" algn="l"/>
+                <a:tab pos="10058400" algn="l"/>
+              </a:tabLst>
+            </a:pPr>
+            <a:r>
+              <a:rPr lang="en-US" sz="3200" dirty="0">
+                <a:latin typeface="Times New Roman" pitchFamily="18" charset="0"/>
+                <a:cs typeface="Times New Roman" pitchFamily="18" charset="0"/>
+              </a:rPr>
+              <a:t>Example: </a:t>
+            </a:r>
+            <a:r>
+              <a:rPr lang="en-US" sz="3200" dirty="0" err="1">
+                <a:latin typeface="Times New Roman" pitchFamily="18" charset="0"/>
+                <a:cs typeface="Times New Roman" pitchFamily="18" charset="0"/>
+              </a:rPr>
+              <a:t>quantiles</a:t>
+            </a:r>
+            <a:r>
+              <a:rPr lang="en-US" sz="3200" dirty="0">
+                <a:latin typeface="Times New Roman" pitchFamily="18" charset="0"/>
+                <a:cs typeface="Times New Roman" pitchFamily="18" charset="0"/>
+              </a:rPr>
+              <a:t>/percentiles</a:t>
+            </a:r>
+          </a:p>
+        </p:txBody>
+      </p:sp>
+      <p:pic>
+        <p:nvPicPr>
+          <p:cNvPr id="5" name="Picture 2"/>
+          <p:cNvPicPr>
+            <a:picLocks noChangeAspect="1" noChangeArrowheads="1"/>
+          </p:cNvPicPr>
+          <p:nvPr/>
+        </p:nvPicPr>
+        <p:blipFill>
+          <a:blip r:embed="rId2" cstate="print"/>
+          <a:srcRect/>
+          <a:stretch>
+            <a:fillRect/>
+          </a:stretch>
+        </p:blipFill>
+        <p:spPr bwMode="auto">
+          <a:xfrm>
+            <a:off x="2008188" y="76200"/>
+            <a:ext cx="8202612" cy="239712"/>
+          </a:xfrm>
+          <a:prstGeom prst="rect">
+            <a:avLst/>
+          </a:prstGeom>
+          <a:noFill/>
+          <a:ln w="9525">
+            <a:noFill/>
+            <a:round/>
+            <a:headEnd/>
+            <a:tailEnd/>
+          </a:ln>
+        </p:spPr>
+      </p:pic>
+      <p:sp>
+        <p:nvSpPr>
+          <p:cNvPr id="10" name="Rectangle 9"/>
+          <p:cNvSpPr/>
+          <p:nvPr/>
+        </p:nvSpPr>
+        <p:spPr>
+          <a:xfrm>
+            <a:off x="1881188" y="1150426"/>
+            <a:ext cx="8456612" cy="830997"/>
+          </a:xfrm>
+          <a:prstGeom prst="rect">
+            <a:avLst/>
+          </a:prstGeom>
+        </p:spPr>
+        <p:txBody>
+          <a:bodyPr wrap="square">
+            <a:spAutoFit/>
+          </a:bodyPr>
+          <a:lstStyle/>
+          <a:p>
+            <a:r>
+              <a:rPr lang="en-US" sz="2400" dirty="0">
+                <a:latin typeface="Times New Roman"/>
+                <a:cs typeface="Times New Roman"/>
+              </a:rPr>
+              <a:t>Again, we translate the word problem and write a simple structured script together:</a:t>
+            </a:r>
+          </a:p>
+        </p:txBody>
+      </p:sp>
+      <p:pic>
+        <p:nvPicPr>
+          <p:cNvPr id="6" name="Picture 5"/>
+          <p:cNvPicPr>
+            <a:picLocks noChangeAspect="1"/>
+          </p:cNvPicPr>
+          <p:nvPr/>
+        </p:nvPicPr>
+        <p:blipFill>
+          <a:blip r:embed="rId3"/>
+          <a:stretch>
+            <a:fillRect/>
+          </a:stretch>
+        </p:blipFill>
+        <p:spPr>
+          <a:xfrm>
+            <a:off x="3792907" y="4794604"/>
+            <a:ext cx="4240478" cy="521905"/>
+          </a:xfrm>
+          <a:prstGeom prst="rect">
+            <a:avLst/>
+          </a:prstGeom>
+        </p:spPr>
+      </p:pic>
+      <p:sp>
+        <p:nvSpPr>
+          <p:cNvPr id="7" name="Rectangle 6"/>
+          <p:cNvSpPr/>
+          <p:nvPr/>
+        </p:nvSpPr>
+        <p:spPr>
+          <a:xfrm>
+            <a:off x="3485398" y="2636732"/>
+            <a:ext cx="5066985" cy="1600438"/>
+          </a:xfrm>
+          <a:prstGeom prst="rect">
+            <a:avLst/>
+          </a:prstGeom>
+          <a:solidFill>
+            <a:srgbClr val="000C78"/>
+          </a:solidFill>
+        </p:spPr>
+        <p:txBody>
+          <a:bodyPr wrap="square">
+            <a:spAutoFit/>
+          </a:bodyPr>
+          <a:lstStyle/>
+          <a:p>
+            <a:r>
+              <a:rPr lang="en-US" sz="1400" dirty="0">
+                <a:solidFill>
+                  <a:srgbClr val="FFFF00"/>
+                </a:solidFill>
+                <a:latin typeface="Courier"/>
+                <a:cs typeface="Courier"/>
+              </a:rPr>
+              <a:t># Parameters:</a:t>
+            </a:r>
+          </a:p>
+          <a:p>
+            <a:endParaRPr lang="en-US" sz="1400" dirty="0">
+              <a:solidFill>
+                <a:schemeClr val="bg1"/>
+              </a:solidFill>
+              <a:latin typeface="Courier"/>
+              <a:cs typeface="Courier"/>
+            </a:endParaRPr>
+          </a:p>
+          <a:p>
+            <a:r>
+              <a:rPr lang="en-US" sz="1400" dirty="0">
+                <a:solidFill>
+                  <a:schemeClr val="bg1"/>
+                </a:solidFill>
+                <a:latin typeface="Courier"/>
+                <a:cs typeface="Courier"/>
+              </a:rPr>
+              <a:t>mu    &lt;- 50</a:t>
+            </a:r>
+          </a:p>
+          <a:p>
+            <a:r>
+              <a:rPr lang="en-US" sz="1400" dirty="0">
+                <a:solidFill>
+                  <a:schemeClr val="bg1"/>
+                </a:solidFill>
+                <a:latin typeface="Courier"/>
+                <a:cs typeface="Courier"/>
+              </a:rPr>
+              <a:t>sigma &lt;- 10</a:t>
+            </a:r>
+          </a:p>
+          <a:p>
+            <a:endParaRPr lang="en-US" sz="1400" dirty="0">
+              <a:solidFill>
+                <a:schemeClr val="bg1"/>
+              </a:solidFill>
+              <a:latin typeface="Courier"/>
+              <a:cs typeface="Courier"/>
+            </a:endParaRPr>
+          </a:p>
+          <a:p>
+            <a:r>
+              <a:rPr lang="en-US" sz="1400" dirty="0">
+                <a:solidFill>
+                  <a:srgbClr val="FFFF00"/>
+                </a:solidFill>
+                <a:latin typeface="Courier"/>
+                <a:cs typeface="Courier"/>
+              </a:rPr>
+              <a:t># </a:t>
+            </a:r>
+            <a:r>
+              <a:rPr lang="en-US" sz="1400" dirty="0" err="1">
+                <a:solidFill>
+                  <a:srgbClr val="FFFF00"/>
+                </a:solidFill>
+                <a:latin typeface="Courier"/>
+                <a:cs typeface="Courier"/>
+              </a:rPr>
+              <a:t>Quantile</a:t>
+            </a:r>
+            <a:r>
+              <a:rPr lang="en-US" sz="1400" dirty="0">
+                <a:solidFill>
+                  <a:srgbClr val="FFFF00"/>
+                </a:solidFill>
+                <a:latin typeface="Courier"/>
+                <a:cs typeface="Courier"/>
+              </a:rPr>
+              <a:t> for the 90</a:t>
+            </a:r>
+            <a:r>
+              <a:rPr lang="en-US" sz="1400" baseline="30000" dirty="0">
+                <a:solidFill>
+                  <a:srgbClr val="FFFF00"/>
+                </a:solidFill>
+                <a:latin typeface="Courier"/>
+                <a:cs typeface="Courier"/>
+              </a:rPr>
+              <a:t>th</a:t>
+            </a:r>
+            <a:r>
+              <a:rPr lang="en-US" sz="1400" dirty="0">
+                <a:solidFill>
+                  <a:srgbClr val="FFFF00"/>
+                </a:solidFill>
+                <a:latin typeface="Courier"/>
+                <a:cs typeface="Courier"/>
+              </a:rPr>
+              <a:t> percentile:</a:t>
+            </a:r>
+          </a:p>
+          <a:p>
+            <a:r>
+              <a:rPr lang="en-US" sz="1400" dirty="0" err="1">
+                <a:solidFill>
+                  <a:schemeClr val="bg1"/>
+                </a:solidFill>
+                <a:latin typeface="Courier"/>
+                <a:cs typeface="Courier"/>
+              </a:rPr>
+              <a:t>qnorm</a:t>
+            </a:r>
+            <a:r>
+              <a:rPr lang="en-US" sz="1400" dirty="0">
+                <a:solidFill>
+                  <a:schemeClr val="bg1"/>
+                </a:solidFill>
+                <a:latin typeface="Courier"/>
+                <a:cs typeface="Courier"/>
+              </a:rPr>
+              <a:t>(0.9, mean=mu, </a:t>
+            </a:r>
+            <a:r>
+              <a:rPr lang="en-US" sz="1400" dirty="0" err="1">
+                <a:solidFill>
+                  <a:schemeClr val="bg1"/>
+                </a:solidFill>
+                <a:latin typeface="Courier"/>
+                <a:cs typeface="Courier"/>
+              </a:rPr>
+              <a:t>sd</a:t>
+            </a:r>
+            <a:r>
+              <a:rPr lang="en-US" sz="1400" dirty="0">
+                <a:solidFill>
+                  <a:schemeClr val="bg1"/>
+                </a:solidFill>
+                <a:latin typeface="Courier"/>
+                <a:cs typeface="Courier"/>
+              </a:rPr>
+              <a:t>=sigma)</a:t>
+            </a:r>
+          </a:p>
+        </p:txBody>
+      </p:sp>
+    </p:spTree>
+    <p:extLst>
+      <p:ext uri="{BB962C8B-B14F-4D97-AF65-F5344CB8AC3E}">
+        <p14:creationId xmlns:p14="http://schemas.microsoft.com/office/powerpoint/2010/main" val="2860698852"/>
+      </p:ext>
+    </p:extLst>
+  </p:cSld>
+  <p:clrMapOvr>
+    <a:masterClrMapping/>
+  </p:clrMapOvr>
+</p:sld>
+</file>
+
 <file path=ppt/slides/slide2.xml><?xml version="1.0" encoding="utf-8"?>
 <p:sld xmlns:a="http://schemas.openxmlformats.org/drawingml/2006/main" xmlns:r="http://schemas.openxmlformats.org/officeDocument/2006/relationships" xmlns:p="http://schemas.openxmlformats.org/presentationml/2006/main">
   <p:cSld>
@@ -11909,368 +12294,6 @@
 </file>
 
 <file path=ppt/slides/slide20.xml><?xml version="1.0" encoding="utf-8"?>
-<p:sld xmlns:a="http://schemas.openxmlformats.org/drawingml/2006/main" xmlns:r="http://schemas.openxmlformats.org/officeDocument/2006/relationships" xmlns:p="http://schemas.openxmlformats.org/presentationml/2006/main">
-  <p:cSld>
-    <p:spTree>
-      <p:nvGrpSpPr>
-        <p:cNvPr id="1" name=""/>
-        <p:cNvGrpSpPr/>
-        <p:nvPr/>
-      </p:nvGrpSpPr>
-      <p:grpSpPr>
-        <a:xfrm>
-          <a:off x="0" y="0"/>
-          <a:ext cx="0" cy="0"/>
-          <a:chOff x="0" y="0"/>
-          <a:chExt cx="0" cy="0"/>
-        </a:xfrm>
-      </p:grpSpPr>
-      <p:sp>
-        <p:nvSpPr>
-          <p:cNvPr id="4" name="Rectangle 1"/>
-          <p:cNvSpPr>
-            <a:spLocks noChangeArrowheads="1"/>
-          </p:cNvSpPr>
-          <p:nvPr/>
-        </p:nvSpPr>
-        <p:spPr bwMode="auto">
-          <a:xfrm>
-            <a:off x="1524000" y="279102"/>
-            <a:ext cx="9104312" cy="871324"/>
-          </a:xfrm>
-          <a:prstGeom prst="rect">
-            <a:avLst/>
-          </a:prstGeom>
-          <a:noFill/>
-          <a:ln w="9525">
-            <a:noFill/>
-            <a:round/>
-            <a:headEnd/>
-            <a:tailEnd/>
-          </a:ln>
-        </p:spPr>
-        <p:txBody>
-          <a:bodyPr lIns="0" tIns="0" rIns="0" bIns="0" anchor="ctr"/>
-          <a:lstStyle/>
-          <a:p>
-            <a:pPr algn="ctr" hangingPunct="0">
-              <a:lnSpc>
-                <a:spcPct val="98000"/>
-              </a:lnSpc>
-              <a:buSzPct val="45000"/>
-              <a:tabLst>
-                <a:tab pos="0" algn="l"/>
-                <a:tab pos="914400" algn="l"/>
-                <a:tab pos="1828800" algn="l"/>
-                <a:tab pos="2743200" algn="l"/>
-                <a:tab pos="3657600" algn="l"/>
-                <a:tab pos="4572000" algn="l"/>
-                <a:tab pos="5486400" algn="l"/>
-                <a:tab pos="6400800" algn="l"/>
-                <a:tab pos="7315200" algn="l"/>
-                <a:tab pos="8229600" algn="l"/>
-                <a:tab pos="9144000" algn="l"/>
-                <a:tab pos="10058400" algn="l"/>
-              </a:tabLst>
-            </a:pPr>
-            <a:r>
-              <a:rPr lang="en-US" sz="3200" dirty="0">
-                <a:latin typeface="Times New Roman" pitchFamily="18" charset="0"/>
-                <a:cs typeface="Times New Roman" pitchFamily="18" charset="0"/>
-              </a:rPr>
-              <a:t>Example: </a:t>
-            </a:r>
-            <a:r>
-              <a:rPr lang="en-US" sz="3200" dirty="0" err="1">
-                <a:latin typeface="Times New Roman" pitchFamily="18" charset="0"/>
-                <a:cs typeface="Times New Roman" pitchFamily="18" charset="0"/>
-              </a:rPr>
-              <a:t>quantiles</a:t>
-            </a:r>
-            <a:r>
-              <a:rPr lang="en-US" sz="3200" dirty="0">
-                <a:latin typeface="Times New Roman" pitchFamily="18" charset="0"/>
-                <a:cs typeface="Times New Roman" pitchFamily="18" charset="0"/>
-              </a:rPr>
-              <a:t>/percentiles</a:t>
-            </a:r>
-          </a:p>
-        </p:txBody>
-      </p:sp>
-      <p:pic>
-        <p:nvPicPr>
-          <p:cNvPr id="5" name="Picture 2"/>
-          <p:cNvPicPr>
-            <a:picLocks noChangeAspect="1" noChangeArrowheads="1"/>
-          </p:cNvPicPr>
-          <p:nvPr/>
-        </p:nvPicPr>
-        <p:blipFill>
-          <a:blip r:embed="rId2" cstate="print"/>
-          <a:srcRect/>
-          <a:stretch>
-            <a:fillRect/>
-          </a:stretch>
-        </p:blipFill>
-        <p:spPr bwMode="auto">
-          <a:xfrm>
-            <a:off x="2008188" y="76200"/>
-            <a:ext cx="8202612" cy="239712"/>
-          </a:xfrm>
-          <a:prstGeom prst="rect">
-            <a:avLst/>
-          </a:prstGeom>
-          <a:noFill/>
-          <a:ln w="9525">
-            <a:noFill/>
-            <a:round/>
-            <a:headEnd/>
-            <a:tailEnd/>
-          </a:ln>
-        </p:spPr>
-      </p:pic>
-      <p:sp>
-        <p:nvSpPr>
-          <p:cNvPr id="10" name="Rectangle 9"/>
-          <p:cNvSpPr/>
-          <p:nvPr/>
-        </p:nvSpPr>
-        <p:spPr>
-          <a:xfrm>
-            <a:off x="1881188" y="1150426"/>
-            <a:ext cx="8456612" cy="830997"/>
-          </a:xfrm>
-          <a:prstGeom prst="rect">
-            <a:avLst/>
-          </a:prstGeom>
-        </p:spPr>
-        <p:txBody>
-          <a:bodyPr wrap="square">
-            <a:spAutoFit/>
-          </a:bodyPr>
-          <a:lstStyle/>
-          <a:p>
-            <a:r>
-              <a:rPr lang="en-US" sz="2400" dirty="0">
-                <a:latin typeface="Times New Roman"/>
-                <a:cs typeface="Times New Roman"/>
-              </a:rPr>
-              <a:t>Again, we translate the word problem and write a simple structured script together:</a:t>
-            </a:r>
-          </a:p>
-        </p:txBody>
-      </p:sp>
-      <p:pic>
-        <p:nvPicPr>
-          <p:cNvPr id="6" name="Picture 5"/>
-          <p:cNvPicPr>
-            <a:picLocks noChangeAspect="1"/>
-          </p:cNvPicPr>
-          <p:nvPr/>
-        </p:nvPicPr>
-        <p:blipFill>
-          <a:blip r:embed="rId3"/>
-          <a:stretch>
-            <a:fillRect/>
-          </a:stretch>
-        </p:blipFill>
-        <p:spPr>
-          <a:xfrm>
-            <a:off x="3792907" y="4794604"/>
-            <a:ext cx="4240478" cy="521905"/>
-          </a:xfrm>
-          <a:prstGeom prst="rect">
-            <a:avLst/>
-          </a:prstGeom>
-        </p:spPr>
-      </p:pic>
-      <p:sp>
-        <p:nvSpPr>
-          <p:cNvPr id="7" name="Rectangle 6"/>
-          <p:cNvSpPr/>
-          <p:nvPr/>
-        </p:nvSpPr>
-        <p:spPr>
-          <a:xfrm>
-            <a:off x="3485398" y="2636732"/>
-            <a:ext cx="5066985" cy="1600438"/>
-          </a:xfrm>
-          <a:prstGeom prst="rect">
-            <a:avLst/>
-          </a:prstGeom>
-          <a:solidFill>
-            <a:srgbClr val="000C78"/>
-          </a:solidFill>
-        </p:spPr>
-        <p:txBody>
-          <a:bodyPr wrap="square">
-            <a:spAutoFit/>
-          </a:bodyPr>
-          <a:lstStyle/>
-          <a:p>
-            <a:r>
-              <a:rPr lang="en-US" sz="1400" dirty="0">
-                <a:solidFill>
-                  <a:srgbClr val="FFFF00"/>
-                </a:solidFill>
-                <a:latin typeface="Courier"/>
-                <a:cs typeface="Courier"/>
-              </a:rPr>
-              <a:t># Parameters:</a:t>
-            </a:r>
-          </a:p>
-          <a:p>
-            <a:endParaRPr lang="en-US" sz="1400" dirty="0">
-              <a:solidFill>
-                <a:schemeClr val="bg1"/>
-              </a:solidFill>
-              <a:latin typeface="Courier"/>
-              <a:cs typeface="Courier"/>
-            </a:endParaRPr>
-          </a:p>
-          <a:p>
-            <a:r>
-              <a:rPr lang="en-US" sz="1400" dirty="0">
-                <a:solidFill>
-                  <a:schemeClr val="bg1"/>
-                </a:solidFill>
-                <a:latin typeface="Courier"/>
-                <a:cs typeface="Courier"/>
-              </a:rPr>
-              <a:t>mu    &lt;- 50</a:t>
-            </a:r>
-          </a:p>
-          <a:p>
-            <a:r>
-              <a:rPr lang="en-US" sz="1400" dirty="0">
-                <a:solidFill>
-                  <a:schemeClr val="bg1"/>
-                </a:solidFill>
-                <a:latin typeface="Courier"/>
-                <a:cs typeface="Courier"/>
-              </a:rPr>
-              <a:t>sigma &lt;- 10</a:t>
-            </a:r>
-          </a:p>
-          <a:p>
-            <a:endParaRPr lang="en-US" sz="1400" dirty="0">
-              <a:solidFill>
-                <a:schemeClr val="bg1"/>
-              </a:solidFill>
-              <a:latin typeface="Courier"/>
-              <a:cs typeface="Courier"/>
-            </a:endParaRPr>
-          </a:p>
-          <a:p>
-            <a:r>
-              <a:rPr lang="en-US" sz="1400" dirty="0">
-                <a:solidFill>
-                  <a:srgbClr val="FFFF00"/>
-                </a:solidFill>
-                <a:latin typeface="Courier"/>
-                <a:cs typeface="Courier"/>
-              </a:rPr>
-              <a:t># </a:t>
-            </a:r>
-            <a:r>
-              <a:rPr lang="en-US" sz="1400" dirty="0" err="1">
-                <a:solidFill>
-                  <a:srgbClr val="FFFF00"/>
-                </a:solidFill>
-                <a:latin typeface="Courier"/>
-                <a:cs typeface="Courier"/>
-              </a:rPr>
-              <a:t>Quantile</a:t>
-            </a:r>
-            <a:r>
-              <a:rPr lang="en-US" sz="1400" dirty="0">
-                <a:solidFill>
-                  <a:srgbClr val="FFFF00"/>
-                </a:solidFill>
-                <a:latin typeface="Courier"/>
-                <a:cs typeface="Courier"/>
-              </a:rPr>
-              <a:t> for the 90</a:t>
-            </a:r>
-            <a:r>
-              <a:rPr lang="en-US" sz="1400" baseline="30000" dirty="0">
-                <a:solidFill>
-                  <a:srgbClr val="FFFF00"/>
-                </a:solidFill>
-                <a:latin typeface="Courier"/>
-                <a:cs typeface="Courier"/>
-              </a:rPr>
-              <a:t>th</a:t>
-            </a:r>
-            <a:r>
-              <a:rPr lang="en-US" sz="1400" dirty="0">
-                <a:solidFill>
-                  <a:srgbClr val="FFFF00"/>
-                </a:solidFill>
-                <a:latin typeface="Courier"/>
-                <a:cs typeface="Courier"/>
-              </a:rPr>
-              <a:t> percentile:</a:t>
-            </a:r>
-          </a:p>
-          <a:p>
-            <a:r>
-              <a:rPr lang="en-US" sz="1400" dirty="0" err="1">
-                <a:solidFill>
-                  <a:schemeClr val="bg1"/>
-                </a:solidFill>
-                <a:latin typeface="Courier"/>
-                <a:cs typeface="Courier"/>
-              </a:rPr>
-              <a:t>qnorm</a:t>
-            </a:r>
-            <a:r>
-              <a:rPr lang="en-US" sz="1400" dirty="0">
-                <a:solidFill>
-                  <a:schemeClr val="bg1"/>
-                </a:solidFill>
-                <a:latin typeface="Courier"/>
-                <a:cs typeface="Courier"/>
-              </a:rPr>
-              <a:t>(0.9, mean=mu, </a:t>
-            </a:r>
-            <a:r>
-              <a:rPr lang="en-US" sz="1400" dirty="0" err="1">
-                <a:solidFill>
-                  <a:schemeClr val="bg1"/>
-                </a:solidFill>
-                <a:latin typeface="Courier"/>
-                <a:cs typeface="Courier"/>
-              </a:rPr>
-              <a:t>sd</a:t>
-            </a:r>
-            <a:r>
-              <a:rPr lang="en-US" sz="1400" dirty="0">
-                <a:solidFill>
-                  <a:schemeClr val="bg1"/>
-                </a:solidFill>
-                <a:latin typeface="Courier"/>
-                <a:cs typeface="Courier"/>
-              </a:rPr>
-              <a:t>=sigma)</a:t>
-            </a:r>
-          </a:p>
-        </p:txBody>
-      </p:sp>
-    </p:spTree>
-    <p:extLst>
-      <p:ext uri="{BB962C8B-B14F-4D97-AF65-F5344CB8AC3E}">
-        <p14:creationId xmlns:p14="http://schemas.microsoft.com/office/powerpoint/2010/main" val="2860698852"/>
-      </p:ext>
-    </p:extLst>
-  </p:cSld>
-  <p:clrMapOvr>
-    <a:masterClrMapping/>
-  </p:clrMapOvr>
-</p:sld>
-</file>
-
-<file path=ppt/slides/slide21.xml><?xml version="1.0" encoding="utf-8"?>
 <p:sld xmlns:a="http://schemas.openxmlformats.org/drawingml/2006/main" xmlns:r="http://schemas.openxmlformats.org/officeDocument/2006/relationships" xmlns:p="http://schemas.openxmlformats.org/presentationml/2006/main">
   <p:cSld>
     <p:spTree>
@@ -13566,7 +13589,7 @@
 </p:sld>
 </file>
 
-<file path=ppt/slides/slide22.xml><?xml version="1.0" encoding="utf-8"?>
+<file path=ppt/slides/slide21.xml><?xml version="1.0" encoding="utf-8"?>
 <p:sld xmlns:a="http://schemas.openxmlformats.org/drawingml/2006/main" xmlns:r="http://schemas.openxmlformats.org/officeDocument/2006/relationships" xmlns:p="http://schemas.openxmlformats.org/presentationml/2006/main">
   <p:cSld>
     <p:spTree>
@@ -14191,7 +14214,7 @@
 </p:sld>
 </file>
 
-<file path=ppt/slides/slide23.xml><?xml version="1.0" encoding="utf-8"?>
+<file path=ppt/slides/slide22.xml><?xml version="1.0" encoding="utf-8"?>
 <p:sld xmlns:a="http://schemas.openxmlformats.org/drawingml/2006/main" xmlns:r="http://schemas.openxmlformats.org/officeDocument/2006/relationships" xmlns:p="http://schemas.openxmlformats.org/presentationml/2006/main">
   <p:cSld>
     <p:spTree>
@@ -14845,7 +14868,7 @@
 </p:sld>
 </file>
 
-<file path=ppt/slides/slide24.xml><?xml version="1.0" encoding="utf-8"?>
+<file path=ppt/slides/slide23.xml><?xml version="1.0" encoding="utf-8"?>
 <p:sld xmlns:a="http://schemas.openxmlformats.org/drawingml/2006/main" xmlns:r="http://schemas.openxmlformats.org/officeDocument/2006/relationships" xmlns:p="http://schemas.openxmlformats.org/presentationml/2006/main">
   <p:cSld>
     <p:spTree>
@@ -15147,7 +15170,7 @@
 </p:sld>
 </file>
 
-<file path=ppt/slides/slide25.xml><?xml version="1.0" encoding="utf-8"?>
+<file path=ppt/slides/slide24.xml><?xml version="1.0" encoding="utf-8"?>
 <p:sld xmlns:a="http://schemas.openxmlformats.org/drawingml/2006/main" xmlns:r="http://schemas.openxmlformats.org/officeDocument/2006/relationships" xmlns:p="http://schemas.openxmlformats.org/presentationml/2006/main">
   <p:cSld>
     <p:spTree>
@@ -15692,7 +15715,7 @@
 </p:sld>
 </file>
 
-<file path=ppt/slides/slide26.xml><?xml version="1.0" encoding="utf-8"?>
+<file path=ppt/slides/slide25.xml><?xml version="1.0" encoding="utf-8"?>
 <p:sld xmlns:a="http://schemas.openxmlformats.org/drawingml/2006/main" xmlns:r="http://schemas.openxmlformats.org/officeDocument/2006/relationships" xmlns:p="http://schemas.openxmlformats.org/presentationml/2006/main">
   <p:cSld>
     <p:spTree>
@@ -16146,7 +16169,7 @@
                 <a:latin typeface="Courier"/>
                 <a:cs typeface="Courier"/>
               </a:rPr>
-              <a:t>)            </a:t>
+              <a:t>)             </a:t>
             </a:r>
             <a:r>
               <a:rPr lang="en-US" sz="1400" dirty="0">
@@ -16198,7 +16221,7 @@
                 <a:latin typeface="Courier"/>
                 <a:cs typeface="Courier"/>
               </a:rPr>
-              <a:t>)              </a:t>
+              <a:t>)               </a:t>
             </a:r>
             <a:r>
               <a:rPr lang="en-US" sz="1400" dirty="0">
@@ -16260,7 +16283,7 @@
                 <a:latin typeface="Courier"/>
                 <a:cs typeface="Courier"/>
               </a:rPr>
-              <a:t>)/sqrt(n)        </a:t>
+              <a:t>)/sqrt(n)         </a:t>
             </a:r>
             <a:r>
               <a:rPr lang="en-US" sz="1400" dirty="0">
@@ -16291,7 +16314,7 @@
                 <a:latin typeface="Courier"/>
                 <a:cs typeface="Courier"/>
               </a:rPr>
-              <a:t>conf  &lt;- 0.95                  </a:t>
+              <a:t>conf  &lt;- 0.95                   </a:t>
             </a:r>
             <a:r>
               <a:rPr lang="en-US" sz="1400" dirty="0">
@@ -16313,7 +16336,7 @@
                 <a:latin typeface="Courier"/>
                 <a:cs typeface="Courier"/>
               </a:rPr>
-              <a:t>alpha &lt;- 1 - conf              </a:t>
+              <a:t>alpha &lt;- 1 - conf               </a:t>
             </a:r>
             <a:r>
               <a:rPr lang="en-US" sz="1400" dirty="0">
@@ -16345,7 +16368,7 @@
                 <a:latin typeface="Courier"/>
                 <a:cs typeface="Courier"/>
               </a:rPr>
-              <a:t> &lt;- qt(1 -alpha/2, df = n-1) </a:t>
+              <a:t> &lt;- qt(1 - alpha/2, df = n-1) </a:t>
             </a:r>
             <a:r>
               <a:rPr lang="en-US" sz="1400" dirty="0">
@@ -16560,7 +16583,7 @@
                 <a:latin typeface="Courier"/>
                 <a:cs typeface="Courier"/>
               </a:rPr>
-              <a:t>)            </a:t>
+              <a:t>)             </a:t>
             </a:r>
             <a:r>
               <a:rPr lang="en-US" sz="1400" dirty="0">
@@ -16768,7 +16791,7 @@
 </p:sld>
 </file>
 
-<file path=ppt/slides/slide27.xml><?xml version="1.0" encoding="utf-8"?>
+<file path=ppt/slides/slide26.xml><?xml version="1.0" encoding="utf-8"?>
 <p:sld xmlns:a="http://schemas.openxmlformats.org/drawingml/2006/main" xmlns:r="http://schemas.openxmlformats.org/officeDocument/2006/relationships" xmlns:p="http://schemas.openxmlformats.org/presentationml/2006/main">
   <p:cSld>
     <p:spTree>
@@ -17281,7 +17304,7 @@
 </p:sld>
 </file>
 
-<file path=ppt/slides/slide28.xml><?xml version="1.0" encoding="utf-8"?>
+<file path=ppt/slides/slide27.xml><?xml version="1.0" encoding="utf-8"?>
 <p:sld xmlns:a="http://schemas.openxmlformats.org/drawingml/2006/main" xmlns:r="http://schemas.openxmlformats.org/officeDocument/2006/relationships" xmlns:p="http://schemas.openxmlformats.org/presentationml/2006/main">
   <p:cSld>
     <p:spTree>
@@ -17631,7 +17654,7 @@
 </p:sld>
 </file>
 
-<file path=ppt/slides/slide29.xml><?xml version="1.0" encoding="utf-8"?>
+<file path=ppt/slides/slide28.xml><?xml version="1.0" encoding="utf-8"?>
 <p:sld xmlns:a="http://schemas.openxmlformats.org/drawingml/2006/main" xmlns:r="http://schemas.openxmlformats.org/officeDocument/2006/relationships" xmlns:p="http://schemas.openxmlformats.org/presentationml/2006/main">
   <p:cSld>
     <p:spTree>
@@ -17879,7 +17902,7 @@
         <p:spPr>
           <a:xfrm>
             <a:off x="1617577" y="1330523"/>
-            <a:ext cx="8996949" cy="3985706"/>
+            <a:ext cx="8996949" cy="3139321"/>
           </a:xfrm>
           <a:prstGeom prst="rect">
             <a:avLst/>
@@ -18244,6 +18267,161 @@
               <a:t># BUT: We CANNOT SAY that the data is more likely under the Alternative hypothesis.</a:t>
             </a:r>
           </a:p>
+        </p:txBody>
+      </p:sp>
+    </p:spTree>
+    <p:extLst>
+      <p:ext uri="{BB962C8B-B14F-4D97-AF65-F5344CB8AC3E}">
+        <p14:creationId xmlns:p14="http://schemas.microsoft.com/office/powerpoint/2010/main" val="132406976"/>
+      </p:ext>
+    </p:extLst>
+  </p:cSld>
+  <p:clrMapOvr>
+    <a:masterClrMapping/>
+  </p:clrMapOvr>
+</p:sld>
+</file>
+
+<file path=ppt/slides/slide29.xml><?xml version="1.0" encoding="utf-8"?>
+<p:sld xmlns:a="http://schemas.openxmlformats.org/drawingml/2006/main" xmlns:r="http://schemas.openxmlformats.org/officeDocument/2006/relationships" xmlns:p="http://schemas.openxmlformats.org/presentationml/2006/main">
+  <p:cSld>
+    <p:spTree>
+      <p:nvGrpSpPr>
+        <p:cNvPr id="1" name=""/>
+        <p:cNvGrpSpPr/>
+        <p:nvPr/>
+      </p:nvGrpSpPr>
+      <p:grpSpPr>
+        <a:xfrm>
+          <a:off x="0" y="0"/>
+          <a:ext cx="0" cy="0"/>
+          <a:chOff x="0" y="0"/>
+          <a:chExt cx="0" cy="0"/>
+        </a:xfrm>
+      </p:grpSpPr>
+      <p:sp>
+        <p:nvSpPr>
+          <p:cNvPr id="6" name="Rectangle 4"/>
+          <p:cNvSpPr>
+            <a:spLocks noChangeArrowheads="1"/>
+          </p:cNvSpPr>
+          <p:nvPr/>
+        </p:nvSpPr>
+        <p:spPr bwMode="auto">
+          <a:xfrm>
+            <a:off x="1755776" y="394726"/>
+            <a:ext cx="8607425" cy="762000"/>
+          </a:xfrm>
+          <a:prstGeom prst="rect">
+            <a:avLst/>
+          </a:prstGeom>
+          <a:noFill/>
+          <a:ln w="9525">
+            <a:noFill/>
+            <a:round/>
+            <a:headEnd/>
+            <a:tailEnd/>
+          </a:ln>
+        </p:spPr>
+        <p:txBody>
+          <a:bodyPr lIns="0" tIns="0" rIns="0" bIns="0" anchor="ctr"/>
+          <a:lstStyle/>
+          <a:p>
+            <a:pPr algn="ctr">
+              <a:tabLst>
+                <a:tab pos="0" algn="l"/>
+                <a:tab pos="914400" algn="l"/>
+                <a:tab pos="1828800" algn="l"/>
+                <a:tab pos="2743200" algn="l"/>
+                <a:tab pos="3657600" algn="l"/>
+                <a:tab pos="4572000" algn="l"/>
+                <a:tab pos="5486400" algn="l"/>
+                <a:tab pos="6400800" algn="l"/>
+                <a:tab pos="7315200" algn="l"/>
+                <a:tab pos="8229600" algn="l"/>
+                <a:tab pos="9144000" algn="l"/>
+                <a:tab pos="10058400" algn="l"/>
+              </a:tabLst>
+            </a:pPr>
+            <a:r>
+              <a:rPr lang="en-GB" sz="2800" dirty="0">
+                <a:solidFill>
+                  <a:srgbClr val="000000"/>
+                </a:solidFill>
+                <a:latin typeface="Times New Roman" pitchFamily="18" charset="0"/>
+              </a:rPr>
+              <a:t>Example: One Sample Hypothesis Testing for the Mean</a:t>
+            </a:r>
+          </a:p>
+        </p:txBody>
+      </p:sp>
+      <p:pic>
+        <p:nvPicPr>
+          <p:cNvPr id="7" name="Picture 6"/>
+          <p:cNvPicPr>
+            <a:picLocks noChangeAspect="1" noChangeArrowheads="1"/>
+          </p:cNvPicPr>
+          <p:nvPr/>
+        </p:nvPicPr>
+        <p:blipFill>
+          <a:blip r:embed="rId3" cstate="print"/>
+          <a:srcRect/>
+          <a:stretch>
+            <a:fillRect/>
+          </a:stretch>
+        </p:blipFill>
+        <p:spPr bwMode="auto">
+          <a:xfrm>
+            <a:off x="2008188" y="76200"/>
+            <a:ext cx="8202612" cy="239712"/>
+          </a:xfrm>
+          <a:prstGeom prst="rect">
+            <a:avLst/>
+          </a:prstGeom>
+          <a:noFill/>
+          <a:ln w="9525">
+            <a:noFill/>
+            <a:round/>
+            <a:headEnd/>
+            <a:tailEnd/>
+          </a:ln>
+        </p:spPr>
+      </p:pic>
+      <p:sp>
+        <p:nvSpPr>
+          <p:cNvPr id="10" name="Rectangle 9"/>
+          <p:cNvSpPr/>
+          <p:nvPr/>
+        </p:nvSpPr>
+        <p:spPr>
+          <a:xfrm>
+            <a:off x="1617577" y="1330523"/>
+            <a:ext cx="8996949" cy="2970044"/>
+          </a:xfrm>
+          <a:prstGeom prst="rect">
+            <a:avLst/>
+          </a:prstGeom>
+          <a:solidFill>
+            <a:srgbClr val="000C78"/>
+          </a:solidFill>
+        </p:spPr>
+        <p:txBody>
+          <a:bodyPr wrap="square">
+            <a:spAutoFit/>
+          </a:bodyPr>
+          <a:lstStyle/>
+          <a:p>
+            <a:r>
+              <a:rPr lang="en-US" sz="1100" dirty="0">
+                <a:solidFill>
+                  <a:srgbClr val="FF0000"/>
+                </a:solidFill>
+                <a:latin typeface="Courier"/>
+                <a:cs typeface="Courier"/>
+              </a:rPr>
+              <a:t># Question of interest: Is there evidence that the mean mass is less than 50.000g ? </a:t>
+            </a:r>
+          </a:p>
           <a:p>
             <a:endParaRPr lang="en-US" sz="1100" dirty="0">
               <a:solidFill>
@@ -18257,44 +18435,440 @@
             <a:r>
               <a:rPr lang="en-US" sz="1100" dirty="0">
                 <a:solidFill>
+                  <a:schemeClr val="bg1"/>
+                </a:solidFill>
+                <a:latin typeface="Courier"/>
+                <a:cs typeface="Courier"/>
+              </a:rPr>
+              <a:t>x &lt;- c(49.9996,49.9994,49.9993,49.9996,49.9995,49.9995,49.9995,49.9994,49.9995,49.9994)</a:t>
+            </a:r>
+          </a:p>
+          <a:p>
+            <a:r>
+              <a:rPr lang="en-US" sz="1100" dirty="0">
+                <a:solidFill>
+                  <a:schemeClr val="bg1"/>
+                </a:solidFill>
+                <a:latin typeface="Courier"/>
+                <a:cs typeface="Courier"/>
+              </a:rPr>
+              <a:t>mean(x)</a:t>
+            </a:r>
+          </a:p>
+          <a:p>
+            <a:endParaRPr lang="en-US" sz="1100" dirty="0">
+              <a:solidFill>
+                <a:schemeClr val="bg1"/>
+              </a:solidFill>
+              <a:latin typeface="Courier"/>
+              <a:cs typeface="Courier"/>
+            </a:endParaRPr>
+          </a:p>
+          <a:p>
+            <a:r>
+              <a:rPr lang="en-US" sz="1100" dirty="0">
+                <a:solidFill>
+                  <a:srgbClr val="FF0000"/>
+                </a:solidFill>
+                <a:latin typeface="Courier"/>
+                <a:cs typeface="Courier"/>
+              </a:rPr>
+              <a:t># NULL HYPOTHESIS:</a:t>
+            </a:r>
+            <a:r>
+              <a:rPr lang="en-US" sz="1100" dirty="0">
+                <a:solidFill>
+                  <a:schemeClr val="bg1"/>
+                </a:solidFill>
+                <a:latin typeface="Courier"/>
+                <a:cs typeface="Courier"/>
+              </a:rPr>
+              <a:t>        </a:t>
+            </a:r>
+            <a:r>
+              <a:rPr lang="en-US" sz="1100" dirty="0">
+                <a:solidFill>
                   <a:srgbClr val="FFFF00"/>
                 </a:solidFill>
                 <a:latin typeface="Courier"/>
                 <a:cs typeface="Courier"/>
               </a:rPr>
-              <a:t># 95 percent confidence interval:</a:t>
+              <a:t>mu &gt;= 50.000g</a:t>
             </a:r>
           </a:p>
           <a:p>
             <a:r>
               <a:rPr lang="en-US" sz="1100" dirty="0">
                 <a:solidFill>
+                  <a:srgbClr val="FF0000"/>
+                </a:solidFill>
+                <a:latin typeface="Courier"/>
+                <a:cs typeface="Courier"/>
+              </a:rPr>
+              <a:t># ALTERNATIVE HYPOTHESIS:</a:t>
+            </a:r>
+            <a:r>
+              <a:rPr lang="en-US" sz="1100" dirty="0">
+                <a:solidFill>
+                  <a:schemeClr val="bg1"/>
+                </a:solidFill>
+                <a:latin typeface="Courier"/>
+                <a:cs typeface="Courier"/>
+              </a:rPr>
+              <a:t> </a:t>
+            </a:r>
+            <a:r>
+              <a:rPr lang="en-US" sz="1100" dirty="0">
+                <a:solidFill>
                   <a:srgbClr val="FFFF00"/>
                 </a:solidFill>
                 <a:latin typeface="Courier"/>
                 <a:cs typeface="Courier"/>
               </a:rPr>
-              <a:t>#  49.99940 49.99954</a:t>
-            </a:r>
-          </a:p>
-          <a:p>
+              <a:t>mu &lt; 50.000g</a:t>
+            </a:r>
+          </a:p>
+          <a:p>
+            <a:endParaRPr lang="en-US" sz="1100" dirty="0">
+              <a:solidFill>
+                <a:schemeClr val="bg1"/>
+              </a:solidFill>
+              <a:latin typeface="Courier"/>
+              <a:cs typeface="Courier"/>
+            </a:endParaRPr>
+          </a:p>
+          <a:p>
+            <a:r>
+              <a:rPr lang="en-US" sz="1100" dirty="0" err="1">
+                <a:solidFill>
+                  <a:schemeClr val="bg1"/>
+                </a:solidFill>
+                <a:latin typeface="Courier"/>
+                <a:cs typeface="Courier"/>
+              </a:rPr>
+              <a:t>t.test</a:t>
+            </a:r>
             <a:r>
               <a:rPr lang="en-US" sz="1100" dirty="0">
                 <a:solidFill>
+                  <a:schemeClr val="bg1"/>
+                </a:solidFill>
+                <a:latin typeface="Courier"/>
+                <a:cs typeface="Courier"/>
+              </a:rPr>
+              <a:t>(x, alternative = </a:t>
+            </a:r>
+            <a:r>
+              <a:rPr lang="en-US" sz="1100" dirty="0">
+                <a:solidFill>
+                  <a:srgbClr val="00B050"/>
+                </a:solidFill>
+                <a:latin typeface="Courier"/>
+                <a:cs typeface="Courier"/>
+              </a:rPr>
+              <a:t>"less"</a:t>
+            </a:r>
+            <a:r>
+              <a:rPr lang="en-US" sz="1100" dirty="0">
+                <a:solidFill>
+                  <a:schemeClr val="bg1"/>
+                </a:solidFill>
+                <a:latin typeface="Courier"/>
+                <a:cs typeface="Courier"/>
+              </a:rPr>
+              <a:t>, mu = 50.000, </a:t>
+            </a:r>
+            <a:r>
+              <a:rPr lang="en-US" sz="1100" dirty="0" err="1">
+                <a:solidFill>
+                  <a:schemeClr val="bg1"/>
+                </a:solidFill>
+                <a:latin typeface="Courier"/>
+                <a:cs typeface="Courier"/>
+              </a:rPr>
+              <a:t>conf.level</a:t>
+            </a:r>
+            <a:r>
+              <a:rPr lang="en-US" sz="1100" dirty="0">
+                <a:solidFill>
+                  <a:schemeClr val="bg1"/>
+                </a:solidFill>
+                <a:latin typeface="Courier"/>
+                <a:cs typeface="Courier"/>
+              </a:rPr>
+              <a:t> = 0.95)</a:t>
+            </a:r>
+          </a:p>
+          <a:p>
+            <a:endParaRPr lang="en-US" sz="1100" dirty="0">
+              <a:solidFill>
+                <a:schemeClr val="bg1"/>
+              </a:solidFill>
+              <a:latin typeface="Courier"/>
+              <a:cs typeface="Courier"/>
+            </a:endParaRPr>
+          </a:p>
+          <a:p>
+            <a:r>
+              <a:rPr lang="en-US" sz="1100" dirty="0">
+                <a:solidFill>
                   <a:srgbClr val="FFFF00"/>
                 </a:solidFill>
                 <a:latin typeface="Courier"/>
                 <a:cs typeface="Courier"/>
               </a:rPr>
-              <a:t># This means: given your sample, a set of plausible values for the mean is [49.99940 49.99954], with 95% "plausibility”</a:t>
-            </a:r>
+              <a:t># The meaning of the output for </a:t>
+            </a:r>
+            <a:r>
+              <a:rPr lang="en-US" sz="1100" dirty="0" err="1">
+                <a:solidFill>
+                  <a:srgbClr val="FFFF00"/>
+                </a:solidFill>
+                <a:latin typeface="Courier"/>
+                <a:cs typeface="Courier"/>
+              </a:rPr>
+              <a:t>t.test</a:t>
+            </a:r>
+            <a:r>
+              <a:rPr lang="en-US" sz="1100" dirty="0">
+                <a:solidFill>
+                  <a:srgbClr val="FFFF00"/>
+                </a:solidFill>
+                <a:latin typeface="Courier"/>
+                <a:cs typeface="Courier"/>
+              </a:rPr>
+              <a:t>: </a:t>
+            </a:r>
+          </a:p>
+          <a:p>
+            <a:endParaRPr lang="en-US" sz="1100" dirty="0">
+              <a:solidFill>
+                <a:srgbClr val="FFFF00"/>
+              </a:solidFill>
+              <a:latin typeface="Courier"/>
+              <a:cs typeface="Courier"/>
+            </a:endParaRPr>
+          </a:p>
+          <a:p>
+            <a:r>
+              <a:rPr lang="en-US" sz="1100" dirty="0">
+                <a:solidFill>
+                  <a:srgbClr val="FFFF00"/>
+                </a:solidFill>
+                <a:latin typeface="Courier"/>
+                <a:cs typeface="Courier"/>
+              </a:rPr>
+              <a:t># Can we REJECT the NULL HYPOTHESIS? =&gt; Is there evidence that the mean mass is less than 50.000g?</a:t>
+            </a:r>
+          </a:p>
+          <a:p>
+            <a:r>
+              <a:rPr lang="en-US" sz="1100" dirty="0">
+                <a:solidFill>
+                  <a:srgbClr val="FFFF00"/>
+                </a:solidFill>
+                <a:latin typeface="Courier"/>
+                <a:cs typeface="Courier"/>
+              </a:rPr>
+              <a:t># p-value = 1.352e-08</a:t>
+            </a:r>
+          </a:p>
+          <a:p>
+            <a:r>
+              <a:rPr lang="en-US" sz="1100" dirty="0">
+                <a:solidFill>
+                  <a:srgbClr val="FFFF00"/>
+                </a:solidFill>
+                <a:latin typeface="Courier"/>
+                <a:cs typeface="Courier"/>
+              </a:rPr>
+              <a:t># So p &lt; 0.05. REJECT the NULL HYPOTHESIS. The data is "unlikely" under the null.</a:t>
+            </a:r>
+          </a:p>
+          <a:p>
+            <a:r>
+              <a:rPr lang="en-US" sz="1100" dirty="0">
+                <a:solidFill>
+                  <a:srgbClr val="FFFF00"/>
+                </a:solidFill>
+                <a:latin typeface="Courier"/>
+                <a:cs typeface="Courier"/>
+              </a:rPr>
+              <a:t># Another </a:t>
+            </a:r>
+            <a:r>
+              <a:rPr lang="en-US" sz="1100" dirty="0" err="1">
+                <a:solidFill>
+                  <a:srgbClr val="FFFF00"/>
+                </a:solidFill>
+                <a:latin typeface="Courier"/>
+                <a:cs typeface="Courier"/>
+              </a:rPr>
+              <a:t>interperitation</a:t>
+            </a:r>
+            <a:r>
+              <a:rPr lang="en-US" sz="1100" dirty="0">
+                <a:solidFill>
+                  <a:srgbClr val="FFFF00"/>
+                </a:solidFill>
+                <a:latin typeface="Courier"/>
+                <a:cs typeface="Courier"/>
+              </a:rPr>
+              <a:t>: If the Null were true, we wouldn't see data like this too often.</a:t>
+            </a:r>
+          </a:p>
+          <a:p>
+            <a:r>
+              <a:rPr lang="en-US" sz="1100" dirty="0">
+                <a:solidFill>
+                  <a:srgbClr val="FFFF00"/>
+                </a:solidFill>
+                <a:latin typeface="Courier"/>
+                <a:cs typeface="Courier"/>
+              </a:rPr>
+              <a:t># BUT: We CANNOT SAY that the data is more likely under the Alternative hypothesis.</a:t>
+            </a:r>
+          </a:p>
+        </p:txBody>
+      </p:sp>
+      <p:sp>
+        <p:nvSpPr>
+          <p:cNvPr id="11" name="Rectangle 10"/>
+          <p:cNvSpPr/>
+          <p:nvPr/>
+        </p:nvSpPr>
+        <p:spPr>
+          <a:xfrm>
+            <a:off x="5102636" y="6031673"/>
+            <a:ext cx="1983235" cy="369332"/>
+          </a:xfrm>
+          <a:prstGeom prst="rect">
+            <a:avLst/>
+          </a:prstGeom>
+        </p:spPr>
+        <p:txBody>
+          <a:bodyPr wrap="none">
+            <a:spAutoFit/>
+          </a:bodyPr>
+          <a:lstStyle/>
+          <a:p>
+            <a:r>
+              <a:rPr lang="en-US" dirty="0">
+                <a:latin typeface="Symbol" charset="2"/>
+                <a:cs typeface="Symbol" charset="2"/>
+              </a:rPr>
+              <a:t>H</a:t>
+            </a:r>
+            <a:r>
+              <a:rPr lang="en-US" baseline="-25000" dirty="0">
+                <a:latin typeface="Symbol" charset="2"/>
+                <a:cs typeface="Symbol" charset="2"/>
+              </a:rPr>
+              <a:t>0</a:t>
+            </a:r>
+            <a:r>
+              <a:rPr lang="en-US" dirty="0">
+                <a:latin typeface="Symbol" charset="2"/>
+                <a:cs typeface="Symbol" charset="2"/>
+              </a:rPr>
+              <a:t>: </a:t>
+            </a:r>
+            <a:r>
+              <a:rPr lang="en-US" dirty="0" err="1">
+                <a:latin typeface="Symbol" charset="2"/>
+                <a:cs typeface="Symbol" charset="2"/>
+              </a:rPr>
+              <a:t>m</a:t>
+            </a:r>
+            <a:r>
+              <a:rPr lang="en-US" baseline="-25000" dirty="0" err="1">
+                <a:latin typeface="Times New Roman"/>
+                <a:cs typeface="Times New Roman"/>
+              </a:rPr>
+              <a:t>mass</a:t>
+            </a:r>
+            <a:r>
+              <a:rPr lang="en-US" dirty="0">
+                <a:latin typeface="Times New Roman"/>
+                <a:cs typeface="Times New Roman"/>
+              </a:rPr>
+              <a:t> ≥ 50.000g</a:t>
+            </a:r>
+            <a:endParaRPr lang="en-US" dirty="0"/>
+          </a:p>
+        </p:txBody>
+      </p:sp>
+      <p:sp>
+        <p:nvSpPr>
+          <p:cNvPr id="12" name="Rectangle 11"/>
+          <p:cNvSpPr/>
+          <p:nvPr/>
+        </p:nvSpPr>
+        <p:spPr>
+          <a:xfrm>
+            <a:off x="5124644" y="6435196"/>
+            <a:ext cx="1978088" cy="369332"/>
+          </a:xfrm>
+          <a:prstGeom prst="rect">
+            <a:avLst/>
+          </a:prstGeom>
+        </p:spPr>
+        <p:txBody>
+          <a:bodyPr wrap="none">
+            <a:spAutoFit/>
+          </a:bodyPr>
+          <a:lstStyle/>
+          <a:p>
+            <a:r>
+              <a:rPr lang="en-US" dirty="0">
+                <a:latin typeface="Symbol" charset="2"/>
+                <a:cs typeface="Symbol" charset="2"/>
+              </a:rPr>
+              <a:t>H</a:t>
+            </a:r>
+            <a:r>
+              <a:rPr lang="en-US" baseline="-25000" dirty="0">
+                <a:latin typeface="Times New Roman"/>
+                <a:cs typeface="Times New Roman"/>
+              </a:rPr>
+              <a:t>a</a:t>
+            </a:r>
+            <a:r>
+              <a:rPr lang="en-US" dirty="0">
+                <a:latin typeface="Symbol" charset="2"/>
+                <a:cs typeface="Symbol" charset="2"/>
+              </a:rPr>
+              <a:t>: </a:t>
+            </a:r>
+            <a:r>
+              <a:rPr lang="en-US" dirty="0" err="1">
+                <a:latin typeface="Symbol" charset="2"/>
+                <a:cs typeface="Symbol" charset="2"/>
+              </a:rPr>
+              <a:t>m</a:t>
+            </a:r>
+            <a:r>
+              <a:rPr lang="en-US" baseline="-25000" dirty="0" err="1">
+                <a:latin typeface="Times New Roman"/>
+                <a:cs typeface="Times New Roman"/>
+              </a:rPr>
+              <a:t>mass</a:t>
+            </a:r>
+            <a:r>
+              <a:rPr lang="en-US" dirty="0">
+                <a:latin typeface="Times New Roman"/>
+                <a:cs typeface="Times New Roman"/>
+              </a:rPr>
+              <a:t> &lt; 50.000g</a:t>
+            </a:r>
+            <a:endParaRPr lang="en-US" dirty="0"/>
           </a:p>
         </p:txBody>
       </p:sp>
     </p:spTree>
     <p:extLst>
       <p:ext uri="{BB962C8B-B14F-4D97-AF65-F5344CB8AC3E}">
-        <p14:creationId xmlns:p14="http://schemas.microsoft.com/office/powerpoint/2010/main" val="132406976"/>
+        <p14:creationId xmlns:p14="http://schemas.microsoft.com/office/powerpoint/2010/main" val="2688309288"/>
       </p:ext>
     </p:extLst>
   </p:cSld>
@@ -19268,8 +19842,8 @@
         </p:nvSpPr>
         <p:spPr>
           <a:xfrm>
-            <a:off x="1617577" y="1330523"/>
-            <a:ext cx="8996949" cy="3985706"/>
+            <a:off x="1617577" y="1330524"/>
+            <a:ext cx="8996949" cy="2800767"/>
           </a:xfrm>
           <a:prstGeom prst="rect">
             <a:avLst/>
@@ -19292,7 +19866,7 @@
                 <a:latin typeface="Courier"/>
                 <a:cs typeface="Courier"/>
               </a:rPr>
-              <a:t># Question of interest: Is there evidence that the mean mass is less than 50.000g ? </a:t>
+              <a:t># Question of interest: Is there evidence that the mean mass is greater than or equal to 50.000g ? </a:t>
             </a:r>
           </a:p>
           <a:p>
@@ -19366,7 +19940,7 @@
                 <a:latin typeface="Courier"/>
                 <a:cs typeface="Courier"/>
               </a:rPr>
-              <a:t>mu &gt;= 50.000g</a:t>
+              <a:t>mu &lt;= 50.000g  Assumes the opposite of what you seek evidence for.</a:t>
             </a:r>
           </a:p>
           <a:p>
@@ -19398,7 +19972,7 @@
                 <a:latin typeface="Courier"/>
                 <a:cs typeface="Courier"/>
               </a:rPr>
-              <a:t>mu &lt; 50.000g</a:t>
+              <a:t>mu &gt; 50.000g</a:t>
             </a:r>
           </a:p>
           <a:p>
@@ -19439,7 +20013,7 @@
                 <a:latin typeface="Courier"/>
                 <a:cs typeface="Courier"/>
               </a:rPr>
-              <a:t>"less"</a:t>
+              <a:t>"greater"</a:t>
             </a:r>
             <a:r>
               <a:rPr lang="en-US" sz="1100" dirty="0">
@@ -19531,7 +20105,7 @@
                 <a:latin typeface="Courier"/>
                 <a:cs typeface="Courier"/>
               </a:rPr>
-              <a:t># Can we REJECT the NULL HYPOTHESIS? =&gt; Is there evidence that the mean mass is less than 50.000g?</a:t>
+              <a:t># Can we REJECT the NULL HYPOTHESIS? =&gt; Is there evidence that the mean mass is greater than 50.000g?</a:t>
             </a:r>
           </a:p>
           <a:p>
@@ -19543,7 +20117,7 @@
                 <a:latin typeface="Courier"/>
                 <a:cs typeface="Courier"/>
               </a:rPr>
-              <a:t># p-value = 1.352e-08</a:t>
+              <a:t># p-value = 1 (Wow!)</a:t>
             </a:r>
           </a:p>
           <a:p>
@@ -19555,7 +20129,7 @@
                 <a:latin typeface="Courier"/>
                 <a:cs typeface="Courier"/>
               </a:rPr>
-              <a:t># So p &lt; 0.05. REJECT the NULL HYPOTHESIS. The data is "unlikely" under the null.</a:t>
+              <a:t># So p is not &lt; 0.05. CANNOT REJECT the NULL HYPOTHESIS. The data is "likely" under the null.</a:t>
             </a:r>
           </a:p>
           <a:p>
@@ -19587,739 +20161,7 @@
                 <a:latin typeface="Courier"/>
                 <a:cs typeface="Courier"/>
               </a:rPr>
-              <a:t>: If the Null were true, we wouldn't see data like this too often.</a:t>
-            </a:r>
-          </a:p>
-          <a:p>
-            <a:r>
-              <a:rPr lang="en-US" sz="1100" dirty="0">
-                <a:solidFill>
-                  <a:srgbClr val="FFFF00"/>
-                </a:solidFill>
-                <a:latin typeface="Courier"/>
-                <a:cs typeface="Courier"/>
-              </a:rPr>
-              <a:t># BUT: We CANNOT SAY that the data is more likely under the Alternative hypothesis.</a:t>
-            </a:r>
-          </a:p>
-          <a:p>
-            <a:endParaRPr lang="en-US" sz="1100" dirty="0">
-              <a:solidFill>
-                <a:srgbClr val="FFFF00"/>
-              </a:solidFill>
-              <a:latin typeface="Courier"/>
-              <a:cs typeface="Courier"/>
-            </a:endParaRPr>
-          </a:p>
-          <a:p>
-            <a:r>
-              <a:rPr lang="en-US" sz="1100" dirty="0">
-                <a:solidFill>
-                  <a:srgbClr val="FFFF00"/>
-                </a:solidFill>
-                <a:latin typeface="Courier"/>
-                <a:cs typeface="Courier"/>
-              </a:rPr>
-              <a:t># 95 percent confidence interval:</a:t>
-            </a:r>
-          </a:p>
-          <a:p>
-            <a:r>
-              <a:rPr lang="en-US" sz="1100" dirty="0">
-                <a:solidFill>
-                  <a:srgbClr val="FFFF00"/>
-                </a:solidFill>
-                <a:latin typeface="Courier"/>
-                <a:cs typeface="Courier"/>
-              </a:rPr>
-              <a:t>#  -</a:t>
-            </a:r>
-            <a:r>
-              <a:rPr lang="en-US" sz="1100" dirty="0" err="1">
-                <a:solidFill>
-                  <a:srgbClr val="FFFF00"/>
-                </a:solidFill>
-                <a:latin typeface="Courier"/>
-                <a:cs typeface="Courier"/>
-              </a:rPr>
-              <a:t>Inf</a:t>
-            </a:r>
-            <a:r>
-              <a:rPr lang="en-US" sz="1100" dirty="0">
-                <a:solidFill>
-                  <a:srgbClr val="FFFF00"/>
-                </a:solidFill>
-                <a:latin typeface="Courier"/>
-                <a:cs typeface="Courier"/>
-              </a:rPr>
-              <a:t> 49.99952</a:t>
-            </a:r>
-          </a:p>
-          <a:p>
-            <a:r>
-              <a:rPr lang="en-US" sz="1100" dirty="0">
-                <a:solidFill>
-                  <a:srgbClr val="FFFF00"/>
-                </a:solidFill>
-                <a:latin typeface="Courier"/>
-                <a:cs typeface="Courier"/>
-              </a:rPr>
-              <a:t># This means: given your sample, the GREATEST value the mean could be is 49.99952, with 95% "plausibility"</a:t>
-            </a:r>
-          </a:p>
-          <a:p>
-            <a:endParaRPr lang="en-US" sz="1100" dirty="0">
-              <a:solidFill>
-                <a:srgbClr val="FFFF00"/>
-              </a:solidFill>
-              <a:latin typeface="Courier"/>
-              <a:cs typeface="Courier"/>
-            </a:endParaRPr>
-          </a:p>
-        </p:txBody>
-      </p:sp>
-      <p:sp>
-        <p:nvSpPr>
-          <p:cNvPr id="11" name="Rectangle 10"/>
-          <p:cNvSpPr/>
-          <p:nvPr/>
-        </p:nvSpPr>
-        <p:spPr>
-          <a:xfrm>
-            <a:off x="5102636" y="6031673"/>
-            <a:ext cx="1983235" cy="369332"/>
-          </a:xfrm>
-          <a:prstGeom prst="rect">
-            <a:avLst/>
-          </a:prstGeom>
-        </p:spPr>
-        <p:txBody>
-          <a:bodyPr wrap="none">
-            <a:spAutoFit/>
-          </a:bodyPr>
-          <a:lstStyle/>
-          <a:p>
-            <a:r>
-              <a:rPr lang="en-US" dirty="0">
-                <a:latin typeface="Symbol" charset="2"/>
-                <a:cs typeface="Symbol" charset="2"/>
-              </a:rPr>
-              <a:t>H</a:t>
-            </a:r>
-            <a:r>
-              <a:rPr lang="en-US" baseline="-25000" dirty="0">
-                <a:latin typeface="Symbol" charset="2"/>
-                <a:cs typeface="Symbol" charset="2"/>
-              </a:rPr>
-              <a:t>0</a:t>
-            </a:r>
-            <a:r>
-              <a:rPr lang="en-US" dirty="0">
-                <a:latin typeface="Symbol" charset="2"/>
-                <a:cs typeface="Symbol" charset="2"/>
-              </a:rPr>
-              <a:t>: </a:t>
-            </a:r>
-            <a:r>
-              <a:rPr lang="en-US" dirty="0" err="1">
-                <a:latin typeface="Symbol" charset="2"/>
-                <a:cs typeface="Symbol" charset="2"/>
-              </a:rPr>
-              <a:t>m</a:t>
-            </a:r>
-            <a:r>
-              <a:rPr lang="en-US" baseline="-25000" dirty="0" err="1">
-                <a:latin typeface="Times New Roman"/>
-                <a:cs typeface="Times New Roman"/>
-              </a:rPr>
-              <a:t>mass</a:t>
-            </a:r>
-            <a:r>
-              <a:rPr lang="en-US" dirty="0">
-                <a:latin typeface="Times New Roman"/>
-                <a:cs typeface="Times New Roman"/>
-              </a:rPr>
-              <a:t> ≥ 50.000g</a:t>
-            </a:r>
-            <a:endParaRPr lang="en-US" dirty="0"/>
-          </a:p>
-        </p:txBody>
-      </p:sp>
-      <p:sp>
-        <p:nvSpPr>
-          <p:cNvPr id="12" name="Rectangle 11"/>
-          <p:cNvSpPr/>
-          <p:nvPr/>
-        </p:nvSpPr>
-        <p:spPr>
-          <a:xfrm>
-            <a:off x="5124644" y="6435196"/>
-            <a:ext cx="1978088" cy="369332"/>
-          </a:xfrm>
-          <a:prstGeom prst="rect">
-            <a:avLst/>
-          </a:prstGeom>
-        </p:spPr>
-        <p:txBody>
-          <a:bodyPr wrap="none">
-            <a:spAutoFit/>
-          </a:bodyPr>
-          <a:lstStyle/>
-          <a:p>
-            <a:r>
-              <a:rPr lang="en-US" dirty="0">
-                <a:latin typeface="Symbol" charset="2"/>
-                <a:cs typeface="Symbol" charset="2"/>
-              </a:rPr>
-              <a:t>H</a:t>
-            </a:r>
-            <a:r>
-              <a:rPr lang="en-US" baseline="-25000" dirty="0">
-                <a:latin typeface="Times New Roman"/>
-                <a:cs typeface="Times New Roman"/>
-              </a:rPr>
-              <a:t>a</a:t>
-            </a:r>
-            <a:r>
-              <a:rPr lang="en-US" dirty="0">
-                <a:latin typeface="Symbol" charset="2"/>
-                <a:cs typeface="Symbol" charset="2"/>
-              </a:rPr>
-              <a:t>: </a:t>
-            </a:r>
-            <a:r>
-              <a:rPr lang="en-US" dirty="0" err="1">
-                <a:latin typeface="Symbol" charset="2"/>
-                <a:cs typeface="Symbol" charset="2"/>
-              </a:rPr>
-              <a:t>m</a:t>
-            </a:r>
-            <a:r>
-              <a:rPr lang="en-US" baseline="-25000" dirty="0" err="1">
-                <a:latin typeface="Times New Roman"/>
-                <a:cs typeface="Times New Roman"/>
-              </a:rPr>
-              <a:t>mass</a:t>
-            </a:r>
-            <a:r>
-              <a:rPr lang="en-US" dirty="0">
-                <a:latin typeface="Times New Roman"/>
-                <a:cs typeface="Times New Roman"/>
-              </a:rPr>
-              <a:t> &lt; 50.000g</a:t>
-            </a:r>
-            <a:endParaRPr lang="en-US" dirty="0"/>
-          </a:p>
-        </p:txBody>
-      </p:sp>
-    </p:spTree>
-    <p:extLst>
-      <p:ext uri="{BB962C8B-B14F-4D97-AF65-F5344CB8AC3E}">
-        <p14:creationId xmlns:p14="http://schemas.microsoft.com/office/powerpoint/2010/main" val="2688309288"/>
-      </p:ext>
-    </p:extLst>
-  </p:cSld>
-  <p:clrMapOvr>
-    <a:masterClrMapping/>
-  </p:clrMapOvr>
-</p:sld>
-</file>
-
-<file path=ppt/slides/slide31.xml><?xml version="1.0" encoding="utf-8"?>
-<p:sld xmlns:a="http://schemas.openxmlformats.org/drawingml/2006/main" xmlns:r="http://schemas.openxmlformats.org/officeDocument/2006/relationships" xmlns:p="http://schemas.openxmlformats.org/presentationml/2006/main">
-  <p:cSld>
-    <p:spTree>
-      <p:nvGrpSpPr>
-        <p:cNvPr id="1" name=""/>
-        <p:cNvGrpSpPr/>
-        <p:nvPr/>
-      </p:nvGrpSpPr>
-      <p:grpSpPr>
-        <a:xfrm>
-          <a:off x="0" y="0"/>
-          <a:ext cx="0" cy="0"/>
-          <a:chOff x="0" y="0"/>
-          <a:chExt cx="0" cy="0"/>
-        </a:xfrm>
-      </p:grpSpPr>
-      <p:sp>
-        <p:nvSpPr>
-          <p:cNvPr id="6" name="Rectangle 4"/>
-          <p:cNvSpPr>
-            <a:spLocks noChangeArrowheads="1"/>
-          </p:cNvSpPr>
-          <p:nvPr/>
-        </p:nvSpPr>
-        <p:spPr bwMode="auto">
-          <a:xfrm>
-            <a:off x="1755776" y="394726"/>
-            <a:ext cx="8607425" cy="762000"/>
-          </a:xfrm>
-          <a:prstGeom prst="rect">
-            <a:avLst/>
-          </a:prstGeom>
-          <a:noFill/>
-          <a:ln w="9525">
-            <a:noFill/>
-            <a:round/>
-            <a:headEnd/>
-            <a:tailEnd/>
-          </a:ln>
-        </p:spPr>
-        <p:txBody>
-          <a:bodyPr lIns="0" tIns="0" rIns="0" bIns="0" anchor="ctr"/>
-          <a:lstStyle/>
-          <a:p>
-            <a:pPr algn="ctr">
-              <a:tabLst>
-                <a:tab pos="0" algn="l"/>
-                <a:tab pos="914400" algn="l"/>
-                <a:tab pos="1828800" algn="l"/>
-                <a:tab pos="2743200" algn="l"/>
-                <a:tab pos="3657600" algn="l"/>
-                <a:tab pos="4572000" algn="l"/>
-                <a:tab pos="5486400" algn="l"/>
-                <a:tab pos="6400800" algn="l"/>
-                <a:tab pos="7315200" algn="l"/>
-                <a:tab pos="8229600" algn="l"/>
-                <a:tab pos="9144000" algn="l"/>
-                <a:tab pos="10058400" algn="l"/>
-              </a:tabLst>
-            </a:pPr>
-            <a:r>
-              <a:rPr lang="en-GB" sz="2800" dirty="0">
-                <a:solidFill>
-                  <a:srgbClr val="000000"/>
-                </a:solidFill>
-                <a:latin typeface="Times New Roman" pitchFamily="18" charset="0"/>
-              </a:rPr>
-              <a:t>Example: One Sample Hypothesis Testing for the Mean</a:t>
-            </a:r>
-          </a:p>
-        </p:txBody>
-      </p:sp>
-      <p:pic>
-        <p:nvPicPr>
-          <p:cNvPr id="7" name="Picture 6"/>
-          <p:cNvPicPr>
-            <a:picLocks noChangeAspect="1" noChangeArrowheads="1"/>
-          </p:cNvPicPr>
-          <p:nvPr/>
-        </p:nvPicPr>
-        <p:blipFill>
-          <a:blip r:embed="rId3" cstate="print"/>
-          <a:srcRect/>
-          <a:stretch>
-            <a:fillRect/>
-          </a:stretch>
-        </p:blipFill>
-        <p:spPr bwMode="auto">
-          <a:xfrm>
-            <a:off x="2008188" y="76200"/>
-            <a:ext cx="8202612" cy="239712"/>
-          </a:xfrm>
-          <a:prstGeom prst="rect">
-            <a:avLst/>
-          </a:prstGeom>
-          <a:noFill/>
-          <a:ln w="9525">
-            <a:noFill/>
-            <a:round/>
-            <a:headEnd/>
-            <a:tailEnd/>
-          </a:ln>
-        </p:spPr>
-      </p:pic>
-      <p:sp>
-        <p:nvSpPr>
-          <p:cNvPr id="10" name="Rectangle 9"/>
-          <p:cNvSpPr/>
-          <p:nvPr/>
-        </p:nvSpPr>
-        <p:spPr>
-          <a:xfrm>
-            <a:off x="1617577" y="1330524"/>
-            <a:ext cx="8996949" cy="3477875"/>
-          </a:xfrm>
-          <a:prstGeom prst="rect">
-            <a:avLst/>
-          </a:prstGeom>
-          <a:solidFill>
-            <a:srgbClr val="000C78"/>
-          </a:solidFill>
-        </p:spPr>
-        <p:txBody>
-          <a:bodyPr wrap="square">
-            <a:spAutoFit/>
-          </a:bodyPr>
-          <a:lstStyle/>
-          <a:p>
-            <a:r>
-              <a:rPr lang="en-US" sz="1100" dirty="0">
-                <a:solidFill>
-                  <a:srgbClr val="FF0000"/>
-                </a:solidFill>
-                <a:latin typeface="Courier"/>
-                <a:cs typeface="Courier"/>
-              </a:rPr>
-              <a:t># Question of interest: Is there evidence that the mean mass is greater than or equal to 50.000g ? </a:t>
-            </a:r>
-          </a:p>
-          <a:p>
-            <a:endParaRPr lang="en-US" sz="1100" dirty="0">
-              <a:solidFill>
-                <a:schemeClr val="bg1"/>
-              </a:solidFill>
-              <a:latin typeface="Courier"/>
-              <a:cs typeface="Courier"/>
-            </a:endParaRPr>
-          </a:p>
-          <a:p>
-            <a:r>
-              <a:rPr lang="en-US" sz="1100" dirty="0">
-                <a:solidFill>
-                  <a:schemeClr val="bg1"/>
-                </a:solidFill>
-                <a:latin typeface="Courier"/>
-                <a:cs typeface="Courier"/>
-              </a:rPr>
-              <a:t>x &lt;- c(49.9996,49.9994,49.9993,49.9996,49.9995,49.9995,49.9995,49.9994,49.9995,49.9994)</a:t>
-            </a:r>
-          </a:p>
-          <a:p>
-            <a:r>
-              <a:rPr lang="en-US" sz="1100" dirty="0">
-                <a:solidFill>
-                  <a:schemeClr val="bg1"/>
-                </a:solidFill>
-                <a:latin typeface="Courier"/>
-                <a:cs typeface="Courier"/>
-              </a:rPr>
-              <a:t>mean(x)</a:t>
-            </a:r>
-          </a:p>
-          <a:p>
-            <a:endParaRPr lang="en-US" sz="1100" dirty="0">
-              <a:solidFill>
-                <a:schemeClr val="bg1"/>
-              </a:solidFill>
-              <a:latin typeface="Courier"/>
-              <a:cs typeface="Courier"/>
-            </a:endParaRPr>
-          </a:p>
-          <a:p>
-            <a:r>
-              <a:rPr lang="en-US" sz="1100" dirty="0">
-                <a:solidFill>
-                  <a:srgbClr val="FF0000"/>
-                </a:solidFill>
-                <a:latin typeface="Courier"/>
-                <a:cs typeface="Courier"/>
-              </a:rPr>
-              <a:t># NULL HYPOTHESIS:</a:t>
-            </a:r>
-            <a:r>
-              <a:rPr lang="en-US" sz="1100" dirty="0">
-                <a:solidFill>
-                  <a:schemeClr val="bg1"/>
-                </a:solidFill>
-                <a:latin typeface="Courier"/>
-                <a:cs typeface="Courier"/>
-              </a:rPr>
-              <a:t>        </a:t>
-            </a:r>
-            <a:r>
-              <a:rPr lang="en-US" sz="1100" dirty="0">
-                <a:solidFill>
-                  <a:srgbClr val="FFFF00"/>
-                </a:solidFill>
-                <a:latin typeface="Courier"/>
-                <a:cs typeface="Courier"/>
-              </a:rPr>
-              <a:t>mu &lt;= 50.000g  Assumes the opposite of what you seek evidence for.</a:t>
-            </a:r>
-          </a:p>
-          <a:p>
-            <a:r>
-              <a:rPr lang="en-US" sz="1100" dirty="0">
-                <a:solidFill>
-                  <a:srgbClr val="FF0000"/>
-                </a:solidFill>
-                <a:latin typeface="Courier"/>
-                <a:cs typeface="Courier"/>
-              </a:rPr>
-              <a:t># ALTERNATIVE HYPOTHESIS:</a:t>
-            </a:r>
-            <a:r>
-              <a:rPr lang="en-US" sz="1100" dirty="0">
-                <a:solidFill>
-                  <a:schemeClr val="bg1"/>
-                </a:solidFill>
-                <a:latin typeface="Courier"/>
-                <a:cs typeface="Courier"/>
-              </a:rPr>
-              <a:t> </a:t>
-            </a:r>
-            <a:r>
-              <a:rPr lang="en-US" sz="1100" dirty="0">
-                <a:solidFill>
-                  <a:srgbClr val="FFFF00"/>
-                </a:solidFill>
-                <a:latin typeface="Courier"/>
-                <a:cs typeface="Courier"/>
-              </a:rPr>
-              <a:t>mu &gt; 50.000g</a:t>
-            </a:r>
-          </a:p>
-          <a:p>
-            <a:endParaRPr lang="en-US" sz="1100" dirty="0">
-              <a:solidFill>
-                <a:schemeClr val="bg1"/>
-              </a:solidFill>
-              <a:latin typeface="Courier"/>
-              <a:cs typeface="Courier"/>
-            </a:endParaRPr>
-          </a:p>
-          <a:p>
-            <a:r>
-              <a:rPr lang="en-US" sz="1100" dirty="0" err="1">
-                <a:solidFill>
-                  <a:schemeClr val="bg1"/>
-                </a:solidFill>
-                <a:latin typeface="Courier"/>
-                <a:cs typeface="Courier"/>
-              </a:rPr>
-              <a:t>t.test</a:t>
-            </a:r>
-            <a:r>
-              <a:rPr lang="en-US" sz="1100" dirty="0">
-                <a:solidFill>
-                  <a:schemeClr val="bg1"/>
-                </a:solidFill>
-                <a:latin typeface="Courier"/>
-                <a:cs typeface="Courier"/>
-              </a:rPr>
-              <a:t>(x, alternative = </a:t>
-            </a:r>
-            <a:r>
-              <a:rPr lang="en-US" sz="1100" dirty="0">
-                <a:solidFill>
-                  <a:srgbClr val="00B050"/>
-                </a:solidFill>
-                <a:latin typeface="Courier"/>
-                <a:cs typeface="Courier"/>
-              </a:rPr>
-              <a:t>"greater"</a:t>
-            </a:r>
-            <a:r>
-              <a:rPr lang="en-US" sz="1100" dirty="0">
-                <a:solidFill>
-                  <a:schemeClr val="bg1"/>
-                </a:solidFill>
-                <a:latin typeface="Courier"/>
-                <a:cs typeface="Courier"/>
-              </a:rPr>
-              <a:t>, mu = 50.000, </a:t>
-            </a:r>
-            <a:r>
-              <a:rPr lang="en-US" sz="1100" dirty="0" err="1">
-                <a:solidFill>
-                  <a:schemeClr val="bg1"/>
-                </a:solidFill>
-                <a:latin typeface="Courier"/>
-                <a:cs typeface="Courier"/>
-              </a:rPr>
-              <a:t>conf.level</a:t>
-            </a:r>
-            <a:r>
-              <a:rPr lang="en-US" sz="1100" dirty="0">
-                <a:solidFill>
-                  <a:schemeClr val="bg1"/>
-                </a:solidFill>
-                <a:latin typeface="Courier"/>
-                <a:cs typeface="Courier"/>
-              </a:rPr>
-              <a:t> = 0.95)</a:t>
-            </a:r>
-          </a:p>
-          <a:p>
-            <a:endParaRPr lang="en-US" sz="1100" dirty="0">
-              <a:solidFill>
-                <a:schemeClr val="bg1"/>
-              </a:solidFill>
-              <a:latin typeface="Courier"/>
-              <a:cs typeface="Courier"/>
-            </a:endParaRPr>
-          </a:p>
-          <a:p>
-            <a:r>
-              <a:rPr lang="en-US" sz="1100" dirty="0">
-                <a:solidFill>
-                  <a:srgbClr val="FFFF00"/>
-                </a:solidFill>
-                <a:latin typeface="Courier"/>
-                <a:cs typeface="Courier"/>
-              </a:rPr>
-              <a:t># The meaning of the output for </a:t>
-            </a:r>
-            <a:r>
-              <a:rPr lang="en-US" sz="1100" dirty="0" err="1">
-                <a:solidFill>
-                  <a:srgbClr val="FFFF00"/>
-                </a:solidFill>
-                <a:latin typeface="Courier"/>
-                <a:cs typeface="Courier"/>
-              </a:rPr>
-              <a:t>t.test</a:t>
-            </a:r>
-            <a:r>
-              <a:rPr lang="en-US" sz="1100" dirty="0">
-                <a:solidFill>
-                  <a:srgbClr val="FFFF00"/>
-                </a:solidFill>
-                <a:latin typeface="Courier"/>
-                <a:cs typeface="Courier"/>
-              </a:rPr>
-              <a:t>: </a:t>
-            </a:r>
-          </a:p>
-          <a:p>
-            <a:endParaRPr lang="en-US" sz="1100" dirty="0">
-              <a:solidFill>
-                <a:srgbClr val="FFFF00"/>
-              </a:solidFill>
-              <a:latin typeface="Courier"/>
-              <a:cs typeface="Courier"/>
-            </a:endParaRPr>
-          </a:p>
-          <a:p>
-            <a:r>
-              <a:rPr lang="en-US" sz="1100" dirty="0">
-                <a:solidFill>
-                  <a:srgbClr val="FFFF00"/>
-                </a:solidFill>
-                <a:latin typeface="Courier"/>
-                <a:cs typeface="Courier"/>
-              </a:rPr>
-              <a:t># Can we REJECT the NULL HYPOTHESIS? =&gt; Is there evidence that the mean mass is greater than 50.000g?</a:t>
-            </a:r>
-          </a:p>
-          <a:p>
-            <a:r>
-              <a:rPr lang="en-US" sz="1100" dirty="0">
-                <a:solidFill>
-                  <a:srgbClr val="FFFF00"/>
-                </a:solidFill>
-                <a:latin typeface="Courier"/>
-                <a:cs typeface="Courier"/>
-              </a:rPr>
-              <a:t># p-value = 1 (Wow!)</a:t>
-            </a:r>
-          </a:p>
-          <a:p>
-            <a:r>
-              <a:rPr lang="en-US" sz="1100" dirty="0">
-                <a:solidFill>
-                  <a:srgbClr val="FFFF00"/>
-                </a:solidFill>
-                <a:latin typeface="Courier"/>
-                <a:cs typeface="Courier"/>
-              </a:rPr>
-              <a:t># So p is not &lt; 0.05. CANNOT REJECT the NULL HYPOTHESIS. The data is "likely" under the null.</a:t>
-            </a:r>
-          </a:p>
-          <a:p>
-            <a:r>
-              <a:rPr lang="en-US" sz="1100" dirty="0">
-                <a:solidFill>
-                  <a:srgbClr val="FFFF00"/>
-                </a:solidFill>
-                <a:latin typeface="Courier"/>
-                <a:cs typeface="Courier"/>
-              </a:rPr>
-              <a:t># Another </a:t>
-            </a:r>
-            <a:r>
-              <a:rPr lang="en-US" sz="1100" dirty="0" err="1">
-                <a:solidFill>
-                  <a:srgbClr val="FFFF00"/>
-                </a:solidFill>
-                <a:latin typeface="Courier"/>
-                <a:cs typeface="Courier"/>
-              </a:rPr>
-              <a:t>interperitation</a:t>
-            </a:r>
-            <a:r>
-              <a:rPr lang="en-US" sz="1100" dirty="0">
-                <a:solidFill>
-                  <a:srgbClr val="FFFF00"/>
-                </a:solidFill>
-                <a:latin typeface="Courier"/>
-                <a:cs typeface="Courier"/>
-              </a:rPr>
               <a:t>: If the Null were true, we would see data like this often.</a:t>
-            </a:r>
-          </a:p>
-          <a:p>
-            <a:endParaRPr lang="en-US" sz="1100" dirty="0">
-              <a:solidFill>
-                <a:srgbClr val="FFFF00"/>
-              </a:solidFill>
-              <a:latin typeface="Courier"/>
-              <a:cs typeface="Courier"/>
-            </a:endParaRPr>
-          </a:p>
-          <a:p>
-            <a:r>
-              <a:rPr lang="en-US" sz="1100" dirty="0">
-                <a:solidFill>
-                  <a:srgbClr val="FFFF00"/>
-                </a:solidFill>
-                <a:latin typeface="Courier"/>
-                <a:cs typeface="Courier"/>
-              </a:rPr>
-              <a:t># 95 percent confidence interval:</a:t>
-            </a:r>
-          </a:p>
-          <a:p>
-            <a:r>
-              <a:rPr lang="en-US" sz="1100" dirty="0">
-                <a:solidFill>
-                  <a:srgbClr val="FFFF00"/>
-                </a:solidFill>
-                <a:latin typeface="Courier"/>
-                <a:cs typeface="Courier"/>
-              </a:rPr>
-              <a:t>#  49.99942      </a:t>
-            </a:r>
-            <a:r>
-              <a:rPr lang="en-US" sz="1100" dirty="0" err="1">
-                <a:solidFill>
-                  <a:srgbClr val="FFFF00"/>
-                </a:solidFill>
-                <a:latin typeface="Courier"/>
-                <a:cs typeface="Courier"/>
-              </a:rPr>
-              <a:t>Inf</a:t>
-            </a:r>
-            <a:endParaRPr lang="en-US" sz="1100" dirty="0">
-              <a:solidFill>
-                <a:srgbClr val="FFFF00"/>
-              </a:solidFill>
-              <a:latin typeface="Courier"/>
-              <a:cs typeface="Courier"/>
-            </a:endParaRPr>
-          </a:p>
-          <a:p>
-            <a:r>
-              <a:rPr lang="en-US" sz="1100" dirty="0">
-                <a:solidFill>
-                  <a:srgbClr val="FFFF00"/>
-                </a:solidFill>
-                <a:latin typeface="Courier"/>
-                <a:cs typeface="Courier"/>
-              </a:rPr>
-              <a:t># This means: given your sample, the LEAST value the mean could be is 49.99942, with 95% "plausibility”</a:t>
             </a:r>
           </a:p>
         </p:txBody>
@@ -20471,7 +20313,7 @@
 </p:sld>
 </file>
 
-<file path=ppt/slides/slide32.xml><?xml version="1.0" encoding="utf-8"?>
+<file path=ppt/slides/slide31.xml><?xml version="1.0" encoding="utf-8"?>
 <p:sld xmlns:a="http://schemas.openxmlformats.org/drawingml/2006/main" xmlns:r="http://schemas.openxmlformats.org/officeDocument/2006/relationships" xmlns:p="http://schemas.openxmlformats.org/presentationml/2006/main">
   <p:cSld>
     <p:spTree>
@@ -20790,7 +20632,7 @@
 </p:sld>
 </file>
 
-<file path=ppt/slides/slide33.xml><?xml version="1.0" encoding="utf-8"?>
+<file path=ppt/slides/slide32.xml><?xml version="1.0" encoding="utf-8"?>
 <p:sld xmlns:a="http://schemas.openxmlformats.org/drawingml/2006/main" xmlns:r="http://schemas.openxmlformats.org/officeDocument/2006/relationships" xmlns:p="http://schemas.openxmlformats.org/presentationml/2006/main">
   <p:cSld>
     <p:spTree>

--- a/notes/day_2.pptx
+++ b/notes/day_2.pptx
@@ -228,7 +228,7 @@
           <a:p>
             <a:fld id="{893378D4-B4C2-0B44-B8B9-1BC6ADD35CD3}" type="datetimeFigureOut">
               <a:rPr lang="en-US" smtClean="0"/>
-              <a:t>6/21/21</a:t>
+              <a:t>6/22/21</a:t>
             </a:fld>
             <a:endParaRPr lang="en-US"/>
           </a:p>
@@ -1773,7 +1773,7 @@
           <a:p>
             <a:fld id="{329B9DE6-70C2-114F-A77F-B81762DE290D}" type="datetimeFigureOut">
               <a:rPr lang="en-US" smtClean="0"/>
-              <a:t>6/21/21</a:t>
+              <a:t>6/22/21</a:t>
             </a:fld>
             <a:endParaRPr lang="en-US"/>
           </a:p>
@@ -1971,7 +1971,7 @@
           <a:p>
             <a:fld id="{329B9DE6-70C2-114F-A77F-B81762DE290D}" type="datetimeFigureOut">
               <a:rPr lang="en-US" smtClean="0"/>
-              <a:t>6/21/21</a:t>
+              <a:t>6/22/21</a:t>
             </a:fld>
             <a:endParaRPr lang="en-US"/>
           </a:p>
@@ -2179,7 +2179,7 @@
           <a:p>
             <a:fld id="{329B9DE6-70C2-114F-A77F-B81762DE290D}" type="datetimeFigureOut">
               <a:rPr lang="en-US" smtClean="0"/>
-              <a:t>6/21/21</a:t>
+              <a:t>6/22/21</a:t>
             </a:fld>
             <a:endParaRPr lang="en-US"/>
           </a:p>
@@ -2377,7 +2377,7 @@
           <a:p>
             <a:fld id="{329B9DE6-70C2-114F-A77F-B81762DE290D}" type="datetimeFigureOut">
               <a:rPr lang="en-US" smtClean="0"/>
-              <a:t>6/21/21</a:t>
+              <a:t>6/22/21</a:t>
             </a:fld>
             <a:endParaRPr lang="en-US"/>
           </a:p>
@@ -2652,7 +2652,7 @@
           <a:p>
             <a:fld id="{329B9DE6-70C2-114F-A77F-B81762DE290D}" type="datetimeFigureOut">
               <a:rPr lang="en-US" smtClean="0"/>
-              <a:t>6/21/21</a:t>
+              <a:t>6/22/21</a:t>
             </a:fld>
             <a:endParaRPr lang="en-US"/>
           </a:p>
@@ -2917,7 +2917,7 @@
           <a:p>
             <a:fld id="{329B9DE6-70C2-114F-A77F-B81762DE290D}" type="datetimeFigureOut">
               <a:rPr lang="en-US" smtClean="0"/>
-              <a:t>6/21/21</a:t>
+              <a:t>6/22/21</a:t>
             </a:fld>
             <a:endParaRPr lang="en-US"/>
           </a:p>
@@ -3329,7 +3329,7 @@
           <a:p>
             <a:fld id="{329B9DE6-70C2-114F-A77F-B81762DE290D}" type="datetimeFigureOut">
               <a:rPr lang="en-US" smtClean="0"/>
-              <a:t>6/21/21</a:t>
+              <a:t>6/22/21</a:t>
             </a:fld>
             <a:endParaRPr lang="en-US"/>
           </a:p>
@@ -3470,7 +3470,7 @@
           <a:p>
             <a:fld id="{329B9DE6-70C2-114F-A77F-B81762DE290D}" type="datetimeFigureOut">
               <a:rPr lang="en-US" smtClean="0"/>
-              <a:t>6/21/21</a:t>
+              <a:t>6/22/21</a:t>
             </a:fld>
             <a:endParaRPr lang="en-US"/>
           </a:p>
@@ -3583,7 +3583,7 @@
           <a:p>
             <a:fld id="{329B9DE6-70C2-114F-A77F-B81762DE290D}" type="datetimeFigureOut">
               <a:rPr lang="en-US" smtClean="0"/>
-              <a:t>6/21/21</a:t>
+              <a:t>6/22/21</a:t>
             </a:fld>
             <a:endParaRPr lang="en-US"/>
           </a:p>
@@ -3894,7 +3894,7 @@
           <a:p>
             <a:fld id="{329B9DE6-70C2-114F-A77F-B81762DE290D}" type="datetimeFigureOut">
               <a:rPr lang="en-US" smtClean="0"/>
-              <a:t>6/21/21</a:t>
+              <a:t>6/22/21</a:t>
             </a:fld>
             <a:endParaRPr lang="en-US"/>
           </a:p>
@@ -4182,7 +4182,7 @@
           <a:p>
             <a:fld id="{329B9DE6-70C2-114F-A77F-B81762DE290D}" type="datetimeFigureOut">
               <a:rPr lang="en-US" smtClean="0"/>
-              <a:t>6/21/21</a:t>
+              <a:t>6/22/21</a:t>
             </a:fld>
             <a:endParaRPr lang="en-US"/>
           </a:p>
@@ -4423,7 +4423,7 @@
           <a:p>
             <a:fld id="{329B9DE6-70C2-114F-A77F-B81762DE290D}" type="datetimeFigureOut">
               <a:rPr lang="en-US" smtClean="0"/>
-              <a:t>6/21/21</a:t>
+              <a:t>6/22/21</a:t>
             </a:fld>
             <a:endParaRPr lang="en-US"/>
           </a:p>
@@ -5394,7 +5394,7 @@
                 <a:latin typeface="Times New Roman"/>
                 <a:cs typeface="Times New Roman"/>
               </a:rPr>
-              <a:t>I explain the parameters, PMFs, PDFs CDFs, moments and walk them through word problems with incorporating each</a:t>
+              <a:t>I explain the parameters, PMFs, PDFs CDFs, moments and walk the class through word problems incorporating each concept</a:t>
             </a:r>
           </a:p>
         </p:txBody>
@@ -12748,7 +12748,7 @@
                 <a:latin typeface="Courier"/>
                 <a:cs typeface="Courier"/>
               </a:rPr>
-              <a:t>(30 &lt; X &lt; 70):</a:t>
+              <a:t>(30 &lt;= X &lt;= 70):</a:t>
             </a:r>
           </a:p>
           <a:p>
@@ -13403,6 +13403,243 @@
                                           </p:stCondLst>
                                         </p:cTn>
                                         <p:tgtEl>
+                                          <p:spTgt spid="3"/>
+                                        </p:tgtEl>
+                                        <p:attrNameLst>
+                                          <p:attrName>style.visibility</p:attrName>
+                                        </p:attrNameLst>
+                                      </p:cBhvr>
+                                      <p:to>
+                                        <p:strVal val="visible"/>
+                                      </p:to>
+                                    </p:set>
+                                    <p:anim calcmode="lin" valueType="num">
+                                      <p:cBhvr additive="base">
+                                        <p:cTn id="31" dur="500" fill="hold"/>
+                                        <p:tgtEl>
+                                          <p:spTgt spid="3"/>
+                                        </p:tgtEl>
+                                        <p:attrNameLst>
+                                          <p:attrName>ppt_x</p:attrName>
+                                        </p:attrNameLst>
+                                      </p:cBhvr>
+                                      <p:tavLst>
+                                        <p:tav tm="0">
+                                          <p:val>
+                                            <p:strVal val="#ppt_x"/>
+                                          </p:val>
+                                        </p:tav>
+                                        <p:tav tm="100000">
+                                          <p:val>
+                                            <p:strVal val="#ppt_x"/>
+                                          </p:val>
+                                        </p:tav>
+                                      </p:tavLst>
+                                    </p:anim>
+                                    <p:anim calcmode="lin" valueType="num">
+                                      <p:cBhvr additive="base">
+                                        <p:cTn id="32" dur="500" fill="hold"/>
+                                        <p:tgtEl>
+                                          <p:spTgt spid="3"/>
+                                        </p:tgtEl>
+                                        <p:attrNameLst>
+                                          <p:attrName>ppt_y</p:attrName>
+                                        </p:attrNameLst>
+                                      </p:cBhvr>
+                                      <p:tavLst>
+                                        <p:tav tm="0">
+                                          <p:val>
+                                            <p:strVal val="1+#ppt_h/2"/>
+                                          </p:val>
+                                        </p:tav>
+                                        <p:tav tm="100000">
+                                          <p:val>
+                                            <p:strVal val="#ppt_y"/>
+                                          </p:val>
+                                        </p:tav>
+                                      </p:tavLst>
+                                    </p:anim>
+                                  </p:childTnLst>
+                                </p:cTn>
+                              </p:par>
+                              <p:par>
+                                <p:cTn id="33" presetID="2" presetClass="entr" presetSubtype="4" fill="hold" nodeType="withEffect">
+                                  <p:stCondLst>
+                                    <p:cond delay="0"/>
+                                  </p:stCondLst>
+                                  <p:childTnLst>
+                                    <p:set>
+                                      <p:cBhvr>
+                                        <p:cTn id="34" dur="1" fill="hold">
+                                          <p:stCondLst>
+                                            <p:cond delay="0"/>
+                                          </p:stCondLst>
+                                        </p:cTn>
+                                        <p:tgtEl>
+                                          <p:spTgt spid="15"/>
+                                        </p:tgtEl>
+                                        <p:attrNameLst>
+                                          <p:attrName>style.visibility</p:attrName>
+                                        </p:attrNameLst>
+                                      </p:cBhvr>
+                                      <p:to>
+                                        <p:strVal val="visible"/>
+                                      </p:to>
+                                    </p:set>
+                                    <p:anim calcmode="lin" valueType="num">
+                                      <p:cBhvr additive="base">
+                                        <p:cTn id="35" dur="500" fill="hold"/>
+                                        <p:tgtEl>
+                                          <p:spTgt spid="15"/>
+                                        </p:tgtEl>
+                                        <p:attrNameLst>
+                                          <p:attrName>ppt_x</p:attrName>
+                                        </p:attrNameLst>
+                                      </p:cBhvr>
+                                      <p:tavLst>
+                                        <p:tav tm="0">
+                                          <p:val>
+                                            <p:strVal val="#ppt_x"/>
+                                          </p:val>
+                                        </p:tav>
+                                        <p:tav tm="100000">
+                                          <p:val>
+                                            <p:strVal val="#ppt_x"/>
+                                          </p:val>
+                                        </p:tav>
+                                      </p:tavLst>
+                                    </p:anim>
+                                    <p:anim calcmode="lin" valueType="num">
+                                      <p:cBhvr additive="base">
+                                        <p:cTn id="36" dur="500" fill="hold"/>
+                                        <p:tgtEl>
+                                          <p:spTgt spid="15"/>
+                                        </p:tgtEl>
+                                        <p:attrNameLst>
+                                          <p:attrName>ppt_y</p:attrName>
+                                        </p:attrNameLst>
+                                      </p:cBhvr>
+                                      <p:tavLst>
+                                        <p:tav tm="0">
+                                          <p:val>
+                                            <p:strVal val="1+#ppt_h/2"/>
+                                          </p:val>
+                                        </p:tav>
+                                        <p:tav tm="100000">
+                                          <p:val>
+                                            <p:strVal val="#ppt_y"/>
+                                          </p:val>
+                                        </p:tav>
+                                      </p:tavLst>
+                                    </p:anim>
+                                  </p:childTnLst>
+                                </p:cTn>
+                              </p:par>
+                              <p:par>
+                                <p:cTn id="37" presetID="2" presetClass="entr" presetSubtype="4" fill="hold" grpId="0" nodeType="withEffect">
+                                  <p:stCondLst>
+                                    <p:cond delay="0"/>
+                                  </p:stCondLst>
+                                  <p:childTnLst>
+                                    <p:set>
+                                      <p:cBhvr>
+                                        <p:cTn id="38" dur="1" fill="hold">
+                                          <p:stCondLst>
+                                            <p:cond delay="0"/>
+                                          </p:stCondLst>
+                                        </p:cTn>
+                                        <p:tgtEl>
+                                          <p:spTgt spid="2"/>
+                                        </p:tgtEl>
+                                        <p:attrNameLst>
+                                          <p:attrName>style.visibility</p:attrName>
+                                        </p:attrNameLst>
+                                      </p:cBhvr>
+                                      <p:to>
+                                        <p:strVal val="visible"/>
+                                      </p:to>
+                                    </p:set>
+                                    <p:anim calcmode="lin" valueType="num">
+                                      <p:cBhvr additive="base">
+                                        <p:cTn id="39" dur="500" fill="hold"/>
+                                        <p:tgtEl>
+                                          <p:spTgt spid="2"/>
+                                        </p:tgtEl>
+                                        <p:attrNameLst>
+                                          <p:attrName>ppt_x</p:attrName>
+                                        </p:attrNameLst>
+                                      </p:cBhvr>
+                                      <p:tavLst>
+                                        <p:tav tm="0">
+                                          <p:val>
+                                            <p:strVal val="#ppt_x"/>
+                                          </p:val>
+                                        </p:tav>
+                                        <p:tav tm="100000">
+                                          <p:val>
+                                            <p:strVal val="#ppt_x"/>
+                                          </p:val>
+                                        </p:tav>
+                                      </p:tavLst>
+                                    </p:anim>
+                                    <p:anim calcmode="lin" valueType="num">
+                                      <p:cBhvr additive="base">
+                                        <p:cTn id="40" dur="500" fill="hold"/>
+                                        <p:tgtEl>
+                                          <p:spTgt spid="2"/>
+                                        </p:tgtEl>
+                                        <p:attrNameLst>
+                                          <p:attrName>ppt_y</p:attrName>
+                                        </p:attrNameLst>
+                                      </p:cBhvr>
+                                      <p:tavLst>
+                                        <p:tav tm="0">
+                                          <p:val>
+                                            <p:strVal val="1+#ppt_h/2"/>
+                                          </p:val>
+                                        </p:tav>
+                                        <p:tav tm="100000">
+                                          <p:val>
+                                            <p:strVal val="#ppt_y"/>
+                                          </p:val>
+                                        </p:tav>
+                                      </p:tavLst>
+                                    </p:anim>
+                                  </p:childTnLst>
+                                </p:cTn>
+                              </p:par>
+                            </p:childTnLst>
+                          </p:cTn>
+                        </p:par>
+                      </p:childTnLst>
+                    </p:cTn>
+                  </p:par>
+                  <p:par>
+                    <p:cTn id="41" fill="hold">
+                      <p:stCondLst>
+                        <p:cond delay="indefinite"/>
+                      </p:stCondLst>
+                      <p:childTnLst>
+                        <p:par>
+                          <p:cTn id="42" fill="hold">
+                            <p:stCondLst>
+                              <p:cond delay="0"/>
+                            </p:stCondLst>
+                            <p:childTnLst>
+                              <p:par>
+                                <p:cTn id="43" presetID="2" presetClass="entr" presetSubtype="4" fill="hold" grpId="0" nodeType="clickEffect">
+                                  <p:stCondLst>
+                                    <p:cond delay="0"/>
+                                  </p:stCondLst>
+                                  <p:childTnLst>
+                                    <p:set>
+                                      <p:cBhvr>
+                                        <p:cTn id="44" dur="1" fill="hold">
+                                          <p:stCondLst>
+                                            <p:cond delay="0"/>
+                                          </p:stCondLst>
+                                        </p:cTn>
+                                        <p:tgtEl>
                                           <p:spTgt spid="14"/>
                                         </p:tgtEl>
                                         <p:attrNameLst>
@@ -13415,7 +13652,7 @@
                                     </p:set>
                                     <p:anim calcmode="lin" valueType="num">
                                       <p:cBhvr additive="base">
-                                        <p:cTn id="31" dur="500" fill="hold"/>
+                                        <p:cTn id="45" dur="500" fill="hold"/>
                                         <p:tgtEl>
                                           <p:spTgt spid="14"/>
                                         </p:tgtEl>
@@ -13438,7 +13675,7 @@
                                     </p:anim>
                                     <p:anim calcmode="lin" valueType="num">
                                       <p:cBhvr additive="base">
-                                        <p:cTn id="32" dur="500" fill="hold"/>
+                                        <p:cTn id="46" dur="500" fill="hold"/>
                                         <p:tgtEl>
                                           <p:spTgt spid="14"/>
                                         </p:tgtEl>
@@ -13469,26 +13706,26 @@
                     </p:cTn>
                   </p:par>
                   <p:par>
-                    <p:cTn id="33" fill="hold">
+                    <p:cTn id="47" fill="hold">
                       <p:stCondLst>
                         <p:cond delay="indefinite"/>
                       </p:stCondLst>
                       <p:childTnLst>
                         <p:par>
-                          <p:cTn id="34" fill="hold">
+                          <p:cTn id="48" fill="hold">
                             <p:stCondLst>
                               <p:cond delay="0"/>
                             </p:stCondLst>
                             <p:childTnLst>
                               <p:par>
-                                <p:cTn id="35" presetID="2" presetClass="entr" presetSubtype="4" fill="hold" nodeType="clickEffect">
+                                <p:cTn id="49" presetID="2" presetClass="entr" presetSubtype="4" fill="hold" nodeType="clickEffect">
                                   <p:stCondLst>
                                     <p:cond delay="0"/>
                                   </p:stCondLst>
                                   <p:childTnLst>
                                     <p:set>
                                       <p:cBhvr>
-                                        <p:cTn id="36" dur="1" fill="hold">
+                                        <p:cTn id="50" dur="1" fill="hold">
                                           <p:stCondLst>
                                             <p:cond delay="0"/>
                                           </p:stCondLst>
@@ -13506,7 +13743,7 @@
                                     </p:set>
                                     <p:anim calcmode="lin" valueType="num">
                                       <p:cBhvr additive="base">
-                                        <p:cTn id="37" dur="500" fill="hold"/>
+                                        <p:cTn id="51" dur="500" fill="hold"/>
                                         <p:tgtEl>
                                           <p:spTgt spid="6"/>
                                         </p:tgtEl>
@@ -13529,7 +13766,7 @@
                                     </p:anim>
                                     <p:anim calcmode="lin" valueType="num">
                                       <p:cBhvr additive="base">
-                                        <p:cTn id="38" dur="500" fill="hold"/>
+                                        <p:cTn id="52" dur="500" fill="hold"/>
                                         <p:tgtEl>
                                           <p:spTgt spid="6"/>
                                         </p:tgtEl>
@@ -13584,6 +13821,8 @@
       <p:bldP spid="9" grpId="0"/>
       <p:bldP spid="12" grpId="0"/>
       <p:bldP spid="14" grpId="0" animBg="1"/>
+      <p:bldP spid="2" grpId="0"/>
+      <p:bldP spid="3" grpId="0" animBg="1"/>
     </p:bldLst>
   </p:timing>
 </p:sld>
@@ -22533,7 +22772,7 @@
         </p:nvSpPr>
         <p:spPr>
           <a:xfrm>
-            <a:off x="936171" y="2741646"/>
+            <a:off x="936171" y="2796076"/>
             <a:ext cx="9144000" cy="954107"/>
           </a:xfrm>
           <a:prstGeom prst="rect">
@@ -22555,7 +22794,7 @@
                 <a:latin typeface="Times New Roman"/>
                 <a:cs typeface="Times New Roman"/>
               </a:rPr>
-              <a:t>I use this unit to just get class more used to R syntax by translating a word problem into R code with them</a:t>
+              <a:t>I use this unit to get the class more used to R syntax by translating a word problem into R code with them</a:t>
             </a:r>
           </a:p>
         </p:txBody>
@@ -22596,7 +22835,7 @@
                 <a:latin typeface="Times New Roman"/>
                 <a:cs typeface="Times New Roman"/>
               </a:rPr>
-              <a:t>In the past I have asked them to “double check” their R calculations on their hand calculator</a:t>
+              <a:t>In the past I have asked them to “double check” their R calculations on their hand calculator…</a:t>
             </a:r>
           </a:p>
         </p:txBody>
@@ -22615,7 +22854,7 @@
         </p:nvSpPr>
         <p:spPr>
           <a:xfrm>
-            <a:off x="1763486" y="3938879"/>
+            <a:off x="1763486" y="3993309"/>
             <a:ext cx="9144000" cy="830997"/>
           </a:xfrm>
           <a:prstGeom prst="rect">
@@ -22771,7 +23010,7 @@
         <p:spPr>
           <a:xfrm>
             <a:off x="1524000" y="1262199"/>
-            <a:ext cx="9144000" cy="4524315"/>
+            <a:ext cx="9144000" cy="4893647"/>
           </a:xfrm>
           <a:prstGeom prst="rect">
             <a:avLst/>
@@ -22789,7 +23028,7 @@
                 <a:latin typeface="Times New Roman"/>
                 <a:cs typeface="Times New Roman"/>
               </a:rPr>
-              <a:t>Billy is hungry. </a:t>
+              <a:t>Billy is hungry. His only options are Auntie Anne’s and Buffalo Wild Wings.</a:t>
             </a:r>
           </a:p>
           <a:p>
@@ -22978,7 +23217,7 @@
         </p:blipFill>
         <p:spPr>
           <a:xfrm>
-            <a:off x="4071364" y="4294151"/>
+            <a:off x="4071364" y="4642493"/>
             <a:ext cx="1415206" cy="331409"/>
           </a:xfrm>
           <a:prstGeom prst="rect">
@@ -23008,7 +23247,7 @@
         </p:blipFill>
         <p:spPr>
           <a:xfrm>
-            <a:off x="4058934" y="4658785"/>
+            <a:off x="4058934" y="5007127"/>
             <a:ext cx="1565811" cy="325477"/>
           </a:xfrm>
           <a:prstGeom prst="rect">
@@ -23038,7 +23277,7 @@
         </p:blipFill>
         <p:spPr>
           <a:xfrm>
-            <a:off x="4084593" y="3955844"/>
+            <a:off x="4084593" y="4271528"/>
             <a:ext cx="905199" cy="338307"/>
           </a:xfrm>
           <a:prstGeom prst="rect">
@@ -23061,7 +23300,7 @@
         </p:blipFill>
         <p:spPr>
           <a:xfrm>
-            <a:off x="3972874" y="4982279"/>
+            <a:off x="3972874" y="5363279"/>
             <a:ext cx="1612186" cy="378796"/>
           </a:xfrm>
           <a:prstGeom prst="rect">

--- a/notes/day_2.pptx
+++ b/notes/day_2.pptx
@@ -228,7 +228,7 @@
           <a:p>
             <a:fld id="{893378D4-B4C2-0B44-B8B9-1BC6ADD35CD3}" type="datetimeFigureOut">
               <a:rPr lang="en-US" smtClean="0"/>
-              <a:t>6/22/21</a:t>
+              <a:t>6/23/21</a:t>
             </a:fld>
             <a:endParaRPr lang="en-US"/>
           </a:p>
@@ -1773,7 +1773,7 @@
           <a:p>
             <a:fld id="{329B9DE6-70C2-114F-A77F-B81762DE290D}" type="datetimeFigureOut">
               <a:rPr lang="en-US" smtClean="0"/>
-              <a:t>6/22/21</a:t>
+              <a:t>6/23/21</a:t>
             </a:fld>
             <a:endParaRPr lang="en-US"/>
           </a:p>
@@ -1971,7 +1971,7 @@
           <a:p>
             <a:fld id="{329B9DE6-70C2-114F-A77F-B81762DE290D}" type="datetimeFigureOut">
               <a:rPr lang="en-US" smtClean="0"/>
-              <a:t>6/22/21</a:t>
+              <a:t>6/23/21</a:t>
             </a:fld>
             <a:endParaRPr lang="en-US"/>
           </a:p>
@@ -2179,7 +2179,7 @@
           <a:p>
             <a:fld id="{329B9DE6-70C2-114F-A77F-B81762DE290D}" type="datetimeFigureOut">
               <a:rPr lang="en-US" smtClean="0"/>
-              <a:t>6/22/21</a:t>
+              <a:t>6/23/21</a:t>
             </a:fld>
             <a:endParaRPr lang="en-US"/>
           </a:p>
@@ -2377,7 +2377,7 @@
           <a:p>
             <a:fld id="{329B9DE6-70C2-114F-A77F-B81762DE290D}" type="datetimeFigureOut">
               <a:rPr lang="en-US" smtClean="0"/>
-              <a:t>6/22/21</a:t>
+              <a:t>6/23/21</a:t>
             </a:fld>
             <a:endParaRPr lang="en-US"/>
           </a:p>
@@ -2652,7 +2652,7 @@
           <a:p>
             <a:fld id="{329B9DE6-70C2-114F-A77F-B81762DE290D}" type="datetimeFigureOut">
               <a:rPr lang="en-US" smtClean="0"/>
-              <a:t>6/22/21</a:t>
+              <a:t>6/23/21</a:t>
             </a:fld>
             <a:endParaRPr lang="en-US"/>
           </a:p>
@@ -2917,7 +2917,7 @@
           <a:p>
             <a:fld id="{329B9DE6-70C2-114F-A77F-B81762DE290D}" type="datetimeFigureOut">
               <a:rPr lang="en-US" smtClean="0"/>
-              <a:t>6/22/21</a:t>
+              <a:t>6/23/21</a:t>
             </a:fld>
             <a:endParaRPr lang="en-US"/>
           </a:p>
@@ -3329,7 +3329,7 @@
           <a:p>
             <a:fld id="{329B9DE6-70C2-114F-A77F-B81762DE290D}" type="datetimeFigureOut">
               <a:rPr lang="en-US" smtClean="0"/>
-              <a:t>6/22/21</a:t>
+              <a:t>6/23/21</a:t>
             </a:fld>
             <a:endParaRPr lang="en-US"/>
           </a:p>
@@ -3470,7 +3470,7 @@
           <a:p>
             <a:fld id="{329B9DE6-70C2-114F-A77F-B81762DE290D}" type="datetimeFigureOut">
               <a:rPr lang="en-US" smtClean="0"/>
-              <a:t>6/22/21</a:t>
+              <a:t>6/23/21</a:t>
             </a:fld>
             <a:endParaRPr lang="en-US"/>
           </a:p>
@@ -3583,7 +3583,7 @@
           <a:p>
             <a:fld id="{329B9DE6-70C2-114F-A77F-B81762DE290D}" type="datetimeFigureOut">
               <a:rPr lang="en-US" smtClean="0"/>
-              <a:t>6/22/21</a:t>
+              <a:t>6/23/21</a:t>
             </a:fld>
             <a:endParaRPr lang="en-US"/>
           </a:p>
@@ -3894,7 +3894,7 @@
           <a:p>
             <a:fld id="{329B9DE6-70C2-114F-A77F-B81762DE290D}" type="datetimeFigureOut">
               <a:rPr lang="en-US" smtClean="0"/>
-              <a:t>6/22/21</a:t>
+              <a:t>6/23/21</a:t>
             </a:fld>
             <a:endParaRPr lang="en-US"/>
           </a:p>
@@ -4182,7 +4182,7 @@
           <a:p>
             <a:fld id="{329B9DE6-70C2-114F-A77F-B81762DE290D}" type="datetimeFigureOut">
               <a:rPr lang="en-US" smtClean="0"/>
-              <a:t>6/22/21</a:t>
+              <a:t>6/23/21</a:t>
             </a:fld>
             <a:endParaRPr lang="en-US"/>
           </a:p>
@@ -4423,7 +4423,7 @@
           <a:p>
             <a:fld id="{329B9DE6-70C2-114F-A77F-B81762DE290D}" type="datetimeFigureOut">
               <a:rPr lang="en-US" smtClean="0"/>
-              <a:t>6/22/21</a:t>
+              <a:t>6/23/21</a:t>
             </a:fld>
             <a:endParaRPr lang="en-US"/>
           </a:p>
@@ -24953,221 +24953,6 @@
   <p:clrMapOvr>
     <a:masterClrMapping/>
   </p:clrMapOvr>
-  <p:timing>
-    <p:tnLst>
-      <p:par>
-        <p:cTn id="1" dur="indefinite" restart="never" nodeType="tmRoot">
-          <p:childTnLst>
-            <p:seq concurrent="1" nextAc="seek">
-              <p:cTn id="2" dur="indefinite" nodeType="mainSeq">
-                <p:childTnLst>
-                  <p:par>
-                    <p:cTn id="3" fill="hold">
-                      <p:stCondLst>
-                        <p:cond delay="indefinite"/>
-                      </p:stCondLst>
-                      <p:childTnLst>
-                        <p:par>
-                          <p:cTn id="4" fill="hold">
-                            <p:stCondLst>
-                              <p:cond delay="0"/>
-                            </p:stCondLst>
-                            <p:childTnLst>
-                              <p:par>
-                                <p:cTn id="5" presetID="2" presetClass="entr" presetSubtype="4" fill="hold" grpId="0" nodeType="clickEffect">
-                                  <p:stCondLst>
-                                    <p:cond delay="0"/>
-                                  </p:stCondLst>
-                                  <p:childTnLst>
-                                    <p:set>
-                                      <p:cBhvr>
-                                        <p:cTn id="6" dur="1" fill="hold">
-                                          <p:stCondLst>
-                                            <p:cond delay="0"/>
-                                          </p:stCondLst>
-                                        </p:cTn>
-                                        <p:tgtEl>
-                                          <p:spTgt spid="7"/>
-                                        </p:tgtEl>
-                                        <p:attrNameLst>
-                                          <p:attrName>style.visibility</p:attrName>
-                                        </p:attrNameLst>
-                                      </p:cBhvr>
-                                      <p:to>
-                                        <p:strVal val="visible"/>
-                                      </p:to>
-                                    </p:set>
-                                    <p:anim calcmode="lin" valueType="num">
-                                      <p:cBhvr additive="base">
-                                        <p:cTn id="7" dur="500" fill="hold"/>
-                                        <p:tgtEl>
-                                          <p:spTgt spid="7"/>
-                                        </p:tgtEl>
-                                        <p:attrNameLst>
-                                          <p:attrName>ppt_x</p:attrName>
-                                        </p:attrNameLst>
-                                      </p:cBhvr>
-                                      <p:tavLst>
-                                        <p:tav tm="0">
-                                          <p:val>
-                                            <p:strVal val="#ppt_x"/>
-                                          </p:val>
-                                        </p:tav>
-                                        <p:tav tm="100000">
-                                          <p:val>
-                                            <p:strVal val="#ppt_x"/>
-                                          </p:val>
-                                        </p:tav>
-                                      </p:tavLst>
-                                    </p:anim>
-                                    <p:anim calcmode="lin" valueType="num">
-                                      <p:cBhvr additive="base">
-                                        <p:cTn id="8" dur="500" fill="hold"/>
-                                        <p:tgtEl>
-                                          <p:spTgt spid="7"/>
-                                        </p:tgtEl>
-                                        <p:attrNameLst>
-                                          <p:attrName>ppt_y</p:attrName>
-                                        </p:attrNameLst>
-                                      </p:cBhvr>
-                                      <p:tavLst>
-                                        <p:tav tm="0">
-                                          <p:val>
-                                            <p:strVal val="1+#ppt_h/2"/>
-                                          </p:val>
-                                        </p:tav>
-                                        <p:tav tm="100000">
-                                          <p:val>
-                                            <p:strVal val="#ppt_y"/>
-                                          </p:val>
-                                        </p:tav>
-                                      </p:tavLst>
-                                    </p:anim>
-                                  </p:childTnLst>
-                                </p:cTn>
-                              </p:par>
-                            </p:childTnLst>
-                          </p:cTn>
-                        </p:par>
-                      </p:childTnLst>
-                    </p:cTn>
-                  </p:par>
-                  <p:par>
-                    <p:cTn id="9" fill="hold">
-                      <p:stCondLst>
-                        <p:cond delay="indefinite"/>
-                      </p:stCondLst>
-                      <p:childTnLst>
-                        <p:par>
-                          <p:cTn id="10" fill="hold">
-                            <p:stCondLst>
-                              <p:cond delay="0"/>
-                            </p:stCondLst>
-                            <p:childTnLst>
-                              <p:par>
-                                <p:cTn id="11" presetID="2" presetClass="entr" presetSubtype="4" fill="hold" nodeType="clickEffect">
-                                  <p:stCondLst>
-                                    <p:cond delay="0"/>
-                                  </p:stCondLst>
-                                  <p:childTnLst>
-                                    <p:set>
-                                      <p:cBhvr>
-                                        <p:cTn id="12" dur="1" fill="hold">
-                                          <p:stCondLst>
-                                            <p:cond delay="0"/>
-                                          </p:stCondLst>
-                                        </p:cTn>
-                                        <p:tgtEl>
-                                          <p:spTgt spid="2"/>
-                                        </p:tgtEl>
-                                        <p:attrNameLst>
-                                          <p:attrName>style.visibility</p:attrName>
-                                        </p:attrNameLst>
-                                      </p:cBhvr>
-                                      <p:to>
-                                        <p:strVal val="visible"/>
-                                      </p:to>
-                                    </p:set>
-                                    <p:anim calcmode="lin" valueType="num">
-                                      <p:cBhvr additive="base">
-                                        <p:cTn id="13" dur="500" fill="hold"/>
-                                        <p:tgtEl>
-                                          <p:spTgt spid="2"/>
-                                        </p:tgtEl>
-                                        <p:attrNameLst>
-                                          <p:attrName>ppt_x</p:attrName>
-                                        </p:attrNameLst>
-                                      </p:cBhvr>
-                                      <p:tavLst>
-                                        <p:tav tm="0">
-                                          <p:val>
-                                            <p:strVal val="#ppt_x"/>
-                                          </p:val>
-                                        </p:tav>
-                                        <p:tav tm="100000">
-                                          <p:val>
-                                            <p:strVal val="#ppt_x"/>
-                                          </p:val>
-                                        </p:tav>
-                                      </p:tavLst>
-                                    </p:anim>
-                                    <p:anim calcmode="lin" valueType="num">
-                                      <p:cBhvr additive="base">
-                                        <p:cTn id="14" dur="500" fill="hold"/>
-                                        <p:tgtEl>
-                                          <p:spTgt spid="2"/>
-                                        </p:tgtEl>
-                                        <p:attrNameLst>
-                                          <p:attrName>ppt_y</p:attrName>
-                                        </p:attrNameLst>
-                                      </p:cBhvr>
-                                      <p:tavLst>
-                                        <p:tav tm="0">
-                                          <p:val>
-                                            <p:strVal val="1+#ppt_h/2"/>
-                                          </p:val>
-                                        </p:tav>
-                                        <p:tav tm="100000">
-                                          <p:val>
-                                            <p:strVal val="#ppt_y"/>
-                                          </p:val>
-                                        </p:tav>
-                                      </p:tavLst>
-                                    </p:anim>
-                                  </p:childTnLst>
-                                </p:cTn>
-                              </p:par>
-                            </p:childTnLst>
-                          </p:cTn>
-                        </p:par>
-                      </p:childTnLst>
-                    </p:cTn>
-                  </p:par>
-                </p:childTnLst>
-              </p:cTn>
-              <p:prevCondLst>
-                <p:cond evt="onPrev" delay="0">
-                  <p:tgtEl>
-                    <p:sldTgt/>
-                  </p:tgtEl>
-                </p:cond>
-              </p:prevCondLst>
-              <p:nextCondLst>
-                <p:cond evt="onNext" delay="0">
-                  <p:tgtEl>
-                    <p:sldTgt/>
-                  </p:tgtEl>
-                </p:cond>
-              </p:nextCondLst>
-            </p:seq>
-          </p:childTnLst>
-        </p:cTn>
-      </p:par>
-    </p:tnLst>
-    <p:bldLst>
-      <p:bldP spid="7" grpId="0" animBg="1"/>
-    </p:bldLst>
-  </p:timing>
 </p:sld>
 </file>
 
